--- a/day01/课件PPT模板.pptx
+++ b/day01/课件PPT模板.pptx
@@ -1,64 +1,64 @@
 
 <file path=ppt/presentation.xml><?xml version="1.0" encoding="utf-8"?>
-<p:presentation xmlns:a="http://schemas.openxmlformats.org/drawingml/2006/main" xmlns:r="http://schemas.openxmlformats.org/officeDocument/2006/relationships" xmlns:p="http://schemas.openxmlformats.org/presentationml/2006/main">
+<p:presentation xmlns:a="http://schemas.openxmlformats.org/drawingml/2006/main" xmlns:r="http://schemas.openxmlformats.org/officeDocument/2006/relationships" xmlns:p="http://schemas.openxmlformats.org/presentationml/2006/main" xmlns:p14="http://schemas.microsoft.com/office/powerpoint/2010/main">
   <p:sldMasterIdLst>
-    <p:sldMasterId id="2147483648" r:id="rId1"/>
-    <p:sldMasterId id="2147483659" r:id="rId3"/>
+    <p:sldMasterId id="2147483669" r:id="rId15"/>
+    <p:sldMasterId id="2147483670" r:id="rId17"/>
   </p:sldMasterIdLst>
   <p:notesMasterIdLst>
-    <p:notesMasterId r:id="rId6"/>
+    <p:notesMasterId r:id="rId19"/>
   </p:notesMasterIdLst>
   <p:sldIdLst>
-    <p:sldId id="256" r:id="rId4"/>
-    <p:sldId id="269" r:id="rId5"/>
-    <p:sldId id="353" r:id="rId7"/>
-    <p:sldId id="306" r:id="rId8"/>
-    <p:sldId id="307" r:id="rId9"/>
-    <p:sldId id="308" r:id="rId10"/>
-    <p:sldId id="309" r:id="rId11"/>
-    <p:sldId id="310" r:id="rId12"/>
-    <p:sldId id="270" r:id="rId13"/>
-    <p:sldId id="271" r:id="rId14"/>
-    <p:sldId id="272" r:id="rId15"/>
-    <p:sldId id="273" r:id="rId16"/>
-    <p:sldId id="274" r:id="rId17"/>
-    <p:sldId id="275" r:id="rId18"/>
-    <p:sldId id="276" r:id="rId19"/>
-    <p:sldId id="277" r:id="rId20"/>
-    <p:sldId id="278" r:id="rId21"/>
-    <p:sldId id="281" r:id="rId22"/>
-    <p:sldId id="280" r:id="rId23"/>
-    <p:sldId id="283" r:id="rId24"/>
-    <p:sldId id="284" r:id="rId25"/>
-    <p:sldId id="285" r:id="rId26"/>
-    <p:sldId id="286" r:id="rId27"/>
-    <p:sldId id="287" r:id="rId28"/>
-    <p:sldId id="288" r:id="rId29"/>
-    <p:sldId id="289" r:id="rId30"/>
-    <p:sldId id="290" r:id="rId31"/>
-    <p:sldId id="291" r:id="rId32"/>
-    <p:sldId id="295" r:id="rId33"/>
-    <p:sldId id="296" r:id="rId34"/>
-    <p:sldId id="297" r:id="rId35"/>
-    <p:sldId id="298" r:id="rId36"/>
-    <p:sldId id="300" r:id="rId37"/>
-    <p:sldId id="301" r:id="rId38"/>
-    <p:sldId id="302" r:id="rId39"/>
-    <p:sldId id="303" r:id="rId40"/>
-    <p:sldId id="304" r:id="rId41"/>
-    <p:sldId id="321" r:id="rId42"/>
-    <p:sldId id="322" r:id="rId43"/>
-    <p:sldId id="323" r:id="rId44"/>
-    <p:sldId id="324" r:id="rId45"/>
-    <p:sldId id="325" r:id="rId46"/>
-    <p:sldId id="326" r:id="rId47"/>
-    <p:sldId id="279" r:id="rId48"/>
-    <p:sldId id="312" r:id="rId49"/>
-    <p:sldId id="313" r:id="rId50"/>
-    <p:sldId id="315" r:id="rId51"/>
-    <p:sldId id="319" r:id="rId52"/>
-    <p:sldId id="314" r:id="rId53"/>
-    <p:sldId id="320" r:id="rId54"/>
+    <p:sldId id="256" r:id="rId21"/>
+    <p:sldId id="269" r:id="rId22"/>
+    <p:sldId id="353" r:id="rId23"/>
+    <p:sldId id="306" r:id="rId24"/>
+    <p:sldId id="307" r:id="rId26"/>
+    <p:sldId id="308" r:id="rId28"/>
+    <p:sldId id="309" r:id="rId30"/>
+    <p:sldId id="310" r:id="rId31"/>
+    <p:sldId id="270" r:id="rId32"/>
+    <p:sldId id="271" r:id="rId34"/>
+    <p:sldId id="272" r:id="rId36"/>
+    <p:sldId id="273" r:id="rId38"/>
+    <p:sldId id="274" r:id="rId40"/>
+    <p:sldId id="275" r:id="rId42"/>
+    <p:sldId id="276" r:id="rId44"/>
+    <p:sldId id="277" r:id="rId46"/>
+    <p:sldId id="278" r:id="rId48"/>
+    <p:sldId id="281" r:id="rId50"/>
+    <p:sldId id="280" r:id="rId52"/>
+    <p:sldId id="283" r:id="rId54"/>
+    <p:sldId id="284" r:id="rId56"/>
+    <p:sldId id="285" r:id="rId58"/>
+    <p:sldId id="286" r:id="rId60"/>
+    <p:sldId id="287" r:id="rId62"/>
+    <p:sldId id="288" r:id="rId64"/>
+    <p:sldId id="289" r:id="rId66"/>
+    <p:sldId id="290" r:id="rId68"/>
+    <p:sldId id="291" r:id="rId70"/>
+    <p:sldId id="295" r:id="rId72"/>
+    <p:sldId id="296" r:id="rId73"/>
+    <p:sldId id="297" r:id="rId74"/>
+    <p:sldId id="298" r:id="rId75"/>
+    <p:sldId id="300" r:id="rId76"/>
+    <p:sldId id="301" r:id="rId77"/>
+    <p:sldId id="302" r:id="rId78"/>
+    <p:sldId id="303" r:id="rId79"/>
+    <p:sldId id="304" r:id="rId80"/>
+    <p:sldId id="321" r:id="rId81"/>
+    <p:sldId id="322" r:id="rId82"/>
+    <p:sldId id="323" r:id="rId83"/>
+    <p:sldId id="324" r:id="rId84"/>
+    <p:sldId id="325" r:id="rId85"/>
+    <p:sldId id="326" r:id="rId86"/>
+    <p:sldId id="279" r:id="rId87"/>
+    <p:sldId id="312" r:id="rId89"/>
+    <p:sldId id="313" r:id="rId90"/>
+    <p:sldId id="315" r:id="rId91"/>
+    <p:sldId id="319" r:id="rId92"/>
+    <p:sldId id="314" r:id="rId93"/>
+    <p:sldId id="320" r:id="rId94"/>
   </p:sldIdLst>
   <p:sldSz cx="12192000" cy="6858000"/>
   <p:notesSz cx="7103745" cy="10234295"/>
@@ -507,120 +507,6 @@
 </p:notesMaster>
 </file>
 
-<file path=ppt/notesSlides/notesSlide1.xml><?xml version="1.0" encoding="utf-8"?>
-<p:notes xmlns:a="http://schemas.openxmlformats.org/drawingml/2006/main" xmlns:r="http://schemas.openxmlformats.org/officeDocument/2006/relationships" xmlns:p="http://schemas.openxmlformats.org/presentationml/2006/main">
-  <p:cSld>
-    <p:spTree>
-      <p:nvGrpSpPr>
-        <p:cNvPr id="1" name=""/>
-        <p:cNvGrpSpPr/>
-        <p:nvPr/>
-      </p:nvGrpSpPr>
-      <p:grpSpPr>
-        <a:xfrm>
-          <a:off x="0" y="0"/>
-          <a:ext cx="0" cy="0"/>
-          <a:chOff x="0" y="0"/>
-          <a:chExt cx="0" cy="0"/>
-        </a:xfrm>
-      </p:grpSpPr>
-      <p:sp>
-        <p:nvSpPr>
-          <p:cNvPr id="2" name="联机图片占位符 1"/>
-          <p:cNvSpPr>
-            <a:spLocks noChangeAspect="1"/>
-          </p:cNvSpPr>
-          <p:nvPr>
-            <p:ph type="sldImg"/>
-          </p:nvPr>
-        </p:nvSpPr>
-        <p:spPr>
-          <a:xfrm>
-            <a:off x="481330" y="1279525"/>
-            <a:ext cx="6141085" cy="3455035"/>
-          </a:xfrm>
-          <a:prstGeom prst="rect">
-            <a:avLst/>
-          </a:prstGeom>
-          <a:noFill/>
-          <a:ln w="12700" cap="flat" cmpd="sng">
-            <a:solidFill>
-              <a:srgbClr val="000000">
-                <a:alpha val="100000"/>
-              </a:srgbClr>
-            </a:solidFill>
-            <a:prstDash val="solid"/>
-          </a:ln>
-        </p:spPr>
-        <p:txBody>
-          <a:bodyPr vert="horz" wrap="square" lIns="0" tIns="0" rIns="0" bIns="0" anchor="t">
-            <a:noAutofit/>
-          </a:bodyPr>
-          <a:lstStyle/>
-          <a:p>
-            <a:pPr marL="0" indent="0" algn="just" defTabSz="508000" fontAlgn="auto">
-              <a:lnSpc>
-                <a:spcPct val="100000"/>
-              </a:lnSpc>
-              <a:spcBef>
-                <a:spcPts val="0"/>
-              </a:spcBef>
-              <a:spcAft>
-                <a:spcPts val="0"/>
-              </a:spcAft>
-              <a:buFontTx/>
-              <a:buNone/>
-            </a:pPr>
-          </a:p>
-        </p:txBody>
-      </p:sp>
-      <p:sp>
-        <p:nvSpPr>
-          <p:cNvPr id="3" name="文本占位符 2"/>
-          <p:cNvSpPr txBox="1"/>
-          <p:nvPr>
-            <p:ph type="body" idx="3"/>
-          </p:nvPr>
-        </p:nvSpPr>
-        <p:spPr>
-          <a:xfrm>
-            <a:off x="710565" y="4925060"/>
-            <a:ext cx="5683885" cy="4030345"/>
-          </a:xfrm>
-          <a:prstGeom prst="rect">
-            <a:avLst/>
-          </a:prstGeom>
-        </p:spPr>
-        <p:txBody>
-          <a:bodyPr vert="horz" wrap="square" lIns="91440" tIns="45720" rIns="91440" bIns="45720" numCol="1" anchor="t">
-            <a:noAutofit/>
-          </a:bodyPr>
-          <a:lstStyle/>
-          <a:p>
-            <a:pPr marL="0" indent="0" algn="l" defTabSz="914400" fontAlgn="auto" latinLnBrk="0">
-              <a:lnSpc>
-                <a:spcPct val="100000"/>
-              </a:lnSpc>
-              <a:spcBef>
-                <a:spcPts val="0"/>
-              </a:spcBef>
-              <a:spcAft>
-                <a:spcPts val="0"/>
-              </a:spcAft>
-              <a:buFontTx/>
-              <a:buNone/>
-            </a:pPr>
-          </a:p>
-        </p:txBody>
-      </p:sp>
-    </p:spTree>
-  </p:cSld>
-  <p:clrMapOvr>
-    <a:masterClrMapping/>
-  </p:clrMapOvr>
-</p:notes>
-</file>
-
 <file path=ppt/notesSlides/notesSlide10.xml><?xml version="1.0" encoding="utf-8"?>
 <p:notes xmlns:a="http://schemas.openxmlformats.org/drawingml/2006/main" xmlns:r="http://schemas.openxmlformats.org/officeDocument/2006/relationships" xmlns:p="http://schemas.openxmlformats.org/presentationml/2006/main">
   <p:cSld>
@@ -1335,7 +1221,7 @@
         <p:spPr>
           <a:xfrm>
             <a:off x="481330" y="1279525"/>
-            <a:ext cx="6141085" cy="3455035"/>
+            <a:ext cx="6141720" cy="3455670"/>
           </a:xfrm>
           <a:prstGeom prst="rect">
             <a:avLst/>
@@ -1351,12 +1237,12 @@
           </a:ln>
         </p:spPr>
         <p:txBody>
-          <a:bodyPr vert="horz" wrap="square" lIns="0" tIns="0" rIns="0" bIns="0" anchor="t">
+          <a:bodyPr vert="horz" wrap="square" lIns="0" tIns="0" rIns="0" bIns="0" numCol="1" anchor="t">
             <a:noAutofit/>
           </a:bodyPr>
           <a:lstStyle/>
           <a:p>
-            <a:pPr marL="0" indent="0" algn="just" defTabSz="508000" fontAlgn="auto">
+            <a:pPr marL="0" indent="0" algn="just" defTabSz="508000" fontAlgn="auto" latinLnBrk="0">
               <a:lnSpc>
                 <a:spcPct val="100000"/>
               </a:lnSpc>
@@ -1383,7 +1269,7 @@
         <p:spPr>
           <a:xfrm>
             <a:off x="710565" y="4925060"/>
-            <a:ext cx="5683885" cy="4030345"/>
+            <a:ext cx="5684520" cy="4030980"/>
           </a:xfrm>
           <a:prstGeom prst="rect">
             <a:avLst/>
@@ -1449,7 +1335,7 @@
         <p:spPr>
           <a:xfrm>
             <a:off x="481330" y="1279525"/>
-            <a:ext cx="6141085" cy="3455035"/>
+            <a:ext cx="6141720" cy="3455670"/>
           </a:xfrm>
           <a:prstGeom prst="rect">
             <a:avLst/>
@@ -1465,12 +1351,12 @@
           </a:ln>
         </p:spPr>
         <p:txBody>
-          <a:bodyPr vert="horz" wrap="square" lIns="0" tIns="0" rIns="0" bIns="0" anchor="t">
+          <a:bodyPr vert="horz" wrap="square" lIns="0" tIns="0" rIns="0" bIns="0" numCol="1" anchor="t">
             <a:noAutofit/>
           </a:bodyPr>
           <a:lstStyle/>
           <a:p>
-            <a:pPr marL="0" indent="0" algn="just" defTabSz="508000" fontAlgn="auto">
+            <a:pPr marL="0" indent="0" algn="just" defTabSz="508000" fontAlgn="auto" latinLnBrk="0">
               <a:lnSpc>
                 <a:spcPct val="100000"/>
               </a:lnSpc>
@@ -1497,7 +1383,7 @@
         <p:spPr>
           <a:xfrm>
             <a:off x="710565" y="4925060"/>
-            <a:ext cx="5683885" cy="4030345"/>
+            <a:ext cx="5684520" cy="4030980"/>
           </a:xfrm>
           <a:prstGeom prst="rect">
             <a:avLst/>
@@ -1563,7 +1449,7 @@
         <p:spPr>
           <a:xfrm>
             <a:off x="481330" y="1279525"/>
-            <a:ext cx="6141085" cy="3455035"/>
+            <a:ext cx="6141720" cy="3455670"/>
           </a:xfrm>
           <a:prstGeom prst="rect">
             <a:avLst/>
@@ -1579,12 +1465,12 @@
           </a:ln>
         </p:spPr>
         <p:txBody>
-          <a:bodyPr vert="horz" wrap="square" lIns="0" tIns="0" rIns="0" bIns="0" anchor="t">
+          <a:bodyPr vert="horz" wrap="square" lIns="0" tIns="0" rIns="0" bIns="0" numCol="1" anchor="t">
             <a:noAutofit/>
           </a:bodyPr>
           <a:lstStyle/>
           <a:p>
-            <a:pPr marL="0" indent="0" algn="just" defTabSz="508000" fontAlgn="auto">
+            <a:pPr marL="0" indent="0" algn="just" defTabSz="508000" fontAlgn="auto" latinLnBrk="0">
               <a:lnSpc>
                 <a:spcPct val="100000"/>
               </a:lnSpc>
@@ -1611,7 +1497,7 @@
         <p:spPr>
           <a:xfrm>
             <a:off x="710565" y="4925060"/>
-            <a:ext cx="5683885" cy="4030345"/>
+            <a:ext cx="5684520" cy="4030980"/>
           </a:xfrm>
           <a:prstGeom prst="rect">
             <a:avLst/>
@@ -1677,7 +1563,7 @@
         <p:spPr>
           <a:xfrm>
             <a:off x="481330" y="1279525"/>
-            <a:ext cx="6141085" cy="3455035"/>
+            <a:ext cx="6141720" cy="3455670"/>
           </a:xfrm>
           <a:prstGeom prst="rect">
             <a:avLst/>
@@ -1693,12 +1579,12 @@
           </a:ln>
         </p:spPr>
         <p:txBody>
-          <a:bodyPr vert="horz" wrap="square" lIns="0" tIns="0" rIns="0" bIns="0" anchor="t">
+          <a:bodyPr vert="horz" wrap="square" lIns="0" tIns="0" rIns="0" bIns="0" numCol="1" anchor="t">
             <a:noAutofit/>
           </a:bodyPr>
           <a:lstStyle/>
           <a:p>
-            <a:pPr marL="0" indent="0" algn="just" defTabSz="508000" fontAlgn="auto">
+            <a:pPr marL="0" indent="0" algn="just" defTabSz="508000" fontAlgn="auto" latinLnBrk="0">
               <a:lnSpc>
                 <a:spcPct val="100000"/>
               </a:lnSpc>
@@ -1725,7 +1611,7 @@
         <p:spPr>
           <a:xfrm>
             <a:off x="710565" y="4925060"/>
-            <a:ext cx="5683885" cy="4030345"/>
+            <a:ext cx="5684520" cy="4030980"/>
           </a:xfrm>
           <a:prstGeom prst="rect">
             <a:avLst/>
@@ -1791,7 +1677,7 @@
         <p:spPr>
           <a:xfrm>
             <a:off x="481330" y="1279525"/>
-            <a:ext cx="6141720" cy="3455670"/>
+            <a:ext cx="6141085" cy="3455035"/>
           </a:xfrm>
           <a:prstGeom prst="rect">
             <a:avLst/>
@@ -1807,12 +1693,12 @@
           </a:ln>
         </p:spPr>
         <p:txBody>
-          <a:bodyPr vert="horz" wrap="square" lIns="0" tIns="0" rIns="0" bIns="0" numCol="1" anchor="t">
+          <a:bodyPr vert="horz" wrap="square" lIns="0" tIns="0" rIns="0" bIns="0" anchor="t">
             <a:noAutofit/>
           </a:bodyPr>
           <a:lstStyle/>
           <a:p>
-            <a:pPr marL="0" indent="0" algn="just" defTabSz="508000" fontAlgn="auto" latinLnBrk="0">
+            <a:pPr marL="0" indent="0" algn="just" defTabSz="508000" fontAlgn="auto">
               <a:lnSpc>
                 <a:spcPct val="100000"/>
               </a:lnSpc>
@@ -1839,7 +1725,7 @@
         <p:spPr>
           <a:xfrm>
             <a:off x="710565" y="4925060"/>
-            <a:ext cx="5684520" cy="4030980"/>
+            <a:ext cx="5683885" cy="4030345"/>
           </a:xfrm>
           <a:prstGeom prst="rect">
             <a:avLst/>
@@ -2475,7 +2361,7 @@
         <p:spPr>
           <a:xfrm>
             <a:off x="481330" y="1279525"/>
-            <a:ext cx="6141720" cy="3455670"/>
+            <a:ext cx="6141085" cy="3455035"/>
           </a:xfrm>
           <a:prstGeom prst="rect">
             <a:avLst/>
@@ -2491,12 +2377,12 @@
           </a:ln>
         </p:spPr>
         <p:txBody>
-          <a:bodyPr vert="horz" wrap="square" lIns="0" tIns="0" rIns="0" bIns="0" numCol="1" anchor="t">
+          <a:bodyPr vert="horz" wrap="square" lIns="0" tIns="0" rIns="0" bIns="0" anchor="t">
             <a:noAutofit/>
           </a:bodyPr>
           <a:lstStyle/>
           <a:p>
-            <a:pPr marL="0" indent="0" algn="just" defTabSz="508000" fontAlgn="auto" latinLnBrk="0">
+            <a:pPr marL="0" indent="0" algn="just" defTabSz="508000" fontAlgn="auto">
               <a:lnSpc>
                 <a:spcPct val="100000"/>
               </a:lnSpc>
@@ -2523,7 +2409,7 @@
         <p:spPr>
           <a:xfrm>
             <a:off x="710565" y="4925060"/>
-            <a:ext cx="5684520" cy="4030980"/>
+            <a:ext cx="5683885" cy="4030345"/>
           </a:xfrm>
           <a:prstGeom prst="rect">
             <a:avLst/>
@@ -2559,7 +2445,7 @@
 </p:notes>
 </file>
 
-<file path=ppt/notesSlides/notesSlide3.xml><?xml version="1.0" encoding="utf-8"?>
+<file path=ppt/notesSlides/notesSlide26.xml><?xml version="1.0" encoding="utf-8"?>
 <p:notes xmlns:a="http://schemas.openxmlformats.org/drawingml/2006/main" xmlns:r="http://schemas.openxmlformats.org/officeDocument/2006/relationships" xmlns:p="http://schemas.openxmlformats.org/presentationml/2006/main">
   <p:cSld>
     <p:spTree>
@@ -2589,7 +2475,7 @@
         <p:spPr>
           <a:xfrm>
             <a:off x="481330" y="1279525"/>
-            <a:ext cx="6141720" cy="3455670"/>
+            <a:ext cx="6141085" cy="3455035"/>
           </a:xfrm>
           <a:prstGeom prst="rect">
             <a:avLst/>
@@ -2605,12 +2491,12 @@
           </a:ln>
         </p:spPr>
         <p:txBody>
-          <a:bodyPr vert="horz" wrap="square" lIns="0" tIns="0" rIns="0" bIns="0" numCol="1" anchor="t">
+          <a:bodyPr vert="horz" wrap="square" lIns="0" tIns="0" rIns="0" bIns="0" anchor="t">
             <a:noAutofit/>
           </a:bodyPr>
           <a:lstStyle/>
           <a:p>
-            <a:pPr marL="0" indent="0" algn="just" defTabSz="508000" fontAlgn="auto" latinLnBrk="0">
+            <a:pPr marL="0" indent="0" algn="just" defTabSz="508000" fontAlgn="auto">
               <a:lnSpc>
                 <a:spcPct val="100000"/>
               </a:lnSpc>
@@ -2637,7 +2523,235 @@
         <p:spPr>
           <a:xfrm>
             <a:off x="710565" y="4925060"/>
-            <a:ext cx="5684520" cy="4030980"/>
+            <a:ext cx="5683885" cy="4030345"/>
+          </a:xfrm>
+          <a:prstGeom prst="rect">
+            <a:avLst/>
+          </a:prstGeom>
+        </p:spPr>
+        <p:txBody>
+          <a:bodyPr vert="horz" wrap="square" lIns="91440" tIns="45720" rIns="91440" bIns="45720" numCol="1" anchor="t">
+            <a:noAutofit/>
+          </a:bodyPr>
+          <a:lstStyle/>
+          <a:p>
+            <a:pPr marL="0" indent="0" algn="l" defTabSz="914400" fontAlgn="auto" latinLnBrk="0">
+              <a:lnSpc>
+                <a:spcPct val="100000"/>
+              </a:lnSpc>
+              <a:spcBef>
+                <a:spcPts val="0"/>
+              </a:spcBef>
+              <a:spcAft>
+                <a:spcPts val="0"/>
+              </a:spcAft>
+              <a:buFontTx/>
+              <a:buNone/>
+            </a:pPr>
+          </a:p>
+        </p:txBody>
+      </p:sp>
+    </p:spTree>
+  </p:cSld>
+  <p:clrMapOvr>
+    <a:masterClrMapping/>
+  </p:clrMapOvr>
+</p:notes>
+</file>
+
+<file path=ppt/notesSlides/notesSlide27.xml><?xml version="1.0" encoding="utf-8"?>
+<p:notes xmlns:a="http://schemas.openxmlformats.org/drawingml/2006/main" xmlns:r="http://schemas.openxmlformats.org/officeDocument/2006/relationships" xmlns:p="http://schemas.openxmlformats.org/presentationml/2006/main">
+  <p:cSld>
+    <p:spTree>
+      <p:nvGrpSpPr>
+        <p:cNvPr id="1" name=""/>
+        <p:cNvGrpSpPr/>
+        <p:nvPr/>
+      </p:nvGrpSpPr>
+      <p:grpSpPr>
+        <a:xfrm>
+          <a:off x="0" y="0"/>
+          <a:ext cx="0" cy="0"/>
+          <a:chOff x="0" y="0"/>
+          <a:chExt cx="0" cy="0"/>
+        </a:xfrm>
+      </p:grpSpPr>
+      <p:sp>
+        <p:nvSpPr>
+          <p:cNvPr id="2" name="联机图片占位符 1"/>
+          <p:cNvSpPr>
+            <a:spLocks noChangeAspect="1"/>
+          </p:cNvSpPr>
+          <p:nvPr>
+            <p:ph type="sldImg"/>
+          </p:nvPr>
+        </p:nvSpPr>
+        <p:spPr>
+          <a:xfrm>
+            <a:off x="481330" y="1279525"/>
+            <a:ext cx="6141085" cy="3455035"/>
+          </a:xfrm>
+          <a:prstGeom prst="rect">
+            <a:avLst/>
+          </a:prstGeom>
+          <a:noFill/>
+          <a:ln w="12700" cap="flat" cmpd="sng">
+            <a:solidFill>
+              <a:srgbClr val="000000">
+                <a:alpha val="100000"/>
+              </a:srgbClr>
+            </a:solidFill>
+            <a:prstDash val="solid"/>
+          </a:ln>
+        </p:spPr>
+        <p:txBody>
+          <a:bodyPr vert="horz" wrap="square" lIns="0" tIns="0" rIns="0" bIns="0" anchor="t">
+            <a:noAutofit/>
+          </a:bodyPr>
+          <a:lstStyle/>
+          <a:p>
+            <a:pPr marL="0" indent="0" algn="just" defTabSz="508000" fontAlgn="auto">
+              <a:lnSpc>
+                <a:spcPct val="100000"/>
+              </a:lnSpc>
+              <a:spcBef>
+                <a:spcPts val="0"/>
+              </a:spcBef>
+              <a:spcAft>
+                <a:spcPts val="0"/>
+              </a:spcAft>
+              <a:buFontTx/>
+              <a:buNone/>
+            </a:pPr>
+          </a:p>
+        </p:txBody>
+      </p:sp>
+      <p:sp>
+        <p:nvSpPr>
+          <p:cNvPr id="3" name="文本占位符 2"/>
+          <p:cNvSpPr txBox="1"/>
+          <p:nvPr>
+            <p:ph type="body" idx="3"/>
+          </p:nvPr>
+        </p:nvSpPr>
+        <p:spPr>
+          <a:xfrm>
+            <a:off x="710565" y="4925060"/>
+            <a:ext cx="5683885" cy="4030345"/>
+          </a:xfrm>
+          <a:prstGeom prst="rect">
+            <a:avLst/>
+          </a:prstGeom>
+        </p:spPr>
+        <p:txBody>
+          <a:bodyPr vert="horz" wrap="square" lIns="91440" tIns="45720" rIns="91440" bIns="45720" numCol="1" anchor="t">
+            <a:noAutofit/>
+          </a:bodyPr>
+          <a:lstStyle/>
+          <a:p>
+            <a:pPr marL="0" indent="0" algn="l" defTabSz="914400" fontAlgn="auto" latinLnBrk="0">
+              <a:lnSpc>
+                <a:spcPct val="100000"/>
+              </a:lnSpc>
+              <a:spcBef>
+                <a:spcPts val="0"/>
+              </a:spcBef>
+              <a:spcAft>
+                <a:spcPts val="0"/>
+              </a:spcAft>
+              <a:buFontTx/>
+              <a:buNone/>
+            </a:pPr>
+          </a:p>
+        </p:txBody>
+      </p:sp>
+    </p:spTree>
+  </p:cSld>
+  <p:clrMapOvr>
+    <a:masterClrMapping/>
+  </p:clrMapOvr>
+</p:notes>
+</file>
+
+<file path=ppt/notesSlides/notesSlide28.xml><?xml version="1.0" encoding="utf-8"?>
+<p:notes xmlns:a="http://schemas.openxmlformats.org/drawingml/2006/main" xmlns:r="http://schemas.openxmlformats.org/officeDocument/2006/relationships" xmlns:p="http://schemas.openxmlformats.org/presentationml/2006/main">
+  <p:cSld>
+    <p:spTree>
+      <p:nvGrpSpPr>
+        <p:cNvPr id="1" name=""/>
+        <p:cNvGrpSpPr/>
+        <p:nvPr/>
+      </p:nvGrpSpPr>
+      <p:grpSpPr>
+        <a:xfrm>
+          <a:off x="0" y="0"/>
+          <a:ext cx="0" cy="0"/>
+          <a:chOff x="0" y="0"/>
+          <a:chExt cx="0" cy="0"/>
+        </a:xfrm>
+      </p:grpSpPr>
+      <p:sp>
+        <p:nvSpPr>
+          <p:cNvPr id="2" name="联机图片占位符 1"/>
+          <p:cNvSpPr>
+            <a:spLocks noChangeAspect="1"/>
+          </p:cNvSpPr>
+          <p:nvPr>
+            <p:ph type="sldImg"/>
+          </p:nvPr>
+        </p:nvSpPr>
+        <p:spPr>
+          <a:xfrm>
+            <a:off x="481330" y="1279525"/>
+            <a:ext cx="6141085" cy="3455035"/>
+          </a:xfrm>
+          <a:prstGeom prst="rect">
+            <a:avLst/>
+          </a:prstGeom>
+          <a:noFill/>
+          <a:ln w="12700" cap="flat" cmpd="sng">
+            <a:solidFill>
+              <a:srgbClr val="000000">
+                <a:alpha val="100000"/>
+              </a:srgbClr>
+            </a:solidFill>
+            <a:prstDash val="solid"/>
+          </a:ln>
+        </p:spPr>
+        <p:txBody>
+          <a:bodyPr vert="horz" wrap="square" lIns="0" tIns="0" rIns="0" bIns="0" anchor="t">
+            <a:noAutofit/>
+          </a:bodyPr>
+          <a:lstStyle/>
+          <a:p>
+            <a:pPr marL="0" indent="0" algn="just" defTabSz="508000" fontAlgn="auto">
+              <a:lnSpc>
+                <a:spcPct val="100000"/>
+              </a:lnSpc>
+              <a:spcBef>
+                <a:spcPts val="0"/>
+              </a:spcBef>
+              <a:spcAft>
+                <a:spcPts val="0"/>
+              </a:spcAft>
+              <a:buFontTx/>
+              <a:buNone/>
+            </a:pPr>
+          </a:p>
+        </p:txBody>
+      </p:sp>
+      <p:sp>
+        <p:nvSpPr>
+          <p:cNvPr id="3" name="文本占位符 2"/>
+          <p:cNvSpPr txBox="1"/>
+          <p:nvPr>
+            <p:ph type="body" idx="3"/>
+          </p:nvPr>
+        </p:nvSpPr>
+        <p:spPr>
+          <a:xfrm>
+            <a:off x="710565" y="4925060"/>
+            <a:ext cx="5683885" cy="4030345"/>
           </a:xfrm>
           <a:prstGeom prst="rect">
             <a:avLst/>
@@ -2787,6 +2901,120 @@
 </p:notes>
 </file>
 
+<file path=ppt/notesSlides/notesSlide44.xml><?xml version="1.0" encoding="utf-8"?>
+<p:notes xmlns:a="http://schemas.openxmlformats.org/drawingml/2006/main" xmlns:r="http://schemas.openxmlformats.org/officeDocument/2006/relationships" xmlns:p="http://schemas.openxmlformats.org/presentationml/2006/main">
+  <p:cSld>
+    <p:spTree>
+      <p:nvGrpSpPr>
+        <p:cNvPr id="1" name=""/>
+        <p:cNvGrpSpPr/>
+        <p:nvPr/>
+      </p:nvGrpSpPr>
+      <p:grpSpPr>
+        <a:xfrm>
+          <a:off x="0" y="0"/>
+          <a:ext cx="0" cy="0"/>
+          <a:chOff x="0" y="0"/>
+          <a:chExt cx="0" cy="0"/>
+        </a:xfrm>
+      </p:grpSpPr>
+      <p:sp>
+        <p:nvSpPr>
+          <p:cNvPr id="2" name="联机图片占位符 1"/>
+          <p:cNvSpPr>
+            <a:spLocks noChangeAspect="1"/>
+          </p:cNvSpPr>
+          <p:nvPr>
+            <p:ph type="sldImg"/>
+          </p:nvPr>
+        </p:nvSpPr>
+        <p:spPr>
+          <a:xfrm>
+            <a:off x="481330" y="1279525"/>
+            <a:ext cx="6141720" cy="3455670"/>
+          </a:xfrm>
+          <a:prstGeom prst="rect">
+            <a:avLst/>
+          </a:prstGeom>
+          <a:noFill/>
+          <a:ln w="12700" cap="flat" cmpd="sng">
+            <a:solidFill>
+              <a:srgbClr val="000000">
+                <a:alpha val="100000"/>
+              </a:srgbClr>
+            </a:solidFill>
+            <a:prstDash val="solid"/>
+          </a:ln>
+        </p:spPr>
+        <p:txBody>
+          <a:bodyPr vert="horz" wrap="square" lIns="0" tIns="0" rIns="0" bIns="0" numCol="1" anchor="t">
+            <a:noAutofit/>
+          </a:bodyPr>
+          <a:lstStyle/>
+          <a:p>
+            <a:pPr marL="0" indent="0" algn="just" defTabSz="508000" fontAlgn="auto" latinLnBrk="0">
+              <a:lnSpc>
+                <a:spcPct val="100000"/>
+              </a:lnSpc>
+              <a:spcBef>
+                <a:spcPts val="0"/>
+              </a:spcBef>
+              <a:spcAft>
+                <a:spcPts val="0"/>
+              </a:spcAft>
+              <a:buFontTx/>
+              <a:buNone/>
+            </a:pPr>
+          </a:p>
+        </p:txBody>
+      </p:sp>
+      <p:sp>
+        <p:nvSpPr>
+          <p:cNvPr id="3" name="文本占位符 2"/>
+          <p:cNvSpPr txBox="1"/>
+          <p:nvPr>
+            <p:ph type="body" idx="3"/>
+          </p:nvPr>
+        </p:nvSpPr>
+        <p:spPr>
+          <a:xfrm>
+            <a:off x="710565" y="4925060"/>
+            <a:ext cx="5684520" cy="4030980"/>
+          </a:xfrm>
+          <a:prstGeom prst="rect">
+            <a:avLst/>
+          </a:prstGeom>
+        </p:spPr>
+        <p:txBody>
+          <a:bodyPr vert="horz" wrap="square" lIns="91440" tIns="45720" rIns="91440" bIns="45720" numCol="1" anchor="t">
+            <a:noAutofit/>
+          </a:bodyPr>
+          <a:lstStyle/>
+          <a:p>
+            <a:pPr marL="0" indent="0" algn="l" defTabSz="914400" fontAlgn="auto" latinLnBrk="0">
+              <a:lnSpc>
+                <a:spcPct val="100000"/>
+              </a:lnSpc>
+              <a:spcBef>
+                <a:spcPts val="0"/>
+              </a:spcBef>
+              <a:spcAft>
+                <a:spcPts val="0"/>
+              </a:spcAft>
+              <a:buFontTx/>
+              <a:buNone/>
+            </a:pPr>
+          </a:p>
+        </p:txBody>
+      </p:sp>
+    </p:spTree>
+  </p:cSld>
+  <p:clrMapOvr>
+    <a:masterClrMapping/>
+  </p:clrMapOvr>
+</p:notes>
+</file>
+
 <file path=ppt/notesSlides/notesSlide5.xml><?xml version="1.0" encoding="utf-8"?>
 <p:notes xmlns:a="http://schemas.openxmlformats.org/drawingml/2006/main" xmlns:r="http://schemas.openxmlformats.org/officeDocument/2006/relationships" xmlns:p="http://schemas.openxmlformats.org/presentationml/2006/main">
   <p:cSld>
@@ -2902,234 +3130,6 @@
 </file>
 
 <file path=ppt/notesSlides/notesSlide6.xml><?xml version="1.0" encoding="utf-8"?>
-<p:notes xmlns:a="http://schemas.openxmlformats.org/drawingml/2006/main" xmlns:r="http://schemas.openxmlformats.org/officeDocument/2006/relationships" xmlns:p="http://schemas.openxmlformats.org/presentationml/2006/main">
-  <p:cSld>
-    <p:spTree>
-      <p:nvGrpSpPr>
-        <p:cNvPr id="1" name=""/>
-        <p:cNvGrpSpPr/>
-        <p:nvPr/>
-      </p:nvGrpSpPr>
-      <p:grpSpPr>
-        <a:xfrm>
-          <a:off x="0" y="0"/>
-          <a:ext cx="0" cy="0"/>
-          <a:chOff x="0" y="0"/>
-          <a:chExt cx="0" cy="0"/>
-        </a:xfrm>
-      </p:grpSpPr>
-      <p:sp>
-        <p:nvSpPr>
-          <p:cNvPr id="2" name="联机图片占位符 1"/>
-          <p:cNvSpPr>
-            <a:spLocks noChangeAspect="1"/>
-          </p:cNvSpPr>
-          <p:nvPr>
-            <p:ph type="sldImg"/>
-          </p:nvPr>
-        </p:nvSpPr>
-        <p:spPr>
-          <a:xfrm>
-            <a:off x="481330" y="1279525"/>
-            <a:ext cx="6141720" cy="3455670"/>
-          </a:xfrm>
-          <a:prstGeom prst="rect">
-            <a:avLst/>
-          </a:prstGeom>
-          <a:noFill/>
-          <a:ln w="12700" cap="flat" cmpd="sng">
-            <a:solidFill>
-              <a:srgbClr val="000000">
-                <a:alpha val="100000"/>
-              </a:srgbClr>
-            </a:solidFill>
-            <a:prstDash val="solid"/>
-          </a:ln>
-        </p:spPr>
-        <p:txBody>
-          <a:bodyPr vert="horz" wrap="square" lIns="0" tIns="0" rIns="0" bIns="0" numCol="1" anchor="t">
-            <a:noAutofit/>
-          </a:bodyPr>
-          <a:lstStyle/>
-          <a:p>
-            <a:pPr marL="0" indent="0" algn="just" defTabSz="508000" fontAlgn="auto" latinLnBrk="0">
-              <a:lnSpc>
-                <a:spcPct val="100000"/>
-              </a:lnSpc>
-              <a:spcBef>
-                <a:spcPts val="0"/>
-              </a:spcBef>
-              <a:spcAft>
-                <a:spcPts val="0"/>
-              </a:spcAft>
-              <a:buFontTx/>
-              <a:buNone/>
-            </a:pPr>
-          </a:p>
-        </p:txBody>
-      </p:sp>
-      <p:sp>
-        <p:nvSpPr>
-          <p:cNvPr id="3" name="文本占位符 2"/>
-          <p:cNvSpPr txBox="1"/>
-          <p:nvPr>
-            <p:ph type="body" idx="3"/>
-          </p:nvPr>
-        </p:nvSpPr>
-        <p:spPr>
-          <a:xfrm>
-            <a:off x="710565" y="4925060"/>
-            <a:ext cx="5684520" cy="4030980"/>
-          </a:xfrm>
-          <a:prstGeom prst="rect">
-            <a:avLst/>
-          </a:prstGeom>
-        </p:spPr>
-        <p:txBody>
-          <a:bodyPr vert="horz" wrap="square" lIns="91440" tIns="45720" rIns="91440" bIns="45720" numCol="1" anchor="t">
-            <a:noAutofit/>
-          </a:bodyPr>
-          <a:lstStyle/>
-          <a:p>
-            <a:pPr marL="0" indent="0" algn="l" defTabSz="914400" fontAlgn="auto" latinLnBrk="0">
-              <a:lnSpc>
-                <a:spcPct val="100000"/>
-              </a:lnSpc>
-              <a:spcBef>
-                <a:spcPts val="0"/>
-              </a:spcBef>
-              <a:spcAft>
-                <a:spcPts val="0"/>
-              </a:spcAft>
-              <a:buFontTx/>
-              <a:buNone/>
-            </a:pPr>
-          </a:p>
-        </p:txBody>
-      </p:sp>
-    </p:spTree>
-  </p:cSld>
-  <p:clrMapOvr>
-    <a:masterClrMapping/>
-  </p:clrMapOvr>
-</p:notes>
-</file>
-
-<file path=ppt/notesSlides/notesSlide7.xml><?xml version="1.0" encoding="utf-8"?>
-<p:notes xmlns:a="http://schemas.openxmlformats.org/drawingml/2006/main" xmlns:r="http://schemas.openxmlformats.org/officeDocument/2006/relationships" xmlns:p="http://schemas.openxmlformats.org/presentationml/2006/main">
-  <p:cSld>
-    <p:spTree>
-      <p:nvGrpSpPr>
-        <p:cNvPr id="1" name=""/>
-        <p:cNvGrpSpPr/>
-        <p:nvPr/>
-      </p:nvGrpSpPr>
-      <p:grpSpPr>
-        <a:xfrm>
-          <a:off x="0" y="0"/>
-          <a:ext cx="0" cy="0"/>
-          <a:chOff x="0" y="0"/>
-          <a:chExt cx="0" cy="0"/>
-        </a:xfrm>
-      </p:grpSpPr>
-      <p:sp>
-        <p:nvSpPr>
-          <p:cNvPr id="2" name="联机图片占位符 1"/>
-          <p:cNvSpPr>
-            <a:spLocks noChangeAspect="1"/>
-          </p:cNvSpPr>
-          <p:nvPr>
-            <p:ph type="sldImg"/>
-          </p:nvPr>
-        </p:nvSpPr>
-        <p:spPr>
-          <a:xfrm>
-            <a:off x="481330" y="1279525"/>
-            <a:ext cx="6141720" cy="3455670"/>
-          </a:xfrm>
-          <a:prstGeom prst="rect">
-            <a:avLst/>
-          </a:prstGeom>
-          <a:noFill/>
-          <a:ln w="12700" cap="flat" cmpd="sng">
-            <a:solidFill>
-              <a:srgbClr val="000000">
-                <a:alpha val="100000"/>
-              </a:srgbClr>
-            </a:solidFill>
-            <a:prstDash val="solid"/>
-          </a:ln>
-        </p:spPr>
-        <p:txBody>
-          <a:bodyPr vert="horz" wrap="square" lIns="0" tIns="0" rIns="0" bIns="0" numCol="1" anchor="t">
-            <a:noAutofit/>
-          </a:bodyPr>
-          <a:lstStyle/>
-          <a:p>
-            <a:pPr marL="0" indent="0" algn="just" defTabSz="508000" fontAlgn="auto" latinLnBrk="0">
-              <a:lnSpc>
-                <a:spcPct val="100000"/>
-              </a:lnSpc>
-              <a:spcBef>
-                <a:spcPts val="0"/>
-              </a:spcBef>
-              <a:spcAft>
-                <a:spcPts val="0"/>
-              </a:spcAft>
-              <a:buFontTx/>
-              <a:buNone/>
-            </a:pPr>
-          </a:p>
-        </p:txBody>
-      </p:sp>
-      <p:sp>
-        <p:nvSpPr>
-          <p:cNvPr id="3" name="文本占位符 2"/>
-          <p:cNvSpPr txBox="1"/>
-          <p:nvPr>
-            <p:ph type="body" idx="3"/>
-          </p:nvPr>
-        </p:nvSpPr>
-        <p:spPr>
-          <a:xfrm>
-            <a:off x="710565" y="4925060"/>
-            <a:ext cx="5684520" cy="4030980"/>
-          </a:xfrm>
-          <a:prstGeom prst="rect">
-            <a:avLst/>
-          </a:prstGeom>
-        </p:spPr>
-        <p:txBody>
-          <a:bodyPr vert="horz" wrap="square" lIns="91440" tIns="45720" rIns="91440" bIns="45720" numCol="1" anchor="t">
-            <a:noAutofit/>
-          </a:bodyPr>
-          <a:lstStyle/>
-          <a:p>
-            <a:pPr marL="0" indent="0" algn="l" defTabSz="914400" fontAlgn="auto" latinLnBrk="0">
-              <a:lnSpc>
-                <a:spcPct val="100000"/>
-              </a:lnSpc>
-              <a:spcBef>
-                <a:spcPts val="0"/>
-              </a:spcBef>
-              <a:spcAft>
-                <a:spcPts val="0"/>
-              </a:spcAft>
-              <a:buFontTx/>
-              <a:buNone/>
-            </a:pPr>
-          </a:p>
-        </p:txBody>
-      </p:sp>
-    </p:spTree>
-  </p:cSld>
-  <p:clrMapOvr>
-    <a:masterClrMapping/>
-  </p:clrMapOvr>
-</p:notes>
-</file>
-
-<file path=ppt/notesSlides/notesSlide8.xml><?xml version="1.0" encoding="utf-8"?>
 <p:notes xmlns:a="http://schemas.openxmlformats.org/drawingml/2006/main" xmlns:r="http://schemas.openxmlformats.org/officeDocument/2006/relationships" xmlns:p="http://schemas.openxmlformats.org/presentationml/2006/main">
   <p:cSld>
     <p:spTree>
@@ -10619,7 +10619,7 @@
 </file>
 
 <file path=ppt/slides/slide2.xml><?xml version="1.0" encoding="utf-8"?>
-<p:sld xmlns:a="http://schemas.openxmlformats.org/drawingml/2006/main" xmlns:r="http://schemas.openxmlformats.org/officeDocument/2006/relationships" xmlns:p="http://schemas.openxmlformats.org/presentationml/2006/main">
+<p:sld xmlns:a="http://schemas.openxmlformats.org/drawingml/2006/main" xmlns:r="http://schemas.openxmlformats.org/officeDocument/2006/relationships" xmlns:p="http://schemas.openxmlformats.org/presentationml/2006/main" xmlns:p14="http://schemas.microsoft.com/office/powerpoint/2010/main">
   <p:cSld>
     <p:spTree>
       <p:nvGrpSpPr>
@@ -10708,19 +10708,19 @@
         <p:spPr>
           <a:xfrm>
             <a:off x="443230" y="2065020"/>
-            <a:ext cx="7303770" cy="4606290"/>
+            <a:ext cx="7304405" cy="4606925"/>
           </a:xfrm>
           <a:prstGeom prst="rect">
             <a:avLst/>
           </a:prstGeom>
         </p:spPr>
         <p:txBody>
-          <a:bodyPr vert="horz" wrap="square" lIns="91440" tIns="45720" rIns="91440" bIns="45720" numCol="1" anchor="t">
+          <a:bodyPr wrap="square" lIns="91440" tIns="45720" rIns="91440" bIns="45720" numCol="1" vert="horz" anchor="t">
             <a:noAutofit/>
           </a:bodyPr>
           <a:lstStyle/>
           <a:p>
-            <a:pPr marL="228600" indent="-228600" algn="l" defTabSz="914400" fontAlgn="auto" latinLnBrk="0">
+            <a:pPr marL="228600" indent="-228600" algn="l" fontAlgn="auto" defTabSz="914400" latinLnBrk="0">
               <a:lnSpc>
                 <a:spcPct val="90000"/>
               </a:lnSpc>
@@ -10733,23 +10733,23 @@
               <a:buClr>
                 <a:srgbClr val="000000"/>
               </a:buClr>
-              <a:buFont typeface="Arial" panose="020B0604020202020204"/>
+              <a:buFont typeface="Arial"/>
               <a:buChar char="•"/>
             </a:pPr>
             <a:r>
-              <a:rPr lang="en-US" altLang="ko-KR" sz="3200" b="0" strike="noStrike" cap="none" dirty="0" smtClean="0">
+              <a:rPr lang="en-US" altLang="ko-KR" sz="3200" cap="none" dirty="0" smtClean="0" b="0" strike="noStrike">
                 <a:latin typeface="仿宋" charset="0"/>
                 <a:ea typeface="仿宋" charset="0"/>
               </a:rPr>
               <a:t>自我介绍</a:t>
             </a:r>
-            <a:endParaRPr lang="ko-KR" altLang="en-US" sz="3200" b="0" strike="noStrike" cap="none" dirty="0" smtClean="0">
+            <a:endParaRPr lang="ko-KR" altLang="en-US" sz="3200" cap="none" dirty="0" smtClean="0" b="0" strike="noStrike">
               <a:latin typeface="仿宋" charset="0"/>
               <a:ea typeface="仿宋" charset="0"/>
             </a:endParaRPr>
           </a:p>
           <a:p>
-            <a:pPr marL="0" indent="0" algn="l" defTabSz="914400" fontAlgn="auto" latinLnBrk="0">
+            <a:pPr marL="0" indent="0" algn="l" fontAlgn="auto" defTabSz="914400" latinLnBrk="0">
               <a:lnSpc>
                 <a:spcPct val="130000"/>
               </a:lnSpc>
@@ -10763,19 +10763,19 @@
               <a:buNone/>
             </a:pPr>
             <a:r>
-              <a:rPr lang="en-US" altLang="ko-KR" sz="2800" b="0" strike="noStrike" cap="none" dirty="0" smtClean="0">
+              <a:rPr lang="en-US" altLang="ko-KR" sz="2800" cap="none" dirty="0" smtClean="0" b="0" strike="noStrike">
                 <a:latin typeface="仿宋" charset="0"/>
                 <a:ea typeface="仿宋" charset="0"/>
               </a:rPr>
               <a:t>   姓名：王小金</a:t>
             </a:r>
-            <a:endParaRPr lang="ko-KR" altLang="en-US" sz="2800" b="0" strike="noStrike" cap="none" dirty="0" smtClean="0">
+            <a:endParaRPr lang="ko-KR" altLang="en-US" sz="2800" cap="none" dirty="0" smtClean="0" b="0" strike="noStrike">
               <a:latin typeface="仿宋" charset="0"/>
               <a:ea typeface="仿宋" charset="0"/>
             </a:endParaRPr>
           </a:p>
           <a:p>
-            <a:pPr marL="0" indent="0" algn="l" defTabSz="914400" fontAlgn="auto" latinLnBrk="0">
+            <a:pPr marL="0" indent="0" algn="l" fontAlgn="auto" defTabSz="914400" latinLnBrk="0">
               <a:lnSpc>
                 <a:spcPct val="130000"/>
               </a:lnSpc>
@@ -10789,28 +10789,26 @@
               <a:buNone/>
             </a:pPr>
             <a:r>
-              <a:rPr lang="en-US" altLang="ko-KR" sz="2800" b="0" strike="noStrike" cap="none" dirty="0" smtClean="0">
+              <a:rPr lang="en-US" altLang="ko-KR" sz="2800" cap="none" dirty="0" smtClean="0" b="0" strike="noStrike">
                 <a:latin typeface="仿宋" charset="0"/>
                 <a:ea typeface="仿宋" charset="0"/>
               </a:rPr>
               <a:t>   </a:t>
             </a:r>
             <a:r>
-              <a:rPr lang="en-US" altLang="ko-KR" sz="2800" b="0" strike="noStrike" cap="none" dirty="0" smtClean="0">
-                <a:latin typeface="+mj-ea"/>
-                <a:ea typeface="+mj-ea"/>
-                <a:cs typeface="+mj-ea"/>
+              <a:rPr lang="en-US" altLang="ko-KR" sz="2800" cap="none" dirty="0" smtClean="0" b="0" strike="noStrike">
+                <a:latin typeface="仿宋" charset="0"/>
+                <a:ea typeface="仿宋" charset="0"/>
               </a:rPr>
               <a:t>职务：珠峰css讲师	</a:t>
             </a:r>
-            <a:endParaRPr lang="ko-KR" altLang="en-US" sz="2800" b="0" strike="noStrike" cap="none" dirty="0" smtClean="0">
-              <a:latin typeface="+mj-ea"/>
-              <a:ea typeface="+mj-ea"/>
-              <a:cs typeface="+mj-ea"/>
-            </a:endParaRPr>
-          </a:p>
-          <a:p>
-            <a:pPr marL="0" indent="0" algn="l" defTabSz="914400" fontAlgn="auto" latinLnBrk="0">
+            <a:endParaRPr lang="ko-KR" altLang="en-US" sz="2800" cap="none" dirty="0" smtClean="0" b="0" strike="noStrike">
+              <a:latin typeface="仿宋" charset="0"/>
+              <a:ea typeface="仿宋" charset="0"/>
+            </a:endParaRPr>
+          </a:p>
+          <a:p>
+            <a:pPr marL="0" indent="0" algn="l" fontAlgn="auto" defTabSz="914400" latinLnBrk="0">
               <a:lnSpc>
                 <a:spcPct val="130000"/>
               </a:lnSpc>
@@ -10824,21 +10822,19 @@
               <a:buNone/>
             </a:pPr>
             <a:r>
-              <a:rPr lang="en-US" altLang="ko-KR" sz="2800" b="0" strike="noStrike" cap="none" dirty="0" smtClean="0">
-                <a:latin typeface="+mj-ea"/>
-                <a:ea typeface="+mj-ea"/>
-                <a:cs typeface="+mj-ea"/>
+              <a:rPr lang="en-US" altLang="ko-KR" sz="2800" cap="none" dirty="0" smtClean="0" b="0" strike="noStrike">
+                <a:latin typeface="仿宋" charset="0"/>
+                <a:ea typeface="仿宋" charset="0"/>
               </a:rPr>
               <a:t>   联系方式：400-180-6960  </a:t>
             </a:r>
-            <a:endParaRPr lang="ko-KR" altLang="en-US" sz="2800" b="0" strike="noStrike" cap="none" dirty="0" smtClean="0">
-              <a:latin typeface="+mj-ea"/>
-              <a:ea typeface="+mj-ea"/>
-              <a:cs typeface="+mj-ea"/>
-            </a:endParaRPr>
-          </a:p>
-          <a:p>
-            <a:pPr marL="0" indent="0" algn="l" defTabSz="914400" fontAlgn="auto" latinLnBrk="0">
+            <a:endParaRPr lang="ko-KR" altLang="en-US" sz="2800" cap="none" dirty="0" smtClean="0" b="0" strike="noStrike">
+              <a:latin typeface="仿宋" charset="0"/>
+              <a:ea typeface="仿宋" charset="0"/>
+            </a:endParaRPr>
+          </a:p>
+          <a:p>
+            <a:pPr marL="0" indent="0" algn="l" fontAlgn="auto" defTabSz="914400" latinLnBrk="0">
               <a:lnSpc>
                 <a:spcPct val="130000"/>
               </a:lnSpc>
@@ -10852,21 +10848,19 @@
               <a:buNone/>
             </a:pPr>
             <a:r>
-              <a:rPr lang="en-US" altLang="ko-KR" sz="2800" b="0" strike="noStrike" cap="none" dirty="0" smtClean="0">
-                <a:latin typeface="+mj-ea"/>
-                <a:ea typeface="+mj-ea"/>
-                <a:cs typeface="+mj-ea"/>
+              <a:rPr lang="en-US" altLang="ko-KR" sz="2800" cap="none" dirty="0" smtClean="0" b="0" strike="noStrike">
+                <a:latin typeface="仿宋" charset="0"/>
+                <a:ea typeface="仿宋" charset="0"/>
               </a:rPr>
               <a:t>   微信：(扫描右侧二维码) </a:t>
             </a:r>
-            <a:endParaRPr lang="ko-KR" altLang="en-US" sz="2800" b="0" strike="noStrike" cap="none" dirty="0" smtClean="0">
-              <a:latin typeface="+mj-ea"/>
-              <a:ea typeface="+mj-ea"/>
-              <a:cs typeface="+mj-ea"/>
-            </a:endParaRPr>
-          </a:p>
-          <a:p>
-            <a:pPr marL="228600" indent="-228600" algn="l" defTabSz="914400" fontAlgn="auto" latinLnBrk="0">
+            <a:endParaRPr lang="ko-KR" altLang="en-US" sz="2800" cap="none" dirty="0" smtClean="0" b="0" strike="noStrike">
+              <a:latin typeface="仿宋" charset="0"/>
+              <a:ea typeface="仿宋" charset="0"/>
+            </a:endParaRPr>
+          </a:p>
+          <a:p>
+            <a:pPr marL="228600" indent="-228600" algn="l" fontAlgn="auto" defTabSz="914400" latinLnBrk="0">
               <a:lnSpc>
                 <a:spcPct val="90000"/>
               </a:lnSpc>
@@ -10879,41 +10873,30 @@
               <a:buClr>
                 <a:srgbClr val="000000"/>
               </a:buClr>
-              <a:buFont typeface="宋体" panose="02010600030101010101" pitchFamily="2" charset="-122"/>
+              <a:buFont typeface="宋体"/>
               <a:buChar char="•"/>
             </a:pPr>
             <a:r>
-              <a:rPr lang="en-US" altLang="ko-KR" sz="2800" b="0" strike="noStrike" cap="none" dirty="0" smtClean="0">
-                <a:latin typeface="+mj-ea"/>
-                <a:ea typeface="+mj-ea"/>
-                <a:cs typeface="+mj-ea"/>
-              </a:rPr>
-              <a:t>  15期QQ：</a:t>
-            </a:r>
-            <a:r>
-              <a:rPr lang="en-US" altLang="ko-KR" sz="3200" b="0" strike="noStrike" cap="none" dirty="0" smtClean="0">
-                <a:latin typeface="+mj-ea"/>
-                <a:ea typeface="+mj-ea"/>
-                <a:cs typeface="+mj-ea"/>
-              </a:rPr>
-              <a:t>883265985</a:t>
-            </a:r>
-            <a:r>
-              <a:rPr lang="en-US" altLang="ko-KR" sz="2800" b="0" strike="noStrike" cap="none" dirty="0" smtClean="0">
-                <a:latin typeface="+mj-ea"/>
-                <a:ea typeface="+mj-ea"/>
-                <a:cs typeface="+mj-ea"/>
-              </a:rPr>
-              <a:t> </a:t>
-            </a:r>
-            <a:endParaRPr lang="ko-KR" altLang="en-US" sz="2800" b="0" strike="noStrike" cap="none" dirty="0" smtClean="0">
-              <a:latin typeface="+mj-ea"/>
-              <a:ea typeface="+mj-ea"/>
-              <a:cs typeface="+mj-ea"/>
-            </a:endParaRPr>
-          </a:p>
-          <a:p>
-            <a:pPr marL="0" indent="0" algn="l" defTabSz="914400" fontAlgn="auto" latinLnBrk="0">
+              <a:rPr lang="en-US" altLang="ko-KR" sz="2800" cap="none" dirty="0" smtClean="0" b="0" strike="noStrike">
+                <a:latin typeface="仿宋" charset="0"/>
+                <a:ea typeface="仿宋" charset="0"/>
+              </a:rPr>
+              <a:t>  16期QQ：</a:t>
+            </a:r>
+            <a:r>
+              <a:rPr lang="en-US" altLang="ko-KR" sz="3200" cap="none" dirty="0" smtClean="0" b="0" strike="noStrike">
+                <a:latin typeface="仿宋" charset="0"/>
+                <a:ea typeface="仿宋" charset="0"/>
+              </a:rPr>
+              <a:t>609979250</a:t>
+            </a:r>
+            <a:endParaRPr lang="ko-KR" altLang="en-US" sz="2800" cap="none" dirty="0" smtClean="0" b="0" strike="noStrike">
+              <a:latin typeface="仿宋" charset="0"/>
+              <a:ea typeface="仿宋" charset="0"/>
+            </a:endParaRPr>
+          </a:p>
+          <a:p>
+            <a:pPr marL="0" indent="0" algn="l" fontAlgn="auto" defTabSz="914400" latinLnBrk="0">
               <a:lnSpc>
                 <a:spcPct val="130000"/>
               </a:lnSpc>
@@ -10926,13 +10909,13 @@
               <a:buFontTx/>
               <a:buNone/>
             </a:pPr>
-            <a:endParaRPr lang="ko-KR" altLang="en-US" sz="2400" b="0" strike="noStrike" cap="none" dirty="0" smtClean="0">
+            <a:endParaRPr lang="ko-KR" altLang="en-US" sz="2400" cap="none" dirty="0" smtClean="0" b="0" strike="noStrike">
               <a:latin typeface="Adobe 仿宋 Std R" charset="0"/>
               <a:ea typeface="Adobe 仿宋 Std R" charset="0"/>
             </a:endParaRPr>
           </a:p>
           <a:p>
-            <a:pPr marL="0" indent="0" algn="l" defTabSz="914400" fontAlgn="auto" latinLnBrk="0">
+            <a:pPr marL="0" indent="0" algn="l" fontAlgn="auto" defTabSz="914400" latinLnBrk="0">
               <a:lnSpc>
                 <a:spcPct val="130000"/>
               </a:lnSpc>
@@ -10946,20 +10929,20 @@
               <a:buNone/>
             </a:pPr>
             <a:r>
-              <a:rPr lang="en-US" altLang="ko-KR" sz="2800" b="0" strike="noStrike" cap="none" dirty="0" smtClean="0">
+              <a:rPr lang="en-US" altLang="ko-KR" sz="2800" cap="none" dirty="0" smtClean="0" b="0" strike="noStrike">
                 <a:latin typeface="Adobe 仿宋 Std R" charset="0"/>
                 <a:ea typeface="Adobe 仿宋 Std R" charset="0"/>
               </a:rPr>
               <a:t>   </a:t>
             </a:r>
             <a:r>
-              <a:rPr lang="en-US" altLang="ko-KR" sz="2400" b="0" strike="noStrike" cap="none" dirty="0" smtClean="0">
+              <a:rPr lang="en-US" altLang="ko-KR" sz="2400" cap="none" dirty="0" smtClean="0" b="0" strike="noStrike">
                 <a:latin typeface="Adobe 仿宋 Std R" charset="0"/>
                 <a:ea typeface="Adobe 仿宋 Std R" charset="0"/>
               </a:rPr>
               <a:t>  </a:t>
             </a:r>
-            <a:endParaRPr lang="ko-KR" altLang="en-US" sz="2400" b="0" strike="noStrike" cap="none" dirty="0" smtClean="0">
+            <a:endParaRPr lang="ko-KR" altLang="en-US" sz="2400" cap="none" dirty="0" smtClean="0" b="0" strike="noStrike">
               <a:latin typeface="Adobe 仿宋 Std R" charset="0"/>
               <a:ea typeface="Adobe 仿宋 Std R" charset="0"/>
             </a:endParaRPr>
@@ -13859,7 +13842,7 @@
 </file>
 
 <file path=ppt/slides/slide3.xml><?xml version="1.0" encoding="utf-8"?>
-<p:sld xmlns:a="http://schemas.openxmlformats.org/drawingml/2006/main" xmlns:r="http://schemas.openxmlformats.org/officeDocument/2006/relationships" xmlns:p="http://schemas.openxmlformats.org/presentationml/2006/main">
+<p:sld xmlns:a="http://schemas.openxmlformats.org/drawingml/2006/main" xmlns:r="http://schemas.openxmlformats.org/officeDocument/2006/relationships" xmlns:p="http://schemas.openxmlformats.org/presentationml/2006/main" xmlns:p14="http://schemas.microsoft.com/office/powerpoint/2010/main">
   <p:cSld>
     <p:spTree>
       <p:nvGrpSpPr>
@@ -13878,7 +13861,12 @@
             <p:ph type="title"/>
           </p:nvPr>
         </p:nvSpPr>
-        <p:spPr/>
+        <p:spPr>
+          <a:xfrm>
+            <a:off x="838200" y="365125"/>
+            <a:ext cx="10516235" cy="1326515"/>
+          </a:xfrm>
+        </p:spPr>
         <p:txBody>
           <a:bodyPr/>
           <a:p>
@@ -13899,118 +13887,32 @@
         <p:spPr>
           <a:xfrm>
             <a:off x="838200" y="1691005"/>
-            <a:ext cx="10515600" cy="4351338"/>
-          </a:xfrm>
-        </p:spPr>
-        <p:txBody>
-          <a:bodyPr/>
-          <a:p>
-            <a:pPr marL="0" indent="0">
-              <a:buNone/>
-            </a:pPr>
-            <a:r>
-              <a:rPr lang="zh-CN" altLang="en-US"/>
-              <a:t>万齐峻     运维                          朋友介绍</a:t>
-            </a:r>
-            <a:endParaRPr lang="zh-CN" altLang="en-US"/>
-          </a:p>
-          <a:p>
-            <a:pPr marL="0" indent="0">
-              <a:buNone/>
-            </a:pPr>
-            <a:r>
-              <a:rPr lang="zh-CN" altLang="en-US"/>
-              <a:t>田宸瑞     h</a:t>
-            </a:r>
-            <a:r>
-              <a:rPr lang="en-US" altLang="zh-CN"/>
-              <a:t>r                               </a:t>
-            </a:r>
-            <a:r>
-              <a:rPr lang="zh-CN" altLang="en-US"/>
-              <a:t>同事推荐</a:t>
-            </a:r>
-            <a:endParaRPr lang="zh-CN" altLang="en-US"/>
-          </a:p>
-          <a:p>
-            <a:pPr marL="0" indent="0">
-              <a:buNone/>
-            </a:pPr>
-            <a:r>
-              <a:rPr lang="zh-CN" altLang="en-US"/>
-              <a:t>代祥         环境监测                 朋友推荐</a:t>
-            </a:r>
-            <a:endParaRPr lang="zh-CN" altLang="en-US"/>
-          </a:p>
-          <a:p>
-            <a:pPr marL="0" indent="0">
-              <a:buNone/>
-            </a:pPr>
-            <a:r>
-              <a:rPr lang="zh-CN" altLang="en-US"/>
-              <a:t>范凌云     创业                          朋友推荐</a:t>
-            </a:r>
-            <a:endParaRPr lang="zh-CN" altLang="en-US"/>
-          </a:p>
-          <a:p>
-            <a:pPr marL="0" indent="0">
-              <a:buNone/>
-            </a:pPr>
-            <a:r>
-              <a:rPr lang="zh-CN" altLang="en-US"/>
-              <a:t>马晓飞     学生计算机             周老师   </a:t>
-            </a:r>
-            <a:endParaRPr lang="zh-CN" altLang="en-US"/>
-          </a:p>
-          <a:p>
-            <a:pPr marL="0" indent="0">
-              <a:buNone/>
-            </a:pPr>
-            <a:r>
-              <a:rPr lang="zh-CN" altLang="en-US"/>
-              <a:t>杨若兰     学生                          周老师</a:t>
-            </a:r>
-            <a:endParaRPr lang="zh-CN" altLang="en-US"/>
-          </a:p>
-          <a:p>
-            <a:pPr marL="0" indent="0">
-              <a:buNone/>
-            </a:pPr>
-            <a:r>
-              <a:rPr lang="zh-CN" altLang="en-US"/>
-              <a:t>王朋朋    工程预算                   朋友推荐</a:t>
-            </a:r>
-            <a:endParaRPr lang="zh-CN" altLang="en-US"/>
-          </a:p>
-          <a:p>
-            <a:pPr marL="0" indent="0">
-              <a:buNone/>
-            </a:pPr>
-            <a:r>
-              <a:rPr lang="zh-CN" altLang="en-US"/>
-              <a:t>毅明         销售                           朋友推荐</a:t>
-            </a:r>
-            <a:endParaRPr lang="zh-CN" altLang="en-US"/>
-          </a:p>
-          <a:p>
-            <a:pPr marL="0" indent="0">
-              <a:buNone/>
-            </a:pPr>
-            <a:r>
-              <a:rPr lang="zh-CN" altLang="en-US"/>
-              <a:t>张茜          铁路                          朋友推荐</a:t>
-            </a:r>
-            <a:endParaRPr lang="zh-CN" altLang="en-US"/>
-          </a:p>
-          <a:p>
-            <a:pPr marL="0" indent="0">
-              <a:buNone/>
-            </a:pPr>
-            <a:r>
-              <a:rPr lang="zh-CN" altLang="en-US"/>
-              <a:t>高天</a:t>
-            </a:r>
-            <a:endParaRPr lang="zh-CN" altLang="en-US"/>
+            <a:ext cx="10516235" cy="4352290"/>
+          </a:xfrm>
+        </p:spPr>
+        <p:txBody>
+          <a:bodyPr wrap="square" lIns="91440" tIns="45720" rIns="91440" bIns="45720" numCol="1" vert="horz" anchor="t">
+            <a:noAutofit/>
+          </a:bodyPr>
+          <a:lstStyle/>
+          <a:p>
+            <a:pPr marL="0" indent="0" algn="l" fontAlgn="auto" defTabSz="914400" latinLnBrk="0">
+              <a:lnSpc>
+                <a:spcPct val="90000"/>
+              </a:lnSpc>
+              <a:spcBef>
+                <a:spcPts val="1000"/>
+              </a:spcBef>
+              <a:spcAft>
+                <a:spcPts val="0"/>
+              </a:spcAft>
+              <a:buFontTx/>
+              <a:buNone/>
+            </a:pPr>
+            <a:endParaRPr lang="ko-KR" altLang="en-US" sz="2800" cap="none" dirty="0" smtClean="0" b="0" strike="noStrike">
+              <a:latin typeface="宋体" charset="0"/>
+              <a:ea typeface="宋体" charset="0"/>
+            </a:endParaRPr>
           </a:p>
         </p:txBody>
       </p:sp>
@@ -14019,6 +13921,21 @@
   <p:clrMapOvr>
     <a:masterClrMapping/>
   </p:clrMapOvr>
+  <mc:AlternateContent xmlns:mc="http://schemas.openxmlformats.org/markup-compatibility/2006">
+    <mc:Choice xmlns:p14="http://schemas.microsoft.com/office/powerpoint/2010/main" Requires="p14">
+      <p:transition spd="slow" p14:dur="2000"/>
+    </mc:Choice>
+    <mc:Fallback>
+      <p:transition spd="slow"/>
+    </mc:Fallback>
+  </mc:AlternateContent>
+  <p:timing>
+    <p:tnLst>
+      <p:par>
+        <p:cTn id="1" dur="indefinite" restart="never" nodeType="tmRoot"/>
+      </p:par>
+    </p:tnLst>
+  </p:timing>
 </p:sld>
 </file>
 

--- a/day01/课件PPT模板.pptx
+++ b/day01/课件PPT模板.pptx
@@ -2,8 +2,8 @@
 <file path=ppt/presentation.xml><?xml version="1.0" encoding="utf-8"?>
 <p:presentation xmlns:a="http://schemas.openxmlformats.org/drawingml/2006/main" xmlns:r="http://schemas.openxmlformats.org/officeDocument/2006/relationships" xmlns:p="http://schemas.openxmlformats.org/presentationml/2006/main" xmlns:p14="http://schemas.microsoft.com/office/powerpoint/2010/main">
   <p:sldMasterIdLst>
-    <p:sldMasterId id="2147483669" r:id="rId15"/>
-    <p:sldMasterId id="2147483670" r:id="rId17"/>
+    <p:sldMasterId id="2147483677" r:id="rId15"/>
+    <p:sldMasterId id="2147483678" r:id="rId17"/>
   </p:sldMasterIdLst>
   <p:notesMasterIdLst>
     <p:notesMasterId r:id="rId19"/>
@@ -14,51 +14,52 @@
     <p:sldId id="353" r:id="rId23"/>
     <p:sldId id="306" r:id="rId24"/>
     <p:sldId id="307" r:id="rId26"/>
-    <p:sldId id="308" r:id="rId28"/>
-    <p:sldId id="309" r:id="rId30"/>
-    <p:sldId id="310" r:id="rId31"/>
-    <p:sldId id="270" r:id="rId32"/>
-    <p:sldId id="271" r:id="rId34"/>
-    <p:sldId id="272" r:id="rId36"/>
-    <p:sldId id="273" r:id="rId38"/>
-    <p:sldId id="274" r:id="rId40"/>
-    <p:sldId id="275" r:id="rId42"/>
-    <p:sldId id="276" r:id="rId44"/>
-    <p:sldId id="277" r:id="rId46"/>
-    <p:sldId id="278" r:id="rId48"/>
-    <p:sldId id="281" r:id="rId50"/>
-    <p:sldId id="280" r:id="rId52"/>
-    <p:sldId id="283" r:id="rId54"/>
-    <p:sldId id="284" r:id="rId56"/>
-    <p:sldId id="285" r:id="rId58"/>
-    <p:sldId id="286" r:id="rId60"/>
-    <p:sldId id="287" r:id="rId62"/>
-    <p:sldId id="288" r:id="rId64"/>
-    <p:sldId id="289" r:id="rId66"/>
-    <p:sldId id="290" r:id="rId68"/>
-    <p:sldId id="291" r:id="rId70"/>
-    <p:sldId id="295" r:id="rId72"/>
-    <p:sldId id="296" r:id="rId73"/>
-    <p:sldId id="297" r:id="rId74"/>
-    <p:sldId id="298" r:id="rId75"/>
-    <p:sldId id="300" r:id="rId76"/>
-    <p:sldId id="301" r:id="rId77"/>
-    <p:sldId id="302" r:id="rId78"/>
-    <p:sldId id="303" r:id="rId79"/>
-    <p:sldId id="304" r:id="rId80"/>
-    <p:sldId id="321" r:id="rId81"/>
-    <p:sldId id="322" r:id="rId82"/>
-    <p:sldId id="323" r:id="rId83"/>
-    <p:sldId id="324" r:id="rId84"/>
-    <p:sldId id="325" r:id="rId85"/>
-    <p:sldId id="326" r:id="rId86"/>
-    <p:sldId id="279" r:id="rId87"/>
-    <p:sldId id="312" r:id="rId89"/>
-    <p:sldId id="313" r:id="rId90"/>
-    <p:sldId id="315" r:id="rId91"/>
-    <p:sldId id="319" r:id="rId92"/>
-    <p:sldId id="314" r:id="rId93"/>
-    <p:sldId id="320" r:id="rId94"/>
+    <p:sldId id="308" r:id="rId27"/>
+    <p:sldId id="309" r:id="rId28"/>
+    <p:sldId id="310" r:id="rId29"/>
+    <p:sldId id="270" r:id="rId30"/>
+    <p:sldId id="271" r:id="rId32"/>
+    <p:sldId id="272" r:id="rId34"/>
+    <p:sldId id="273" r:id="rId36"/>
+    <p:sldId id="274" r:id="rId38"/>
+    <p:sldId id="275" r:id="rId40"/>
+    <p:sldId id="276" r:id="rId42"/>
+    <p:sldId id="277" r:id="rId44"/>
+    <p:sldId id="278" r:id="rId46"/>
+    <p:sldId id="281" r:id="rId48"/>
+    <p:sldId id="280" r:id="rId50"/>
+    <p:sldId id="283" r:id="rId52"/>
+    <p:sldId id="284" r:id="rId54"/>
+    <p:sldId id="285" r:id="rId56"/>
+    <p:sldId id="286" r:id="rId58"/>
+    <p:sldId id="287" r:id="rId60"/>
+    <p:sldId id="288" r:id="rId62"/>
+    <p:sldId id="289" r:id="rId64"/>
+    <p:sldId id="354" r:id="rId66"/>
+    <p:sldId id="290" r:id="rId67"/>
+    <p:sldId id="291" r:id="rId69"/>
+    <p:sldId id="295" r:id="rId71"/>
+    <p:sldId id="296" r:id="rId72"/>
+    <p:sldId id="297" r:id="rId73"/>
+    <p:sldId id="298" r:id="rId74"/>
+    <p:sldId id="300" r:id="rId75"/>
+    <p:sldId id="301" r:id="rId76"/>
+    <p:sldId id="302" r:id="rId77"/>
+    <p:sldId id="303" r:id="rId78"/>
+    <p:sldId id="304" r:id="rId79"/>
+    <p:sldId id="321" r:id="rId80"/>
+    <p:sldId id="322" r:id="rId81"/>
+    <p:sldId id="323" r:id="rId82"/>
+    <p:sldId id="324" r:id="rId83"/>
+    <p:sldId id="325" r:id="rId84"/>
+    <p:sldId id="326" r:id="rId85"/>
+    <p:sldId id="279" r:id="rId86"/>
+    <p:sldId id="312" r:id="rId88"/>
+    <p:sldId id="313" r:id="rId89"/>
+    <p:sldId id="315" r:id="rId90"/>
+    <p:sldId id="319" r:id="rId91"/>
+    <p:sldId id="314" r:id="rId92"/>
+    <p:sldId id="320" r:id="rId93"/>
   </p:sldIdLst>
   <p:sldSz cx="12192000" cy="6858000"/>
   <p:notesSz cx="7103745" cy="10234295"/>
@@ -2559,7 +2560,7 @@
 </p:notes>
 </file>
 
-<file path=ppt/notesSlides/notesSlide27.xml><?xml version="1.0" encoding="utf-8"?>
+<file path=ppt/notesSlides/notesSlide28.xml><?xml version="1.0" encoding="utf-8"?>
 <p:notes xmlns:a="http://schemas.openxmlformats.org/drawingml/2006/main" xmlns:r="http://schemas.openxmlformats.org/officeDocument/2006/relationships" xmlns:p="http://schemas.openxmlformats.org/presentationml/2006/main">
   <p:cSld>
     <p:spTree>
@@ -2673,7 +2674,7 @@
 </p:notes>
 </file>
 
-<file path=ppt/notesSlides/notesSlide28.xml><?xml version="1.0" encoding="utf-8"?>
+<file path=ppt/notesSlides/notesSlide29.xml><?xml version="1.0" encoding="utf-8"?>
 <p:notes xmlns:a="http://schemas.openxmlformats.org/drawingml/2006/main" xmlns:r="http://schemas.openxmlformats.org/officeDocument/2006/relationships" xmlns:p="http://schemas.openxmlformats.org/presentationml/2006/main">
   <p:cSld>
     <p:spTree>
@@ -2901,7 +2902,7 @@
 </p:notes>
 </file>
 
-<file path=ppt/notesSlides/notesSlide44.xml><?xml version="1.0" encoding="utf-8"?>
+<file path=ppt/notesSlides/notesSlide45.xml><?xml version="1.0" encoding="utf-8"?>
 <p:notes xmlns:a="http://schemas.openxmlformats.org/drawingml/2006/main" xmlns:r="http://schemas.openxmlformats.org/officeDocument/2006/relationships" xmlns:p="http://schemas.openxmlformats.org/presentationml/2006/main">
   <p:cSld>
     <p:spTree>
@@ -13171,6 +13172,221 @@
       <p:sp>
         <p:nvSpPr>
           <p:cNvPr id="2" name="文本占位符 1"/>
+          <p:cNvSpPr txBox="1">
+            <a:spLocks/>
+          </p:cNvSpPr>
+          <p:nvPr>
+            <p:ph type="title"/>
+          </p:nvPr>
+        </p:nvSpPr>
+        <p:spPr>
+          <a:xfrm rot="0">
+            <a:off x="838200" y="365125"/>
+            <a:ext cx="10516235" cy="1326515"/>
+          </a:xfrm>
+          <a:prstGeom prst="rect"/>
+        </p:spPr>
+        <p:txBody>
+          <a:bodyPr wrap="square" lIns="91440" tIns="45720" rIns="91440" bIns="45720" numCol="1" vert="horz" anchor="t">
+            <a:noAutofit/>
+          </a:bodyPr>
+          <a:lstStyle/>
+          <a:p>
+            <a:pPr marL="0" indent="0" algn="l" fontAlgn="auto" defTabSz="914400" latinLnBrk="0">
+              <a:lnSpc>
+                <a:spcPct val="90000"/>
+              </a:lnSpc>
+              <a:spcBef>
+                <a:spcPts val="0"/>
+              </a:spcBef>
+              <a:spcAft>
+                <a:spcPts val="0"/>
+              </a:spcAft>
+              <a:buFontTx/>
+              <a:buNone/>
+            </a:pPr>
+            <a:endParaRPr lang="ko-KR" altLang="en-US" sz="4400" cap="none" dirty="0" smtClean="0" b="0" strike="noStrike">
+              <a:latin typeface="宋体" charset="0"/>
+              <a:ea typeface="宋体" charset="0"/>
+            </a:endParaRPr>
+          </a:p>
+        </p:txBody>
+      </p:sp>
+      <p:sp>
+        <p:nvSpPr>
+          <p:cNvPr id="3" name="内容占位符 2"/>
+          <p:cNvSpPr txBox="1">
+            <a:spLocks/>
+          </p:cNvSpPr>
+          <p:nvPr>
+            <p:ph type="obj" idx="1"/>
+          </p:nvPr>
+        </p:nvSpPr>
+        <p:spPr>
+          <a:xfrm rot="0">
+            <a:off x="838200" y="1825625"/>
+            <a:ext cx="10516235" cy="4352290"/>
+          </a:xfrm>
+          <a:prstGeom prst="rect"/>
+        </p:spPr>
+        <p:txBody>
+          <a:bodyPr wrap="square" lIns="91440" tIns="45720" rIns="91440" bIns="45720" numCol="1" vert="horz" anchor="t">
+            <a:noAutofit/>
+          </a:bodyPr>
+          <a:lstStyle/>
+          <a:p>
+            <a:pPr marL="228600" indent="-228600" algn="l" fontAlgn="auto" defTabSz="914400" latinLnBrk="0">
+              <a:lnSpc>
+                <a:spcPct val="90000"/>
+              </a:lnSpc>
+              <a:spcBef>
+                <a:spcPts val="1000"/>
+              </a:spcBef>
+              <a:spcAft>
+                <a:spcPts val="0"/>
+              </a:spcAft>
+              <a:buFont typeface="宋体"/>
+              <a:buChar char="•"/>
+            </a:pPr>
+            <a:r>
+              <a:rPr lang="en-US" altLang="ko-KR" sz="2400" cap="none" dirty="0" smtClean="0" b="0" strike="noStrike">
+                <a:solidFill>
+                  <a:srgbClr val="333333"/>
+                </a:solidFill>
+                <a:latin typeface="仿宋" charset="0"/>
+                <a:ea typeface="仿宋" charset="0"/>
+              </a:rPr>
+              <a:t>0.0.0.0 account.jetbrains.com 复制到电脑的 C:\windows\System32\drivers\etc 下面的hots中最后的位置</a:t>
+            </a:r>
+            <a:endParaRPr lang="ko-KR" altLang="en-US" sz="2400" cap="none" dirty="0" smtClean="0" b="0" strike="noStrike">
+              <a:solidFill>
+                <a:srgbClr val="333333"/>
+              </a:solidFill>
+              <a:latin typeface="仿宋" charset="0"/>
+              <a:ea typeface="仿宋" charset="0"/>
+            </a:endParaRPr>
+          </a:p>
+          <a:p>
+            <a:pPr marL="228600" indent="-228600" algn="l" fontAlgn="auto" defTabSz="914400" latinLnBrk="0">
+              <a:lnSpc>
+                <a:spcPct val="90000"/>
+              </a:lnSpc>
+              <a:spcBef>
+                <a:spcPts val="1000"/>
+              </a:spcBef>
+              <a:spcAft>
+                <a:spcPts val="0"/>
+              </a:spcAft>
+              <a:buFont typeface="宋体"/>
+              <a:buChar char="•"/>
+            </a:pPr>
+            <a:endParaRPr lang="ko-KR" altLang="en-US" sz="2400" cap="none" dirty="0" smtClean="0" b="0" strike="noStrike">
+              <a:solidFill>
+                <a:srgbClr val="333333"/>
+              </a:solidFill>
+              <a:latin typeface="仿宋" charset="0"/>
+              <a:ea typeface="仿宋" charset="0"/>
+            </a:endParaRPr>
+          </a:p>
+          <a:p>
+            <a:pPr marL="228600" indent="-228600" algn="l" fontAlgn="auto" defTabSz="914400" latinLnBrk="0">
+              <a:lnSpc>
+                <a:spcPct val="90000"/>
+              </a:lnSpc>
+              <a:spcBef>
+                <a:spcPts val="1000"/>
+              </a:spcBef>
+              <a:spcAft>
+                <a:spcPts val="0"/>
+              </a:spcAft>
+              <a:buFont typeface="宋体"/>
+              <a:buChar char="•"/>
+            </a:pPr>
+            <a:r>
+              <a:rPr lang="en-US" altLang="ko-KR" sz="2400" cap="none" dirty="0" smtClean="0" b="0" strike="noStrike">
+                <a:solidFill>
+                  <a:srgbClr val="333333"/>
+                </a:solidFill>
+                <a:latin typeface="仿宋" charset="0"/>
+                <a:ea typeface="仿宋" charset="0"/>
+              </a:rPr>
+              <a:t>在http://idea.lanyus.com/ 这个网址中点击获取激活码</a:t>
+            </a:r>
+            <a:endParaRPr lang="ko-KR" altLang="en-US" sz="2400" cap="none" dirty="0" smtClean="0" b="0" strike="noStrike">
+              <a:solidFill>
+                <a:srgbClr val="333333"/>
+              </a:solidFill>
+              <a:latin typeface="仿宋" charset="0"/>
+              <a:ea typeface="仿宋" charset="0"/>
+            </a:endParaRPr>
+          </a:p>
+          <a:p>
+            <a:pPr marL="228600" indent="-228600" algn="l" fontAlgn="auto" defTabSz="914400" latinLnBrk="0">
+              <a:lnSpc>
+                <a:spcPct val="90000"/>
+              </a:lnSpc>
+              <a:spcBef>
+                <a:spcPts val="1000"/>
+              </a:spcBef>
+              <a:spcAft>
+                <a:spcPts val="0"/>
+              </a:spcAft>
+              <a:buFont typeface="宋体"/>
+              <a:buChar char="•"/>
+            </a:pPr>
+            <a:r>
+              <a:rPr lang="en-US" altLang="ko-KR" sz="2400" cap="none" dirty="0" smtClean="0" b="0" strike="noStrike">
+                <a:solidFill>
+                  <a:srgbClr val="333333"/>
+                </a:solidFill>
+                <a:latin typeface="仿宋" charset="0"/>
+                <a:ea typeface="仿宋" charset="0"/>
+              </a:rPr>
+              <a:t>K71U8DBPNE-eyJsaWNlbnNlSWQiOiJLNzFVOERCUE5FIiwibGljZW5zZWVOYW1lIjoibGFuIHl1IiwiYXNzaWduZWVOYW1lIjoiIiwiYXNzaWduZWVFbWFpbCI6IiIsImxpY2Vuc2VSZXN0cmljdGlvbiI6IkZvciBlZHVjYXRpb25hbCB1c2Ugb25seSIsImNoZWNrQ29uY3VycmVudFVzZSI6ZmFsc2UsInByb2R1Y3RzIjpbeyJjb2RlIjoiSUkiLCJwYWlkVXBUbyI6IjIwMTktMDUtMDQifSx7ImNvZGUiOiJSUzAiLCJwYWlkVXBUbyI6IjIwMTktMDUtMDQifSx7ImNvZGUiOiJXUyIsInBhaWRVcFRvIjoiMjAxOS0wNS0wNCJ9LHsiY29kZSI6IlJEIiwicGFpZFVwVG8iOiIyMDE5LTA1LTA0In0seyJjb2RlIjoiUkMiLCJwYWlkVXBUbyI6IjIwMTktMDUtMDQifSx7ImNvZGUiOiJEQyIsInBhaWRVcFRvIjoiMjAxOS0wNS0wNCJ9LHsiY29kZSI6IkRCIiwicGFpZFVwVG8iOiIyMDE5LTA1LTA0In0seyJjb2RlIjoiUk0iLCJwYWlkVXBUbyI6IjIwMTktMDUtMDQifSx7ImNvZGUiOiJETSIsInBhaWRVcFRvIjoiMjAxOS0wNS0wNCJ9LHsiY29kZSI6IkFDIiwicGFpZFVwVG8iOiIyMDE5LTA1LTA0In0seyJjb2RlIjoiRFBOIiwicGFpZFVwVG8iOiIyMDE5LTA1LTA0In0seyJjb2RlIjoiR08iLCJwYWlkVXBUbyI6IjIwMTktMDUtMDQifSx7ImNvZGUiOiJQUyIsInBhaWRVcFRvIjoiMjAxOS0wNS0wNCJ9LHsiY29kZSI6IkNMIiwicGFpZFVwVG8iOiIyMDE5LTA1LTA0In0seyJjb2RlIjoiUEMiLCJwYWlkVXBUbyI6IjIwMTktMDUtMDQifSx7ImNvZGUiOiJSU1UiLCJwYWlkVXBUbyI6IjIwMTktMDUtMDQifV0sImhhc2giOiI4OTA4Mjg5LzAiLCJncmFjZVBlcmlvZERheXMiOjAsImF1dG9Qcm9sb25nYXRlZCI6ZmFsc2UsImlzQXV0b1Byb2xvbmdhdGVkIjpmYWxzZX0=-Owt3/+LdCpedvF0eQ8635yYt0+ZLtCfIHOKzSrx5hBtbKGYRPFDrdgQAK6lJjexl2emLBcUq729K1+ukY9Js0nx1NH09l9Rw4c7k9wUksLl6RWx7Hcdcma1AHolfSp79NynSMZzQQLFohNyjD+dXfXM5GYd2OTHya0zYjTNMmAJuuRsapJMP9F1z7UTpMpLMxS/JaCWdyX6qIs+funJdPF7bjzYAQBvtbz+6SANBgN36gG1B2xHhccTn6WE8vagwwSNuM70egpahcTktoHxI7uS1JGN9gKAr6nbp+8DbFz3a2wd+XoF3nSJb/d2f/6zJR8yJF8AOyb30kwg3zf5cWw==-MIIEPjCCAiagAwIBAgIBBTANBgkqhkiG9w0BAQsFADAYMRYwFAYDVQQDDA1KZXRQcm9maWxlIENBMB4XDTE1MTEwMjA4MjE0OFoXDTE4MTEwMTA4MjE0OFowETEPMA0GA1UEAwwGcHJvZDN5MIIBIjANBgkqhkiG9w0BAQEFAAOCAQ8AMIIBCgKCAQEAxcQkq+zdxlR2mmRYBPzGbUNdMN6OaXiXzxIWtMEkrJMO/5oUfQJbLLuMSMK0QHFmaI37WShyxZcfRCidwXjot4zmNBKnlyHodDij/78TmVqFl8nOeD5+07B8VEaIu7c3E1N+e1doC6wht4I4+IEmtsPAdoaj5WCQVQbrI8KeT8M9VcBIWX7fD0fhexfg3ZRt0xqwMcXGNp3DdJHiO0rCdU+Itv7EmtnSVq9jBG1usMSFvMowR25mju2JcPFp1+I4ZI+FqgR8gyG8oiNDyNEoAbsR3lOpI7grUYSvkB/xVy/VoklPCK2h0f0GJxFjnye8NT1PAywoyl7RmiAVRE/EKwIDAQABo4GZMIGWMAkGA1UdEwQCMAAwHQYDVR0OBBYEFGEpG9oZGcfLMGNBkY7SgHiMGgTcMEgGA1UdIwRBMD+AFKOetkhnQhI2Qb1t4Lm0oFKLl/GzoRykGjAYMRYwFAYDVQQDDA1KZXRQcm9maWxlIENBggkA0myxg7KDeeEwEwYDVR0lBAwwCgYIKwYBBQUHAwEwCwYDVR0PBAQDAgWgMA0GCSqGSIb3DQEBCwUAA4ICAQC9WZuYgQedSuOc5TOUSrRigMw4/+wuC5EtZBfvdl4HT/8vzMW/oUlIP4YCvA0XKyBaCJ2iX+ZCDKoPfiYXiaSiH+HxAPV6J79vvouxKrWg2XV6ShFtPLP+0gPdGq3x9R3+kJbmAm8w+FOdlWqAfJrLvpzMGNeDU14YGXiZ9bVzmIQbwrBA+c/F4tlK/DV07dsNExihqFoibnqDiVNTGombaU2dDup2gwKdL81ua8EIcGNExHe82kjF4zwfadHk3bQVvbfdAwxcDy4xBjs3L4raPLU3yenSzr/OEur1+jfOxnQSmEcMXKXgrAQ9U55gwjcOFKrgOxEdek/Sk1VfOjvS+nuM4eyEruFMfaZHzoQiuw4IqgGc45ohFH0UUyjYcuFxxDSU9lMCv8qdHKm+wnPRb0l9l5vXsCBDuhAGYD6ss+Ga+aDY6f/qXZuUCEUOH3QUNbbCUlviSz6+GiRnt1kA9N2Qachl+2yBfaqUqr8h7Z2gsx5LcIf5kYNsqJ0GavXTVyWh7PYiKX4bs354ZQLUwwa/cG++2+wNWP+HtBhVxMRNTdVhSm38AknZlD+PTAsWGu9GyLmhti2EnVwGybSD2Dxmhxk3IPCkhKAK+pl0eWYGZWG3tJ9mZ7SowcXLWDFAk0lRJnKGFMTggrWjV8GYpw5bq23VmIqqDLgkNzuoog==</a:t>
+            </a:r>
+            <a:endParaRPr lang="ko-KR" altLang="en-US" sz="2400" cap="none" dirty="0" smtClean="0" b="0" strike="noStrike">
+              <a:latin typeface="仿宋" charset="0"/>
+              <a:ea typeface="仿宋" charset="0"/>
+            </a:endParaRPr>
+          </a:p>
+        </p:txBody>
+      </p:sp>
+    </p:spTree>
+  </p:cSld>
+  <p:clrMapOvr>
+    <a:masterClrMapping/>
+  </p:clrMapOvr>
+  <mc:AlternateContent xmlns:mc="http://schemas.openxmlformats.org/markup-compatibility/2006">
+    <mc:Choice xmlns:p14="http://schemas.microsoft.com/office/powerpoint/2010/main" Requires="p14">
+      <p:transition spd="slow" p14:dur="2000"/>
+    </mc:Choice>
+    <mc:Fallback>
+      <p:transition spd="slow"/>
+    </mc:Fallback>
+  </mc:AlternateContent>
+</p:sld>
+</file>
+
+<file path=ppt/slides/slide28.xml><?xml version="1.0" encoding="utf-8"?>
+<p:sld xmlns:a="http://schemas.openxmlformats.org/drawingml/2006/main" xmlns:r="http://schemas.openxmlformats.org/officeDocument/2006/relationships" xmlns:p="http://schemas.openxmlformats.org/presentationml/2006/main">
+  <p:cSld>
+    <p:spTree>
+      <p:nvGrpSpPr>
+        <p:cNvPr id="1" name=""/>
+        <p:cNvGrpSpPr/>
+        <p:nvPr/>
+      </p:nvGrpSpPr>
+      <p:grpSpPr>
+        <a:xfrm>
+          <a:off x="0" y="0"/>
+          <a:ext cx="0" cy="0"/>
+          <a:chOff x="0" y="0"/>
+          <a:chExt cx="0" cy="0"/>
+        </a:xfrm>
+      </p:grpSpPr>
+      <p:sp>
+        <p:nvSpPr>
+          <p:cNvPr id="2" name="文本占位符 1"/>
           <p:cNvSpPr txBox="1"/>
           <p:nvPr>
             <p:ph type="title"/>
@@ -13417,302 +13633,6 @@
           <a:xfrm>
             <a:off x="2866390" y="1920240"/>
             <a:ext cx="7555230" cy="4966970"/>
-          </a:xfrm>
-          <a:prstGeom prst="rect">
-            <a:avLst/>
-          </a:prstGeom>
-          <a:noFill/>
-        </p:spPr>
-      </p:pic>
-    </p:spTree>
-  </p:cSld>
-  <p:clrMapOvr>
-    <a:masterClrMapping/>
-  </p:clrMapOvr>
-  <mc:AlternateContent xmlns:mc="http://schemas.openxmlformats.org/markup-compatibility/2006">
-    <mc:Choice xmlns:p14="http://schemas.microsoft.com/office/powerpoint/2010/main" Requires="p14">
-      <p:transition spd="slow" p14:dur="2000"/>
-    </mc:Choice>
-    <mc:Fallback>
-      <p:transition spd="slow"/>
-    </mc:Fallback>
-  </mc:AlternateContent>
-  <p:timing>
-    <p:tnLst>
-      <p:par>
-        <p:cTn id="1" dur="indefinite" restart="never" nodeType="tmRoot"/>
-      </p:par>
-    </p:tnLst>
-  </p:timing>
-</p:sld>
-</file>
-
-<file path=ppt/slides/slide28.xml><?xml version="1.0" encoding="utf-8"?>
-<p:sld xmlns:a="http://schemas.openxmlformats.org/drawingml/2006/main" xmlns:r="http://schemas.openxmlformats.org/officeDocument/2006/relationships" xmlns:p="http://schemas.openxmlformats.org/presentationml/2006/main">
-  <p:cSld>
-    <p:spTree>
-      <p:nvGrpSpPr>
-        <p:cNvPr id="1" name=""/>
-        <p:cNvGrpSpPr/>
-        <p:nvPr/>
-      </p:nvGrpSpPr>
-      <p:grpSpPr>
-        <a:xfrm>
-          <a:off x="0" y="0"/>
-          <a:ext cx="0" cy="0"/>
-          <a:chOff x="0" y="0"/>
-          <a:chExt cx="0" cy="0"/>
-        </a:xfrm>
-      </p:grpSpPr>
-      <p:sp>
-        <p:nvSpPr>
-          <p:cNvPr id="2" name="文本占位符 1"/>
-          <p:cNvSpPr txBox="1"/>
-          <p:nvPr>
-            <p:ph type="title"/>
-          </p:nvPr>
-        </p:nvSpPr>
-        <p:spPr>
-          <a:xfrm>
-            <a:off x="648335" y="291465"/>
-            <a:ext cx="10516235" cy="1081405"/>
-          </a:xfrm>
-          <a:prstGeom prst="rect">
-            <a:avLst/>
-          </a:prstGeom>
-        </p:spPr>
-        <p:txBody>
-          <a:bodyPr vert="horz" wrap="square" lIns="91440" tIns="45720" rIns="91440" bIns="45720" numCol="1" anchor="t">
-            <a:noAutofit/>
-          </a:bodyPr>
-          <a:lstStyle/>
-          <a:p>
-            <a:pPr marL="0" indent="0" algn="ctr" defTabSz="914400" fontAlgn="auto" latinLnBrk="0">
-              <a:lnSpc>
-                <a:spcPct val="90000"/>
-              </a:lnSpc>
-              <a:spcBef>
-                <a:spcPts val="0"/>
-              </a:spcBef>
-              <a:spcAft>
-                <a:spcPts val="0"/>
-              </a:spcAft>
-              <a:buFontTx/>
-              <a:buNone/>
-            </a:pPr>
-            <a:r>
-              <a:rPr lang="en-US" altLang="ko-KR" sz="4800" b="0" strike="noStrike" cap="none" dirty="0" smtClean="0">
-                <a:latin typeface="仿宋" charset="0"/>
-                <a:ea typeface="仿宋" charset="0"/>
-              </a:rPr>
-              <a:t>前端css从入门到精通精品课</a:t>
-            </a:r>
-            <a:br>
-              <a:rPr lang="en-US" altLang="ko-KR" sz="4000" b="0" strike="noStrike" cap="none" dirty="0" smtClean="0">
-                <a:latin typeface="楷体" charset="0"/>
-                <a:ea typeface="楷体" charset="0"/>
-              </a:rPr>
-            </a:br>
-            <a:br>
-              <a:rPr lang="en-US" altLang="ko-KR" sz="4000" b="0" strike="noStrike" cap="none" dirty="0" smtClean="0">
-                <a:latin typeface="楷体" charset="0"/>
-                <a:ea typeface="楷体" charset="0"/>
-              </a:rPr>
-            </a:br>
-            <a:endParaRPr lang="ko-KR" altLang="en-US" sz="4000" b="0" strike="noStrike" cap="none" dirty="0" smtClean="0">
-              <a:latin typeface="楷体" charset="0"/>
-              <a:ea typeface="楷体" charset="0"/>
-            </a:endParaRPr>
-          </a:p>
-        </p:txBody>
-      </p:sp>
-      <p:sp>
-        <p:nvSpPr>
-          <p:cNvPr id="3" name="内容占位符 2"/>
-          <p:cNvSpPr txBox="1"/>
-          <p:nvPr>
-            <p:ph idx="1"/>
-          </p:nvPr>
-        </p:nvSpPr>
-        <p:spPr>
-          <a:xfrm>
-            <a:off x="443230" y="2065020"/>
-            <a:ext cx="7303135" cy="4605655"/>
-          </a:xfrm>
-          <a:prstGeom prst="rect">
-            <a:avLst/>
-          </a:prstGeom>
-        </p:spPr>
-        <p:txBody>
-          <a:bodyPr vert="horz" wrap="square" lIns="91440" tIns="45720" rIns="91440" bIns="45720" numCol="1" anchor="t">
-            <a:noAutofit/>
-          </a:bodyPr>
-          <a:lstStyle/>
-          <a:p>
-            <a:pPr marL="0" indent="0" algn="l" defTabSz="914400" fontAlgn="auto" latinLnBrk="0">
-              <a:lnSpc>
-                <a:spcPct val="90000"/>
-              </a:lnSpc>
-              <a:spcBef>
-                <a:spcPts val="1000"/>
-              </a:spcBef>
-              <a:spcAft>
-                <a:spcPts val="0"/>
-              </a:spcAft>
-              <a:buFontTx/>
-              <a:buNone/>
-            </a:pPr>
-            <a:endParaRPr lang="ko-KR" altLang="en-US" sz="2800" b="0" strike="noStrike" cap="none" dirty="0" smtClean="0">
-              <a:latin typeface="仿宋" charset="0"/>
-              <a:ea typeface="仿宋" charset="0"/>
-            </a:endParaRPr>
-          </a:p>
-          <a:p>
-            <a:pPr marL="0" indent="0" algn="l" defTabSz="914400" fontAlgn="auto" latinLnBrk="0">
-              <a:lnSpc>
-                <a:spcPct val="130000"/>
-              </a:lnSpc>
-              <a:spcBef>
-                <a:spcPts val="1000"/>
-              </a:spcBef>
-              <a:spcAft>
-                <a:spcPts val="0"/>
-              </a:spcAft>
-              <a:buFontTx/>
-              <a:buNone/>
-            </a:pPr>
-            <a:endParaRPr lang="ko-KR" altLang="en-US" sz="2400" b="0" strike="noStrike" cap="none" dirty="0" smtClean="0">
-              <a:latin typeface="Adobe 仿宋 Std R" charset="0"/>
-              <a:ea typeface="Adobe 仿宋 Std R" charset="0"/>
-            </a:endParaRPr>
-          </a:p>
-          <a:p>
-            <a:pPr marL="0" indent="0" algn="l" defTabSz="914400" fontAlgn="auto" latinLnBrk="0">
-              <a:lnSpc>
-                <a:spcPct val="130000"/>
-              </a:lnSpc>
-              <a:spcBef>
-                <a:spcPts val="1000"/>
-              </a:spcBef>
-              <a:spcAft>
-                <a:spcPts val="0"/>
-              </a:spcAft>
-              <a:buFontTx/>
-              <a:buNone/>
-            </a:pPr>
-            <a:r>
-              <a:rPr lang="en-US" altLang="ko-KR" sz="2800" b="0" strike="noStrike" cap="none" dirty="0" smtClean="0">
-                <a:latin typeface="Adobe 仿宋 Std R" charset="0"/>
-                <a:ea typeface="Adobe 仿宋 Std R" charset="0"/>
-              </a:rPr>
-              <a:t>   </a:t>
-            </a:r>
-            <a:r>
-              <a:rPr lang="en-US" altLang="ko-KR" sz="2400" b="0" strike="noStrike" cap="none" dirty="0" smtClean="0">
-                <a:latin typeface="Adobe 仿宋 Std R" charset="0"/>
-                <a:ea typeface="Adobe 仿宋 Std R" charset="0"/>
-              </a:rPr>
-              <a:t>  </a:t>
-            </a:r>
-            <a:endParaRPr lang="ko-KR" altLang="en-US" sz="2400" b="0" strike="noStrike" cap="none" dirty="0" smtClean="0">
-              <a:latin typeface="Adobe 仿宋 Std R" charset="0"/>
-              <a:ea typeface="Adobe 仿宋 Std R" charset="0"/>
-            </a:endParaRPr>
-          </a:p>
-        </p:txBody>
-      </p:sp>
-      <p:sp>
-        <p:nvSpPr>
-          <p:cNvPr id="4" name="文本框 3"/>
-          <p:cNvSpPr txBox="1"/>
-          <p:nvPr/>
-        </p:nvSpPr>
-        <p:spPr>
-          <a:xfrm>
-            <a:off x="3718560" y="1151890"/>
-            <a:ext cx="4754880" cy="1199515"/>
-          </a:xfrm>
-          <a:prstGeom prst="rect">
-            <a:avLst/>
-          </a:prstGeom>
-          <a:noFill/>
-        </p:spPr>
-        <p:txBody>
-          <a:bodyPr vert="horz" wrap="none" lIns="91440" tIns="45720" rIns="91440" bIns="45720" numCol="1" anchor="t">
-            <a:spAutoFit/>
-          </a:bodyPr>
-          <a:lstStyle/>
-          <a:p>
-            <a:pPr marL="0" indent="0" algn="l" defTabSz="914400" eaLnBrk="0" fontAlgn="auto" latinLnBrk="0">
-              <a:lnSpc>
-                <a:spcPct val="100000"/>
-              </a:lnSpc>
-              <a:spcBef>
-                <a:spcPts val="0"/>
-              </a:spcBef>
-              <a:spcAft>
-                <a:spcPts val="0"/>
-              </a:spcAft>
-              <a:buFontTx/>
-              <a:buNone/>
-            </a:pPr>
-            <a:r>
-              <a:rPr lang="en-US" altLang="ko-KR" sz="3600" b="0" strike="noStrike" cap="none" dirty="0" smtClean="0">
-                <a:latin typeface="仿宋" charset="0"/>
-                <a:ea typeface="仿宋" charset="0"/>
-              </a:rPr>
-              <a:t>[九年专注、有口皆碑]</a:t>
-            </a:r>
-            <a:endParaRPr lang="ko-KR" altLang="en-US" sz="3600" b="0" strike="noStrike" cap="none" dirty="0" smtClean="0">
-              <a:latin typeface="仿宋" charset="0"/>
-              <a:ea typeface="仿宋" charset="0"/>
-            </a:endParaRPr>
-          </a:p>
-          <a:p>
-            <a:pPr marL="0" indent="0" algn="l" defTabSz="914400" eaLnBrk="0" fontAlgn="auto" latinLnBrk="0">
-              <a:lnSpc>
-                <a:spcPct val="100000"/>
-              </a:lnSpc>
-              <a:spcBef>
-                <a:spcPts val="0"/>
-              </a:spcBef>
-              <a:spcAft>
-                <a:spcPts val="0"/>
-              </a:spcAft>
-              <a:buFontTx/>
-              <a:buNone/>
-            </a:pPr>
-            <a:endParaRPr lang="ko-KR" altLang="en-US" sz="3600" b="0" strike="noStrike" cap="none" dirty="0" smtClean="0">
-              <a:latin typeface="宋体" panose="02010600030101010101" pitchFamily="2" charset="-122"/>
-              <a:ea typeface="宋体" panose="02010600030101010101" pitchFamily="2" charset="-122"/>
-            </a:endParaRPr>
-          </a:p>
-        </p:txBody>
-      </p:sp>
-      <p:pic>
-        <p:nvPicPr>
-          <p:cNvPr id="5" name="图片 4"/>
-          <p:cNvPicPr>
-            <a:picLocks noChangeAspect="1"/>
-          </p:cNvPicPr>
-          <p:nvPr/>
-        </p:nvPicPr>
-        <p:blipFill rotWithShape="1">
-          <a:blip r:embed="rId1">
-            <a:extLst>
-              <a:ext uri="{28A0092B-C50C-407E-A947-70E740481C1C}">
-                <a14:useLocalDpi xmlns:a14="http://schemas.microsoft.com/office/drawing/2010/main" val="0"/>
-              </a:ext>
-            </a:extLst>
-          </a:blip>
-          <a:stretch>
-            <a:fillRect/>
-          </a:stretch>
-        </p:blipFill>
-        <p:spPr>
-          <a:xfrm>
-            <a:off x="2148840" y="1133475"/>
-            <a:ext cx="8527415" cy="5612130"/>
           </a:xfrm>
           <a:prstGeom prst="rect">
             <a:avLst/>
@@ -13762,58 +13682,260 @@
       </p:grpSpPr>
       <p:sp>
         <p:nvSpPr>
+          <p:cNvPr id="2" name="文本占位符 1"/>
+          <p:cNvSpPr txBox="1"/>
+          <p:nvPr>
+            <p:ph type="title"/>
+          </p:nvPr>
+        </p:nvSpPr>
+        <p:spPr>
+          <a:xfrm>
+            <a:off x="648335" y="291465"/>
+            <a:ext cx="10516235" cy="1081405"/>
+          </a:xfrm>
+          <a:prstGeom prst="rect">
+            <a:avLst/>
+          </a:prstGeom>
+        </p:spPr>
+        <p:txBody>
+          <a:bodyPr vert="horz" wrap="square" lIns="91440" tIns="45720" rIns="91440" bIns="45720" numCol="1" anchor="t">
+            <a:noAutofit/>
+          </a:bodyPr>
+          <a:lstStyle/>
+          <a:p>
+            <a:pPr marL="0" indent="0" algn="ctr" defTabSz="914400" fontAlgn="auto" latinLnBrk="0">
+              <a:lnSpc>
+                <a:spcPct val="90000"/>
+              </a:lnSpc>
+              <a:spcBef>
+                <a:spcPts val="0"/>
+              </a:spcBef>
+              <a:spcAft>
+                <a:spcPts val="0"/>
+              </a:spcAft>
+              <a:buFontTx/>
+              <a:buNone/>
+            </a:pPr>
+            <a:r>
+              <a:rPr lang="en-US" altLang="ko-KR" sz="4800" b="0" strike="noStrike" cap="none" dirty="0" smtClean="0">
+                <a:latin typeface="仿宋" charset="0"/>
+                <a:ea typeface="仿宋" charset="0"/>
+              </a:rPr>
+              <a:t>前端css从入门到精通精品课</a:t>
+            </a:r>
+            <a:br>
+              <a:rPr lang="en-US" altLang="ko-KR" sz="4000" b="0" strike="noStrike" cap="none" dirty="0" smtClean="0">
+                <a:latin typeface="楷体" charset="0"/>
+                <a:ea typeface="楷体" charset="0"/>
+              </a:rPr>
+            </a:br>
+            <a:br>
+              <a:rPr lang="en-US" altLang="ko-KR" sz="4000" b="0" strike="noStrike" cap="none" dirty="0" smtClean="0">
+                <a:latin typeface="楷体" charset="0"/>
+                <a:ea typeface="楷体" charset="0"/>
+              </a:rPr>
+            </a:br>
+            <a:endParaRPr lang="ko-KR" altLang="en-US" sz="4000" b="0" strike="noStrike" cap="none" dirty="0" smtClean="0">
+              <a:latin typeface="楷体" charset="0"/>
+              <a:ea typeface="楷体" charset="0"/>
+            </a:endParaRPr>
+          </a:p>
+        </p:txBody>
+      </p:sp>
+      <p:sp>
+        <p:nvSpPr>
           <p:cNvPr id="3" name="内容占位符 2"/>
           <p:cNvSpPr txBox="1"/>
           <p:nvPr>
-            <p:ph/>
+            <p:ph idx="1"/>
           </p:nvPr>
         </p:nvSpPr>
         <p:spPr>
           <a:xfrm>
-            <a:off x="1417320" y="2319020"/>
-            <a:ext cx="10220960" cy="3922395"/>
+            <a:off x="443230" y="2065020"/>
+            <a:ext cx="7303135" cy="4605655"/>
+          </a:xfrm>
+          <a:prstGeom prst="rect">
+            <a:avLst/>
+          </a:prstGeom>
+        </p:spPr>
+        <p:txBody>
+          <a:bodyPr vert="horz" wrap="square" lIns="91440" tIns="45720" rIns="91440" bIns="45720" numCol="1" anchor="t">
+            <a:noAutofit/>
+          </a:bodyPr>
+          <a:lstStyle/>
+          <a:p>
+            <a:pPr marL="0" indent="0" algn="l" defTabSz="914400" fontAlgn="auto" latinLnBrk="0">
+              <a:lnSpc>
+                <a:spcPct val="90000"/>
+              </a:lnSpc>
+              <a:spcBef>
+                <a:spcPts val="1000"/>
+              </a:spcBef>
+              <a:spcAft>
+                <a:spcPts val="0"/>
+              </a:spcAft>
+              <a:buFontTx/>
+              <a:buNone/>
+            </a:pPr>
+            <a:endParaRPr lang="ko-KR" altLang="en-US" sz="2800" b="0" strike="noStrike" cap="none" dirty="0" smtClean="0">
+              <a:latin typeface="仿宋" charset="0"/>
+              <a:ea typeface="仿宋" charset="0"/>
+            </a:endParaRPr>
+          </a:p>
+          <a:p>
+            <a:pPr marL="0" indent="0" algn="l" defTabSz="914400" fontAlgn="auto" latinLnBrk="0">
+              <a:lnSpc>
+                <a:spcPct val="130000"/>
+              </a:lnSpc>
+              <a:spcBef>
+                <a:spcPts val="1000"/>
+              </a:spcBef>
+              <a:spcAft>
+                <a:spcPts val="0"/>
+              </a:spcAft>
+              <a:buFontTx/>
+              <a:buNone/>
+            </a:pPr>
+            <a:endParaRPr lang="ko-KR" altLang="en-US" sz="2400" b="0" strike="noStrike" cap="none" dirty="0" smtClean="0">
+              <a:latin typeface="Adobe 仿宋 Std R" charset="0"/>
+              <a:ea typeface="Adobe 仿宋 Std R" charset="0"/>
+            </a:endParaRPr>
+          </a:p>
+          <a:p>
+            <a:pPr marL="0" indent="0" algn="l" defTabSz="914400" fontAlgn="auto" latinLnBrk="0">
+              <a:lnSpc>
+                <a:spcPct val="130000"/>
+              </a:lnSpc>
+              <a:spcBef>
+                <a:spcPts val="1000"/>
+              </a:spcBef>
+              <a:spcAft>
+                <a:spcPts val="0"/>
+              </a:spcAft>
+              <a:buFontTx/>
+              <a:buNone/>
+            </a:pPr>
+            <a:r>
+              <a:rPr lang="en-US" altLang="ko-KR" sz="2800" b="0" strike="noStrike" cap="none" dirty="0" smtClean="0">
+                <a:latin typeface="Adobe 仿宋 Std R" charset="0"/>
+                <a:ea typeface="Adobe 仿宋 Std R" charset="0"/>
+              </a:rPr>
+              <a:t>   </a:t>
+            </a:r>
+            <a:r>
+              <a:rPr lang="en-US" altLang="ko-KR" sz="2400" b="0" strike="noStrike" cap="none" dirty="0" smtClean="0">
+                <a:latin typeface="Adobe 仿宋 Std R" charset="0"/>
+                <a:ea typeface="Adobe 仿宋 Std R" charset="0"/>
+              </a:rPr>
+              <a:t>  </a:t>
+            </a:r>
+            <a:endParaRPr lang="ko-KR" altLang="en-US" sz="2400" b="0" strike="noStrike" cap="none" dirty="0" smtClean="0">
+              <a:latin typeface="Adobe 仿宋 Std R" charset="0"/>
+              <a:ea typeface="Adobe 仿宋 Std R" charset="0"/>
+            </a:endParaRPr>
+          </a:p>
+        </p:txBody>
+      </p:sp>
+      <p:sp>
+        <p:nvSpPr>
+          <p:cNvPr id="4" name="文本框 3"/>
+          <p:cNvSpPr txBox="1"/>
+          <p:nvPr/>
+        </p:nvSpPr>
+        <p:spPr>
+          <a:xfrm>
+            <a:off x="3718560" y="1151890"/>
+            <a:ext cx="4754880" cy="1199515"/>
           </a:xfrm>
           <a:prstGeom prst="rect">
             <a:avLst/>
           </a:prstGeom>
           <a:noFill/>
-          <a:ln w="0">
-            <a:noFill/>
-          </a:ln>
-        </p:spPr>
-        <p:txBody>
-          <a:bodyPr vert="horz" wrap="square" lIns="91440" tIns="45720" rIns="91440" bIns="45720" anchor="t">
-            <a:noAutofit/>
+        </p:spPr>
+        <p:txBody>
+          <a:bodyPr vert="horz" wrap="none" lIns="91440" tIns="45720" rIns="91440" bIns="45720" numCol="1" anchor="t">
+            <a:spAutoFit/>
           </a:bodyPr>
           <a:lstStyle/>
           <a:p>
-            <a:pPr marL="0" indent="0" algn="l" defTabSz="914400" fontAlgn="auto">
-              <a:lnSpc>
-                <a:spcPct val="90000"/>
-              </a:lnSpc>
-              <a:spcBef>
-                <a:spcPts val="1000"/>
-              </a:spcBef>
-              <a:spcAft>
-                <a:spcPts val="0"/>
-              </a:spcAft>
-              <a:buFontTx/>
-              <a:buNone/>
-            </a:pPr>
-            <a:r>
-              <a:rPr lang="en-US" altLang="ko-KR" sz="5400" b="0" strike="noStrike" cap="none" dirty="0" smtClean="0">
-                <a:latin typeface="微软雅黑" panose="020B0503020204020204" charset="-122"/>
-                <a:ea typeface="微软雅黑" panose="020B0503020204020204" charset="-122"/>
-              </a:rPr>
-              <a:t>使用webstorm创建新的项目</a:t>
-            </a:r>
-            <a:endParaRPr lang="ko-KR" altLang="en-US" sz="5400" b="0" strike="noStrike" cap="none" dirty="0" smtClean="0">
-              <a:latin typeface="微软雅黑" panose="020B0503020204020204" charset="-122"/>
-              <a:ea typeface="微软雅黑" panose="020B0503020204020204" charset="-122"/>
-            </a:endParaRPr>
-          </a:p>
-        </p:txBody>
-      </p:sp>
+            <a:pPr marL="0" indent="0" algn="l" defTabSz="914400" eaLnBrk="0" fontAlgn="auto" latinLnBrk="0">
+              <a:lnSpc>
+                <a:spcPct val="100000"/>
+              </a:lnSpc>
+              <a:spcBef>
+                <a:spcPts val="0"/>
+              </a:spcBef>
+              <a:spcAft>
+                <a:spcPts val="0"/>
+              </a:spcAft>
+              <a:buFontTx/>
+              <a:buNone/>
+            </a:pPr>
+            <a:r>
+              <a:rPr lang="en-US" altLang="ko-KR" sz="3600" b="0" strike="noStrike" cap="none" dirty="0" smtClean="0">
+                <a:latin typeface="仿宋" charset="0"/>
+                <a:ea typeface="仿宋" charset="0"/>
+              </a:rPr>
+              <a:t>[九年专注、有口皆碑]</a:t>
+            </a:r>
+            <a:endParaRPr lang="ko-KR" altLang="en-US" sz="3600" b="0" strike="noStrike" cap="none" dirty="0" smtClean="0">
+              <a:latin typeface="仿宋" charset="0"/>
+              <a:ea typeface="仿宋" charset="0"/>
+            </a:endParaRPr>
+          </a:p>
+          <a:p>
+            <a:pPr marL="0" indent="0" algn="l" defTabSz="914400" eaLnBrk="0" fontAlgn="auto" latinLnBrk="0">
+              <a:lnSpc>
+                <a:spcPct val="100000"/>
+              </a:lnSpc>
+              <a:spcBef>
+                <a:spcPts val="0"/>
+              </a:spcBef>
+              <a:spcAft>
+                <a:spcPts val="0"/>
+              </a:spcAft>
+              <a:buFontTx/>
+              <a:buNone/>
+            </a:pPr>
+            <a:endParaRPr lang="ko-KR" altLang="en-US" sz="3600" b="0" strike="noStrike" cap="none" dirty="0" smtClean="0">
+              <a:latin typeface="宋体" panose="02010600030101010101" pitchFamily="2" charset="-122"/>
+              <a:ea typeface="宋体" panose="02010600030101010101" pitchFamily="2" charset="-122"/>
+            </a:endParaRPr>
+          </a:p>
+        </p:txBody>
+      </p:sp>
+      <p:pic>
+        <p:nvPicPr>
+          <p:cNvPr id="5" name="图片 4"/>
+          <p:cNvPicPr>
+            <a:picLocks noChangeAspect="1"/>
+          </p:cNvPicPr>
+          <p:nvPr/>
+        </p:nvPicPr>
+        <p:blipFill rotWithShape="1">
+          <a:blip r:embed="rId1">
+            <a:extLst>
+              <a:ext uri="{28A0092B-C50C-407E-A947-70E740481C1C}">
+                <a14:useLocalDpi xmlns:a14="http://schemas.microsoft.com/office/drawing/2010/main" val="0"/>
+              </a:ext>
+            </a:extLst>
+          </a:blip>
+          <a:stretch>
+            <a:fillRect/>
+          </a:stretch>
+        </p:blipFill>
+        <p:spPr>
+          <a:xfrm>
+            <a:off x="2148840" y="1133475"/>
+            <a:ext cx="8527415" cy="5612130"/>
+          </a:xfrm>
+          <a:prstGeom prst="rect">
+            <a:avLst/>
+          </a:prstGeom>
+          <a:noFill/>
+        </p:spPr>
+      </p:pic>
     </p:spTree>
   </p:cSld>
   <p:clrMapOvr>
@@ -13821,14 +13943,10 @@
   </p:clrMapOvr>
   <mc:AlternateContent xmlns:mc="http://schemas.openxmlformats.org/markup-compatibility/2006">
     <mc:Choice xmlns:p14="http://schemas.microsoft.com/office/powerpoint/2010/main" Requires="p14">
-      <p:transition spd="slow" p14:dur="500">
-        <p:random/>
-      </p:transition>
+      <p:transition spd="slow" p14:dur="2000"/>
     </mc:Choice>
     <mc:Fallback>
-      <p:transition spd="slow">
-        <p:random/>
-      </p:transition>
+      <p:transition spd="slow"/>
     </mc:Fallback>
   </mc:AlternateContent>
   <p:timing>
@@ -13956,33 +14074,18 @@
           <a:chExt cx="0" cy="0"/>
         </a:xfrm>
       </p:grpSpPr>
-      <p:pic>
-        <p:nvPicPr>
-          <p:cNvPr id="4" name="内容占位符 3"/>
-          <p:cNvPicPr>
-            <a:picLocks noChangeAspect="1"/>
-          </p:cNvPicPr>
+      <p:sp>
+        <p:nvSpPr>
+          <p:cNvPr id="3" name="内容占位符 2"/>
+          <p:cNvSpPr txBox="1"/>
           <p:nvPr>
             <p:ph/>
           </p:nvPr>
-        </p:nvPicPr>
-        <p:blipFill rotWithShape="1">
-          <a:blip r:embed="rId1">
-            <a:extLst>
-              <a:ext uri="{28A0092B-C50C-407E-A947-70E740481C1C}">
-                <a14:useLocalDpi xmlns:a14="http://schemas.microsoft.com/office/drawing/2010/main" val="0"/>
-              </a:ext>
-            </a:extLst>
-          </a:blip>
-          <a:srcRect/>
-          <a:stretch>
-            <a:fillRect/>
-          </a:stretch>
-        </p:blipFill>
-        <p:spPr>
-          <a:xfrm>
-            <a:off x="628015" y="1320800"/>
-            <a:ext cx="7896860" cy="5423535"/>
+        </p:nvSpPr>
+        <p:spPr>
+          <a:xfrm>
+            <a:off x="1417320" y="2319020"/>
+            <a:ext cx="10220960" cy="3922395"/>
           </a:xfrm>
           <a:prstGeom prst="rect">
             <a:avLst/>
@@ -13992,89 +14095,33 @@
             <a:noFill/>
           </a:ln>
         </p:spPr>
-      </p:pic>
-      <p:sp>
-        <p:nvSpPr>
-          <p:cNvPr id="2" name="文本框 1"/>
-          <p:cNvSpPr txBox="1"/>
-          <p:nvPr/>
-        </p:nvSpPr>
-        <p:spPr>
-          <a:xfrm>
-            <a:off x="3096260" y="74295"/>
-            <a:ext cx="7491730" cy="1477010"/>
-          </a:xfrm>
-          <a:prstGeom prst="rect">
-            <a:avLst/>
-          </a:prstGeom>
-          <a:noFill/>
-        </p:spPr>
         <p:txBody>
           <a:bodyPr vert="horz" wrap="square" lIns="91440" tIns="45720" rIns="91440" bIns="45720" anchor="t">
-            <a:spAutoFit/>
+            <a:noAutofit/>
           </a:bodyPr>
           <a:lstStyle/>
           <a:p>
-            <a:pPr marL="0" indent="0" algn="l" defTabSz="914400" eaLnBrk="0" fontAlgn="auto">
-              <a:lnSpc>
-                <a:spcPct val="100000"/>
-              </a:lnSpc>
-              <a:spcBef>
-                <a:spcPts val="0"/>
-              </a:spcBef>
-              <a:spcAft>
-                <a:spcPts val="0"/>
-              </a:spcAft>
-              <a:buFontTx/>
-              <a:buNone/>
-            </a:pPr>
-            <a:r>
-              <a:rPr lang="en-US" altLang="ko-KR" sz="3600" b="0" strike="noStrike" cap="none" dirty="0" smtClean="0">
+            <a:pPr marL="0" indent="0" algn="l" defTabSz="914400" fontAlgn="auto">
+              <a:lnSpc>
+                <a:spcPct val="90000"/>
+              </a:lnSpc>
+              <a:spcBef>
+                <a:spcPts val="1000"/>
+              </a:spcBef>
+              <a:spcAft>
+                <a:spcPts val="0"/>
+              </a:spcAft>
+              <a:buFontTx/>
+              <a:buNone/>
+            </a:pPr>
+            <a:r>
+              <a:rPr lang="en-US" altLang="ko-KR" sz="5400" b="0" strike="noStrike" cap="none" dirty="0" smtClean="0">
                 <a:latin typeface="微软雅黑" panose="020B0503020204020204" charset="-122"/>
                 <a:ea typeface="微软雅黑" panose="020B0503020204020204" charset="-122"/>
               </a:rPr>
-              <a:t>珠峰培训CSS从入门到精通</a:t>
-            </a:r>
-            <a:endParaRPr lang="ko-KR" altLang="en-US" sz="3600" b="0" strike="noStrike" cap="none" dirty="0" smtClean="0">
-              <a:latin typeface="微软雅黑" panose="020B0503020204020204" charset="-122"/>
-              <a:ea typeface="微软雅黑" panose="020B0503020204020204" charset="-122"/>
-            </a:endParaRPr>
-          </a:p>
-          <a:p>
-            <a:pPr marL="0" indent="0" algn="l" defTabSz="914400" eaLnBrk="0" fontAlgn="auto">
-              <a:lnSpc>
-                <a:spcPct val="100000"/>
-              </a:lnSpc>
-              <a:spcBef>
-                <a:spcPts val="0"/>
-              </a:spcBef>
-              <a:spcAft>
-                <a:spcPts val="0"/>
-              </a:spcAft>
-              <a:buFontTx/>
-              <a:buNone/>
-            </a:pPr>
-            <a:r>
-              <a:rPr lang="en-US" altLang="ko-KR" sz="3600" b="0" strike="noStrike" cap="none" dirty="0" smtClean="0">
-                <a:latin typeface="微软雅黑" panose="020B0503020204020204" charset="-122"/>
-                <a:ea typeface="微软雅黑" panose="020B0503020204020204" charset="-122"/>
-              </a:rPr>
-              <a:t>        </a:t>
-            </a:r>
-            <a:r>
-              <a:rPr lang="en-US" altLang="ko-KR" sz="2800" b="0" strike="noStrike" cap="none" dirty="0" smtClean="0">
-                <a:latin typeface="微软雅黑" panose="020B0503020204020204" charset="-122"/>
-                <a:ea typeface="微软雅黑" panose="020B0503020204020204" charset="-122"/>
-              </a:rPr>
-              <a:t>[九年专注、有口皆碑]</a:t>
-            </a:r>
-            <a:br>
-              <a:rPr lang="en-US" altLang="ko-KR" sz="1800" b="0" strike="noStrike" cap="none" dirty="0" smtClean="0">
-                <a:latin typeface="微软雅黑" panose="020B0503020204020204" charset="-122"/>
-                <a:ea typeface="微软雅黑" panose="020B0503020204020204" charset="-122"/>
-              </a:rPr>
-            </a:br>
-            <a:endParaRPr lang="ko-KR" altLang="en-US" sz="1800" b="0" strike="noStrike" cap="none" dirty="0" smtClean="0">
+              <a:t>使用webstorm创建新的项目</a:t>
+            </a:r>
+            <a:endParaRPr lang="ko-KR" altLang="en-US" sz="5400" b="0" strike="noStrike" cap="none" dirty="0" smtClean="0">
               <a:latin typeface="微软雅黑" panose="020B0503020204020204" charset="-122"/>
               <a:ea typeface="微软雅黑" panose="020B0503020204020204" charset="-122"/>
             </a:endParaRPr>
@@ -14150,8 +14197,8 @@
         </p:blipFill>
         <p:spPr>
           <a:xfrm>
-            <a:off x="683895" y="1381760"/>
-            <a:ext cx="7811135" cy="5320030"/>
+            <a:off x="628015" y="1320800"/>
+            <a:ext cx="7896860" cy="5423535"/>
           </a:xfrm>
           <a:prstGeom prst="rect">
             <a:avLst/>
@@ -14170,7 +14217,7 @@
         </p:nvSpPr>
         <p:spPr>
           <a:xfrm>
-            <a:off x="3096260" y="94615"/>
+            <a:off x="3096260" y="74295"/>
             <a:ext cx="7491730" cy="1477010"/>
           </a:xfrm>
           <a:prstGeom prst="rect">
@@ -14319,8 +14366,8 @@
         </p:blipFill>
         <p:spPr>
           <a:xfrm>
-            <a:off x="670560" y="1515745"/>
-            <a:ext cx="7429500" cy="5215255"/>
+            <a:off x="683895" y="1381760"/>
+            <a:ext cx="7811135" cy="5320030"/>
           </a:xfrm>
           <a:prstGeom prst="rect">
             <a:avLst/>
@@ -14339,7 +14386,7 @@
         </p:nvSpPr>
         <p:spPr>
           <a:xfrm>
-            <a:off x="3096260" y="145415"/>
+            <a:off x="3096260" y="94615"/>
             <a:ext cx="7491730" cy="1477010"/>
           </a:xfrm>
           <a:prstGeom prst="rect">
@@ -14488,8 +14535,8 @@
         </p:blipFill>
         <p:spPr>
           <a:xfrm>
-            <a:off x="1196340" y="1362710"/>
-            <a:ext cx="5645785" cy="5269230"/>
+            <a:off x="670560" y="1515745"/>
+            <a:ext cx="7429500" cy="5215255"/>
           </a:xfrm>
           <a:prstGeom prst="rect">
             <a:avLst/>
@@ -14657,8 +14704,8 @@
         </p:blipFill>
         <p:spPr>
           <a:xfrm>
-            <a:off x="680720" y="1470660"/>
-            <a:ext cx="7543800" cy="5160645"/>
+            <a:off x="1196340" y="1362710"/>
+            <a:ext cx="5645785" cy="5269230"/>
           </a:xfrm>
           <a:prstGeom prst="rect">
             <a:avLst/>
@@ -14826,8 +14873,8 @@
         </p:blipFill>
         <p:spPr>
           <a:xfrm>
-            <a:off x="833755" y="1884680"/>
-            <a:ext cx="9373870" cy="4017645"/>
+            <a:off x="680720" y="1470660"/>
+            <a:ext cx="7543800" cy="5160645"/>
           </a:xfrm>
           <a:prstGeom prst="rect">
             <a:avLst/>
@@ -14995,8 +15042,8 @@
         </p:blipFill>
         <p:spPr>
           <a:xfrm>
-            <a:off x="1496695" y="1400175"/>
-            <a:ext cx="5479415" cy="5355590"/>
+            <a:off x="833755" y="1884680"/>
+            <a:ext cx="9373870" cy="4017645"/>
           </a:xfrm>
           <a:prstGeom prst="rect">
             <a:avLst/>
@@ -15015,7 +15062,7 @@
         </p:nvSpPr>
         <p:spPr>
           <a:xfrm>
-            <a:off x="3096260" y="43815"/>
+            <a:off x="3096260" y="145415"/>
             <a:ext cx="7491730" cy="1477010"/>
           </a:xfrm>
           <a:prstGeom prst="rect">
@@ -15164,8 +15211,8 @@
         </p:blipFill>
         <p:spPr>
           <a:xfrm>
-            <a:off x="1374140" y="1302385"/>
-            <a:ext cx="6022975" cy="5541010"/>
+            <a:off x="1496695" y="1400175"/>
+            <a:ext cx="5479415" cy="5355590"/>
           </a:xfrm>
           <a:prstGeom prst="rect">
             <a:avLst/>
@@ -15184,7 +15231,7 @@
         </p:nvSpPr>
         <p:spPr>
           <a:xfrm>
-            <a:off x="3096260" y="94615"/>
+            <a:off x="3096260" y="43815"/>
             <a:ext cx="7491730" cy="1477010"/>
           </a:xfrm>
           <a:prstGeom prst="rect">
@@ -15308,6 +15355,175 @@
           <a:chExt cx="0" cy="0"/>
         </a:xfrm>
       </p:grpSpPr>
+      <p:pic>
+        <p:nvPicPr>
+          <p:cNvPr id="4" name="内容占位符 3"/>
+          <p:cNvPicPr>
+            <a:picLocks noChangeAspect="1"/>
+          </p:cNvPicPr>
+          <p:nvPr>
+            <p:ph/>
+          </p:nvPr>
+        </p:nvPicPr>
+        <p:blipFill rotWithShape="1">
+          <a:blip r:embed="rId1">
+            <a:extLst>
+              <a:ext uri="{28A0092B-C50C-407E-A947-70E740481C1C}">
+                <a14:useLocalDpi xmlns:a14="http://schemas.microsoft.com/office/drawing/2010/main" val="0"/>
+              </a:ext>
+            </a:extLst>
+          </a:blip>
+          <a:srcRect/>
+          <a:stretch>
+            <a:fillRect/>
+          </a:stretch>
+        </p:blipFill>
+        <p:spPr>
+          <a:xfrm>
+            <a:off x="1374140" y="1302385"/>
+            <a:ext cx="6022975" cy="5541010"/>
+          </a:xfrm>
+          <a:prstGeom prst="rect">
+            <a:avLst/>
+          </a:prstGeom>
+          <a:noFill/>
+          <a:ln w="0">
+            <a:noFill/>
+          </a:ln>
+        </p:spPr>
+      </p:pic>
+      <p:sp>
+        <p:nvSpPr>
+          <p:cNvPr id="2" name="文本框 1"/>
+          <p:cNvSpPr txBox="1"/>
+          <p:nvPr/>
+        </p:nvSpPr>
+        <p:spPr>
+          <a:xfrm>
+            <a:off x="3096260" y="94615"/>
+            <a:ext cx="7491730" cy="1477010"/>
+          </a:xfrm>
+          <a:prstGeom prst="rect">
+            <a:avLst/>
+          </a:prstGeom>
+          <a:noFill/>
+        </p:spPr>
+        <p:txBody>
+          <a:bodyPr vert="horz" wrap="square" lIns="91440" tIns="45720" rIns="91440" bIns="45720" anchor="t">
+            <a:spAutoFit/>
+          </a:bodyPr>
+          <a:lstStyle/>
+          <a:p>
+            <a:pPr marL="0" indent="0" algn="l" defTabSz="914400" eaLnBrk="0" fontAlgn="auto">
+              <a:lnSpc>
+                <a:spcPct val="100000"/>
+              </a:lnSpc>
+              <a:spcBef>
+                <a:spcPts val="0"/>
+              </a:spcBef>
+              <a:spcAft>
+                <a:spcPts val="0"/>
+              </a:spcAft>
+              <a:buFontTx/>
+              <a:buNone/>
+            </a:pPr>
+            <a:r>
+              <a:rPr lang="en-US" altLang="ko-KR" sz="3600" b="0" strike="noStrike" cap="none" dirty="0" smtClean="0">
+                <a:latin typeface="微软雅黑" panose="020B0503020204020204" charset="-122"/>
+                <a:ea typeface="微软雅黑" panose="020B0503020204020204" charset="-122"/>
+              </a:rPr>
+              <a:t>珠峰培训CSS从入门到精通</a:t>
+            </a:r>
+            <a:endParaRPr lang="ko-KR" altLang="en-US" sz="3600" b="0" strike="noStrike" cap="none" dirty="0" smtClean="0">
+              <a:latin typeface="微软雅黑" panose="020B0503020204020204" charset="-122"/>
+              <a:ea typeface="微软雅黑" panose="020B0503020204020204" charset="-122"/>
+            </a:endParaRPr>
+          </a:p>
+          <a:p>
+            <a:pPr marL="0" indent="0" algn="l" defTabSz="914400" eaLnBrk="0" fontAlgn="auto">
+              <a:lnSpc>
+                <a:spcPct val="100000"/>
+              </a:lnSpc>
+              <a:spcBef>
+                <a:spcPts val="0"/>
+              </a:spcBef>
+              <a:spcAft>
+                <a:spcPts val="0"/>
+              </a:spcAft>
+              <a:buFontTx/>
+              <a:buNone/>
+            </a:pPr>
+            <a:r>
+              <a:rPr lang="en-US" altLang="ko-KR" sz="3600" b="0" strike="noStrike" cap="none" dirty="0" smtClean="0">
+                <a:latin typeface="微软雅黑" panose="020B0503020204020204" charset="-122"/>
+                <a:ea typeface="微软雅黑" panose="020B0503020204020204" charset="-122"/>
+              </a:rPr>
+              <a:t>        </a:t>
+            </a:r>
+            <a:r>
+              <a:rPr lang="en-US" altLang="ko-KR" sz="2800" b="0" strike="noStrike" cap="none" dirty="0" smtClean="0">
+                <a:latin typeface="微软雅黑" panose="020B0503020204020204" charset="-122"/>
+                <a:ea typeface="微软雅黑" panose="020B0503020204020204" charset="-122"/>
+              </a:rPr>
+              <a:t>[九年专注、有口皆碑]</a:t>
+            </a:r>
+            <a:br>
+              <a:rPr lang="en-US" altLang="ko-KR" sz="1800" b="0" strike="noStrike" cap="none" dirty="0" smtClean="0">
+                <a:latin typeface="微软雅黑" panose="020B0503020204020204" charset="-122"/>
+                <a:ea typeface="微软雅黑" panose="020B0503020204020204" charset="-122"/>
+              </a:rPr>
+            </a:br>
+            <a:endParaRPr lang="ko-KR" altLang="en-US" sz="1800" b="0" strike="noStrike" cap="none" dirty="0" smtClean="0">
+              <a:latin typeface="微软雅黑" panose="020B0503020204020204" charset="-122"/>
+              <a:ea typeface="微软雅黑" panose="020B0503020204020204" charset="-122"/>
+            </a:endParaRPr>
+          </a:p>
+        </p:txBody>
+      </p:sp>
+    </p:spTree>
+  </p:cSld>
+  <p:clrMapOvr>
+    <a:masterClrMapping/>
+  </p:clrMapOvr>
+  <mc:AlternateContent xmlns:mc="http://schemas.openxmlformats.org/markup-compatibility/2006">
+    <mc:Choice xmlns:p14="http://schemas.microsoft.com/office/powerpoint/2010/main" Requires="p14">
+      <p:transition spd="slow" p14:dur="500">
+        <p:random/>
+      </p:transition>
+    </mc:Choice>
+    <mc:Fallback>
+      <p:transition spd="slow">
+        <p:random/>
+      </p:transition>
+    </mc:Fallback>
+  </mc:AlternateContent>
+  <p:timing>
+    <p:tnLst>
+      <p:par>
+        <p:cTn id="1" dur="indefinite" restart="never" nodeType="tmRoot"/>
+      </p:par>
+    </p:tnLst>
+  </p:timing>
+</p:sld>
+</file>
+
+<file path=ppt/slides/slide39.xml><?xml version="1.0" encoding="utf-8"?>
+<p:sld xmlns:a="http://schemas.openxmlformats.org/drawingml/2006/main" xmlns:r="http://schemas.openxmlformats.org/officeDocument/2006/relationships" xmlns:p="http://schemas.openxmlformats.org/presentationml/2006/main">
+  <p:cSld>
+    <p:spTree>
+      <p:nvGrpSpPr>
+        <p:cNvPr id="1" name=""/>
+        <p:cNvGrpSpPr/>
+        <p:nvPr/>
+      </p:nvGrpSpPr>
+      <p:grpSpPr>
+        <a:xfrm>
+          <a:off x="0" y="0"/>
+          <a:ext cx="0" cy="0"/>
+          <a:chOff x="0" y="0"/>
+          <a:chExt cx="0" cy="0"/>
+        </a:xfrm>
+      </p:grpSpPr>
       <p:sp>
         <p:nvSpPr>
           <p:cNvPr id="2" name="文本占位符 1"/>
@@ -15475,177 +15691,6 @@
           <a:xfrm>
             <a:off x="969645" y="1644650"/>
             <a:ext cx="10246360" cy="5119370"/>
-          </a:xfrm>
-          <a:prstGeom prst="rect">
-            <a:avLst/>
-          </a:prstGeom>
-          <a:noFill/>
-        </p:spPr>
-      </p:pic>
-    </p:spTree>
-  </p:cSld>
-  <p:clrMapOvr>
-    <a:masterClrMapping/>
-  </p:clrMapOvr>
-  <mc:AlternateContent xmlns:mc="http://schemas.openxmlformats.org/markup-compatibility/2006">
-    <mc:Choice xmlns:p14="http://schemas.microsoft.com/office/powerpoint/2010/main" Requires="p14">
-      <p:transition spd="slow" p14:dur="500">
-        <p:random/>
-      </p:transition>
-    </mc:Choice>
-    <mc:Fallback>
-      <p:transition spd="slow">
-        <p:random/>
-      </p:transition>
-    </mc:Fallback>
-  </mc:AlternateContent>
-</p:sld>
-</file>
-
-<file path=ppt/slides/slide39.xml><?xml version="1.0" encoding="utf-8"?>
-<p:sld xmlns:a="http://schemas.openxmlformats.org/drawingml/2006/main" xmlns:r="http://schemas.openxmlformats.org/officeDocument/2006/relationships" xmlns:p="http://schemas.openxmlformats.org/presentationml/2006/main">
-  <p:cSld>
-    <p:spTree>
-      <p:nvGrpSpPr>
-        <p:cNvPr id="1" name=""/>
-        <p:cNvGrpSpPr/>
-        <p:nvPr/>
-      </p:nvGrpSpPr>
-      <p:grpSpPr>
-        <a:xfrm>
-          <a:off x="0" y="0"/>
-          <a:ext cx="0" cy="0"/>
-          <a:chOff x="0" y="0"/>
-          <a:chExt cx="0" cy="0"/>
-        </a:xfrm>
-      </p:grpSpPr>
-      <p:sp>
-        <p:nvSpPr>
-          <p:cNvPr id="2" name="文本占位符 1"/>
-          <p:cNvSpPr txBox="1"/>
-          <p:nvPr>
-            <p:ph type="title"/>
-          </p:nvPr>
-        </p:nvSpPr>
-        <p:spPr>
-          <a:xfrm>
-            <a:off x="1841500" y="698500"/>
-            <a:ext cx="9123045" cy="812800"/>
-          </a:xfrm>
-          <a:prstGeom prst="rect">
-            <a:avLst/>
-          </a:prstGeom>
-          <a:noFill/>
-          <a:ln w="0">
-            <a:noFill/>
-          </a:ln>
-        </p:spPr>
-        <p:txBody>
-          <a:bodyPr vert="horz" wrap="square" lIns="91440" tIns="45720" rIns="91440" bIns="45720" numCol="1" anchor="t">
-            <a:noAutofit/>
-          </a:bodyPr>
-          <a:lstStyle/>
-          <a:p>
-            <a:pPr marL="0" indent="0" algn="l" defTabSz="914400" eaLnBrk="0" fontAlgn="auto">
-              <a:lnSpc>
-                <a:spcPct val="90000"/>
-              </a:lnSpc>
-              <a:spcBef>
-                <a:spcPts val="0"/>
-              </a:spcBef>
-              <a:spcAft>
-                <a:spcPts val="0"/>
-              </a:spcAft>
-              <a:buFontTx/>
-              <a:buNone/>
-            </a:pPr>
-            <a:endParaRPr lang="ko-KR" altLang="en-US" sz="4400" b="0" strike="noStrike" cap="none" dirty="0" smtClean="0">
-              <a:solidFill>
-                <a:schemeClr val="accent2"/>
-              </a:solidFill>
-              <a:latin typeface="微软雅黑" panose="020B0503020204020204" charset="-122"/>
-              <a:ea typeface="微软雅黑" panose="020B0503020204020204" charset="-122"/>
-            </a:endParaRPr>
-          </a:p>
-        </p:txBody>
-      </p:sp>
-      <p:sp>
-        <p:nvSpPr>
-          <p:cNvPr id="3" name="内容占位符 2"/>
-          <p:cNvSpPr txBox="1"/>
-          <p:nvPr>
-            <p:ph/>
-          </p:nvPr>
-        </p:nvSpPr>
-        <p:spPr>
-          <a:xfrm>
-            <a:off x="1029335" y="1716405"/>
-            <a:ext cx="9935845" cy="4525645"/>
-          </a:xfrm>
-          <a:prstGeom prst="rect">
-            <a:avLst/>
-          </a:prstGeom>
-          <a:noFill/>
-          <a:ln w="0">
-            <a:noFill/>
-          </a:ln>
-        </p:spPr>
-        <p:txBody>
-          <a:bodyPr vert="horz" wrap="square" lIns="91440" tIns="45720" rIns="91440" bIns="45720" numCol="1" anchor="t">
-            <a:noAutofit/>
-          </a:bodyPr>
-          <a:lstStyle/>
-          <a:p>
-            <a:pPr marL="228600" indent="-228600" algn="l" defTabSz="914400" eaLnBrk="0" fontAlgn="auto">
-              <a:lnSpc>
-                <a:spcPct val="140000"/>
-              </a:lnSpc>
-              <a:spcBef>
-                <a:spcPts val="1000"/>
-              </a:spcBef>
-              <a:spcAft>
-                <a:spcPts val="0"/>
-              </a:spcAft>
-              <a:buClr>
-                <a:srgbClr val="595959"/>
-              </a:buClr>
-              <a:buFont typeface="Arial" panose="020B0604020202020204"/>
-              <a:buChar char="•"/>
-            </a:pPr>
-            <a:endParaRPr lang="ko-KR" altLang="en-US" sz="2000" b="0" strike="noStrike" cap="none" dirty="0" smtClean="0">
-              <a:solidFill>
-                <a:srgbClr val="595959"/>
-              </a:solidFill>
-              <a:latin typeface="微软雅黑" panose="020B0503020204020204" charset="-122"/>
-              <a:ea typeface="微软雅黑" panose="020B0503020204020204" charset="-122"/>
-            </a:endParaRPr>
-          </a:p>
-        </p:txBody>
-      </p:sp>
-      <p:pic>
-        <p:nvPicPr>
-          <p:cNvPr id="4" name="图片 3" descr="C:/Users/youran/AppData/Roaming/JisuOffice/ETemp/12804_9056504/fImage7758546441.png"/>
-          <p:cNvPicPr>
-            <a:picLocks noChangeAspect="1"/>
-          </p:cNvPicPr>
-          <p:nvPr/>
-        </p:nvPicPr>
-        <p:blipFill rotWithShape="1">
-          <a:blip r:embed="rId1">
-            <a:extLst>
-              <a:ext uri="{28A0092B-C50C-407E-A947-70E740481C1C}">
-                <a14:useLocalDpi xmlns:a14="http://schemas.microsoft.com/office/drawing/2010/main" val="0"/>
-              </a:ext>
-            </a:extLst>
-          </a:blip>
-          <a:stretch>
-            <a:fillRect/>
-          </a:stretch>
-        </p:blipFill>
-        <p:spPr>
-          <a:xfrm>
-            <a:off x="968375" y="699770"/>
-            <a:ext cx="8874760" cy="5987415"/>
           </a:xfrm>
           <a:prstGeom prst="rect">
             <a:avLst/>
@@ -16316,16 +16361,6 @@
               <a:buFontTx/>
               <a:buNone/>
             </a:pPr>
-            <a:r>
-              <a:rPr lang="en-US" altLang="ko-KR" sz="4400" b="0" strike="noStrike" cap="none" dirty="0" smtClean="0">
-                <a:solidFill>
-                  <a:schemeClr val="accent2"/>
-                </a:solidFill>
-                <a:latin typeface="微软雅黑" panose="020B0503020204020204" charset="-122"/>
-                <a:ea typeface="微软雅黑" panose="020B0503020204020204" charset="-122"/>
-              </a:rPr>
-              <a:t>开启Markdown提示</a:t>
-            </a:r>
             <a:endParaRPr lang="ko-KR" altLang="en-US" sz="4400" b="0" strike="noStrike" cap="none" dirty="0" smtClean="0">
               <a:solidFill>
                 <a:schemeClr val="accent2"/>
@@ -16391,7 +16426,7 @@
       </p:sp>
       <p:pic>
         <p:nvPicPr>
-          <p:cNvPr id="4" name="图片 3" descr="C:/Users/youran/AppData/Roaming/JisuOffice/ETemp/12804_9056504/fImage944525188467.png"/>
+          <p:cNvPr id="4" name="图片 3" descr="C:/Users/youran/AppData/Roaming/JisuOffice/ETemp/12804_9056504/fImage7758546441.png"/>
           <p:cNvPicPr>
             <a:picLocks noChangeAspect="1"/>
           </p:cNvPicPr>
@@ -16411,8 +16446,8 @@
         </p:blipFill>
         <p:spPr>
           <a:xfrm>
-            <a:off x="476250" y="-742315"/>
-            <a:ext cx="11468735" cy="6410960"/>
+            <a:off x="968375" y="699770"/>
+            <a:ext cx="8874760" cy="5987415"/>
           </a:xfrm>
           <a:prstGeom prst="rect">
             <a:avLst/>
@@ -16498,11 +16533,14 @@
               <a:buNone/>
             </a:pPr>
             <a:r>
-              <a:rPr lang="en-US" altLang="ko-KR" sz="4800" b="0" strike="noStrike" cap="none" dirty="0" smtClean="0">
-                <a:latin typeface="仿宋" charset="0"/>
-                <a:ea typeface="仿宋" charset="0"/>
-              </a:rPr>
-              <a:t>前端css从入门到精通精品课</a:t>
+              <a:rPr lang="en-US" altLang="ko-KR" sz="4400" b="0" strike="noStrike" cap="none" dirty="0" smtClean="0">
+                <a:solidFill>
+                  <a:schemeClr val="accent2"/>
+                </a:solidFill>
+                <a:latin typeface="微软雅黑" panose="020B0503020204020204" charset="-122"/>
+                <a:ea typeface="微软雅黑" panose="020B0503020204020204" charset="-122"/>
+              </a:rPr>
+              <a:t>开启Markdown提示</a:t>
             </a:r>
             <a:endParaRPr lang="ko-KR" altLang="en-US" sz="4400" b="0" strike="noStrike" cap="none" dirty="0" smtClean="0">
               <a:solidFill>
@@ -16541,7 +16579,7 @@
           </a:bodyPr>
           <a:lstStyle/>
           <a:p>
-            <a:pPr marL="0" indent="0" algn="l" defTabSz="914400" eaLnBrk="0" fontAlgn="auto">
+            <a:pPr marL="228600" indent="-228600" algn="l" defTabSz="914400" eaLnBrk="0" fontAlgn="auto">
               <a:lnSpc>
                 <a:spcPct val="140000"/>
               </a:lnSpc>
@@ -16551,8 +16589,11 @@
               <a:spcAft>
                 <a:spcPts val="0"/>
               </a:spcAft>
-              <a:buFontTx/>
-              <a:buNone/>
+              <a:buClr>
+                <a:srgbClr val="595959"/>
+              </a:buClr>
+              <a:buFont typeface="Arial" panose="020B0604020202020204"/>
+              <a:buChar char="•"/>
             </a:pPr>
             <a:endParaRPr lang="ko-KR" altLang="en-US" sz="2000" b="0" strike="noStrike" cap="none" dirty="0" smtClean="0">
               <a:solidFill>
@@ -16562,62 +16603,39 @@
               <a:ea typeface="微软雅黑" panose="020B0503020204020204" charset="-122"/>
             </a:endParaRPr>
           </a:p>
-          <a:p>
-            <a:pPr marL="0" indent="0" algn="l" defTabSz="914400" eaLnBrk="0" fontAlgn="auto">
-              <a:lnSpc>
-                <a:spcPct val="140000"/>
-              </a:lnSpc>
-              <a:spcBef>
-                <a:spcPts val="1000"/>
-              </a:spcBef>
-              <a:spcAft>
-                <a:spcPts val="0"/>
-              </a:spcAft>
-              <a:buFontTx/>
-              <a:buNone/>
-            </a:pPr>
-            <a:endParaRPr lang="ko-KR" altLang="en-US" sz="2000" b="0" strike="noStrike" cap="none" dirty="0" smtClean="0">
-              <a:solidFill>
-                <a:srgbClr val="595959"/>
-              </a:solidFill>
-              <a:latin typeface="微软雅黑" panose="020B0503020204020204" charset="-122"/>
-              <a:ea typeface="微软雅黑" panose="020B0503020204020204" charset="-122"/>
-            </a:endParaRPr>
-          </a:p>
-          <a:p>
-            <a:pPr marL="0" indent="0" algn="l" defTabSz="914400" eaLnBrk="0" fontAlgn="auto">
-              <a:lnSpc>
-                <a:spcPct val="140000"/>
-              </a:lnSpc>
-              <a:spcBef>
-                <a:spcPts val="1000"/>
-              </a:spcBef>
-              <a:spcAft>
-                <a:spcPts val="0"/>
-              </a:spcAft>
-              <a:buFontTx/>
-              <a:buNone/>
-            </a:pPr>
-            <a:r>
-              <a:rPr lang="en-US" altLang="ko-KR" sz="4000" b="0" strike="noStrike" cap="none" dirty="0" smtClean="0">
-                <a:solidFill>
-                  <a:srgbClr val="595959"/>
-                </a:solidFill>
-                <a:latin typeface="微软雅黑" panose="020B0503020204020204" charset="-122"/>
-                <a:ea typeface="微软雅黑" panose="020B0503020204020204" charset="-122"/>
-              </a:rPr>
-              <a:t>完成后重启webstrom</a:t>
-            </a:r>
-            <a:endParaRPr lang="ko-KR" altLang="en-US" sz="4000" b="0" strike="noStrike" cap="none" dirty="0" smtClean="0">
-              <a:solidFill>
-                <a:srgbClr val="595959"/>
-              </a:solidFill>
-              <a:latin typeface="微软雅黑" panose="020B0503020204020204" charset="-122"/>
-              <a:ea typeface="微软雅黑" panose="020B0503020204020204" charset="-122"/>
-            </a:endParaRPr>
-          </a:p>
-        </p:txBody>
-      </p:sp>
+        </p:txBody>
+      </p:sp>
+      <p:pic>
+        <p:nvPicPr>
+          <p:cNvPr id="4" name="图片 3" descr="C:/Users/youran/AppData/Roaming/JisuOffice/ETemp/12804_9056504/fImage944525188467.png"/>
+          <p:cNvPicPr>
+            <a:picLocks noChangeAspect="1"/>
+          </p:cNvPicPr>
+          <p:nvPr/>
+        </p:nvPicPr>
+        <p:blipFill rotWithShape="1">
+          <a:blip r:embed="rId1">
+            <a:extLst>
+              <a:ext uri="{28A0092B-C50C-407E-A947-70E740481C1C}">
+                <a14:useLocalDpi xmlns:a14="http://schemas.microsoft.com/office/drawing/2010/main" val="0"/>
+              </a:ext>
+            </a:extLst>
+          </a:blip>
+          <a:stretch>
+            <a:fillRect/>
+          </a:stretch>
+        </p:blipFill>
+        <p:spPr>
+          <a:xfrm>
+            <a:off x="476250" y="-742315"/>
+            <a:ext cx="11468735" cy="6410960"/>
+          </a:xfrm>
+          <a:prstGeom prst="rect">
+            <a:avLst/>
+          </a:prstGeom>
+          <a:noFill/>
+        </p:spPr>
+      </p:pic>
     </p:spTree>
   </p:cSld>
   <p:clrMapOvr>
@@ -16695,6 +16713,13 @@
               <a:buFontTx/>
               <a:buNone/>
             </a:pPr>
+            <a:r>
+              <a:rPr lang="en-US" altLang="ko-KR" sz="4800" b="0" strike="noStrike" cap="none" dirty="0" smtClean="0">
+                <a:latin typeface="仿宋" charset="0"/>
+                <a:ea typeface="仿宋" charset="0"/>
+              </a:rPr>
+              <a:t>前端css从入门到精通精品课</a:t>
+            </a:r>
             <a:endParaRPr lang="ko-KR" altLang="en-US" sz="4400" b="0" strike="noStrike" cap="none" dirty="0" smtClean="0">
               <a:solidFill>
                 <a:schemeClr val="accent2"/>
@@ -16753,39 +16778,62 @@
               <a:ea typeface="微软雅黑" panose="020B0503020204020204" charset="-122"/>
             </a:endParaRPr>
           </a:p>
-        </p:txBody>
-      </p:sp>
-      <p:pic>
-        <p:nvPicPr>
-          <p:cNvPr id="4" name="图片 3" descr="C:/Users/youran/AppData/Roaming/JisuOffice/ETemp/12804_9056504/fImage420045276334.png"/>
-          <p:cNvPicPr>
-            <a:picLocks noChangeAspect="1"/>
-          </p:cNvPicPr>
-          <p:nvPr/>
-        </p:nvPicPr>
-        <p:blipFill rotWithShape="1">
-          <a:blip r:embed="rId1">
-            <a:extLst>
-              <a:ext uri="{28A0092B-C50C-407E-A947-70E740481C1C}">
-                <a14:useLocalDpi xmlns:a14="http://schemas.microsoft.com/office/drawing/2010/main" val="0"/>
-              </a:ext>
-            </a:extLst>
-          </a:blip>
-          <a:stretch>
-            <a:fillRect/>
-          </a:stretch>
-        </p:blipFill>
-        <p:spPr>
-          <a:xfrm>
-            <a:off x="1152525" y="85725"/>
-            <a:ext cx="9887585" cy="6687185"/>
-          </a:xfrm>
-          <a:prstGeom prst="rect">
-            <a:avLst/>
-          </a:prstGeom>
-          <a:noFill/>
-        </p:spPr>
-      </p:pic>
+          <a:p>
+            <a:pPr marL="0" indent="0" algn="l" defTabSz="914400" eaLnBrk="0" fontAlgn="auto">
+              <a:lnSpc>
+                <a:spcPct val="140000"/>
+              </a:lnSpc>
+              <a:spcBef>
+                <a:spcPts val="1000"/>
+              </a:spcBef>
+              <a:spcAft>
+                <a:spcPts val="0"/>
+              </a:spcAft>
+              <a:buFontTx/>
+              <a:buNone/>
+            </a:pPr>
+            <a:endParaRPr lang="ko-KR" altLang="en-US" sz="2000" b="0" strike="noStrike" cap="none" dirty="0" smtClean="0">
+              <a:solidFill>
+                <a:srgbClr val="595959"/>
+              </a:solidFill>
+              <a:latin typeface="微软雅黑" panose="020B0503020204020204" charset="-122"/>
+              <a:ea typeface="微软雅黑" panose="020B0503020204020204" charset="-122"/>
+            </a:endParaRPr>
+          </a:p>
+          <a:p>
+            <a:pPr marL="0" indent="0" algn="l" defTabSz="914400" eaLnBrk="0" fontAlgn="auto">
+              <a:lnSpc>
+                <a:spcPct val="140000"/>
+              </a:lnSpc>
+              <a:spcBef>
+                <a:spcPts val="1000"/>
+              </a:spcBef>
+              <a:spcAft>
+                <a:spcPts val="0"/>
+              </a:spcAft>
+              <a:buFontTx/>
+              <a:buNone/>
+            </a:pPr>
+            <a:r>
+              <a:rPr lang="en-US" altLang="ko-KR" sz="4000" b="0" strike="noStrike" cap="none" dirty="0" smtClean="0">
+                <a:solidFill>
+                  <a:srgbClr val="595959"/>
+                </a:solidFill>
+                <a:latin typeface="微软雅黑" panose="020B0503020204020204" charset="-122"/>
+                <a:ea typeface="微软雅黑" panose="020B0503020204020204" charset="-122"/>
+              </a:rPr>
+              <a:t>完成后重启webstrom</a:t>
+            </a:r>
+            <a:endParaRPr lang="ko-KR" altLang="en-US" sz="4000" b="0" strike="noStrike" cap="none" dirty="0" smtClean="0">
+              <a:solidFill>
+                <a:srgbClr val="595959"/>
+              </a:solidFill>
+              <a:latin typeface="微软雅黑" panose="020B0503020204020204" charset="-122"/>
+              <a:ea typeface="微软雅黑" panose="020B0503020204020204" charset="-122"/>
+            </a:endParaRPr>
+          </a:p>
+        </p:txBody>
+      </p:sp>
     </p:spTree>
   </p:cSld>
   <p:clrMapOvr>
@@ -16925,7 +16973,7 @@
       </p:sp>
       <p:pic>
         <p:nvPicPr>
-          <p:cNvPr id="4" name="图片 3" descr="C:/Users/youran/AppData/Roaming/JisuOffice/ETemp/12804_9056504/fImage363845326500.png"/>
+          <p:cNvPr id="4" name="图片 3" descr="C:/Users/youran/AppData/Roaming/JisuOffice/ETemp/12804_9056504/fImage420045276334.png"/>
           <p:cNvPicPr>
             <a:picLocks noChangeAspect="1"/>
           </p:cNvPicPr>
@@ -16945,8 +16993,8 @@
         </p:blipFill>
         <p:spPr>
           <a:xfrm>
-            <a:off x="676275" y="601345"/>
-            <a:ext cx="10382885" cy="5638800"/>
+            <a:off x="1152525" y="85725"/>
+            <a:ext cx="9887585" cy="6687185"/>
           </a:xfrm>
           <a:prstGeom prst="rect">
             <a:avLst/>
@@ -17001,12 +17049,16 @@
         </p:nvSpPr>
         <p:spPr>
           <a:xfrm>
-            <a:off x="836930" y="-4445"/>
-            <a:ext cx="10516870" cy="1082040"/>
+            <a:off x="1841500" y="698500"/>
+            <a:ext cx="9123045" cy="812800"/>
           </a:xfrm>
           <a:prstGeom prst="rect">
             <a:avLst/>
           </a:prstGeom>
+          <a:noFill/>
+          <a:ln w="0">
+            <a:noFill/>
+          </a:ln>
         </p:spPr>
         <p:txBody>
           <a:bodyPr vert="horz" wrap="square" lIns="91440" tIns="45720" rIns="91440" bIns="45720" numCol="1" anchor="t">
@@ -17014,7 +17066,7 @@
           </a:bodyPr>
           <a:lstStyle/>
           <a:p>
-            <a:pPr marL="0" indent="0" algn="ctr" defTabSz="914400" fontAlgn="auto" latinLnBrk="0">
+            <a:pPr marL="0" indent="0" algn="l" defTabSz="914400" eaLnBrk="0" fontAlgn="auto">
               <a:lnSpc>
                 <a:spcPct val="90000"/>
               </a:lnSpc>
@@ -17027,218 +17079,97 @@
               <a:buFontTx/>
               <a:buNone/>
             </a:pPr>
-            <a:r>
-              <a:rPr lang="en-US" altLang="ko-KR" sz="4800" b="0" strike="noStrike" cap="none" dirty="0" smtClean="0">
-                <a:latin typeface="仿宋" charset="0"/>
-                <a:ea typeface="仿宋" charset="0"/>
-              </a:rPr>
-              <a:t>前端css从入门到精通精品课</a:t>
-            </a:r>
-            <a:br>
-              <a:rPr lang="en-US" altLang="ko-KR" sz="4000" b="0" strike="noStrike" cap="none" dirty="0" smtClean="0">
-                <a:latin typeface="楷体" charset="0"/>
-                <a:ea typeface="楷体" charset="0"/>
-              </a:rPr>
-            </a:br>
-            <a:br>
-              <a:rPr lang="en-US" altLang="ko-KR" sz="4000" b="0" strike="noStrike" cap="none" dirty="0" smtClean="0">
-                <a:latin typeface="楷体" charset="0"/>
-                <a:ea typeface="楷体" charset="0"/>
-              </a:rPr>
-            </a:br>
-            <a:endParaRPr lang="ko-KR" altLang="en-US" sz="4000" b="0" strike="noStrike" cap="none" dirty="0" smtClean="0">
-              <a:latin typeface="楷体" charset="0"/>
-              <a:ea typeface="楷体" charset="0"/>
-            </a:endParaRPr>
-          </a:p>
-        </p:txBody>
-      </p:sp>
-      <p:sp>
-        <p:nvSpPr>
-          <p:cNvPr id="4" name="文本框 3"/>
+            <a:endParaRPr lang="ko-KR" altLang="en-US" sz="4400" b="0" strike="noStrike" cap="none" dirty="0" smtClean="0">
+              <a:solidFill>
+                <a:schemeClr val="accent2"/>
+              </a:solidFill>
+              <a:latin typeface="微软雅黑" panose="020B0503020204020204" charset="-122"/>
+              <a:ea typeface="微软雅黑" panose="020B0503020204020204" charset="-122"/>
+            </a:endParaRPr>
+          </a:p>
+        </p:txBody>
+      </p:sp>
+      <p:sp>
+        <p:nvSpPr>
+          <p:cNvPr id="3" name="内容占位符 2"/>
           <p:cNvSpPr txBox="1"/>
-          <p:nvPr/>
-        </p:nvSpPr>
-        <p:spPr>
-          <a:xfrm>
-            <a:off x="3718560" y="762000"/>
-            <a:ext cx="4754880" cy="1199515"/>
+          <p:nvPr>
+            <p:ph/>
+          </p:nvPr>
+        </p:nvSpPr>
+        <p:spPr>
+          <a:xfrm>
+            <a:off x="1029335" y="1716405"/>
+            <a:ext cx="9935845" cy="4525645"/>
           </a:xfrm>
           <a:prstGeom prst="rect">
             <a:avLst/>
           </a:prstGeom>
           <a:noFill/>
-        </p:spPr>
-        <p:txBody>
-          <a:bodyPr vert="horz" wrap="none" lIns="91440" tIns="45720" rIns="91440" bIns="45720" numCol="1" anchor="t">
-            <a:spAutoFit/>
+          <a:ln w="0">
+            <a:noFill/>
+          </a:ln>
+        </p:spPr>
+        <p:txBody>
+          <a:bodyPr vert="horz" wrap="square" lIns="91440" tIns="45720" rIns="91440" bIns="45720" numCol="1" anchor="t">
+            <a:noAutofit/>
           </a:bodyPr>
           <a:lstStyle/>
           <a:p>
-            <a:pPr marL="0" indent="0" algn="l" defTabSz="914400" eaLnBrk="0" fontAlgn="auto" latinLnBrk="0">
-              <a:lnSpc>
-                <a:spcPct val="100000"/>
-              </a:lnSpc>
-              <a:spcBef>
-                <a:spcPts val="0"/>
-              </a:spcBef>
-              <a:spcAft>
-                <a:spcPts val="0"/>
-              </a:spcAft>
-              <a:buFontTx/>
-              <a:buNone/>
-            </a:pPr>
-            <a:r>
-              <a:rPr lang="en-US" altLang="ko-KR" sz="3600" b="0" strike="noStrike" cap="none" dirty="0" smtClean="0">
-                <a:latin typeface="仿宋" charset="0"/>
-                <a:ea typeface="仿宋" charset="0"/>
-              </a:rPr>
-              <a:t>[九年专注、有口皆碑]</a:t>
-            </a:r>
-            <a:endParaRPr lang="ko-KR" altLang="en-US" sz="3600" b="0" strike="noStrike" cap="none" dirty="0" smtClean="0">
-              <a:latin typeface="仿宋" charset="0"/>
-              <a:ea typeface="仿宋" charset="0"/>
-            </a:endParaRPr>
-          </a:p>
-          <a:p>
-            <a:pPr marL="0" indent="0" algn="l" defTabSz="914400" eaLnBrk="0" fontAlgn="auto" latinLnBrk="0">
-              <a:lnSpc>
-                <a:spcPct val="100000"/>
-              </a:lnSpc>
-              <a:spcBef>
-                <a:spcPts val="0"/>
-              </a:spcBef>
-              <a:spcAft>
-                <a:spcPts val="0"/>
-              </a:spcAft>
-              <a:buFontTx/>
-              <a:buNone/>
-            </a:pPr>
-            <a:endParaRPr lang="ko-KR" altLang="en-US" sz="3600" b="0" strike="noStrike" cap="none" dirty="0" smtClean="0">
-              <a:latin typeface="宋体" panose="02010600030101010101" pitchFamily="2" charset="-122"/>
-              <a:ea typeface="宋体" panose="02010600030101010101" pitchFamily="2" charset="-122"/>
-            </a:endParaRPr>
-          </a:p>
-        </p:txBody>
-      </p:sp>
-      <p:sp>
-        <p:nvSpPr>
-          <p:cNvPr id="11" name="文本框 10"/>
-          <p:cNvSpPr txBox="1"/>
+            <a:pPr marL="0" indent="0" algn="l" defTabSz="914400" eaLnBrk="0" fontAlgn="auto">
+              <a:lnSpc>
+                <a:spcPct val="140000"/>
+              </a:lnSpc>
+              <a:spcBef>
+                <a:spcPts val="1000"/>
+              </a:spcBef>
+              <a:spcAft>
+                <a:spcPts val="0"/>
+              </a:spcAft>
+              <a:buFontTx/>
+              <a:buNone/>
+            </a:pPr>
+            <a:endParaRPr lang="ko-KR" altLang="en-US" sz="2000" b="0" strike="noStrike" cap="none" dirty="0" smtClean="0">
+              <a:solidFill>
+                <a:srgbClr val="595959"/>
+              </a:solidFill>
+              <a:latin typeface="微软雅黑" panose="020B0503020204020204" charset="-122"/>
+              <a:ea typeface="微软雅黑" panose="020B0503020204020204" charset="-122"/>
+            </a:endParaRPr>
+          </a:p>
+        </p:txBody>
+      </p:sp>
+      <p:pic>
+        <p:nvPicPr>
+          <p:cNvPr id="4" name="图片 3" descr="C:/Users/youran/AppData/Roaming/JisuOffice/ETemp/12804_9056504/fImage363845326500.png"/>
+          <p:cNvPicPr>
+            <a:picLocks noChangeAspect="1"/>
+          </p:cNvPicPr>
           <p:nvPr/>
-        </p:nvSpPr>
-        <p:spPr>
-          <a:xfrm>
-            <a:off x="739775" y="1802130"/>
-            <a:ext cx="11457940" cy="2769235"/>
+        </p:nvPicPr>
+        <p:blipFill rotWithShape="1">
+          <a:blip r:embed="rId1">
+            <a:extLst>
+              <a:ext uri="{28A0092B-C50C-407E-A947-70E740481C1C}">
+                <a14:useLocalDpi xmlns:a14="http://schemas.microsoft.com/office/drawing/2010/main" val="0"/>
+              </a:ext>
+            </a:extLst>
+          </a:blip>
+          <a:stretch>
+            <a:fillRect/>
+          </a:stretch>
+        </p:blipFill>
+        <p:spPr>
+          <a:xfrm>
+            <a:off x="676275" y="601345"/>
+            <a:ext cx="10382885" cy="5638800"/>
           </a:xfrm>
           <a:prstGeom prst="rect">
             <a:avLst/>
           </a:prstGeom>
           <a:noFill/>
         </p:spPr>
-        <p:txBody>
-          <a:bodyPr vert="horz" wrap="square" lIns="0" tIns="0" rIns="0" bIns="0" anchor="t">
-            <a:noAutofit/>
-          </a:bodyPr>
-          <a:lstStyle/>
-          <a:p>
-            <a:pPr marL="0" indent="0" algn="l" defTabSz="914400" eaLnBrk="0" fontAlgn="auto">
-              <a:lnSpc>
-                <a:spcPct val="150000"/>
-              </a:lnSpc>
-              <a:spcBef>
-                <a:spcPts val="0"/>
-              </a:spcBef>
-              <a:spcAft>
-                <a:spcPts val="0"/>
-              </a:spcAft>
-              <a:buFontTx/>
-              <a:buNone/>
-            </a:pPr>
-            <a:r>
-              <a:rPr lang="en-US" altLang="ko-KR" sz="2400" b="0" strike="noStrike" cap="none" dirty="0" smtClean="0">
-                <a:latin typeface="宋体" panose="02010600030101010101" pitchFamily="2" charset="-122"/>
-                <a:ea typeface="宋体" panose="02010600030101010101" pitchFamily="2" charset="-122"/>
-              </a:rPr>
-              <a:t>·前端描述</a:t>
-            </a:r>
-            <a:endParaRPr lang="ko-KR" altLang="en-US" sz="2400" b="0" strike="noStrike" cap="none" dirty="0" smtClean="0">
-              <a:latin typeface="宋体" panose="02010600030101010101" pitchFamily="2" charset="-122"/>
-              <a:ea typeface="宋体" panose="02010600030101010101" pitchFamily="2" charset="-122"/>
-            </a:endParaRPr>
-          </a:p>
-          <a:p>
-            <a:pPr marL="0" indent="0" algn="l" defTabSz="914400" eaLnBrk="0" fontAlgn="auto">
-              <a:lnSpc>
-                <a:spcPct val="150000"/>
-              </a:lnSpc>
-              <a:spcBef>
-                <a:spcPts val="0"/>
-              </a:spcBef>
-              <a:spcAft>
-                <a:spcPts val="0"/>
-              </a:spcAft>
-              <a:buFontTx/>
-              <a:buNone/>
-            </a:pPr>
-            <a:r>
-              <a:rPr lang="en-US" altLang="ko-KR" sz="2400" b="0" strike="noStrike" cap="none" dirty="0" smtClean="0">
-                <a:solidFill>
-                  <a:schemeClr val="tx1">
-                    <a:lumMod val="65000"/>
-                    <a:lumOff val="35000"/>
-                  </a:schemeClr>
-                </a:solidFill>
-                <a:latin typeface="宋体" panose="02010600030101010101" pitchFamily="2" charset="-122"/>
-                <a:ea typeface="宋体" panose="02010600030101010101" pitchFamily="2" charset="-122"/>
-              </a:rPr>
-              <a:t>	</a:t>
-            </a:r>
-            <a:r>
-              <a:rPr lang="en-US" altLang="ko-KR" sz="2400" b="0" strike="noStrike" cap="none" dirty="0" smtClean="0">
-                <a:solidFill>
-                  <a:schemeClr val="tx1"/>
-                </a:solidFill>
-                <a:latin typeface="宋体" panose="02010600030101010101" pitchFamily="2" charset="-122"/>
-                <a:ea typeface="宋体" panose="02010600030101010101" pitchFamily="2" charset="-122"/>
-              </a:rPr>
-              <a:t>前端对于网站来说，通常是指网站的前台部分，包括网站的</a:t>
-            </a:r>
-            <a:r>
-              <a:rPr lang="en-US" altLang="ko-KR" sz="2400" b="0" strike="noStrike" cap="none" dirty="0" smtClean="0">
-                <a:latin typeface="宋体" panose="02010600030101010101" pitchFamily="2" charset="-122"/>
-                <a:ea typeface="宋体" panose="02010600030101010101" pitchFamily="2" charset="-122"/>
-              </a:rPr>
-              <a:t>结构层和</a:t>
-            </a:r>
-            <a:r>
-              <a:rPr lang="en-US" altLang="ko-KR" sz="2400" b="0" strike="noStrike" cap="none" dirty="0" smtClean="0">
-                <a:solidFill>
-                  <a:schemeClr val="tx1"/>
-                </a:solidFill>
-                <a:latin typeface="宋体" panose="02010600030101010101" pitchFamily="2" charset="-122"/>
-                <a:ea typeface="宋体" panose="02010600030101010101" pitchFamily="2" charset="-122"/>
-              </a:rPr>
-              <a:t>表现层。</a:t>
-            </a:r>
-            <a:r>
-              <a:rPr lang="en-US" altLang="ko-KR" sz="2400" b="0" strike="noStrike" cap="none" dirty="0" smtClean="0">
-                <a:solidFill>
-                  <a:schemeClr val="tx1"/>
-                </a:solidFill>
-                <a:latin typeface="Malgun Gothic" panose="020B0503020000020004" charset="-127"/>
-                <a:ea typeface="Malgun Gothic" panose="020B0503020000020004" charset="-127"/>
-              </a:rPr>
-              <a:t>因此前端技术一般分为前端设计和前端开发，前端设计一般可以理解为网站的视觉设计，前端开发则是网站的前台代码实现，包括基本的HTML和CSS以及JavaScript/ajax，现在最新的高级版本HTML5、CSS3等。</a:t>
-            </a:r>
-            <a:endParaRPr lang="ko-KR" altLang="en-US" sz="1800" b="0" strike="noStrike" cap="none" dirty="0" smtClean="0">
-              <a:latin typeface="Calibri" panose="020F0502020204030204" charset="0"/>
-              <a:ea typeface="宋体" panose="02010600030101010101" pitchFamily="2" charset="-122"/>
-            </a:endParaRPr>
-          </a:p>
-        </p:txBody>
-      </p:sp>
+      </p:pic>
     </p:spTree>
   </p:cSld>
   <p:clrMapOvr>
@@ -17246,19 +17177,16 @@
   </p:clrMapOvr>
   <mc:AlternateContent xmlns:mc="http://schemas.openxmlformats.org/markup-compatibility/2006">
     <mc:Choice xmlns:p14="http://schemas.microsoft.com/office/powerpoint/2010/main" Requires="p14">
-      <p:transition spd="slow" p14:dur="2000"/>
+      <p:transition spd="slow" p14:dur="500">
+        <p:random/>
+      </p:transition>
     </mc:Choice>
     <mc:Fallback>
-      <p:transition spd="slow"/>
+      <p:transition spd="slow">
+        <p:random/>
+      </p:transition>
     </mc:Fallback>
   </mc:AlternateContent>
-  <p:timing>
-    <p:tnLst>
-      <p:par>
-        <p:cTn id="1" dur="indefinite" restart="never" nodeType="tmRoot"/>
-      </p:par>
-    </p:tnLst>
-  </p:timing>
 </p:sld>
 </file>
 
@@ -17281,319 +17209,144 @@
       </p:grpSpPr>
       <p:sp>
         <p:nvSpPr>
-          <p:cNvPr id="4" name="内容占位符 3"/>
+          <p:cNvPr id="2" name="文本占位符 1"/>
           <p:cNvSpPr txBox="1"/>
           <p:nvPr>
-            <p:ph/>
+            <p:ph type="title"/>
           </p:nvPr>
         </p:nvSpPr>
         <p:spPr>
           <a:xfrm>
-            <a:off x="1029335" y="1716405"/>
-            <a:ext cx="9935845" cy="4436110"/>
+            <a:off x="836930" y="-4445"/>
+            <a:ext cx="10516870" cy="1082040"/>
+          </a:xfrm>
+          <a:prstGeom prst="rect">
+            <a:avLst/>
+          </a:prstGeom>
+        </p:spPr>
+        <p:txBody>
+          <a:bodyPr vert="horz" wrap="square" lIns="91440" tIns="45720" rIns="91440" bIns="45720" numCol="1" anchor="t">
+            <a:noAutofit/>
+          </a:bodyPr>
+          <a:lstStyle/>
+          <a:p>
+            <a:pPr marL="0" indent="0" algn="ctr" defTabSz="914400" fontAlgn="auto" latinLnBrk="0">
+              <a:lnSpc>
+                <a:spcPct val="90000"/>
+              </a:lnSpc>
+              <a:spcBef>
+                <a:spcPts val="0"/>
+              </a:spcBef>
+              <a:spcAft>
+                <a:spcPts val="0"/>
+              </a:spcAft>
+              <a:buFontTx/>
+              <a:buNone/>
+            </a:pPr>
+            <a:r>
+              <a:rPr lang="en-US" altLang="ko-KR" sz="4800" b="0" strike="noStrike" cap="none" dirty="0" smtClean="0">
+                <a:latin typeface="仿宋" charset="0"/>
+                <a:ea typeface="仿宋" charset="0"/>
+              </a:rPr>
+              <a:t>前端css从入门到精通精品课</a:t>
+            </a:r>
+            <a:br>
+              <a:rPr lang="en-US" altLang="ko-KR" sz="4000" b="0" strike="noStrike" cap="none" dirty="0" smtClean="0">
+                <a:latin typeface="楷体" charset="0"/>
+                <a:ea typeface="楷体" charset="0"/>
+              </a:rPr>
+            </a:br>
+            <a:br>
+              <a:rPr lang="en-US" altLang="ko-KR" sz="4000" b="0" strike="noStrike" cap="none" dirty="0" smtClean="0">
+                <a:latin typeface="楷体" charset="0"/>
+                <a:ea typeface="楷体" charset="0"/>
+              </a:rPr>
+            </a:br>
+            <a:endParaRPr lang="ko-KR" altLang="en-US" sz="4000" b="0" strike="noStrike" cap="none" dirty="0" smtClean="0">
+              <a:latin typeface="楷体" charset="0"/>
+              <a:ea typeface="楷体" charset="0"/>
+            </a:endParaRPr>
+          </a:p>
+        </p:txBody>
+      </p:sp>
+      <p:sp>
+        <p:nvSpPr>
+          <p:cNvPr id="4" name="文本框 3"/>
+          <p:cNvSpPr txBox="1"/>
+          <p:nvPr/>
+        </p:nvSpPr>
+        <p:spPr>
+          <a:xfrm>
+            <a:off x="3718560" y="762000"/>
+            <a:ext cx="4754880" cy="1199515"/>
           </a:xfrm>
           <a:prstGeom prst="rect">
             <a:avLst/>
           </a:prstGeom>
           <a:noFill/>
-          <a:ln w="0">
-            <a:noFill/>
-          </a:ln>
-        </p:spPr>
-        <p:txBody>
-          <a:bodyPr vert="horz" wrap="square" lIns="91440" tIns="45720" rIns="91440" bIns="45720" numCol="1" anchor="t">
-            <a:noAutofit/>
+        </p:spPr>
+        <p:txBody>
+          <a:bodyPr vert="horz" wrap="none" lIns="91440" tIns="45720" rIns="91440" bIns="45720" numCol="1" anchor="t">
+            <a:spAutoFit/>
           </a:bodyPr>
           <a:lstStyle/>
           <a:p>
-            <a:pPr marL="228600" indent="-228600" algn="l" defTabSz="914400" eaLnBrk="0" fontAlgn="auto">
-              <a:lnSpc>
-                <a:spcPct val="140000"/>
-              </a:lnSpc>
-              <a:spcBef>
-                <a:spcPts val="1000"/>
-              </a:spcBef>
-              <a:spcAft>
-                <a:spcPts val="0"/>
-              </a:spcAft>
-              <a:buClr>
-                <a:srgbClr val="595959"/>
-              </a:buClr>
-              <a:buFont typeface="Arial" panose="020B0604020202020204"/>
-              <a:buChar char="•"/>
-            </a:pPr>
-            <a:r>
-              <a:rPr lang="en-US" altLang="ko-KR" sz="2000" b="1" strike="noStrike" cap="none" dirty="0" smtClean="0">
-                <a:solidFill>
-                  <a:srgbClr val="595959"/>
-                </a:solidFill>
-                <a:latin typeface="微软雅黑" panose="020B0503020204020204" charset="-122"/>
-                <a:ea typeface="微软雅黑" panose="020B0503020204020204" charset="-122"/>
-              </a:rPr>
-              <a:t>前端工程师初步了解：</a:t>
-            </a:r>
-            <a:endParaRPr lang="ko-KR" altLang="en-US" sz="2000" b="1" strike="noStrike" cap="none" dirty="0" smtClean="0">
-              <a:solidFill>
-                <a:srgbClr val="595959"/>
-              </a:solidFill>
-              <a:latin typeface="微软雅黑" panose="020B0503020204020204" charset="-122"/>
-              <a:ea typeface="微软雅黑" panose="020B0503020204020204" charset="-122"/>
-            </a:endParaRPr>
-          </a:p>
-          <a:p>
-            <a:pPr marL="0" indent="0" algn="l" defTabSz="914400" eaLnBrk="0" fontAlgn="auto">
-              <a:lnSpc>
-                <a:spcPct val="140000"/>
-              </a:lnSpc>
-              <a:spcBef>
-                <a:spcPts val="1000"/>
-              </a:spcBef>
-              <a:spcAft>
-                <a:spcPts val="0"/>
-              </a:spcAft>
-              <a:buFontTx/>
-              <a:buNone/>
-            </a:pPr>
-            <a:r>
-              <a:rPr lang="en-US" altLang="ko-KR" sz="2000" b="0" strike="noStrike" cap="none" dirty="0" smtClean="0">
-                <a:solidFill>
-                  <a:srgbClr val="595959"/>
-                </a:solidFill>
-                <a:latin typeface="微软雅黑" panose="020B0503020204020204" charset="-122"/>
-                <a:ea typeface="微软雅黑" panose="020B0503020204020204" charset="-122"/>
-              </a:rPr>
-              <a:t>产品经理设计原型-------ui设计师设计成效果图------前端工程师实现页面的还原</a:t>
-            </a:r>
-            <a:endParaRPr lang="ko-KR" altLang="en-US" sz="2000" b="0" strike="noStrike" cap="none" dirty="0" smtClean="0">
-              <a:solidFill>
-                <a:srgbClr val="595959"/>
-              </a:solidFill>
-              <a:latin typeface="微软雅黑" panose="020B0503020204020204" charset="-122"/>
-              <a:ea typeface="微软雅黑" panose="020B0503020204020204" charset="-122"/>
-            </a:endParaRPr>
-          </a:p>
-          <a:p>
-            <a:pPr marL="0" indent="0" algn="l" defTabSz="914400" eaLnBrk="0" fontAlgn="auto">
-              <a:lnSpc>
-                <a:spcPct val="140000"/>
-              </a:lnSpc>
-              <a:spcBef>
-                <a:spcPts val="1000"/>
-              </a:spcBef>
-              <a:spcAft>
-                <a:spcPts val="0"/>
-              </a:spcAft>
-              <a:buFontTx/>
-              <a:buNone/>
-            </a:pPr>
-            <a:r>
-              <a:rPr lang="en-US" altLang="ko-KR" sz="2000" b="0" strike="noStrike" cap="none" dirty="0" smtClean="0">
-                <a:solidFill>
-                  <a:srgbClr val="595959"/>
-                </a:solidFill>
-                <a:latin typeface="微软雅黑" panose="020B0503020204020204" charset="-122"/>
-                <a:ea typeface="微软雅黑" panose="020B0503020204020204" charset="-122"/>
-              </a:rPr>
-              <a:t>    前端工程师工作流程：</a:t>
-            </a:r>
-            <a:endParaRPr lang="ko-KR" altLang="en-US" sz="2000" b="0" strike="noStrike" cap="none" dirty="0" smtClean="0">
-              <a:solidFill>
-                <a:srgbClr val="595959"/>
-              </a:solidFill>
-              <a:latin typeface="微软雅黑" panose="020B0503020204020204" charset="-122"/>
-              <a:ea typeface="微软雅黑" panose="020B0503020204020204" charset="-122"/>
-            </a:endParaRPr>
-          </a:p>
-          <a:p>
-            <a:pPr marL="0" indent="0" algn="l" defTabSz="914400" eaLnBrk="0" fontAlgn="auto">
-              <a:lnSpc>
-                <a:spcPct val="140000"/>
-              </a:lnSpc>
-              <a:spcBef>
-                <a:spcPts val="1000"/>
-              </a:spcBef>
-              <a:spcAft>
-                <a:spcPts val="0"/>
-              </a:spcAft>
-              <a:buFontTx/>
-              <a:buNone/>
-            </a:pPr>
-            <a:r>
-              <a:rPr lang="en-US" altLang="ko-KR" sz="2000" b="0" strike="noStrike" cap="none" dirty="0" smtClean="0">
-                <a:solidFill>
-                  <a:srgbClr val="595959"/>
-                </a:solidFill>
-                <a:latin typeface="微软雅黑" panose="020B0503020204020204" charset="-122"/>
-                <a:ea typeface="微软雅黑" panose="020B0503020204020204" charset="-122"/>
-              </a:rPr>
-              <a:t>    </a:t>
-            </a:r>
-            <a:r>
-              <a:rPr lang="en-US" altLang="ko-KR" sz="2000" b="0" strike="noStrike" cap="none" dirty="0" smtClean="0">
-                <a:solidFill>
-                  <a:srgbClr val="595959"/>
-                </a:solidFill>
-                <a:latin typeface="Arial" panose="020B0604020202020204" pitchFamily="34" charset="0"/>
-                <a:ea typeface="Arial" panose="020B0604020202020204" pitchFamily="34" charset="0"/>
-              </a:rPr>
-              <a:t>•</a:t>
-            </a:r>
-            <a:r>
-              <a:rPr lang="en-US" altLang="ko-KR" sz="2000" b="0" strike="noStrike" cap="none" dirty="0" smtClean="0">
-                <a:solidFill>
-                  <a:srgbClr val="595959"/>
-                </a:solidFill>
-                <a:latin typeface="微软雅黑" panose="020B0503020204020204" charset="-122"/>
-                <a:ea typeface="微软雅黑" panose="020B0503020204020204" charset="-122"/>
-              </a:rPr>
-              <a:t> 1、根据效果图，制作静态页面，（包含动画效果）；</a:t>
-            </a:r>
-            <a:endParaRPr lang="ko-KR" altLang="en-US" sz="2000" b="0" strike="noStrike" cap="none" dirty="0" smtClean="0">
-              <a:solidFill>
-                <a:srgbClr val="595959"/>
-              </a:solidFill>
-              <a:latin typeface="微软雅黑" panose="020B0503020204020204" charset="-122"/>
-              <a:ea typeface="微软雅黑" panose="020B0503020204020204" charset="-122"/>
-            </a:endParaRPr>
-          </a:p>
-          <a:p>
-            <a:pPr marL="0" indent="0" algn="l" defTabSz="914400" eaLnBrk="0" fontAlgn="auto">
-              <a:lnSpc>
-                <a:spcPct val="140000"/>
-              </a:lnSpc>
-              <a:spcBef>
-                <a:spcPts val="1000"/>
-              </a:spcBef>
-              <a:spcAft>
-                <a:spcPts val="0"/>
-              </a:spcAft>
-              <a:buFontTx/>
-              <a:buNone/>
-            </a:pPr>
-            <a:r>
-              <a:rPr lang="en-US" altLang="ko-KR" sz="2000" b="0" strike="noStrike" cap="none" dirty="0" smtClean="0">
-                <a:solidFill>
-                  <a:srgbClr val="595959"/>
-                </a:solidFill>
-                <a:latin typeface="微软雅黑" panose="020B0503020204020204" charset="-122"/>
-                <a:ea typeface="微软雅黑" panose="020B0503020204020204" charset="-122"/>
-              </a:rPr>
-              <a:t>    </a:t>
-            </a:r>
-            <a:r>
-              <a:rPr lang="en-US" altLang="ko-KR" sz="2000" b="0" strike="noStrike" cap="none" dirty="0" smtClean="0">
-                <a:solidFill>
-                  <a:srgbClr val="595959"/>
-                </a:solidFill>
-                <a:latin typeface="Arial" panose="020B0604020202020204" pitchFamily="34" charset="0"/>
-                <a:ea typeface="Arial" panose="020B0604020202020204" pitchFamily="34" charset="0"/>
-              </a:rPr>
-              <a:t>•</a:t>
-            </a:r>
-            <a:r>
-              <a:rPr lang="en-US" altLang="ko-KR" sz="2000" b="0" strike="noStrike" cap="none" dirty="0" smtClean="0">
-                <a:solidFill>
-                  <a:srgbClr val="595959"/>
-                </a:solidFill>
-                <a:latin typeface="微软雅黑" panose="020B0503020204020204" charset="-122"/>
-                <a:ea typeface="微软雅黑" panose="020B0503020204020204" charset="-122"/>
-              </a:rPr>
-              <a:t> 2、配合后台开发人员，制作动态页面，例如获取动态数据，根据需求，写业务逻辑。</a:t>
-            </a:r>
-            <a:endParaRPr lang="ko-KR" altLang="en-US" sz="2000" b="0" strike="noStrike" cap="none" dirty="0" smtClean="0">
-              <a:solidFill>
-                <a:srgbClr val="595959"/>
-              </a:solidFill>
-              <a:latin typeface="微软雅黑" panose="020B0503020204020204" charset="-122"/>
-              <a:ea typeface="微软雅黑" panose="020B0503020204020204" charset="-122"/>
-            </a:endParaRPr>
-          </a:p>
-          <a:p>
-            <a:pPr marL="0" indent="0" algn="l" defTabSz="914400" eaLnBrk="0" fontAlgn="auto">
-              <a:lnSpc>
-                <a:spcPct val="140000"/>
-              </a:lnSpc>
-              <a:spcBef>
-                <a:spcPts val="1000"/>
-              </a:spcBef>
-              <a:spcAft>
-                <a:spcPts val="0"/>
-              </a:spcAft>
-              <a:buFontTx/>
-              <a:buNone/>
-            </a:pPr>
-            <a:r>
-              <a:rPr lang="en-US" altLang="ko-KR" sz="2000" b="0" strike="noStrike" cap="none" dirty="0" smtClean="0">
-                <a:solidFill>
-                  <a:srgbClr val="595959"/>
-                </a:solidFill>
-                <a:latin typeface="微软雅黑" panose="020B0503020204020204" charset="-122"/>
-                <a:ea typeface="微软雅黑" panose="020B0503020204020204" charset="-122"/>
-              </a:rPr>
-              <a:t>    </a:t>
-            </a:r>
-            <a:r>
-              <a:rPr lang="en-US" altLang="ko-KR" sz="2000" b="0" strike="noStrike" cap="none" dirty="0" smtClean="0">
-                <a:solidFill>
-                  <a:srgbClr val="595959"/>
-                </a:solidFill>
-                <a:latin typeface="Arial" panose="020B0604020202020204" pitchFamily="34" charset="0"/>
-                <a:ea typeface="Arial" panose="020B0604020202020204" pitchFamily="34" charset="0"/>
-              </a:rPr>
-              <a:t>•</a:t>
-            </a:r>
-            <a:r>
-              <a:rPr lang="en-US" altLang="ko-KR" sz="2000" b="0" strike="noStrike" cap="none" dirty="0" smtClean="0">
-                <a:solidFill>
-                  <a:srgbClr val="595959"/>
-                </a:solidFill>
-                <a:latin typeface="微软雅黑" panose="020B0503020204020204" charset="-122"/>
-                <a:ea typeface="微软雅黑" panose="020B0503020204020204" charset="-122"/>
-              </a:rPr>
-              <a:t> 3、如果是app内嵌h5页面的时候，如需交互，还需要配合ios、安卓开发工程师</a:t>
-            </a:r>
-            <a:endParaRPr lang="ko-KR" altLang="en-US" sz="2000" b="0" strike="noStrike" cap="none" dirty="0" smtClean="0">
-              <a:solidFill>
-                <a:srgbClr val="595959"/>
-              </a:solidFill>
-              <a:latin typeface="微软雅黑" panose="020B0503020204020204" charset="-122"/>
-              <a:ea typeface="微软雅黑" panose="020B0503020204020204" charset="-122"/>
-            </a:endParaRPr>
-          </a:p>
-          <a:p>
-            <a:pPr marL="0" indent="0" algn="l" defTabSz="914400" eaLnBrk="0" fontAlgn="auto">
-              <a:lnSpc>
-                <a:spcPct val="140000"/>
-              </a:lnSpc>
-              <a:spcBef>
-                <a:spcPts val="1000"/>
-              </a:spcBef>
-              <a:spcAft>
-                <a:spcPts val="0"/>
-              </a:spcAft>
-              <a:buFontTx/>
-              <a:buNone/>
-            </a:pPr>
-            <a:endParaRPr lang="ko-KR" altLang="en-US" sz="2000" b="0" strike="noStrike" cap="none" dirty="0" smtClean="0">
-              <a:solidFill>
-                <a:srgbClr val="595959"/>
-              </a:solidFill>
-              <a:latin typeface="微软雅黑" panose="020B0503020204020204" charset="-122"/>
-              <a:ea typeface="微软雅黑" panose="020B0503020204020204" charset="-122"/>
-            </a:endParaRPr>
-          </a:p>
-        </p:txBody>
-      </p:sp>
-      <p:sp>
-        <p:nvSpPr>
-          <p:cNvPr id="2" name="文本框 1"/>
+            <a:pPr marL="0" indent="0" algn="l" defTabSz="914400" eaLnBrk="0" fontAlgn="auto" latinLnBrk="0">
+              <a:lnSpc>
+                <a:spcPct val="100000"/>
+              </a:lnSpc>
+              <a:spcBef>
+                <a:spcPts val="0"/>
+              </a:spcBef>
+              <a:spcAft>
+                <a:spcPts val="0"/>
+              </a:spcAft>
+              <a:buFontTx/>
+              <a:buNone/>
+            </a:pPr>
+            <a:r>
+              <a:rPr lang="en-US" altLang="ko-KR" sz="3600" b="0" strike="noStrike" cap="none" dirty="0" smtClean="0">
+                <a:latin typeface="仿宋" charset="0"/>
+                <a:ea typeface="仿宋" charset="0"/>
+              </a:rPr>
+              <a:t>[九年专注、有口皆碑]</a:t>
+            </a:r>
+            <a:endParaRPr lang="ko-KR" altLang="en-US" sz="3600" b="0" strike="noStrike" cap="none" dirty="0" smtClean="0">
+              <a:latin typeface="仿宋" charset="0"/>
+              <a:ea typeface="仿宋" charset="0"/>
+            </a:endParaRPr>
+          </a:p>
+          <a:p>
+            <a:pPr marL="0" indent="0" algn="l" defTabSz="914400" eaLnBrk="0" fontAlgn="auto" latinLnBrk="0">
+              <a:lnSpc>
+                <a:spcPct val="100000"/>
+              </a:lnSpc>
+              <a:spcBef>
+                <a:spcPts val="0"/>
+              </a:spcBef>
+              <a:spcAft>
+                <a:spcPts val="0"/>
+              </a:spcAft>
+              <a:buFontTx/>
+              <a:buNone/>
+            </a:pPr>
+            <a:endParaRPr lang="ko-KR" altLang="en-US" sz="3600" b="0" strike="noStrike" cap="none" dirty="0" smtClean="0">
+              <a:latin typeface="宋体" panose="02010600030101010101" pitchFamily="2" charset="-122"/>
+              <a:ea typeface="宋体" panose="02010600030101010101" pitchFamily="2" charset="-122"/>
+            </a:endParaRPr>
+          </a:p>
+        </p:txBody>
+      </p:sp>
+      <p:sp>
+        <p:nvSpPr>
+          <p:cNvPr id="11" name="文本框 10"/>
           <p:cNvSpPr txBox="1"/>
           <p:nvPr/>
         </p:nvSpPr>
         <p:spPr>
           <a:xfrm>
-            <a:off x="3096260" y="145415"/>
-            <a:ext cx="7491730" cy="1477010"/>
+            <a:off x="739775" y="1802130"/>
+            <a:ext cx="11457940" cy="2769235"/>
           </a:xfrm>
           <a:prstGeom prst="rect">
             <a:avLst/>
@@ -17601,73 +17354,103 @@
           <a:noFill/>
         </p:spPr>
         <p:txBody>
-          <a:bodyPr vert="horz" wrap="square" lIns="91440" tIns="45720" rIns="91440" bIns="45720" anchor="t">
-            <a:spAutoFit/>
+          <a:bodyPr vert="horz" wrap="square" lIns="0" tIns="0" rIns="0" bIns="0" anchor="t">
+            <a:noAutofit/>
           </a:bodyPr>
           <a:lstStyle/>
           <a:p>
             <a:pPr marL="0" indent="0" algn="l" defTabSz="914400" eaLnBrk="0" fontAlgn="auto">
               <a:lnSpc>
-                <a:spcPct val="100000"/>
-              </a:lnSpc>
-              <a:spcBef>
-                <a:spcPts val="0"/>
-              </a:spcBef>
-              <a:spcAft>
-                <a:spcPts val="0"/>
-              </a:spcAft>
-              <a:buFontTx/>
-              <a:buNone/>
-            </a:pPr>
-            <a:r>
-              <a:rPr lang="en-US" altLang="ko-KR" sz="3600" b="0" strike="noStrike" cap="none" dirty="0" smtClean="0">
-                <a:latin typeface="微软雅黑" panose="020B0503020204020204" charset="-122"/>
-                <a:ea typeface="微软雅黑" panose="020B0503020204020204" charset="-122"/>
-              </a:rPr>
-              <a:t>珠峰培训CSS从入门到精通</a:t>
-            </a:r>
-            <a:endParaRPr lang="ko-KR" altLang="en-US" sz="3600" b="0" strike="noStrike" cap="none" dirty="0" smtClean="0">
-              <a:latin typeface="微软雅黑" panose="020B0503020204020204" charset="-122"/>
-              <a:ea typeface="微软雅黑" panose="020B0503020204020204" charset="-122"/>
+                <a:spcPct val="150000"/>
+              </a:lnSpc>
+              <a:spcBef>
+                <a:spcPts val="0"/>
+              </a:spcBef>
+              <a:spcAft>
+                <a:spcPts val="0"/>
+              </a:spcAft>
+              <a:buFontTx/>
+              <a:buNone/>
+            </a:pPr>
+            <a:r>
+              <a:rPr lang="en-US" altLang="ko-KR" sz="2400" b="0" strike="noStrike" cap="none" dirty="0" smtClean="0">
+                <a:latin typeface="宋体" panose="02010600030101010101" pitchFamily="2" charset="-122"/>
+                <a:ea typeface="宋体" panose="02010600030101010101" pitchFamily="2" charset="-122"/>
+              </a:rPr>
+              <a:t>·前端描述</a:t>
+            </a:r>
+            <a:endParaRPr lang="ko-KR" altLang="en-US" sz="2400" b="0" strike="noStrike" cap="none" dirty="0" smtClean="0">
+              <a:latin typeface="宋体" panose="02010600030101010101" pitchFamily="2" charset="-122"/>
+              <a:ea typeface="宋体" panose="02010600030101010101" pitchFamily="2" charset="-122"/>
             </a:endParaRPr>
           </a:p>
           <a:p>
             <a:pPr marL="0" indent="0" algn="l" defTabSz="914400" eaLnBrk="0" fontAlgn="auto">
               <a:lnSpc>
-                <a:spcPct val="100000"/>
-              </a:lnSpc>
-              <a:spcBef>
-                <a:spcPts val="0"/>
-              </a:spcBef>
-              <a:spcAft>
-                <a:spcPts val="0"/>
-              </a:spcAft>
-              <a:buFontTx/>
-              <a:buNone/>
-            </a:pPr>
-            <a:r>
-              <a:rPr lang="en-US" altLang="ko-KR" sz="3600" b="0" strike="noStrike" cap="none" dirty="0" smtClean="0">
-                <a:latin typeface="微软雅黑" panose="020B0503020204020204" charset="-122"/>
-                <a:ea typeface="微软雅黑" panose="020B0503020204020204" charset="-122"/>
-              </a:rPr>
-              <a:t>        </a:t>
-            </a:r>
-            <a:r>
-              <a:rPr lang="en-US" altLang="ko-KR" sz="2800" b="0" strike="noStrike" cap="none" dirty="0" smtClean="0">
-                <a:latin typeface="微软雅黑" panose="020B0503020204020204" charset="-122"/>
-                <a:ea typeface="微软雅黑" panose="020B0503020204020204" charset="-122"/>
-              </a:rPr>
-              <a:t>[九年专注、有口皆碑]</a:t>
-            </a:r>
-            <a:br>
-              <a:rPr lang="en-US" altLang="ko-KR" sz="1800" b="0" strike="noStrike" cap="none" dirty="0" smtClean="0">
-                <a:latin typeface="微软雅黑" panose="020B0503020204020204" charset="-122"/>
-                <a:ea typeface="微软雅黑" panose="020B0503020204020204" charset="-122"/>
-              </a:rPr>
-            </a:br>
+                <a:spcPct val="150000"/>
+              </a:lnSpc>
+              <a:spcBef>
+                <a:spcPts val="0"/>
+              </a:spcBef>
+              <a:spcAft>
+                <a:spcPts val="0"/>
+              </a:spcAft>
+              <a:buFontTx/>
+              <a:buNone/>
+            </a:pPr>
+            <a:r>
+              <a:rPr lang="en-US" altLang="ko-KR" sz="2400" b="0" strike="noStrike" cap="none" dirty="0" smtClean="0">
+                <a:solidFill>
+                  <a:schemeClr val="tx1">
+                    <a:lumMod val="65000"/>
+                    <a:lumOff val="35000"/>
+                  </a:schemeClr>
+                </a:solidFill>
+                <a:latin typeface="宋体" panose="02010600030101010101" pitchFamily="2" charset="-122"/>
+                <a:ea typeface="宋体" panose="02010600030101010101" pitchFamily="2" charset="-122"/>
+              </a:rPr>
+              <a:t>	</a:t>
+            </a:r>
+            <a:r>
+              <a:rPr lang="en-US" altLang="ko-KR" sz="2400" b="0" strike="noStrike" cap="none" dirty="0" smtClean="0">
+                <a:solidFill>
+                  <a:schemeClr val="tx1"/>
+                </a:solidFill>
+                <a:latin typeface="宋体" panose="02010600030101010101" pitchFamily="2" charset="-122"/>
+                <a:ea typeface="宋体" panose="02010600030101010101" pitchFamily="2" charset="-122"/>
+              </a:rPr>
+              <a:t>前端对于网站来说，通常是指网站的前台部分，包括网站的</a:t>
+            </a:r>
+            <a:r>
+              <a:rPr lang="en-US" altLang="ko-KR" sz="2400" b="0" strike="noStrike" cap="none" dirty="0" smtClean="0">
+                <a:latin typeface="宋体" panose="02010600030101010101" pitchFamily="2" charset="-122"/>
+                <a:ea typeface="宋体" panose="02010600030101010101" pitchFamily="2" charset="-122"/>
+              </a:rPr>
+              <a:t>结构层和</a:t>
+            </a:r>
+            <a:r>
+              <a:rPr lang="en-US" altLang="ko-KR" sz="2400" b="0" strike="noStrike" cap="none" dirty="0" smtClean="0">
+                <a:solidFill>
+                  <a:schemeClr val="tx1"/>
+                </a:solidFill>
+                <a:latin typeface="宋体" panose="02010600030101010101" pitchFamily="2" charset="-122"/>
+                <a:ea typeface="宋体" panose="02010600030101010101" pitchFamily="2" charset="-122"/>
+              </a:rPr>
+              <a:t>表现层。</a:t>
+            </a:r>
+            <a:r>
+              <a:rPr lang="en-US" altLang="ko-KR" sz="2400" b="0" strike="noStrike" cap="none" dirty="0" smtClean="0">
+                <a:solidFill>
+                  <a:schemeClr val="tx1"/>
+                </a:solidFill>
+                <a:latin typeface="Malgun Gothic" panose="020B0503020000020004" charset="-127"/>
+                <a:ea typeface="Malgun Gothic" panose="020B0503020000020004" charset="-127"/>
+              </a:rPr>
+              <a:t>因此前端技术一般分为前端设计和前端开发，前端设计一般可以理解为网站的视觉设计，前端开发则是网站的前台代码实现，包括基本的HTML和CSS以及JavaScript/ajax，现在最新的高级版本HTML5、CSS3等。</a:t>
+            </a:r>
             <a:endParaRPr lang="ko-KR" altLang="en-US" sz="1800" b="0" strike="noStrike" cap="none" dirty="0" smtClean="0">
-              <a:latin typeface="微软雅黑" panose="020B0503020204020204" charset="-122"/>
-              <a:ea typeface="微软雅黑" panose="020B0503020204020204" charset="-122"/>
+              <a:latin typeface="Calibri" panose="020F0502020204030204" charset="0"/>
+              <a:ea typeface="宋体" panose="02010600030101010101" pitchFamily="2" charset="-122"/>
             </a:endParaRPr>
           </a:p>
         </p:txBody>
@@ -17679,14 +17462,10 @@
   </p:clrMapOvr>
   <mc:AlternateContent xmlns:mc="http://schemas.openxmlformats.org/markup-compatibility/2006">
     <mc:Choice xmlns:p14="http://schemas.microsoft.com/office/powerpoint/2010/main" Requires="p14">
-      <p:transition spd="slow" p14:dur="500">
-        <p:random/>
-      </p:transition>
+      <p:transition spd="slow" p14:dur="2000"/>
     </mc:Choice>
     <mc:Fallback>
-      <p:transition spd="slow">
-        <p:random/>
-      </p:transition>
+      <p:transition spd="slow"/>
     </mc:Fallback>
   </mc:AlternateContent>
   <p:timing>
@@ -17727,7 +17506,7 @@
         <p:spPr>
           <a:xfrm>
             <a:off x="1029335" y="1716405"/>
-            <a:ext cx="9936480" cy="4733290"/>
+            <a:ext cx="9935845" cy="4436110"/>
           </a:xfrm>
           <a:prstGeom prst="rect">
             <a:avLst/>
@@ -17754,24 +17533,24 @@
                 <a:spcPts val="0"/>
               </a:spcAft>
               <a:buClr>
-                <a:srgbClr val="000000"/>
+                <a:srgbClr val="595959"/>
               </a:buClr>
-              <a:buFont typeface="宋体" panose="02010600030101010101" pitchFamily="2" charset="-122"/>
+              <a:buFont typeface="Arial" panose="020B0604020202020204"/>
               <a:buChar char="•"/>
             </a:pPr>
             <a:r>
               <a:rPr lang="en-US" altLang="ko-KR" sz="2000" b="1" strike="noStrike" cap="none" dirty="0" smtClean="0">
                 <a:solidFill>
-                  <a:schemeClr val="tx1"/>
+                  <a:srgbClr val="595959"/>
                 </a:solidFill>
                 <a:latin typeface="微软雅黑" panose="020B0503020204020204" charset="-122"/>
                 <a:ea typeface="微软雅黑" panose="020B0503020204020204" charset="-122"/>
               </a:rPr>
-              <a:t>语言：</a:t>
+              <a:t>前端工程师初步了解：</a:t>
             </a:r>
             <a:endParaRPr lang="ko-KR" altLang="en-US" sz="2000" b="1" strike="noStrike" cap="none" dirty="0" smtClean="0">
               <a:solidFill>
-                <a:schemeClr val="tx1"/>
+                <a:srgbClr val="595959"/>
               </a:solidFill>
               <a:latin typeface="微软雅黑" panose="020B0503020204020204" charset="-122"/>
               <a:ea typeface="微软雅黑" panose="020B0503020204020204" charset="-122"/>
@@ -17792,21 +17571,21 @@
               <a:buNone/>
             </a:pPr>
             <a:r>
-              <a:rPr lang="en-US" altLang="ko-KR" sz="2400" b="0" strike="noStrike" cap="none" dirty="0" smtClean="0">
+              <a:rPr lang="en-US" altLang="ko-KR" sz="2000" b="0" strike="noStrike" cap="none" dirty="0" smtClean="0">
                 <a:solidFill>
-                  <a:schemeClr val="tx1"/>
+                  <a:srgbClr val="595959"/>
                 </a:solidFill>
-                <a:latin typeface="仿宋" charset="0"/>
-                <a:ea typeface="仿宋" charset="0"/>
-              </a:rPr>
-              <a:t>   人与人之间的沟通需要语言，像：汉语、英语、法语.....,那作为前端工程师要与浏览器进行沟通，我们就需要用到以下语言：</a:t>
-            </a:r>
-            <a:endParaRPr lang="ko-KR" altLang="en-US" sz="2400" b="0" strike="noStrike" cap="none" dirty="0" smtClean="0">
+                <a:latin typeface="微软雅黑" panose="020B0503020204020204" charset="-122"/>
+                <a:ea typeface="微软雅黑" panose="020B0503020204020204" charset="-122"/>
+              </a:rPr>
+              <a:t>产品经理设计原型-------ui设计师设计成效果图------前端工程师实现页面的还原</a:t>
+            </a:r>
+            <a:endParaRPr lang="ko-KR" altLang="en-US" sz="2000" b="0" strike="noStrike" cap="none" dirty="0" smtClean="0">
               <a:solidFill>
-                <a:schemeClr val="tx1"/>
+                <a:srgbClr val="595959"/>
               </a:solidFill>
-              <a:latin typeface="仿宋" charset="0"/>
-              <a:ea typeface="仿宋" charset="0"/>
+              <a:latin typeface="微软雅黑" panose="020B0503020204020204" charset="-122"/>
+              <a:ea typeface="微软雅黑" panose="020B0503020204020204" charset="-122"/>
             </a:endParaRPr>
           </a:p>
           <a:p>
@@ -17824,41 +17603,73 @@
               <a:buNone/>
             </a:pPr>
             <a:r>
-              <a:rPr lang="en-US" altLang="ko-KR" sz="2400" b="0" strike="noStrike" cap="none" dirty="0" smtClean="0">
+              <a:rPr lang="en-US" altLang="ko-KR" sz="2000" b="0" strike="noStrike" cap="none" dirty="0" smtClean="0">
                 <a:solidFill>
-                  <a:schemeClr val="tx1"/>
+                  <a:srgbClr val="595959"/>
                 </a:solidFill>
-                <a:latin typeface="仿宋" charset="0"/>
-                <a:ea typeface="仿宋" charset="0"/>
-              </a:rPr>
-              <a:t>    html：是一个超文本标记语言（</a:t>
-            </a:r>
-            <a:r>
-              <a:rPr lang="en-US" altLang="ko-KR" sz="2400" b="0" strike="noStrike" cap="none" dirty="0" smtClean="0">
+                <a:latin typeface="微软雅黑" panose="020B0503020204020204" charset="-122"/>
+                <a:ea typeface="微软雅黑" panose="020B0503020204020204" charset="-122"/>
+              </a:rPr>
+              <a:t>    前端工程师工作流程：</a:t>
+            </a:r>
+            <a:endParaRPr lang="ko-KR" altLang="en-US" sz="2000" b="0" strike="noStrike" cap="none" dirty="0" smtClean="0">
+              <a:solidFill>
+                <a:srgbClr val="595959"/>
+              </a:solidFill>
+              <a:latin typeface="微软雅黑" panose="020B0503020204020204" charset="-122"/>
+              <a:ea typeface="微软雅黑" panose="020B0503020204020204" charset="-122"/>
+            </a:endParaRPr>
+          </a:p>
+          <a:p>
+            <a:pPr marL="0" indent="0" algn="l" defTabSz="914400" eaLnBrk="0" fontAlgn="auto">
+              <a:lnSpc>
+                <a:spcPct val="140000"/>
+              </a:lnSpc>
+              <a:spcBef>
+                <a:spcPts val="1000"/>
+              </a:spcBef>
+              <a:spcAft>
+                <a:spcPts val="0"/>
+              </a:spcAft>
+              <a:buFontTx/>
+              <a:buNone/>
+            </a:pPr>
+            <a:r>
+              <a:rPr lang="en-US" altLang="ko-KR" sz="2000" b="0" strike="noStrike" cap="none" dirty="0" smtClean="0">
                 <a:solidFill>
-                  <a:srgbClr val="333333"/>
+                  <a:srgbClr val="595959"/>
                 </a:solidFill>
-                <a:latin typeface="仿宋" charset="0"/>
-                <a:ea typeface="仿宋" charset="0"/>
-              </a:rPr>
-              <a:t>HyperText Markup Language</a:t>
-            </a:r>
-            <a:r>
-              <a:rPr lang="en-US" altLang="ko-KR" sz="2400" b="0" strike="noStrike" cap="none" dirty="0" smtClean="0">
+                <a:latin typeface="微软雅黑" panose="020B0503020204020204" charset="-122"/>
+                <a:ea typeface="微软雅黑" panose="020B0503020204020204" charset="-122"/>
+              </a:rPr>
+              <a:t>    </a:t>
+            </a:r>
+            <a:r>
+              <a:rPr lang="en-US" altLang="ko-KR" sz="2000" b="0" strike="noStrike" cap="none" dirty="0" smtClean="0">
                 <a:solidFill>
-                  <a:schemeClr val="tx1"/>
+                  <a:srgbClr val="595959"/>
                 </a:solidFill>
-                <a:latin typeface="仿宋" charset="0"/>
-                <a:ea typeface="仿宋" charset="0"/>
-              </a:rPr>
-              <a:t>），主          要指的是结构；（骨架）</a:t>
-            </a:r>
-            <a:endParaRPr lang="ko-KR" altLang="en-US" sz="2400" b="0" strike="noStrike" cap="none" dirty="0" smtClean="0">
+                <a:latin typeface="Arial" panose="020B0604020202020204" pitchFamily="34" charset="0"/>
+                <a:ea typeface="Arial" panose="020B0604020202020204" pitchFamily="34" charset="0"/>
+              </a:rPr>
+              <a:t>•</a:t>
+            </a:r>
+            <a:r>
+              <a:rPr lang="en-US" altLang="ko-KR" sz="2000" b="0" strike="noStrike" cap="none" dirty="0" smtClean="0">
+                <a:solidFill>
+                  <a:srgbClr val="595959"/>
+                </a:solidFill>
+                <a:latin typeface="微软雅黑" panose="020B0503020204020204" charset="-122"/>
+                <a:ea typeface="微软雅黑" panose="020B0503020204020204" charset="-122"/>
+              </a:rPr>
+              <a:t> 1、根据效果图，制作静态页面，（包含动画效果）；</a:t>
+            </a:r>
+            <a:endParaRPr lang="ko-KR" altLang="en-US" sz="2000" b="0" strike="noStrike" cap="none" dirty="0" smtClean="0">
               <a:solidFill>
-                <a:schemeClr val="tx1"/>
+                <a:srgbClr val="595959"/>
               </a:solidFill>
-              <a:latin typeface="仿宋" charset="0"/>
-              <a:ea typeface="仿宋" charset="0"/>
+              <a:latin typeface="微软雅黑" panose="020B0503020204020204" charset="-122"/>
+              <a:ea typeface="微软雅黑" panose="020B0503020204020204" charset="-122"/>
             </a:endParaRPr>
           </a:p>
           <a:p>
@@ -17876,115 +17687,93 @@
               <a:buNone/>
             </a:pPr>
             <a:r>
-              <a:rPr lang="en-US" altLang="ko-KR" sz="2400" b="0" strike="noStrike" cap="none" dirty="0" smtClean="0">
+              <a:rPr lang="en-US" altLang="ko-KR" sz="2000" b="0" strike="noStrike" cap="none" dirty="0" smtClean="0">
                 <a:solidFill>
-                  <a:schemeClr val="tx1"/>
+                  <a:srgbClr val="595959"/>
                 </a:solidFill>
-                <a:latin typeface="仿宋" charset="0"/>
-                <a:ea typeface="仿宋" charset="0"/>
-              </a:rPr>
-              <a:t>    css： </a:t>
-            </a:r>
-            <a:r>
-              <a:rPr lang="en-US" altLang="ko-KR" sz="2400" b="0" strike="noStrike" cap="none" dirty="0" smtClean="0">
+                <a:latin typeface="微软雅黑" panose="020B0503020204020204" charset="-122"/>
+                <a:ea typeface="微软雅黑" panose="020B0503020204020204" charset="-122"/>
+              </a:rPr>
+              <a:t>    </a:t>
+            </a:r>
+            <a:r>
+              <a:rPr lang="en-US" altLang="ko-KR" sz="2000" b="0" strike="noStrike" cap="none" dirty="0" smtClean="0">
                 <a:solidFill>
-                  <a:srgbClr val="333333"/>
+                  <a:srgbClr val="595959"/>
                 </a:solidFill>
-                <a:latin typeface="仿宋" charset="0"/>
-                <a:ea typeface="仿宋" charset="0"/>
-              </a:rPr>
-              <a:t>层叠样式表(英文全称：Cascading Style Sheets)是一种用来修饰</a:t>
-            </a:r>
-            <a:r>
-              <a:rPr lang="en-US" altLang="ko-KR" sz="2400" b="0" strike="noStrike" cap="none" dirty="0" smtClean="0">
+                <a:latin typeface="Arial" panose="020B0604020202020204" pitchFamily="34" charset="0"/>
+                <a:ea typeface="Arial" panose="020B0604020202020204" pitchFamily="34" charset="0"/>
+              </a:rPr>
+              <a:t>•</a:t>
+            </a:r>
+            <a:r>
+              <a:rPr lang="en-US" altLang="ko-KR" sz="2000" b="0" strike="noStrike" cap="none" dirty="0" smtClean="0">
                 <a:solidFill>
-                  <a:srgbClr val="136EC2"/>
+                  <a:srgbClr val="595959"/>
                 </a:solidFill>
-                <a:latin typeface="仿宋" charset="0"/>
-                <a:ea typeface="仿宋" charset="0"/>
-                <a:hlinkClick r:id="rId1"/>
-              </a:rPr>
-              <a:t>HTML</a:t>
-            </a:r>
-            <a:r>
-              <a:rPr lang="en-US" altLang="ko-KR" sz="2400" b="0" strike="noStrike" cap="none" dirty="0" smtClean="0">
+                <a:latin typeface="微软雅黑" panose="020B0503020204020204" charset="-122"/>
+                <a:ea typeface="微软雅黑" panose="020B0503020204020204" charset="-122"/>
+              </a:rPr>
+              <a:t> 2、配合后台开发人员，制作动态页面，例如获取动态数据，根据需求，写业务逻辑。</a:t>
+            </a:r>
+            <a:endParaRPr lang="ko-KR" altLang="en-US" sz="2000" b="0" strike="noStrike" cap="none" dirty="0" smtClean="0">
+              <a:solidFill>
+                <a:srgbClr val="595959"/>
+              </a:solidFill>
+              <a:latin typeface="微软雅黑" panose="020B0503020204020204" charset="-122"/>
+              <a:ea typeface="微软雅黑" panose="020B0503020204020204" charset="-122"/>
+            </a:endParaRPr>
+          </a:p>
+          <a:p>
+            <a:pPr marL="0" indent="0" algn="l" defTabSz="914400" eaLnBrk="0" fontAlgn="auto">
+              <a:lnSpc>
+                <a:spcPct val="140000"/>
+              </a:lnSpc>
+              <a:spcBef>
+                <a:spcPts val="1000"/>
+              </a:spcBef>
+              <a:spcAft>
+                <a:spcPts val="0"/>
+              </a:spcAft>
+              <a:buFontTx/>
+              <a:buNone/>
+            </a:pPr>
+            <a:r>
+              <a:rPr lang="en-US" altLang="ko-KR" sz="2000" b="0" strike="noStrike" cap="none" dirty="0" smtClean="0">
                 <a:solidFill>
-                  <a:srgbClr val="333333"/>
+                  <a:srgbClr val="595959"/>
                 </a:solidFill>
-                <a:latin typeface="仿宋" charset="0"/>
-                <a:ea typeface="仿宋" charset="0"/>
-              </a:rPr>
-              <a:t>或</a:t>
-            </a:r>
-            <a:r>
-              <a:rPr lang="en-US" altLang="ko-KR" sz="2400" b="0" strike="noStrike" cap="none" dirty="0" smtClean="0">
+                <a:latin typeface="微软雅黑" panose="020B0503020204020204" charset="-122"/>
+                <a:ea typeface="微软雅黑" panose="020B0503020204020204" charset="-122"/>
+              </a:rPr>
+              <a:t>    </a:t>
+            </a:r>
+            <a:r>
+              <a:rPr lang="en-US" altLang="ko-KR" sz="2000" b="0" strike="noStrike" cap="none" dirty="0" smtClean="0">
                 <a:solidFill>
-                  <a:srgbClr val="136EC2"/>
+                  <a:srgbClr val="595959"/>
                 </a:solidFill>
-                <a:latin typeface="仿宋" charset="0"/>
-                <a:ea typeface="仿宋" charset="0"/>
-                <a:hlinkClick r:id="rId2"/>
-              </a:rPr>
-              <a:t>XML</a:t>
-            </a:r>
-            <a:r>
-              <a:rPr lang="en-US" altLang="ko-KR" sz="2400" b="0" strike="noStrike" cap="none" dirty="0" smtClean="0">
+                <a:latin typeface="Arial" panose="020B0604020202020204" pitchFamily="34" charset="0"/>
+                <a:ea typeface="Arial" panose="020B0604020202020204" pitchFamily="34" charset="0"/>
+              </a:rPr>
+              <a:t>•</a:t>
+            </a:r>
+            <a:r>
+              <a:rPr lang="en-US" altLang="ko-KR" sz="2000" b="0" strike="noStrike" cap="none" dirty="0" smtClean="0">
                 <a:solidFill>
-                  <a:srgbClr val="333333"/>
+                  <a:srgbClr val="595959"/>
                 </a:solidFill>
-                <a:latin typeface="仿宋" charset="0"/>
-                <a:ea typeface="仿宋" charset="0"/>
-              </a:rPr>
-              <a:t>等文件样式的计算机语言。（衣服）</a:t>
-            </a:r>
-            <a:endParaRPr lang="ko-KR" altLang="en-US" sz="2400" b="0" strike="noStrike" cap="none" dirty="0" smtClean="0">
+                <a:latin typeface="微软雅黑" panose="020B0503020204020204" charset="-122"/>
+                <a:ea typeface="微软雅黑" panose="020B0503020204020204" charset="-122"/>
+              </a:rPr>
+              <a:t> 3、如果是app内嵌h5页面的时候，如需交互，还需要配合ios、安卓开发工程师</a:t>
+            </a:r>
+            <a:endParaRPr lang="ko-KR" altLang="en-US" sz="2000" b="0" strike="noStrike" cap="none" dirty="0" smtClean="0">
               <a:solidFill>
-                <a:srgbClr val="333333"/>
+                <a:srgbClr val="595959"/>
               </a:solidFill>
-              <a:latin typeface="仿宋" charset="0"/>
-              <a:ea typeface="仿宋" charset="0"/>
-            </a:endParaRPr>
-          </a:p>
-          <a:p>
-            <a:pPr marL="0" indent="0" algn="l" defTabSz="914400" eaLnBrk="0" fontAlgn="auto">
-              <a:lnSpc>
-                <a:spcPct val="140000"/>
-              </a:lnSpc>
-              <a:spcBef>
-                <a:spcPts val="1000"/>
-              </a:spcBef>
-              <a:spcAft>
-                <a:spcPts val="0"/>
-              </a:spcAft>
-              <a:buFontTx/>
-              <a:buNone/>
-            </a:pPr>
-            <a:r>
-              <a:rPr lang="en-US" altLang="ko-KR" sz="2400" b="0" strike="noStrike" cap="none" dirty="0" smtClean="0">
-                <a:solidFill>
-                  <a:schemeClr val="tx1"/>
-                </a:solidFill>
-                <a:latin typeface="仿宋" charset="0"/>
-                <a:ea typeface="仿宋" charset="0"/>
-              </a:rPr>
-              <a:t>    js：</a:t>
-            </a:r>
-            <a:r>
-              <a:rPr lang="en-US" altLang="ko-KR" sz="2400" b="0" strike="noStrike" cap="none" spc="15" dirty="0" smtClean="0">
-                <a:solidFill>
-                  <a:srgbClr val="333333"/>
-                </a:solidFill>
-                <a:latin typeface="仿宋" charset="0"/>
-                <a:ea typeface="仿宋" charset="0"/>
-              </a:rPr>
-              <a:t>JavaScript 是一种轻量级的编程语言。（行为/动态）</a:t>
-            </a:r>
-            <a:endParaRPr lang="ko-KR" altLang="en-US" sz="2400" b="0" strike="noStrike" cap="none" dirty="0" smtClean="0">
-              <a:solidFill>
-                <a:srgbClr val="333333"/>
-              </a:solidFill>
-              <a:latin typeface="仿宋" charset="0"/>
-              <a:ea typeface="仿宋" charset="0"/>
+              <a:latin typeface="微软雅黑" panose="020B0503020204020204" charset="-122"/>
+              <a:ea typeface="微软雅黑" panose="020B0503020204020204" charset="-122"/>
             </a:endParaRPr>
           </a:p>
           <a:p>
@@ -18153,8 +17942,8 @@
         </p:nvSpPr>
         <p:spPr>
           <a:xfrm>
-            <a:off x="1136015" y="1475740"/>
-            <a:ext cx="9935845" cy="4901565"/>
+            <a:off x="1029335" y="1716405"/>
+            <a:ext cx="9936480" cy="4733290"/>
           </a:xfrm>
           <a:prstGeom prst="rect">
             <a:avLst/>
@@ -18194,7 +17983,7 @@
                 <a:latin typeface="微软雅黑" panose="020B0503020204020204" charset="-122"/>
                 <a:ea typeface="微软雅黑" panose="020B0503020204020204" charset="-122"/>
               </a:rPr>
-              <a:t>HTML简介：</a:t>
+              <a:t>语言：</a:t>
             </a:r>
             <a:endParaRPr lang="ko-KR" altLang="en-US" sz="2000" b="1" strike="noStrike" cap="none" dirty="0" smtClean="0">
               <a:solidFill>
@@ -18221,58 +18010,16 @@
             <a:r>
               <a:rPr lang="en-US" altLang="ko-KR" sz="2400" b="0" strike="noStrike" cap="none" dirty="0" smtClean="0">
                 <a:solidFill>
-                  <a:srgbClr val="000000"/>
+                  <a:schemeClr val="tx1"/>
                 </a:solidFill>
                 <a:latin typeface="仿宋" charset="0"/>
                 <a:ea typeface="仿宋" charset="0"/>
               </a:rPr>
-              <a:t>   什么是HTML？</a:t>
+              <a:t>   人与人之间的沟通需要语言，像：汉语、英语、法语.....,那作为前端工程师要与浏览器进行沟通，我们就需要用到以下语言：</a:t>
             </a:r>
             <a:endParaRPr lang="ko-KR" altLang="en-US" sz="2400" b="0" strike="noStrike" cap="none" dirty="0" smtClean="0">
               <a:solidFill>
-                <a:srgbClr val="000000"/>
-              </a:solidFill>
-              <a:latin typeface="仿宋" charset="0"/>
-              <a:ea typeface="仿宋" charset="0"/>
-            </a:endParaRPr>
-          </a:p>
-          <a:p>
-            <a:pPr marL="0" indent="0" algn="l" defTabSz="914400" eaLnBrk="0" fontAlgn="auto">
-              <a:lnSpc>
-                <a:spcPct val="140000"/>
-              </a:lnSpc>
-              <a:spcBef>
-                <a:spcPts val="1000"/>
-              </a:spcBef>
-              <a:spcAft>
-                <a:spcPts val="0"/>
-              </a:spcAft>
-              <a:buFontTx/>
-              <a:buNone/>
-            </a:pPr>
-            <a:r>
-              <a:rPr lang="en-US" altLang="ko-KR" sz="2000" b="0" strike="noStrike" cap="none" dirty="0" smtClean="0">
-                <a:solidFill>
-                  <a:srgbClr val="000000"/>
-                </a:solidFill>
-                <a:latin typeface="仿宋" charset="0"/>
-                <a:ea typeface="仿宋" charset="0"/>
-              </a:rPr>
-              <a:t>    </a:t>
-            </a:r>
-            <a:r>
-              <a:rPr lang="en-US" altLang="ko-KR" sz="2000" b="0" strike="noStrike" cap="none" dirty="0" smtClean="0">
-                <a:solidFill>
-                  <a:srgbClr val="3F3F3F"/>
-                </a:solidFill>
-                <a:latin typeface="仿宋" charset="0"/>
-                <a:ea typeface="仿宋" charset="0"/>
-              </a:rPr>
-              <a:t>HTML是英文Hyper Text Mark-up Language(超文本标记语言)的缩写，它规定了自己的语法规则，用来表示比“文本”更丰富的意义，比如图片，表格，链接，音频，视频等。浏览器（IE,FireFox等）软件知道HTML语言的语法，可以用来查看HTML文档。</a:t>
-            </a:r>
-            <a:endParaRPr lang="ko-KR" altLang="en-US" sz="2000" b="0" strike="noStrike" cap="none" dirty="0" smtClean="0">
-              <a:solidFill>
-                <a:srgbClr val="000000"/>
+                <a:schemeClr val="tx1"/>
               </a:solidFill>
               <a:latin typeface="仿宋" charset="0"/>
               <a:ea typeface="仿宋" charset="0"/>
@@ -18300,7 +18047,27 @@
                 <a:latin typeface="仿宋" charset="0"/>
                 <a:ea typeface="仿宋" charset="0"/>
               </a:rPr>
-              <a:t>   HTML的特点：</a:t>
+              <a:t>    html：是一个超文本标记语言（</a:t>
+            </a:r>
+            <a:r>
+              <a:rPr lang="en-US" altLang="ko-KR" sz="2400" b="0" strike="noStrike" cap="none" dirty="0" smtClean="0">
+                <a:solidFill>
+                  <a:srgbClr val="333333"/>
+                </a:solidFill>
+                <a:latin typeface="仿宋" charset="0"/>
+                <a:ea typeface="仿宋" charset="0"/>
+              </a:rPr>
+              <a:t>HyperText Markup Language</a:t>
+            </a:r>
+            <a:r>
+              <a:rPr lang="en-US" altLang="ko-KR" sz="2400" b="0" strike="noStrike" cap="none" dirty="0" smtClean="0">
+                <a:solidFill>
+                  <a:schemeClr val="tx1"/>
+                </a:solidFill>
+                <a:latin typeface="仿宋" charset="0"/>
+                <a:ea typeface="仿宋" charset="0"/>
+              </a:rPr>
+              <a:t>），主          要指的是结构；（骨架）</a:t>
             </a:r>
             <a:endParaRPr lang="ko-KR" altLang="en-US" sz="2400" b="0" strike="noStrike" cap="none" dirty="0" smtClean="0">
               <a:solidFill>
@@ -18332,24 +18099,66 @@
                 <a:latin typeface="仿宋" charset="0"/>
                 <a:ea typeface="仿宋" charset="0"/>
               </a:rPr>
-              <a:t>    1、</a:t>
-            </a:r>
-            <a:r>
-              <a:rPr lang="en-US" altLang="ko-KR" sz="2000" b="0" strike="noStrike" cap="none" dirty="0" smtClean="0">
+              <a:t>    css： </a:t>
+            </a:r>
+            <a:r>
+              <a:rPr lang="en-US" altLang="ko-KR" sz="2400" b="0" strike="noStrike" cap="none" dirty="0" smtClean="0">
                 <a:solidFill>
                   <a:srgbClr val="333333"/>
                 </a:solidFill>
-                <a:latin typeface="宋体" panose="02010600030101010101" pitchFamily="2" charset="-122"/>
-                <a:ea typeface="宋体" panose="02010600030101010101" pitchFamily="2" charset="-122"/>
-              </a:rPr>
-              <a:t>HTML不区分大小写；</a:t>
-            </a:r>
-            <a:endParaRPr lang="ko-KR" altLang="en-US" sz="2000" b="0" strike="noStrike" cap="none" dirty="0" smtClean="0">
+                <a:latin typeface="仿宋" charset="0"/>
+                <a:ea typeface="仿宋" charset="0"/>
+              </a:rPr>
+              <a:t>层叠样式表(英文全称：Cascading Style Sheets)是一种用来修饰</a:t>
+            </a:r>
+            <a:r>
+              <a:rPr lang="en-US" altLang="ko-KR" sz="2400" b="0" strike="noStrike" cap="none" dirty="0" smtClean="0">
+                <a:solidFill>
+                  <a:srgbClr val="136EC2"/>
+                </a:solidFill>
+                <a:latin typeface="仿宋" charset="0"/>
+                <a:ea typeface="仿宋" charset="0"/>
+                <a:hlinkClick r:id="rId1"/>
+              </a:rPr>
+              <a:t>HTML</a:t>
+            </a:r>
+            <a:r>
+              <a:rPr lang="en-US" altLang="ko-KR" sz="2400" b="0" strike="noStrike" cap="none" dirty="0" smtClean="0">
+                <a:solidFill>
+                  <a:srgbClr val="333333"/>
+                </a:solidFill>
+                <a:latin typeface="仿宋" charset="0"/>
+                <a:ea typeface="仿宋" charset="0"/>
+              </a:rPr>
+              <a:t>或</a:t>
+            </a:r>
+            <a:r>
+              <a:rPr lang="en-US" altLang="ko-KR" sz="2400" b="0" strike="noStrike" cap="none" dirty="0" smtClean="0">
+                <a:solidFill>
+                  <a:srgbClr val="136EC2"/>
+                </a:solidFill>
+                <a:latin typeface="仿宋" charset="0"/>
+                <a:ea typeface="仿宋" charset="0"/>
+                <a:hlinkClick r:id="rId2"/>
+              </a:rPr>
+              <a:t>XML</a:t>
+            </a:r>
+            <a:r>
+              <a:rPr lang="en-US" altLang="ko-KR" sz="2400" b="0" strike="noStrike" cap="none" dirty="0" smtClean="0">
+                <a:solidFill>
+                  <a:srgbClr val="333333"/>
+                </a:solidFill>
+                <a:latin typeface="仿宋" charset="0"/>
+                <a:ea typeface="仿宋" charset="0"/>
+              </a:rPr>
+              <a:t>等文件样式的计算机语言。（衣服）</a:t>
+            </a:r>
+            <a:endParaRPr lang="ko-KR" altLang="en-US" sz="2400" b="0" strike="noStrike" cap="none" dirty="0" smtClean="0">
               <a:solidFill>
                 <a:srgbClr val="333333"/>
               </a:solidFill>
-              <a:latin typeface="宋体" panose="02010600030101010101" pitchFamily="2" charset="-122"/>
-              <a:ea typeface="宋体" panose="02010600030101010101" pitchFamily="2" charset="-122"/>
+              <a:latin typeface="仿宋" charset="0"/>
+              <a:ea typeface="仿宋" charset="0"/>
             </a:endParaRPr>
           </a:p>
           <a:p>
@@ -18367,82 +18176,28 @@
               <a:buNone/>
             </a:pPr>
             <a:r>
-              <a:rPr lang="en-US" altLang="ko-KR" sz="2000" b="0" strike="noStrike" cap="none" dirty="0" smtClean="0">
+              <a:rPr lang="en-US" altLang="ko-KR" sz="2400" b="0" strike="noStrike" cap="none" dirty="0" smtClean="0">
+                <a:solidFill>
+                  <a:schemeClr val="tx1"/>
+                </a:solidFill>
+                <a:latin typeface="仿宋" charset="0"/>
+                <a:ea typeface="仿宋" charset="0"/>
+              </a:rPr>
+              <a:t>    js：</a:t>
+            </a:r>
+            <a:r>
+              <a:rPr lang="en-US" altLang="ko-KR" sz="2400" b="0" strike="noStrike" cap="none" spc="15" dirty="0" smtClean="0">
                 <a:solidFill>
                   <a:srgbClr val="333333"/>
                 </a:solidFill>
-                <a:latin typeface="宋体" panose="02010600030101010101" pitchFamily="2" charset="-122"/>
-                <a:ea typeface="宋体" panose="02010600030101010101" pitchFamily="2" charset="-122"/>
-              </a:rPr>
-              <a:t>     2、双标签，成对出现；（个别的单标签出现，input，image）；</a:t>
-            </a:r>
-            <a:endParaRPr lang="ko-KR" altLang="en-US" sz="2000" b="0" strike="noStrike" cap="none" dirty="0" smtClean="0">
+                <a:latin typeface="仿宋" charset="0"/>
+                <a:ea typeface="仿宋" charset="0"/>
+              </a:rPr>
+              <a:t>JavaScript 是一种轻量级的编程语言。（行为/动态）</a:t>
+            </a:r>
+            <a:endParaRPr lang="ko-KR" altLang="en-US" sz="2400" b="0" strike="noStrike" cap="none" dirty="0" smtClean="0">
               <a:solidFill>
                 <a:srgbClr val="333333"/>
-              </a:solidFill>
-              <a:latin typeface="宋体" panose="02010600030101010101" pitchFamily="2" charset="-122"/>
-              <a:ea typeface="宋体" panose="02010600030101010101" pitchFamily="2" charset="-122"/>
-            </a:endParaRPr>
-          </a:p>
-          <a:p>
-            <a:pPr marL="0" indent="0" algn="l" defTabSz="914400" eaLnBrk="0" fontAlgn="auto">
-              <a:lnSpc>
-                <a:spcPct val="140000"/>
-              </a:lnSpc>
-              <a:spcBef>
-                <a:spcPts val="1000"/>
-              </a:spcBef>
-              <a:spcAft>
-                <a:spcPts val="0"/>
-              </a:spcAft>
-              <a:buFontTx/>
-              <a:buNone/>
-            </a:pPr>
-            <a:r>
-              <a:rPr lang="en-US" altLang="ko-KR" sz="2000" b="0" strike="noStrike" cap="none" dirty="0" smtClean="0">
-                <a:solidFill>
-                  <a:srgbClr val="333333"/>
-                </a:solidFill>
-                <a:latin typeface="宋体" panose="02010600030101010101" pitchFamily="2" charset="-122"/>
-                <a:ea typeface="宋体" panose="02010600030101010101" pitchFamily="2" charset="-122"/>
-              </a:rPr>
-              <a:t>     3、标签闭合；&lt;div&gt;&lt;/div&gt;</a:t>
-            </a:r>
-            <a:endParaRPr lang="ko-KR" altLang="en-US" sz="2000" b="0" strike="noStrike" cap="none" dirty="0" smtClean="0">
-              <a:solidFill>
-                <a:srgbClr val="333333"/>
-              </a:solidFill>
-              <a:latin typeface="宋体" panose="02010600030101010101" pitchFamily="2" charset="-122"/>
-              <a:ea typeface="宋体" panose="02010600030101010101" pitchFamily="2" charset="-122"/>
-            </a:endParaRPr>
-          </a:p>
-          <a:p>
-            <a:pPr marL="0" indent="0" algn="l" defTabSz="914400" eaLnBrk="0" fontAlgn="auto">
-              <a:lnSpc>
-                <a:spcPct val="140000"/>
-              </a:lnSpc>
-              <a:spcBef>
-                <a:spcPts val="1000"/>
-              </a:spcBef>
-              <a:spcAft>
-                <a:spcPts val="0"/>
-              </a:spcAft>
-              <a:buFontTx/>
-              <a:buNone/>
-            </a:pPr>
-            <a:r>
-              <a:rPr lang="en-US" altLang="ko-KR" sz="2000" b="0" strike="noStrike" cap="none" dirty="0" smtClean="0">
-                <a:solidFill>
-                  <a:srgbClr val="333333"/>
-                </a:solidFill>
-                <a:latin typeface="宋体" panose="02010600030101010101" pitchFamily="2" charset="-122"/>
-                <a:ea typeface="宋体" panose="02010600030101010101" pitchFamily="2" charset="-122"/>
-              </a:rPr>
-              <a:t> </a:t>
-            </a:r>
-            <a:endParaRPr lang="ko-KR" altLang="en-US" sz="2400" b="0" strike="noStrike" cap="none" dirty="0" smtClean="0">
-              <a:solidFill>
-                <a:schemeClr val="tx1"/>
               </a:solidFill>
               <a:latin typeface="仿宋" charset="0"/>
               <a:ea typeface="仿宋" charset="0"/>
@@ -18480,8 +18235,8 @@
         </p:nvSpPr>
         <p:spPr>
           <a:xfrm>
-            <a:off x="3056255" y="-1905"/>
-            <a:ext cx="7492365" cy="1477645"/>
+            <a:off x="3096260" y="145415"/>
+            <a:ext cx="7491730" cy="1477010"/>
           </a:xfrm>
           <a:prstGeom prst="rect">
             <a:avLst/>
@@ -18489,12 +18244,12 @@
           <a:noFill/>
         </p:spPr>
         <p:txBody>
-          <a:bodyPr vert="horz" wrap="square" lIns="91440" tIns="45720" rIns="91440" bIns="45720" numCol="1" anchor="t">
+          <a:bodyPr vert="horz" wrap="square" lIns="91440" tIns="45720" rIns="91440" bIns="45720" anchor="t">
             <a:spAutoFit/>
           </a:bodyPr>
           <a:lstStyle/>
           <a:p>
-            <a:pPr marL="0" indent="0" algn="l" defTabSz="914400" eaLnBrk="0" fontAlgn="auto" latinLnBrk="0">
+            <a:pPr marL="0" indent="0" algn="l" defTabSz="914400" eaLnBrk="0" fontAlgn="auto">
               <a:lnSpc>
                 <a:spcPct val="100000"/>
               </a:lnSpc>
@@ -18520,7 +18275,7 @@
             </a:endParaRPr>
           </a:p>
           <a:p>
-            <a:pPr marL="0" indent="0" algn="l" defTabSz="914400" eaLnBrk="0" fontAlgn="auto" latinLnBrk="0">
+            <a:pPr marL="0" indent="0" algn="l" defTabSz="914400" eaLnBrk="0" fontAlgn="auto">
               <a:lnSpc>
                 <a:spcPct val="100000"/>
               </a:lnSpc>
@@ -18615,7 +18370,7 @@
         <p:spPr>
           <a:xfrm>
             <a:off x="1136015" y="1475740"/>
-            <a:ext cx="9935845" cy="5195570"/>
+            <a:ext cx="9935845" cy="4901565"/>
           </a:xfrm>
           <a:prstGeom prst="rect">
             <a:avLst/>
@@ -18655,7 +18410,7 @@
                 <a:latin typeface="微软雅黑" panose="020B0503020204020204" charset="-122"/>
                 <a:ea typeface="微软雅黑" panose="020B0503020204020204" charset="-122"/>
               </a:rPr>
-              <a:t>HTML基本构成：</a:t>
+              <a:t>HTML简介：</a:t>
             </a:r>
             <a:endParaRPr lang="ko-KR" altLang="en-US" sz="2000" b="1" strike="noStrike" cap="none" dirty="0" smtClean="0">
               <a:solidFill>
@@ -18687,24 +18442,56 @@
                 <a:latin typeface="仿宋" charset="0"/>
                 <a:ea typeface="仿宋" charset="0"/>
               </a:rPr>
-              <a:t>   </a:t>
-            </a:r>
-            <a:r>
-              <a:rPr lang="en-US" altLang="ko-KR" sz="1400" b="0" strike="noStrike" cap="none" dirty="0" smtClean="0">
+              <a:t>   什么是HTML？</a:t>
+            </a:r>
+            <a:endParaRPr lang="ko-KR" altLang="en-US" sz="2400" b="0" strike="noStrike" cap="none" dirty="0" smtClean="0">
+              <a:solidFill>
+                <a:srgbClr val="000000"/>
+              </a:solidFill>
+              <a:latin typeface="仿宋" charset="0"/>
+              <a:ea typeface="仿宋" charset="0"/>
+            </a:endParaRPr>
+          </a:p>
+          <a:p>
+            <a:pPr marL="0" indent="0" algn="l" defTabSz="914400" eaLnBrk="0" fontAlgn="auto">
+              <a:lnSpc>
+                <a:spcPct val="140000"/>
+              </a:lnSpc>
+              <a:spcBef>
+                <a:spcPts val="1000"/>
+              </a:spcBef>
+              <a:spcAft>
+                <a:spcPts val="0"/>
+              </a:spcAft>
+              <a:buFontTx/>
+              <a:buNone/>
+            </a:pPr>
+            <a:r>
+              <a:rPr lang="en-US" altLang="ko-KR" sz="2000" b="0" strike="noStrike" cap="none" dirty="0" smtClean="0">
                 <a:solidFill>
-                  <a:srgbClr val="333333"/>
+                  <a:srgbClr val="000000"/>
                 </a:solidFill>
-                <a:latin typeface="宋体" panose="02010600030101010101" pitchFamily="2" charset="-122"/>
-                <a:ea typeface="宋体" panose="02010600030101010101" pitchFamily="2" charset="-122"/>
-              </a:rPr>
-              <a:t>&lt;html&gt;</a:t>
-            </a:r>
-            <a:endParaRPr lang="ko-KR" altLang="en-US" sz="1400" b="0" strike="noStrike" cap="none" dirty="0" smtClean="0">
+                <a:latin typeface="仿宋" charset="0"/>
+                <a:ea typeface="仿宋" charset="0"/>
+              </a:rPr>
+              <a:t>    </a:t>
+            </a:r>
+            <a:r>
+              <a:rPr lang="en-US" altLang="ko-KR" sz="2000" b="0" strike="noStrike" cap="none" dirty="0" smtClean="0">
+                <a:solidFill>
+                  <a:srgbClr val="3F3F3F"/>
+                </a:solidFill>
+                <a:latin typeface="仿宋" charset="0"/>
+                <a:ea typeface="仿宋" charset="0"/>
+              </a:rPr>
+              <a:t>HTML是英文Hyper Text Mark-up Language(超文本标记语言)的缩写，它规定了自己的语法规则，用来表示比“文本”更丰富的意义，比如图片，表格，链接，音频，视频等。浏览器（IE,FireFox等）软件知道HTML语言的语法，可以用来查看HTML文档。</a:t>
+            </a:r>
+            <a:endParaRPr lang="ko-KR" altLang="en-US" sz="2000" b="0" strike="noStrike" cap="none" dirty="0" smtClean="0">
               <a:solidFill>
-                <a:srgbClr val="333333"/>
+                <a:srgbClr val="000000"/>
               </a:solidFill>
-              <a:latin typeface="宋体" panose="02010600030101010101" pitchFamily="2" charset="-122"/>
-              <a:ea typeface="宋体" panose="02010600030101010101" pitchFamily="2" charset="-122"/>
+              <a:latin typeface="仿宋" charset="0"/>
+              <a:ea typeface="仿宋" charset="0"/>
             </a:endParaRPr>
           </a:p>
           <a:p>
@@ -18722,21 +18509,21 @@
               <a:buNone/>
             </a:pPr>
             <a:r>
-              <a:rPr lang="en-US" altLang="ko-KR" sz="1400" b="0" strike="noStrike" cap="none" dirty="0" smtClean="0">
+              <a:rPr lang="en-US" altLang="ko-KR" sz="2400" b="0" strike="noStrike" cap="none" dirty="0" smtClean="0">
                 <a:solidFill>
-                  <a:srgbClr val="333333"/>
+                  <a:schemeClr val="tx1"/>
                 </a:solidFill>
-                <a:latin typeface="宋体" panose="02010600030101010101" pitchFamily="2" charset="-122"/>
-                <a:ea typeface="宋体" panose="02010600030101010101" pitchFamily="2" charset="-122"/>
-              </a:rPr>
-              <a:t>      &lt;head&gt;</a:t>
-            </a:r>
-            <a:endParaRPr lang="ko-KR" altLang="en-US" sz="1400" b="0" strike="noStrike" cap="none" dirty="0" smtClean="0">
+                <a:latin typeface="仿宋" charset="0"/>
+                <a:ea typeface="仿宋" charset="0"/>
+              </a:rPr>
+              <a:t>   HTML的特点：</a:t>
+            </a:r>
+            <a:endParaRPr lang="ko-KR" altLang="en-US" sz="2400" b="0" strike="noStrike" cap="none" dirty="0" smtClean="0">
               <a:solidFill>
-                <a:srgbClr val="333333"/>
+                <a:schemeClr val="tx1"/>
               </a:solidFill>
-              <a:latin typeface="宋体" panose="02010600030101010101" pitchFamily="2" charset="-122"/>
-              <a:ea typeface="宋体" panose="02010600030101010101" pitchFamily="2" charset="-122"/>
+              <a:latin typeface="仿宋" charset="0"/>
+              <a:ea typeface="仿宋" charset="0"/>
             </a:endParaRPr>
           </a:p>
           <a:p>
@@ -18754,249 +18541,15 @@
               <a:buNone/>
             </a:pPr>
             <a:r>
-              <a:rPr lang="en-US" altLang="ko-KR" sz="1400" b="0" strike="noStrike" cap="none" dirty="0" smtClean="0">
+              <a:rPr lang="en-US" altLang="ko-KR" sz="2400" b="0" strike="noStrike" cap="none" dirty="0" smtClean="0">
                 <a:solidFill>
-                  <a:srgbClr val="333333"/>
+                  <a:schemeClr val="tx1"/>
                 </a:solidFill>
-                <a:latin typeface="宋体" panose="02010600030101010101" pitchFamily="2" charset="-122"/>
-                <a:ea typeface="宋体" panose="02010600030101010101" pitchFamily="2" charset="-122"/>
-              </a:rPr>
-              <a:t>        &lt;meta name="keywords" content="</a:t>
-            </a:r>
-            <a:r>
-              <a:rPr lang="zh-CN" altLang="en-US" sz="1400" b="0" strike="noStrike" cap="none" dirty="0" smtClean="0">
-                <a:solidFill>
-                  <a:srgbClr val="333333"/>
-                </a:solidFill>
-                <a:latin typeface="宋体" panose="02010600030101010101" pitchFamily="2" charset="-122"/>
-                <a:ea typeface="宋体" panose="02010600030101010101" pitchFamily="2" charset="-122"/>
-              </a:rPr>
-              <a:t>小草播播、直播、小草</a:t>
-            </a:r>
-            <a:r>
-              <a:rPr lang="en-US" altLang="ko-KR" sz="1400" b="0" strike="noStrike" cap="none" dirty="0" smtClean="0">
-                <a:solidFill>
-                  <a:srgbClr val="333333"/>
-                </a:solidFill>
-                <a:latin typeface="宋体" panose="02010600030101010101" pitchFamily="2" charset="-122"/>
-                <a:ea typeface="宋体" panose="02010600030101010101" pitchFamily="2" charset="-122"/>
-              </a:rPr>
-              <a:t>"/&gt;</a:t>
-            </a:r>
-            <a:endParaRPr lang="ko-KR" altLang="en-US" sz="1400" b="0" strike="noStrike" cap="none" dirty="0" smtClean="0">
-              <a:solidFill>
-                <a:srgbClr val="333333"/>
-              </a:solidFill>
-              <a:latin typeface="宋体" panose="02010600030101010101" pitchFamily="2" charset="-122"/>
-              <a:ea typeface="宋体" panose="02010600030101010101" pitchFamily="2" charset="-122"/>
-            </a:endParaRPr>
-          </a:p>
-          <a:p>
-            <a:pPr marL="0" indent="0" algn="l" defTabSz="914400" eaLnBrk="0" fontAlgn="auto">
-              <a:lnSpc>
-                <a:spcPct val="140000"/>
-              </a:lnSpc>
-              <a:spcBef>
-                <a:spcPts val="1000"/>
-              </a:spcBef>
-              <a:spcAft>
-                <a:spcPts val="0"/>
-              </a:spcAft>
-              <a:buFontTx/>
-              <a:buNone/>
-            </a:pPr>
-            <a:r>
-              <a:rPr lang="en-US" altLang="ko-KR" sz="1400" b="0" strike="noStrike" cap="none" dirty="0" smtClean="0">
-                <a:solidFill>
-                  <a:srgbClr val="333333"/>
-                </a:solidFill>
-                <a:latin typeface="宋体" panose="02010600030101010101" pitchFamily="2" charset="-122"/>
-                <a:ea typeface="宋体" panose="02010600030101010101" pitchFamily="2" charset="-122"/>
-              </a:rPr>
-              <a:t>        &lt;meta name="description" content="本页描述/关键字描述"&gt;</a:t>
-            </a:r>
-            <a:endParaRPr lang="ko-KR" altLang="en-US" sz="1400" b="0" strike="noStrike" cap="none" dirty="0" smtClean="0">
-              <a:solidFill>
-                <a:srgbClr val="333333"/>
-              </a:solidFill>
-              <a:latin typeface="宋体" panose="02010600030101010101" pitchFamily="2" charset="-122"/>
-              <a:ea typeface="宋体" panose="02010600030101010101" pitchFamily="2" charset="-122"/>
-            </a:endParaRPr>
-          </a:p>
-          <a:p>
-            <a:pPr marL="0" indent="0" algn="l" defTabSz="914400" eaLnBrk="0" fontAlgn="auto">
-              <a:lnSpc>
-                <a:spcPct val="140000"/>
-              </a:lnSpc>
-              <a:spcBef>
-                <a:spcPts val="1000"/>
-              </a:spcBef>
-              <a:spcAft>
-                <a:spcPts val="0"/>
-              </a:spcAft>
-              <a:buFontTx/>
-              <a:buNone/>
-            </a:pPr>
-            <a:r>
-              <a:rPr lang="en-US" altLang="ko-KR" sz="1400" b="0" strike="noStrike" cap="none" dirty="0" smtClean="0">
-                <a:solidFill>
-                  <a:srgbClr val="333333"/>
-                </a:solidFill>
-                <a:latin typeface="宋体" panose="02010600030101010101" pitchFamily="2" charset="-122"/>
-                <a:ea typeface="宋体" panose="02010600030101010101" pitchFamily="2" charset="-122"/>
-              </a:rPr>
-              <a:t>        &lt;title&gt;网页标题&lt;/title&gt;</a:t>
-            </a:r>
-            <a:endParaRPr lang="ko-KR" altLang="en-US" sz="1400" b="0" strike="noStrike" cap="none" dirty="0" smtClean="0">
-              <a:solidFill>
-                <a:srgbClr val="333333"/>
-              </a:solidFill>
-              <a:latin typeface="宋体" panose="02010600030101010101" pitchFamily="2" charset="-122"/>
-              <a:ea typeface="宋体" panose="02010600030101010101" pitchFamily="2" charset="-122"/>
-            </a:endParaRPr>
-          </a:p>
-          <a:p>
-            <a:pPr marL="0" indent="0" algn="l" defTabSz="914400" eaLnBrk="0" fontAlgn="auto">
-              <a:lnSpc>
-                <a:spcPct val="140000"/>
-              </a:lnSpc>
-              <a:spcBef>
-                <a:spcPts val="1000"/>
-              </a:spcBef>
-              <a:spcAft>
-                <a:spcPts val="0"/>
-              </a:spcAft>
-              <a:buFontTx/>
-              <a:buNone/>
-            </a:pPr>
-            <a:r>
-              <a:rPr lang="en-US" altLang="ko-KR" sz="1400" b="0" strike="noStrike" cap="none" dirty="0" smtClean="0">
-                <a:solidFill>
-                  <a:srgbClr val="333333"/>
-                </a:solidFill>
-                <a:latin typeface="宋体" panose="02010600030101010101" pitchFamily="2" charset="-122"/>
-                <a:ea typeface="宋体" panose="02010600030101010101" pitchFamily="2" charset="-122"/>
-              </a:rPr>
-              <a:t>      &lt;/head&gt;</a:t>
-            </a:r>
-            <a:endParaRPr lang="ko-KR" altLang="en-US" sz="1400" b="0" strike="noStrike" cap="none" dirty="0" smtClean="0">
-              <a:solidFill>
-                <a:srgbClr val="333333"/>
-              </a:solidFill>
-              <a:latin typeface="宋体" panose="02010600030101010101" pitchFamily="2" charset="-122"/>
-              <a:ea typeface="宋体" panose="02010600030101010101" pitchFamily="2" charset="-122"/>
-            </a:endParaRPr>
-          </a:p>
-          <a:p>
-            <a:pPr marL="0" indent="0" algn="l" defTabSz="914400" eaLnBrk="0" fontAlgn="auto">
-              <a:lnSpc>
-                <a:spcPct val="140000"/>
-              </a:lnSpc>
-              <a:spcBef>
-                <a:spcPts val="1000"/>
-              </a:spcBef>
-              <a:spcAft>
-                <a:spcPts val="0"/>
-              </a:spcAft>
-              <a:buFontTx/>
-              <a:buNone/>
-            </a:pPr>
-            <a:r>
-              <a:rPr lang="en-US" altLang="ko-KR" sz="1400" b="0" strike="noStrike" cap="none" dirty="0" smtClean="0">
-                <a:solidFill>
-                  <a:srgbClr val="333333"/>
-                </a:solidFill>
-                <a:latin typeface="宋体" panose="02010600030101010101" pitchFamily="2" charset="-122"/>
-                <a:ea typeface="宋体" panose="02010600030101010101" pitchFamily="2" charset="-122"/>
-              </a:rPr>
-              <a:t>      &lt;body&gt;</a:t>
-            </a:r>
-            <a:endParaRPr lang="ko-KR" altLang="en-US" sz="1400" b="0" strike="noStrike" cap="none" dirty="0" smtClean="0">
-              <a:solidFill>
-                <a:srgbClr val="333333"/>
-              </a:solidFill>
-              <a:latin typeface="宋体" panose="02010600030101010101" pitchFamily="2" charset="-122"/>
-              <a:ea typeface="宋体" panose="02010600030101010101" pitchFamily="2" charset="-122"/>
-            </a:endParaRPr>
-          </a:p>
-          <a:p>
-            <a:pPr marL="0" indent="0" algn="l" defTabSz="914400" eaLnBrk="0" fontAlgn="auto">
-              <a:lnSpc>
-                <a:spcPct val="140000"/>
-              </a:lnSpc>
-              <a:spcBef>
-                <a:spcPts val="1000"/>
-              </a:spcBef>
-              <a:spcAft>
-                <a:spcPts val="0"/>
-              </a:spcAft>
-              <a:buFontTx/>
-              <a:buNone/>
-            </a:pPr>
-            <a:r>
-              <a:rPr lang="en-US" altLang="ko-KR" sz="1400" b="0" strike="noStrike" cap="none" dirty="0" smtClean="0">
-                <a:solidFill>
-                  <a:srgbClr val="333333"/>
-                </a:solidFill>
-                <a:latin typeface="宋体" panose="02010600030101010101" pitchFamily="2" charset="-122"/>
-                <a:ea typeface="宋体" panose="02010600030101010101" pitchFamily="2" charset="-122"/>
-              </a:rPr>
-              <a:t>          在浏览器视觉上能被看到的部分（注释的部分不会显示给用户）</a:t>
-            </a:r>
-            <a:endParaRPr lang="ko-KR" altLang="en-US" sz="1400" b="0" strike="noStrike" cap="none" dirty="0" smtClean="0">
-              <a:solidFill>
-                <a:srgbClr val="333333"/>
-              </a:solidFill>
-              <a:latin typeface="宋体" panose="02010600030101010101" pitchFamily="2" charset="-122"/>
-              <a:ea typeface="宋体" panose="02010600030101010101" pitchFamily="2" charset="-122"/>
-            </a:endParaRPr>
-          </a:p>
-          <a:p>
-            <a:pPr marL="0" indent="0" algn="l" defTabSz="914400" eaLnBrk="0" fontAlgn="auto">
-              <a:lnSpc>
-                <a:spcPct val="140000"/>
-              </a:lnSpc>
-              <a:spcBef>
-                <a:spcPts val="1000"/>
-              </a:spcBef>
-              <a:spcAft>
-                <a:spcPts val="0"/>
-              </a:spcAft>
-              <a:buFontTx/>
-              <a:buNone/>
-            </a:pPr>
-            <a:r>
-              <a:rPr lang="en-US" altLang="ko-KR" sz="1400" b="0" strike="noStrike" cap="none" dirty="0" smtClean="0">
-                <a:solidFill>
-                  <a:srgbClr val="333333"/>
-                </a:solidFill>
-                <a:latin typeface="宋体" panose="02010600030101010101" pitchFamily="2" charset="-122"/>
-                <a:ea typeface="宋体" panose="02010600030101010101" pitchFamily="2" charset="-122"/>
-              </a:rPr>
-              <a:t>      &lt;/body&gt;</a:t>
-            </a:r>
-            <a:endParaRPr lang="ko-KR" altLang="en-US" sz="1400" b="0" strike="noStrike" cap="none" dirty="0" smtClean="0">
-              <a:solidFill>
-                <a:srgbClr val="333333"/>
-              </a:solidFill>
-              <a:latin typeface="宋体" panose="02010600030101010101" pitchFamily="2" charset="-122"/>
-              <a:ea typeface="宋体" panose="02010600030101010101" pitchFamily="2" charset="-122"/>
-            </a:endParaRPr>
-          </a:p>
-          <a:p>
-            <a:pPr marL="0" indent="0" algn="l" defTabSz="914400" eaLnBrk="0" fontAlgn="auto">
-              <a:lnSpc>
-                <a:spcPct val="140000"/>
-              </a:lnSpc>
-              <a:spcBef>
-                <a:spcPts val="1000"/>
-              </a:spcBef>
-              <a:spcAft>
-                <a:spcPts val="0"/>
-              </a:spcAft>
-              <a:buFontTx/>
-              <a:buNone/>
-            </a:pPr>
+                <a:latin typeface="仿宋" charset="0"/>
+                <a:ea typeface="仿宋" charset="0"/>
+              </a:rPr>
+              <a:t>    1、</a:t>
+            </a:r>
             <a:r>
               <a:rPr lang="en-US" altLang="ko-KR" sz="2000" b="0" strike="noStrike" cap="none" dirty="0" smtClean="0">
                 <a:solidFill>
@@ -19005,19 +18558,9 @@
                 <a:latin typeface="宋体" panose="02010600030101010101" pitchFamily="2" charset="-122"/>
                 <a:ea typeface="宋体" panose="02010600030101010101" pitchFamily="2" charset="-122"/>
               </a:rPr>
-              <a:t>    </a:t>
-            </a:r>
-            <a:r>
-              <a:rPr lang="en-US" altLang="ko-KR" sz="1400" b="0" strike="noStrike" cap="none" dirty="0" smtClean="0">
-                <a:solidFill>
-                  <a:srgbClr val="333333"/>
-                </a:solidFill>
-                <a:latin typeface="宋体" panose="02010600030101010101" pitchFamily="2" charset="-122"/>
-                <a:ea typeface="宋体" panose="02010600030101010101" pitchFamily="2" charset="-122"/>
-              </a:rPr>
-              <a:t>&lt;/html&gt;</a:t>
-            </a:r>
-            <a:endParaRPr lang="ko-KR" altLang="en-US" sz="1400" b="0" strike="noStrike" cap="none" dirty="0" smtClean="0">
+              <a:t>HTML不区分大小写；</a:t>
+            </a:r>
+            <a:endParaRPr lang="ko-KR" altLang="en-US" sz="2000" b="0" strike="noStrike" cap="none" dirty="0" smtClean="0">
               <a:solidFill>
                 <a:srgbClr val="333333"/>
               </a:solidFill>
@@ -19047,6 +18590,70 @@
                 <a:latin typeface="宋体" panose="02010600030101010101" pitchFamily="2" charset="-122"/>
                 <a:ea typeface="宋体" panose="02010600030101010101" pitchFamily="2" charset="-122"/>
               </a:rPr>
+              <a:t>     2、双标签，成对出现；（个别的单标签出现，input，image）；</a:t>
+            </a:r>
+            <a:endParaRPr lang="ko-KR" altLang="en-US" sz="2000" b="0" strike="noStrike" cap="none" dirty="0" smtClean="0">
+              <a:solidFill>
+                <a:srgbClr val="333333"/>
+              </a:solidFill>
+              <a:latin typeface="宋体" panose="02010600030101010101" pitchFamily="2" charset="-122"/>
+              <a:ea typeface="宋体" panose="02010600030101010101" pitchFamily="2" charset="-122"/>
+            </a:endParaRPr>
+          </a:p>
+          <a:p>
+            <a:pPr marL="0" indent="0" algn="l" defTabSz="914400" eaLnBrk="0" fontAlgn="auto">
+              <a:lnSpc>
+                <a:spcPct val="140000"/>
+              </a:lnSpc>
+              <a:spcBef>
+                <a:spcPts val="1000"/>
+              </a:spcBef>
+              <a:spcAft>
+                <a:spcPts val="0"/>
+              </a:spcAft>
+              <a:buFontTx/>
+              <a:buNone/>
+            </a:pPr>
+            <a:r>
+              <a:rPr lang="en-US" altLang="ko-KR" sz="2000" b="0" strike="noStrike" cap="none" dirty="0" smtClean="0">
+                <a:solidFill>
+                  <a:srgbClr val="333333"/>
+                </a:solidFill>
+                <a:latin typeface="宋体" panose="02010600030101010101" pitchFamily="2" charset="-122"/>
+                <a:ea typeface="宋体" panose="02010600030101010101" pitchFamily="2" charset="-122"/>
+              </a:rPr>
+              <a:t>     3、标签闭合；&lt;div&gt;&lt;/div&gt;</a:t>
+            </a:r>
+            <a:endParaRPr lang="ko-KR" altLang="en-US" sz="2000" b="0" strike="noStrike" cap="none" dirty="0" smtClean="0">
+              <a:solidFill>
+                <a:srgbClr val="333333"/>
+              </a:solidFill>
+              <a:latin typeface="宋体" panose="02010600030101010101" pitchFamily="2" charset="-122"/>
+              <a:ea typeface="宋体" panose="02010600030101010101" pitchFamily="2" charset="-122"/>
+            </a:endParaRPr>
+          </a:p>
+          <a:p>
+            <a:pPr marL="0" indent="0" algn="l" defTabSz="914400" eaLnBrk="0" fontAlgn="auto">
+              <a:lnSpc>
+                <a:spcPct val="140000"/>
+              </a:lnSpc>
+              <a:spcBef>
+                <a:spcPts val="1000"/>
+              </a:spcBef>
+              <a:spcAft>
+                <a:spcPts val="0"/>
+              </a:spcAft>
+              <a:buFontTx/>
+              <a:buNone/>
+            </a:pPr>
+            <a:r>
+              <a:rPr lang="en-US" altLang="ko-KR" sz="2000" b="0" strike="noStrike" cap="none" dirty="0" smtClean="0">
+                <a:solidFill>
+                  <a:srgbClr val="333333"/>
+                </a:solidFill>
+                <a:latin typeface="宋体" panose="02010600030101010101" pitchFamily="2" charset="-122"/>
+                <a:ea typeface="宋体" panose="02010600030101010101" pitchFamily="2" charset="-122"/>
+              </a:rPr>
               <a:t> </a:t>
             </a:r>
             <a:endParaRPr lang="ko-KR" altLang="en-US" sz="2400" b="0" strike="noStrike" cap="none" dirty="0" smtClean="0">
@@ -19090,7 +18697,7 @@
         <p:spPr>
           <a:xfrm>
             <a:off x="3056255" y="-1905"/>
-            <a:ext cx="7492365" cy="1476375"/>
+            <a:ext cx="7492365" cy="1477645"/>
           </a:xfrm>
           <a:prstGeom prst="rect">
             <a:avLst/>
@@ -19223,8 +18830,8 @@
         </p:nvSpPr>
         <p:spPr>
           <a:xfrm>
-            <a:off x="1029335" y="1716405"/>
-            <a:ext cx="9935845" cy="4732655"/>
+            <a:off x="1136015" y="1475740"/>
+            <a:ext cx="9935845" cy="5195570"/>
           </a:xfrm>
           <a:prstGeom prst="rect">
             <a:avLst/>
@@ -19264,7 +18871,7 @@
                 <a:latin typeface="微软雅黑" panose="020B0503020204020204" charset="-122"/>
                 <a:ea typeface="微软雅黑" panose="020B0503020204020204" charset="-122"/>
               </a:rPr>
-              <a:t>前端小概念普及：</a:t>
+              <a:t>HTML基本构成：</a:t>
             </a:r>
             <a:endParaRPr lang="ko-KR" altLang="en-US" sz="2000" b="1" strike="noStrike" cap="none" dirty="0" smtClean="0">
               <a:solidFill>
@@ -19291,64 +18898,376 @@
             <a:r>
               <a:rPr lang="en-US" altLang="ko-KR" sz="2400" b="0" strike="noStrike" cap="none" dirty="0" smtClean="0">
                 <a:solidFill>
-                  <a:schemeClr val="tx1"/>
-                </a:solidFill>
-                <a:latin typeface="仿宋" charset="0"/>
-                <a:ea typeface="仿宋" charset="0"/>
-              </a:rPr>
-              <a:t>  </a:t>
-            </a:r>
-            <a:r>
-              <a:rPr lang="en-US" altLang="ko-KR" sz="2400" b="0" strike="noStrike" cap="none" dirty="0" smtClean="0">
-                <a:solidFill>
                   <a:srgbClr val="000000"/>
                 </a:solidFill>
                 <a:latin typeface="仿宋" charset="0"/>
                 <a:ea typeface="仿宋" charset="0"/>
               </a:rPr>
-              <a:t>网页: 通俗来讲一个HTML文件就是一个网页。 </a:t>
-            </a:r>
-            <a:br>
-              <a:rPr lang="en-US" altLang="ko-KR" sz="2400" b="0" strike="noStrike" cap="none" dirty="0" smtClean="0">
+              <a:t>   </a:t>
+            </a:r>
+            <a:r>
+              <a:rPr lang="en-US" altLang="ko-KR" sz="1400" b="0" strike="noStrike" cap="none" dirty="0" smtClean="0">
                 <a:solidFill>
-                  <a:srgbClr val="000000"/>
+                  <a:srgbClr val="333333"/>
                 </a:solidFill>
-                <a:latin typeface="仿宋" charset="0"/>
-                <a:ea typeface="仿宋" charset="0"/>
-              </a:rPr>
-            </a:br>
-            <a:r>
-              <a:rPr lang="en-US" altLang="ko-KR" sz="2400" b="0" strike="noStrike" cap="none" dirty="0" smtClean="0">
+                <a:latin typeface="宋体" panose="02010600030101010101" pitchFamily="2" charset="-122"/>
+                <a:ea typeface="宋体" panose="02010600030101010101" pitchFamily="2" charset="-122"/>
+              </a:rPr>
+              <a:t>&lt;html&gt;</a:t>
+            </a:r>
+            <a:endParaRPr lang="ko-KR" altLang="en-US" sz="1400" b="0" strike="noStrike" cap="none" dirty="0" smtClean="0">
+              <a:solidFill>
+                <a:srgbClr val="333333"/>
+              </a:solidFill>
+              <a:latin typeface="宋体" panose="02010600030101010101" pitchFamily="2" charset="-122"/>
+              <a:ea typeface="宋体" panose="02010600030101010101" pitchFamily="2" charset="-122"/>
+            </a:endParaRPr>
+          </a:p>
+          <a:p>
+            <a:pPr marL="0" indent="0" algn="l" defTabSz="914400" eaLnBrk="0" fontAlgn="auto">
+              <a:lnSpc>
+                <a:spcPct val="140000"/>
+              </a:lnSpc>
+              <a:spcBef>
+                <a:spcPts val="1000"/>
+              </a:spcBef>
+              <a:spcAft>
+                <a:spcPts val="0"/>
+              </a:spcAft>
+              <a:buFontTx/>
+              <a:buNone/>
+            </a:pPr>
+            <a:r>
+              <a:rPr lang="en-US" altLang="ko-KR" sz="1400" b="0" strike="noStrike" cap="none" dirty="0" smtClean="0">
                 <a:solidFill>
-                  <a:srgbClr val="000000"/>
+                  <a:srgbClr val="333333"/>
                 </a:solidFill>
-                <a:latin typeface="仿宋" charset="0"/>
-                <a:ea typeface="仿宋" charset="0"/>
-              </a:rPr>
-              <a:t>  网站: 一个网站是由很多个网页组成。 </a:t>
-            </a:r>
-            <a:br>
-              <a:rPr lang="en-US" altLang="ko-KR" sz="2400" b="0" strike="noStrike" cap="none" dirty="0" smtClean="0">
+                <a:latin typeface="宋体" panose="02010600030101010101" pitchFamily="2" charset="-122"/>
+                <a:ea typeface="宋体" panose="02010600030101010101" pitchFamily="2" charset="-122"/>
+              </a:rPr>
+              <a:t>      &lt;head&gt;</a:t>
+            </a:r>
+            <a:endParaRPr lang="ko-KR" altLang="en-US" sz="1400" b="0" strike="noStrike" cap="none" dirty="0" smtClean="0">
+              <a:solidFill>
+                <a:srgbClr val="333333"/>
+              </a:solidFill>
+              <a:latin typeface="宋体" panose="02010600030101010101" pitchFamily="2" charset="-122"/>
+              <a:ea typeface="宋体" panose="02010600030101010101" pitchFamily="2" charset="-122"/>
+            </a:endParaRPr>
+          </a:p>
+          <a:p>
+            <a:pPr marL="0" indent="0" algn="l" defTabSz="914400" eaLnBrk="0" fontAlgn="auto">
+              <a:lnSpc>
+                <a:spcPct val="140000"/>
+              </a:lnSpc>
+              <a:spcBef>
+                <a:spcPts val="1000"/>
+              </a:spcBef>
+              <a:spcAft>
+                <a:spcPts val="0"/>
+              </a:spcAft>
+              <a:buFontTx/>
+              <a:buNone/>
+            </a:pPr>
+            <a:r>
+              <a:rPr lang="en-US" altLang="ko-KR" sz="1400" b="0" strike="noStrike" cap="none" dirty="0" smtClean="0">
                 <a:solidFill>
-                  <a:srgbClr val="000000"/>
+                  <a:srgbClr val="333333"/>
                 </a:solidFill>
-                <a:latin typeface="仿宋" charset="0"/>
-                <a:ea typeface="仿宋" charset="0"/>
-              </a:rPr>
-            </a:br>
-            <a:r>
-              <a:rPr lang="en-US" altLang="ko-KR" sz="2400" b="0" strike="noStrike" cap="none" dirty="0" smtClean="0">
+                <a:latin typeface="宋体" panose="02010600030101010101" pitchFamily="2" charset="-122"/>
+                <a:ea typeface="宋体" panose="02010600030101010101" pitchFamily="2" charset="-122"/>
+              </a:rPr>
+              <a:t>        &lt;meta name="keywords" content="</a:t>
+            </a:r>
+            <a:r>
+              <a:rPr lang="zh-CN" altLang="en-US" sz="1400" b="0" strike="noStrike" cap="none" dirty="0" smtClean="0">
                 <a:solidFill>
-                  <a:srgbClr val="000000"/>
+                  <a:srgbClr val="333333"/>
                 </a:solidFill>
-                <a:latin typeface="仿宋" charset="0"/>
-                <a:ea typeface="仿宋" charset="0"/>
-              </a:rPr>
-              <a:t>  </a:t>
+                <a:latin typeface="宋体" panose="02010600030101010101" pitchFamily="2" charset="-122"/>
+                <a:ea typeface="宋体" panose="02010600030101010101" pitchFamily="2" charset="-122"/>
+              </a:rPr>
+              <a:t>小草播播、直播、小草</a:t>
+            </a:r>
+            <a:r>
+              <a:rPr lang="en-US" altLang="ko-KR" sz="1400" b="0" strike="noStrike" cap="none" dirty="0" smtClean="0">
+                <a:solidFill>
+                  <a:srgbClr val="333333"/>
+                </a:solidFill>
+                <a:latin typeface="宋体" panose="02010600030101010101" pitchFamily="2" charset="-122"/>
+                <a:ea typeface="宋体" panose="02010600030101010101" pitchFamily="2" charset="-122"/>
+              </a:rPr>
+              <a:t>"/&gt;</a:t>
+            </a:r>
+            <a:endParaRPr lang="ko-KR" altLang="en-US" sz="1400" b="0" strike="noStrike" cap="none" dirty="0" smtClean="0">
+              <a:solidFill>
+                <a:srgbClr val="333333"/>
+              </a:solidFill>
+              <a:latin typeface="宋体" panose="02010600030101010101" pitchFamily="2" charset="-122"/>
+              <a:ea typeface="宋体" panose="02010600030101010101" pitchFamily="2" charset="-122"/>
+            </a:endParaRPr>
+          </a:p>
+          <a:p>
+            <a:pPr marL="0" indent="0" algn="l" defTabSz="914400" eaLnBrk="0" fontAlgn="auto">
+              <a:lnSpc>
+                <a:spcPct val="140000"/>
+              </a:lnSpc>
+              <a:spcBef>
+                <a:spcPts val="1000"/>
+              </a:spcBef>
+              <a:spcAft>
+                <a:spcPts val="0"/>
+              </a:spcAft>
+              <a:buFontTx/>
+              <a:buNone/>
+            </a:pPr>
+            <a:r>
+              <a:rPr lang="en-US" altLang="ko-KR" sz="1400" b="0" strike="noStrike" cap="none" dirty="0" smtClean="0">
+                <a:solidFill>
+                  <a:srgbClr val="333333"/>
+                </a:solidFill>
+                <a:latin typeface="宋体" panose="02010600030101010101" pitchFamily="2" charset="-122"/>
+                <a:ea typeface="宋体" panose="02010600030101010101" pitchFamily="2" charset="-122"/>
+              </a:rPr>
+              <a:t>        &lt;meta name="description" content="本页描述/关键字描述"&gt;</a:t>
+            </a:r>
+            <a:endParaRPr lang="ko-KR" altLang="en-US" sz="1400" b="0" strike="noStrike" cap="none" dirty="0" smtClean="0">
+              <a:solidFill>
+                <a:srgbClr val="333333"/>
+              </a:solidFill>
+              <a:latin typeface="宋体" panose="02010600030101010101" pitchFamily="2" charset="-122"/>
+              <a:ea typeface="宋体" panose="02010600030101010101" pitchFamily="2" charset="-122"/>
+            </a:endParaRPr>
+          </a:p>
+          <a:p>
+            <a:pPr marL="0" indent="0" algn="l" defTabSz="914400" eaLnBrk="0" fontAlgn="auto">
+              <a:lnSpc>
+                <a:spcPct val="140000"/>
+              </a:lnSpc>
+              <a:spcBef>
+                <a:spcPts val="1000"/>
+              </a:spcBef>
+              <a:spcAft>
+                <a:spcPts val="0"/>
+              </a:spcAft>
+              <a:buFontTx/>
+              <a:buNone/>
+            </a:pPr>
+            <a:r>
+              <a:rPr lang="en-US" altLang="ko-KR" sz="1400" b="0" strike="noStrike" cap="none" dirty="0" smtClean="0">
+                <a:solidFill>
+                  <a:srgbClr val="333333"/>
+                </a:solidFill>
+                <a:latin typeface="宋体" panose="02010600030101010101" pitchFamily="2" charset="-122"/>
+                <a:ea typeface="宋体" panose="02010600030101010101" pitchFamily="2" charset="-122"/>
+              </a:rPr>
+              <a:t>        &lt;title&gt;网页标题&lt;/title&gt;</a:t>
+            </a:r>
+            <a:endParaRPr lang="ko-KR" altLang="en-US" sz="1400" b="0" strike="noStrike" cap="none" dirty="0" smtClean="0">
+              <a:solidFill>
+                <a:srgbClr val="333333"/>
+              </a:solidFill>
+              <a:latin typeface="宋体" panose="02010600030101010101" pitchFamily="2" charset="-122"/>
+              <a:ea typeface="宋体" panose="02010600030101010101" pitchFamily="2" charset="-122"/>
+            </a:endParaRPr>
+          </a:p>
+          <a:p>
+            <a:pPr marL="0" indent="0" algn="l" defTabSz="914400" eaLnBrk="0" fontAlgn="auto">
+              <a:lnSpc>
+                <a:spcPct val="140000"/>
+              </a:lnSpc>
+              <a:spcBef>
+                <a:spcPts val="1000"/>
+              </a:spcBef>
+              <a:spcAft>
+                <a:spcPts val="0"/>
+              </a:spcAft>
+              <a:buFontTx/>
+              <a:buNone/>
+            </a:pPr>
+            <a:r>
+              <a:rPr lang="en-US" altLang="ko-KR" sz="1400" b="0" strike="noStrike" cap="none" dirty="0" smtClean="0">
+                <a:solidFill>
+                  <a:srgbClr val="333333"/>
+                </a:solidFill>
+                <a:latin typeface="宋体" panose="02010600030101010101" pitchFamily="2" charset="-122"/>
+                <a:ea typeface="宋体" panose="02010600030101010101" pitchFamily="2" charset="-122"/>
+              </a:rPr>
+              <a:t>      &lt;/head&gt;</a:t>
+            </a:r>
+            <a:endParaRPr lang="ko-KR" altLang="en-US" sz="1400" b="0" strike="noStrike" cap="none" dirty="0" smtClean="0">
+              <a:solidFill>
+                <a:srgbClr val="333333"/>
+              </a:solidFill>
+              <a:latin typeface="宋体" panose="02010600030101010101" pitchFamily="2" charset="-122"/>
+              <a:ea typeface="宋体" panose="02010600030101010101" pitchFamily="2" charset="-122"/>
+            </a:endParaRPr>
+          </a:p>
+          <a:p>
+            <a:pPr marL="0" indent="0" algn="l" defTabSz="914400" eaLnBrk="0" fontAlgn="auto">
+              <a:lnSpc>
+                <a:spcPct val="140000"/>
+              </a:lnSpc>
+              <a:spcBef>
+                <a:spcPts val="1000"/>
+              </a:spcBef>
+              <a:spcAft>
+                <a:spcPts val="0"/>
+              </a:spcAft>
+              <a:buFontTx/>
+              <a:buNone/>
+            </a:pPr>
+            <a:r>
+              <a:rPr lang="en-US" altLang="ko-KR" sz="1400" b="0" strike="noStrike" cap="none" dirty="0" smtClean="0">
+                <a:solidFill>
+                  <a:srgbClr val="333333"/>
+                </a:solidFill>
+                <a:latin typeface="宋体" panose="02010600030101010101" pitchFamily="2" charset="-122"/>
+                <a:ea typeface="宋体" panose="02010600030101010101" pitchFamily="2" charset="-122"/>
+              </a:rPr>
+              <a:t>      &lt;body&gt;</a:t>
+            </a:r>
+            <a:endParaRPr lang="ko-KR" altLang="en-US" sz="1400" b="0" strike="noStrike" cap="none" dirty="0" smtClean="0">
+              <a:solidFill>
+                <a:srgbClr val="333333"/>
+              </a:solidFill>
+              <a:latin typeface="宋体" panose="02010600030101010101" pitchFamily="2" charset="-122"/>
+              <a:ea typeface="宋体" panose="02010600030101010101" pitchFamily="2" charset="-122"/>
+            </a:endParaRPr>
+          </a:p>
+          <a:p>
+            <a:pPr marL="0" indent="0" algn="l" defTabSz="914400" eaLnBrk="0" fontAlgn="auto">
+              <a:lnSpc>
+                <a:spcPct val="140000"/>
+              </a:lnSpc>
+              <a:spcBef>
+                <a:spcPts val="1000"/>
+              </a:spcBef>
+              <a:spcAft>
+                <a:spcPts val="0"/>
+              </a:spcAft>
+              <a:buFontTx/>
+              <a:buNone/>
+            </a:pPr>
+            <a:r>
+              <a:rPr lang="en-US" altLang="ko-KR" sz="1400" b="0" strike="noStrike" cap="none" dirty="0" smtClean="0">
+                <a:solidFill>
+                  <a:srgbClr val="333333"/>
+                </a:solidFill>
+                <a:latin typeface="宋体" panose="02010600030101010101" pitchFamily="2" charset="-122"/>
+                <a:ea typeface="宋体" panose="02010600030101010101" pitchFamily="2" charset="-122"/>
+              </a:rPr>
+              <a:t>          在浏览器视觉上能被看到的部分（注释的部分不会显示给用户）</a:t>
+            </a:r>
+            <a:endParaRPr lang="ko-KR" altLang="en-US" sz="1400" b="0" strike="noStrike" cap="none" dirty="0" smtClean="0">
+              <a:solidFill>
+                <a:srgbClr val="333333"/>
+              </a:solidFill>
+              <a:latin typeface="宋体" panose="02010600030101010101" pitchFamily="2" charset="-122"/>
+              <a:ea typeface="宋体" panose="02010600030101010101" pitchFamily="2" charset="-122"/>
+            </a:endParaRPr>
+          </a:p>
+          <a:p>
+            <a:pPr marL="0" indent="0" algn="l" defTabSz="914400" eaLnBrk="0" fontAlgn="auto">
+              <a:lnSpc>
+                <a:spcPct val="140000"/>
+              </a:lnSpc>
+              <a:spcBef>
+                <a:spcPts val="1000"/>
+              </a:spcBef>
+              <a:spcAft>
+                <a:spcPts val="0"/>
+              </a:spcAft>
+              <a:buFontTx/>
+              <a:buNone/>
+            </a:pPr>
+            <a:r>
+              <a:rPr lang="en-US" altLang="ko-KR" sz="1400" b="0" strike="noStrike" cap="none" dirty="0" smtClean="0">
+                <a:solidFill>
+                  <a:srgbClr val="333333"/>
+                </a:solidFill>
+                <a:latin typeface="宋体" panose="02010600030101010101" pitchFamily="2" charset="-122"/>
+                <a:ea typeface="宋体" panose="02010600030101010101" pitchFamily="2" charset="-122"/>
+              </a:rPr>
+              <a:t>      &lt;/body&gt;</a:t>
+            </a:r>
+            <a:endParaRPr lang="ko-KR" altLang="en-US" sz="1400" b="0" strike="noStrike" cap="none" dirty="0" smtClean="0">
+              <a:solidFill>
+                <a:srgbClr val="333333"/>
+              </a:solidFill>
+              <a:latin typeface="宋体" panose="02010600030101010101" pitchFamily="2" charset="-122"/>
+              <a:ea typeface="宋体" panose="02010600030101010101" pitchFamily="2" charset="-122"/>
+            </a:endParaRPr>
+          </a:p>
+          <a:p>
+            <a:pPr marL="0" indent="0" algn="l" defTabSz="914400" eaLnBrk="0" fontAlgn="auto">
+              <a:lnSpc>
+                <a:spcPct val="140000"/>
+              </a:lnSpc>
+              <a:spcBef>
+                <a:spcPts val="1000"/>
+              </a:spcBef>
+              <a:spcAft>
+                <a:spcPts val="0"/>
+              </a:spcAft>
+              <a:buFontTx/>
+              <a:buNone/>
+            </a:pPr>
+            <a:r>
+              <a:rPr lang="en-US" altLang="ko-KR" sz="2000" b="0" strike="noStrike" cap="none" dirty="0" smtClean="0">
+                <a:solidFill>
+                  <a:srgbClr val="333333"/>
+                </a:solidFill>
+                <a:latin typeface="宋体" panose="02010600030101010101" pitchFamily="2" charset="-122"/>
+                <a:ea typeface="宋体" panose="02010600030101010101" pitchFamily="2" charset="-122"/>
+              </a:rPr>
+              <a:t>    </a:t>
+            </a:r>
+            <a:r>
+              <a:rPr lang="en-US" altLang="ko-KR" sz="1400" b="0" strike="noStrike" cap="none" dirty="0" smtClean="0">
+                <a:solidFill>
+                  <a:srgbClr val="333333"/>
+                </a:solidFill>
+                <a:latin typeface="宋体" panose="02010600030101010101" pitchFamily="2" charset="-122"/>
+                <a:ea typeface="宋体" panose="02010600030101010101" pitchFamily="2" charset="-122"/>
+              </a:rPr>
+              <a:t>&lt;/html&gt;</a:t>
+            </a:r>
+            <a:endParaRPr lang="ko-KR" altLang="en-US" sz="1400" b="0" strike="noStrike" cap="none" dirty="0" smtClean="0">
+              <a:solidFill>
+                <a:srgbClr val="333333"/>
+              </a:solidFill>
+              <a:latin typeface="宋体" panose="02010600030101010101" pitchFamily="2" charset="-122"/>
+              <a:ea typeface="宋体" panose="02010600030101010101" pitchFamily="2" charset="-122"/>
+            </a:endParaRPr>
+          </a:p>
+          <a:p>
+            <a:pPr marL="0" indent="0" algn="l" defTabSz="914400" eaLnBrk="0" fontAlgn="auto">
+              <a:lnSpc>
+                <a:spcPct val="140000"/>
+              </a:lnSpc>
+              <a:spcBef>
+                <a:spcPts val="1000"/>
+              </a:spcBef>
+              <a:spcAft>
+                <a:spcPts val="0"/>
+              </a:spcAft>
+              <a:buFontTx/>
+              <a:buNone/>
+            </a:pPr>
+            <a:r>
+              <a:rPr lang="en-US" altLang="ko-KR" sz="2000" b="0" strike="noStrike" cap="none" dirty="0" smtClean="0">
+                <a:solidFill>
+                  <a:srgbClr val="333333"/>
+                </a:solidFill>
+                <a:latin typeface="宋体" panose="02010600030101010101" pitchFamily="2" charset="-122"/>
+                <a:ea typeface="宋体" panose="02010600030101010101" pitchFamily="2" charset="-122"/>
+              </a:rPr>
+              <a:t> </a:t>
             </a:r>
             <a:endParaRPr lang="ko-KR" altLang="en-US" sz="2400" b="0" strike="noStrike" cap="none" dirty="0" smtClean="0">
               <a:solidFill>
-                <a:srgbClr val="000000"/>
+                <a:schemeClr val="tx1"/>
               </a:solidFill>
               <a:latin typeface="仿宋" charset="0"/>
               <a:ea typeface="仿宋" charset="0"/>
@@ -19386,8 +19305,8 @@
         </p:nvSpPr>
         <p:spPr>
           <a:xfrm>
-            <a:off x="3096260" y="145415"/>
-            <a:ext cx="7491730" cy="1477010"/>
+            <a:off x="3056255" y="-1905"/>
+            <a:ext cx="7492365" cy="1476375"/>
           </a:xfrm>
           <a:prstGeom prst="rect">
             <a:avLst/>
@@ -19395,12 +19314,12 @@
           <a:noFill/>
         </p:spPr>
         <p:txBody>
-          <a:bodyPr vert="horz" wrap="square" lIns="91440" tIns="45720" rIns="91440" bIns="45720" anchor="t">
+          <a:bodyPr vert="horz" wrap="square" lIns="91440" tIns="45720" rIns="91440" bIns="45720" numCol="1" anchor="t">
             <a:spAutoFit/>
           </a:bodyPr>
           <a:lstStyle/>
           <a:p>
-            <a:pPr marL="0" indent="0" algn="l" defTabSz="914400" eaLnBrk="0" fontAlgn="auto">
+            <a:pPr marL="0" indent="0" algn="l" defTabSz="914400" eaLnBrk="0" fontAlgn="auto" latinLnBrk="0">
               <a:lnSpc>
                 <a:spcPct val="100000"/>
               </a:lnSpc>
@@ -19426,7 +19345,7 @@
             </a:endParaRPr>
           </a:p>
           <a:p>
-            <a:pPr marL="0" indent="0" algn="l" defTabSz="914400" eaLnBrk="0" fontAlgn="auto">
+            <a:pPr marL="0" indent="0" algn="l" defTabSz="914400" eaLnBrk="0" fontAlgn="auto" latinLnBrk="0">
               <a:lnSpc>
                 <a:spcPct val="100000"/>
               </a:lnSpc>
@@ -19494,7 +19413,7 @@
 </file>
 
 <file path=ppt/slides/slide5.xml><?xml version="1.0" encoding="utf-8"?>
-<p:sld xmlns:a="http://schemas.openxmlformats.org/drawingml/2006/main" xmlns:r="http://schemas.openxmlformats.org/officeDocument/2006/relationships" xmlns:p="http://schemas.openxmlformats.org/presentationml/2006/main">
+<p:sld xmlns:a="http://schemas.openxmlformats.org/drawingml/2006/main" xmlns:r="http://schemas.openxmlformats.org/officeDocument/2006/relationships" xmlns:p="http://schemas.openxmlformats.org/presentationml/2006/main" xmlns:p14="http://schemas.microsoft.com/office/powerpoint/2010/main">
   <p:cSld>
     <p:spTree>
       <p:nvGrpSpPr>
@@ -19583,19 +19502,19 @@
         <p:spPr>
           <a:xfrm>
             <a:off x="386715" y="2065020"/>
-            <a:ext cx="11421110" cy="4605655"/>
+            <a:ext cx="11421745" cy="4606290"/>
           </a:xfrm>
           <a:prstGeom prst="rect">
             <a:avLst/>
           </a:prstGeom>
         </p:spPr>
         <p:txBody>
-          <a:bodyPr vert="horz" wrap="square" lIns="91440" tIns="45720" rIns="91440" bIns="45720" numCol="1" anchor="t">
+          <a:bodyPr wrap="square" lIns="91440" tIns="45720" rIns="91440" bIns="45720" numCol="1" vert="horz" anchor="t">
             <a:noAutofit/>
           </a:bodyPr>
           <a:lstStyle/>
           <a:p>
-            <a:pPr marL="228600" indent="-228600" algn="l" defTabSz="914400" fontAlgn="auto" latinLnBrk="0">
+            <a:pPr marL="228600" indent="-228600" algn="l" fontAlgn="auto" defTabSz="914400" latinLnBrk="0">
               <a:lnSpc>
                 <a:spcPct val="90000"/>
               </a:lnSpc>
@@ -19608,23 +19527,23 @@
               <a:buClr>
                 <a:srgbClr val="000000"/>
               </a:buClr>
-              <a:buFont typeface="Arial" panose="020B0604020202020204"/>
+              <a:buFont typeface="宋体"/>
               <a:buChar char="•"/>
             </a:pPr>
             <a:r>
-              <a:rPr lang="en-US" altLang="ko-KR" sz="2800" b="0" strike="noStrike" cap="none" dirty="0" smtClean="0">
+              <a:rPr lang="en-US" altLang="ko-KR" sz="2800" cap="none" dirty="0" smtClean="0" b="0" strike="noStrike">
                 <a:latin typeface="仿宋" charset="0"/>
                 <a:ea typeface="仿宋" charset="0"/>
               </a:rPr>
               <a:t>课程介绍：</a:t>
             </a:r>
-            <a:endParaRPr lang="ko-KR" altLang="en-US" sz="2800" b="0" strike="noStrike" cap="none" dirty="0" smtClean="0">
+            <a:endParaRPr lang="ko-KR" altLang="en-US" sz="2800" cap="none" dirty="0" smtClean="0" b="0" strike="noStrike">
               <a:latin typeface="仿宋" charset="0"/>
               <a:ea typeface="仿宋" charset="0"/>
             </a:endParaRPr>
           </a:p>
           <a:p>
-            <a:pPr marL="0" indent="0" algn="l" defTabSz="914400" fontAlgn="auto" latinLnBrk="0">
+            <a:pPr marL="0" indent="0" algn="l" fontAlgn="auto" defTabSz="914400" latinLnBrk="0">
               <a:lnSpc>
                 <a:spcPct val="130000"/>
               </a:lnSpc>
@@ -19638,14 +19557,14 @@
               <a:buNone/>
             </a:pPr>
             <a:r>
-              <a:rPr lang="en-US" altLang="ko-KR" sz="2400" b="0" strike="noStrike" cap="none" dirty="0" smtClean="0">
+              <a:rPr lang="en-US" altLang="ko-KR" sz="2400" cap="none" dirty="0" smtClean="0" b="0" strike="noStrike">
                 <a:latin typeface="Adobe 仿宋 Std R" charset="0"/>
                 <a:ea typeface="Adobe 仿宋 Std R" charset="0"/>
               </a:rPr>
               <a:t>  学习流程：共计</a:t>
             </a:r>
             <a:r>
-              <a:rPr lang="en-US" altLang="ko-KR" sz="2400" b="0" strike="noStrike" cap="none" dirty="0" smtClean="0">
+              <a:rPr lang="en-US" altLang="ko-KR" sz="2400" cap="none" dirty="0" smtClean="0" b="0" strike="noStrike">
                 <a:solidFill>
                   <a:srgbClr val="FF0000"/>
                 </a:solidFill>
@@ -19655,14 +19574,14 @@
               <a:t>3周</a:t>
             </a:r>
             <a:r>
-              <a:rPr lang="en-US" altLang="ko-KR" sz="2400" b="0" strike="noStrike" cap="none" dirty="0" smtClean="0">
+              <a:rPr lang="en-US" altLang="ko-KR" sz="2400" cap="none" dirty="0" smtClean="0" b="0" strike="noStrike">
                 <a:latin typeface="Adobe 仿宋 Std R" charset="0"/>
                 <a:ea typeface="Adobe 仿宋 Std R" charset="0"/>
               </a:rPr>
               <a:t>的课程，</a:t>
             </a:r>
             <a:r>
-              <a:rPr lang="en-US" altLang="ko-KR" sz="2400" b="0" strike="noStrike" cap="none" dirty="0" smtClean="0">
+              <a:rPr lang="en-US" altLang="ko-KR" sz="2400" cap="none" dirty="0" smtClean="0" b="0" strike="noStrike">
                 <a:solidFill>
                   <a:srgbClr val="FF0000"/>
                 </a:solidFill>
@@ -19672,23 +19591,23 @@
               <a:t>第一天免费试听</a:t>
             </a:r>
             <a:r>
-              <a:rPr lang="en-US" altLang="ko-KR" sz="2400" b="0" strike="noStrike" cap="none" dirty="0" smtClean="0">
+              <a:rPr lang="en-US" altLang="ko-KR" sz="2400" cap="none" dirty="0" smtClean="0" b="0" strike="noStrike">
                 <a:latin typeface="Adobe 仿宋 Std R" charset="0"/>
                 <a:ea typeface="Adobe 仿宋 Std R" charset="0"/>
               </a:rPr>
               <a:t>，</a:t>
             </a:r>
             <a:r>
-              <a:rPr lang="en-US" altLang="ko-KR" sz="2400" b="0" strike="noStrike" cap="none" dirty="0" smtClean="0">
+              <a:rPr lang="en-US" altLang="ko-KR" sz="2400" cap="none" dirty="0" smtClean="0" b="0" strike="noStrike">
                 <a:solidFill>
                   <a:srgbClr val="FF0000"/>
                 </a:solidFill>
                 <a:latin typeface="Adobe 仿宋 Std R" charset="0"/>
                 <a:ea typeface="Adobe 仿宋 Std R" charset="0"/>
               </a:rPr>
-              <a:t>一周之内如果觉得自己学不会都可 </a:t>
-            </a:r>
-            <a:endParaRPr lang="ko-KR" altLang="en-US" sz="2400" b="0" strike="noStrike" cap="none" dirty="0" smtClean="0">
+              <a:t>一周之内如果觉得自己不适合，都可以申请全额退款。</a:t>
+            </a:r>
+            <a:endParaRPr lang="ko-KR" altLang="en-US" sz="2400" cap="none" dirty="0" smtClean="0" b="0" strike="noStrike">
               <a:solidFill>
                 <a:srgbClr val="FF0000"/>
               </a:solidFill>
@@ -19697,7 +19616,7 @@
             </a:endParaRPr>
           </a:p>
           <a:p>
-            <a:pPr marL="0" indent="0" algn="l" defTabSz="914400" fontAlgn="auto" latinLnBrk="0">
+            <a:pPr marL="0" indent="0" algn="l" fontAlgn="auto" defTabSz="914400" latinLnBrk="0">
               <a:lnSpc>
                 <a:spcPct val="130000"/>
               </a:lnSpc>
@@ -19711,128 +19630,167 @@
               <a:buNone/>
             </a:pPr>
             <a:r>
-              <a:rPr lang="en-US" altLang="ko-KR" sz="2400" b="0" strike="noStrike" cap="none" dirty="0" smtClean="0">
+              <a:rPr lang="en-US" altLang="ko-KR" sz="2400" cap="none" dirty="0" smtClean="0" b="0" strike="noStrike">
+                <a:latin typeface="Adobe 仿宋 Std R" charset="0"/>
+                <a:ea typeface="Adobe 仿宋 Std R" charset="0"/>
+              </a:rPr>
+              <a:t>  学习目标：三周课程结束，可以独立完成像京东、淘宝、好123首页等静态页面给你的后期打下坚实的基础。</a:t>
+            </a:r>
+            <a:endParaRPr lang="ko-KR" altLang="en-US" sz="2400" cap="none" dirty="0" smtClean="0" b="0" strike="noStrike">
+              <a:latin typeface="Adobe 仿宋 Std R" charset="0"/>
+              <a:ea typeface="Adobe 仿宋 Std R" charset="0"/>
+            </a:endParaRPr>
+          </a:p>
+          <a:p>
+            <a:pPr marL="0" indent="0" algn="l" fontAlgn="auto" defTabSz="914400" latinLnBrk="0">
+              <a:lnSpc>
+                <a:spcPct val="130000"/>
+              </a:lnSpc>
+              <a:spcBef>
+                <a:spcPts val="1000"/>
+              </a:spcBef>
+              <a:spcAft>
+                <a:spcPts val="0"/>
+              </a:spcAft>
+              <a:buFontTx/>
+              <a:buNone/>
+            </a:pPr>
+            <a:r>
+              <a:rPr lang="en-US" altLang="ko-KR" sz="2400" cap="none" dirty="0" smtClean="0" b="0" strike="noStrike">
+                <a:latin typeface="Adobe 仿宋 Std R" charset="0"/>
+                <a:ea typeface="Adobe 仿宋 Std R" charset="0"/>
+              </a:rPr>
+              <a:t>  上课模式：课堂采用</a:t>
+            </a:r>
+            <a:r>
+              <a:rPr lang="en-US" altLang="ko-KR" sz="2400" cap="none" dirty="0" smtClean="0" b="0" strike="noStrike">
                 <a:solidFill>
                   <a:srgbClr val="FF0000"/>
                 </a:solidFill>
                 <a:latin typeface="Adobe 仿宋 Std R" charset="0"/>
                 <a:ea typeface="Adobe 仿宋 Std R" charset="0"/>
               </a:rPr>
-              <a:t>  以申请全额退款。</a:t>
-            </a:r>
-            <a:endParaRPr lang="ko-KR" altLang="en-US" sz="2400" b="0" strike="noStrike" cap="none" dirty="0" smtClean="0">
-              <a:solidFill>
-                <a:srgbClr val="FF0000"/>
-              </a:solidFill>
-              <a:latin typeface="Adobe 仿宋 Std R" charset="0"/>
-              <a:ea typeface="Adobe 仿宋 Std R" charset="0"/>
-            </a:endParaRPr>
-          </a:p>
-          <a:p>
-            <a:pPr marL="0" indent="0" algn="l" defTabSz="914400" fontAlgn="auto" latinLnBrk="0">
-              <a:lnSpc>
-                <a:spcPct val="130000"/>
-              </a:lnSpc>
-              <a:spcBef>
-                <a:spcPts val="1000"/>
-              </a:spcBef>
-              <a:spcAft>
-                <a:spcPts val="0"/>
-              </a:spcAft>
-              <a:buFontTx/>
-              <a:buNone/>
-            </a:pPr>
-            <a:r>
-              <a:rPr lang="en-US" altLang="ko-KR" sz="2400" b="0" strike="noStrike" cap="none" dirty="0" smtClean="0">
+              <a:t>投影仪的课堂模式</a:t>
+            </a:r>
+            <a:r>
+              <a:rPr lang="en-US" altLang="ko-KR" sz="2400" cap="none" dirty="0" smtClean="0" b="0" strike="noStrike">
                 <a:latin typeface="Adobe 仿宋 Std R" charset="0"/>
                 <a:ea typeface="Adobe 仿宋 Std R" charset="0"/>
               </a:rPr>
-              <a:t>  学习目标：三周课程结束，可以独立完成像京东、淘宝、好123首页等静态页面给你的后期打下坚实的基础。</a:t>
-            </a:r>
-            <a:endParaRPr lang="ko-KR" altLang="en-US" sz="2400" b="0" strike="noStrike" cap="none" dirty="0" smtClean="0">
-              <a:latin typeface="Adobe 仿宋 Std R" charset="0"/>
-              <a:ea typeface="Adobe 仿宋 Std R" charset="0"/>
-            </a:endParaRPr>
-          </a:p>
-          <a:p>
-            <a:pPr marL="0" indent="0" algn="l" defTabSz="914400" fontAlgn="auto" latinLnBrk="0">
-              <a:lnSpc>
-                <a:spcPct val="130000"/>
-              </a:lnSpc>
-              <a:spcBef>
-                <a:spcPts val="1000"/>
-              </a:spcBef>
-              <a:spcAft>
-                <a:spcPts val="0"/>
-              </a:spcAft>
-              <a:buFontTx/>
-              <a:buNone/>
-            </a:pPr>
-            <a:r>
-              <a:rPr lang="en-US" altLang="ko-KR" sz="2400" b="0" strike="noStrike" cap="none" dirty="0" smtClean="0">
-                <a:latin typeface="Adobe 仿宋 Std R" charset="0"/>
-                <a:ea typeface="Adobe 仿宋 Std R" charset="0"/>
-              </a:rPr>
-              <a:t>  上课模式：课堂采用</a:t>
-            </a:r>
-            <a:r>
-              <a:rPr lang="en-US" altLang="ko-KR" sz="2400" b="0" strike="noStrike" cap="none" dirty="0" smtClean="0">
+              <a:t>，讲师讲课，学员跟着操作，有疑问的地方，可以随时打断老师，老师会给与解答。</a:t>
+            </a:r>
+            <a:r>
+              <a:rPr lang="en-US" altLang="ko-KR" sz="2400" cap="none" dirty="0" smtClean="0" b="0" strike="noStrike">
                 <a:solidFill>
                   <a:srgbClr val="FF0000"/>
                 </a:solidFill>
                 <a:latin typeface="Adobe 仿宋 Std R" charset="0"/>
                 <a:ea typeface="Adobe 仿宋 Std R" charset="0"/>
               </a:rPr>
-              <a:t>投影仪的课堂模式</a:t>
-            </a:r>
-            <a:r>
-              <a:rPr lang="en-US" altLang="ko-KR" sz="2400" b="0" strike="noStrike" cap="none" dirty="0" smtClean="0">
+              <a:t>讲师全程陪同学生</a:t>
+            </a:r>
+            <a:r>
+              <a:rPr lang="en-US" altLang="ko-KR" sz="2400" cap="none" dirty="0" smtClean="0" b="0" strike="noStrike">
                 <a:latin typeface="Adobe 仿宋 Std R" charset="0"/>
                 <a:ea typeface="Adobe 仿宋 Std R" charset="0"/>
               </a:rPr>
-              <a:t>，讲师讲课，学员跟着操作，有疑问的地方，可以随时打断老师，老师会给与解答。</a:t>
-            </a:r>
-            <a:r>
-              <a:rPr lang="en-US" altLang="ko-KR" sz="2400" b="0" strike="noStrike" cap="none" dirty="0" smtClean="0">
+              <a:t>，晚自习也是当天的</a:t>
+            </a:r>
+            <a:r>
+              <a:rPr lang="en-US" altLang="ko-KR" sz="2400" cap="none" dirty="0" smtClean="0" b="0" strike="noStrike">
                 <a:solidFill>
                   <a:srgbClr val="FF0000"/>
                 </a:solidFill>
                 <a:latin typeface="Adobe 仿宋 Std R" charset="0"/>
                 <a:ea typeface="Adobe 仿宋 Std R" charset="0"/>
               </a:rPr>
-              <a:t>讲师全程陪同学生</a:t>
-            </a:r>
-            <a:r>
-              <a:rPr lang="en-US" altLang="ko-KR" sz="2400" b="0" strike="noStrike" cap="none" dirty="0" smtClean="0">
+              <a:t>讲师全程辅导</a:t>
+            </a:r>
+            <a:r>
+              <a:rPr lang="en-US" altLang="ko-KR" sz="2400" cap="none" dirty="0" smtClean="0" b="0" strike="noStrike">
                 <a:latin typeface="Adobe 仿宋 Std R" charset="0"/>
                 <a:ea typeface="Adobe 仿宋 Std R" charset="0"/>
               </a:rPr>
-              <a:t>，晚自习也是当天的</a:t>
-            </a:r>
-            <a:r>
-              <a:rPr lang="en-US" altLang="ko-KR" sz="2400" b="0" strike="noStrike" cap="none" dirty="0" smtClean="0">
-                <a:solidFill>
-                  <a:srgbClr val="FF0000"/>
-                </a:solidFill>
+              <a:t>，对于接受慢，或者听不懂的同学，可以进行讲师单独补课。上课的</a:t>
+            </a:r>
+            <a:endParaRPr lang="ko-KR" altLang="en-US" sz="2400" cap="none" dirty="0" smtClean="0" b="0" strike="noStrike">
+              <a:latin typeface="Adobe 仿宋 Std R" charset="0"/>
+              <a:ea typeface="Adobe 仿宋 Std R" charset="0"/>
+            </a:endParaRPr>
+          </a:p>
+          <a:p>
+            <a:pPr marL="0" indent="0" algn="l" fontAlgn="auto" defTabSz="914400" latinLnBrk="0">
+              <a:lnSpc>
+                <a:spcPct val="130000"/>
+              </a:lnSpc>
+              <a:spcBef>
+                <a:spcPts val="1000"/>
+              </a:spcBef>
+              <a:spcAft>
+                <a:spcPts val="0"/>
+              </a:spcAft>
+              <a:buFontTx/>
+              <a:buNone/>
+            </a:pPr>
+            <a:endParaRPr lang="ko-KR" altLang="en-US" sz="2400" cap="none" dirty="0" smtClean="0" b="0" strike="noStrike">
+              <a:latin typeface="Adobe 仿宋 Std R" charset="0"/>
+              <a:ea typeface="Adobe 仿宋 Std R" charset="0"/>
+            </a:endParaRPr>
+          </a:p>
+          <a:p>
+            <a:pPr marL="0" indent="0" algn="l" fontAlgn="auto" defTabSz="914400" latinLnBrk="0">
+              <a:lnSpc>
+                <a:spcPct val="130000"/>
+              </a:lnSpc>
+              <a:spcBef>
+                <a:spcPts val="1000"/>
+              </a:spcBef>
+              <a:spcAft>
+                <a:spcPts val="0"/>
+              </a:spcAft>
+              <a:buFontTx/>
+              <a:buNone/>
+            </a:pPr>
+            <a:r>
+              <a:rPr lang="en-US" altLang="ko-KR" sz="2400" cap="none" dirty="0" smtClean="0" b="0" strike="noStrike">
                 <a:latin typeface="Adobe 仿宋 Std R" charset="0"/>
                 <a:ea typeface="Adobe 仿宋 Std R" charset="0"/>
               </a:rPr>
-              <a:t>讲师全程辅导</a:t>
-            </a:r>
-            <a:r>
-              <a:rPr lang="en-US" altLang="ko-KR" sz="2400" b="0" strike="noStrike" cap="none" dirty="0" smtClean="0">
+              <a:t>   </a:t>
+            </a:r>
+            <a:endParaRPr lang="ko-KR" altLang="en-US" sz="2400" cap="none" dirty="0" smtClean="0" b="0" strike="noStrike">
+              <a:latin typeface="Adobe 仿宋 Std R" charset="0"/>
+              <a:ea typeface="Adobe 仿宋 Std R" charset="0"/>
+            </a:endParaRPr>
+          </a:p>
+          <a:p>
+            <a:pPr marL="0" indent="0" algn="l" fontAlgn="auto" defTabSz="914400" latinLnBrk="0">
+              <a:lnSpc>
+                <a:spcPct val="130000"/>
+              </a:lnSpc>
+              <a:spcBef>
+                <a:spcPts val="1000"/>
+              </a:spcBef>
+              <a:spcAft>
+                <a:spcPts val="0"/>
+              </a:spcAft>
+              <a:buFontTx/>
+              <a:buNone/>
+            </a:pPr>
+            <a:r>
+              <a:rPr lang="en-US" altLang="ko-KR" sz="2400" cap="none" dirty="0" smtClean="0" b="0" strike="noStrike">
                 <a:latin typeface="Adobe 仿宋 Std R" charset="0"/>
                 <a:ea typeface="Adobe 仿宋 Std R" charset="0"/>
               </a:rPr>
-              <a:t>，对于接受慢，或者听不懂的同学，可以进行讲师单独补课。上课的</a:t>
-            </a:r>
-            <a:endParaRPr lang="ko-KR" altLang="en-US" sz="2400" b="0" strike="noStrike" cap="none" dirty="0" smtClean="0">
+              <a:t> </a:t>
+            </a:r>
+            <a:endParaRPr lang="ko-KR" altLang="en-US" sz="2400" cap="none" dirty="0" smtClean="0" b="0" strike="noStrike">
               <a:latin typeface="Adobe 仿宋 Std R" charset="0"/>
               <a:ea typeface="Adobe 仿宋 Std R" charset="0"/>
             </a:endParaRPr>
           </a:p>
           <a:p>
-            <a:pPr marL="0" indent="0" algn="l" defTabSz="914400" fontAlgn="auto" latinLnBrk="0">
+            <a:pPr marL="0" indent="0" algn="l" fontAlgn="auto" defTabSz="914400" latinLnBrk="0">
               <a:lnSpc>
                 <a:spcPct val="130000"/>
               </a:lnSpc>
@@ -19845,92 +19803,21 @@
               <a:buFontTx/>
               <a:buNone/>
             </a:pPr>
-            <a:endParaRPr lang="ko-KR" altLang="en-US" sz="2400" b="0" strike="noStrike" cap="none" dirty="0" smtClean="0">
-              <a:latin typeface="Adobe 仿宋 Std R" charset="0"/>
-              <a:ea typeface="Adobe 仿宋 Std R" charset="0"/>
-            </a:endParaRPr>
-          </a:p>
-          <a:p>
-            <a:pPr marL="0" indent="0" algn="l" defTabSz="914400" fontAlgn="auto" latinLnBrk="0">
-              <a:lnSpc>
-                <a:spcPct val="130000"/>
-              </a:lnSpc>
-              <a:spcBef>
-                <a:spcPts val="1000"/>
-              </a:spcBef>
-              <a:spcAft>
-                <a:spcPts val="0"/>
-              </a:spcAft>
-              <a:buFontTx/>
-              <a:buNone/>
-            </a:pPr>
-            <a:r>
-              <a:rPr lang="en-US" altLang="ko-KR" sz="2400" b="0" strike="noStrike" cap="none" dirty="0" smtClean="0">
+            <a:r>
+              <a:rPr lang="en-US" altLang="ko-KR" sz="2800" cap="none" dirty="0" smtClean="0" b="0" strike="noStrike">
                 <a:latin typeface="Adobe 仿宋 Std R" charset="0"/>
                 <a:ea typeface="Adobe 仿宋 Std R" charset="0"/>
               </a:rPr>
               <a:t>   </a:t>
             </a:r>
-            <a:endParaRPr lang="ko-KR" altLang="en-US" sz="2400" b="0" strike="noStrike" cap="none" dirty="0" smtClean="0">
-              <a:latin typeface="Adobe 仿宋 Std R" charset="0"/>
-              <a:ea typeface="Adobe 仿宋 Std R" charset="0"/>
-            </a:endParaRPr>
-          </a:p>
-          <a:p>
-            <a:pPr marL="0" indent="0" algn="l" defTabSz="914400" fontAlgn="auto" latinLnBrk="0">
-              <a:lnSpc>
-                <a:spcPct val="130000"/>
-              </a:lnSpc>
-              <a:spcBef>
-                <a:spcPts val="1000"/>
-              </a:spcBef>
-              <a:spcAft>
-                <a:spcPts val="0"/>
-              </a:spcAft>
-              <a:buFontTx/>
-              <a:buNone/>
-            </a:pPr>
-            <a:r>
-              <a:rPr lang="en-US" altLang="ko-KR" sz="2400" b="0" strike="noStrike" cap="none" dirty="0" smtClean="0">
+            <a:r>
+              <a:rPr lang="en-US" altLang="ko-KR" sz="2400" cap="none" dirty="0" smtClean="0" b="0" strike="noStrike">
                 <a:latin typeface="Adobe 仿宋 Std R" charset="0"/>
                 <a:ea typeface="Adobe 仿宋 Std R" charset="0"/>
               </a:rPr>
-              <a:t> </a:t>
-            </a:r>
-            <a:endParaRPr lang="ko-KR" altLang="en-US" sz="2400" b="0" strike="noStrike" cap="none" dirty="0" smtClean="0">
-              <a:latin typeface="Adobe 仿宋 Std R" charset="0"/>
-              <a:ea typeface="Adobe 仿宋 Std R" charset="0"/>
-            </a:endParaRPr>
-          </a:p>
-          <a:p>
-            <a:pPr marL="0" indent="0" algn="l" defTabSz="914400" fontAlgn="auto" latinLnBrk="0">
-              <a:lnSpc>
-                <a:spcPct val="130000"/>
-              </a:lnSpc>
-              <a:spcBef>
-                <a:spcPts val="1000"/>
-              </a:spcBef>
-              <a:spcAft>
-                <a:spcPts val="0"/>
-              </a:spcAft>
-              <a:buFontTx/>
-              <a:buNone/>
-            </a:pPr>
-            <a:r>
-              <a:rPr lang="en-US" altLang="ko-KR" sz="2800" b="0" strike="noStrike" cap="none" dirty="0" smtClean="0">
-                <a:latin typeface="Adobe 仿宋 Std R" charset="0"/>
-                <a:ea typeface="Adobe 仿宋 Std R" charset="0"/>
-              </a:rPr>
-              <a:t>   </a:t>
-            </a:r>
-            <a:r>
-              <a:rPr lang="en-US" altLang="ko-KR" sz="2400" b="0" strike="noStrike" cap="none" dirty="0" smtClean="0">
-                <a:latin typeface="Adobe 仿宋 Std R" charset="0"/>
-                <a:ea typeface="Adobe 仿宋 Std R" charset="0"/>
-              </a:rPr>
               <a:t>  </a:t>
             </a:r>
-            <a:endParaRPr lang="ko-KR" altLang="en-US" sz="2400" b="0" strike="noStrike" cap="none" dirty="0" smtClean="0">
+            <a:endParaRPr lang="ko-KR" altLang="en-US" sz="2400" cap="none" dirty="0" smtClean="0" b="0" strike="noStrike">
               <a:latin typeface="Adobe 仿宋 Std R" charset="0"/>
               <a:ea typeface="Adobe 仿宋 Std R" charset="0"/>
             </a:endParaRPr>
@@ -20056,6 +19943,303 @@
         <p:spPr>
           <a:xfrm>
             <a:off x="1029335" y="1716405"/>
+            <a:ext cx="9935845" cy="4732655"/>
+          </a:xfrm>
+          <a:prstGeom prst="rect">
+            <a:avLst/>
+          </a:prstGeom>
+          <a:noFill/>
+          <a:ln w="0">
+            <a:noFill/>
+          </a:ln>
+        </p:spPr>
+        <p:txBody>
+          <a:bodyPr vert="horz" wrap="square" lIns="91440" tIns="45720" rIns="91440" bIns="45720" numCol="1" anchor="t">
+            <a:noAutofit/>
+          </a:bodyPr>
+          <a:lstStyle/>
+          <a:p>
+            <a:pPr marL="228600" indent="-228600" algn="l" defTabSz="914400" eaLnBrk="0" fontAlgn="auto">
+              <a:lnSpc>
+                <a:spcPct val="140000"/>
+              </a:lnSpc>
+              <a:spcBef>
+                <a:spcPts val="1000"/>
+              </a:spcBef>
+              <a:spcAft>
+                <a:spcPts val="0"/>
+              </a:spcAft>
+              <a:buClr>
+                <a:srgbClr val="000000"/>
+              </a:buClr>
+              <a:buFont typeface="宋体" panose="02010600030101010101" pitchFamily="2" charset="-122"/>
+              <a:buChar char="•"/>
+            </a:pPr>
+            <a:r>
+              <a:rPr lang="en-US" altLang="ko-KR" sz="2000" b="1" strike="noStrike" cap="none" dirty="0" smtClean="0">
+                <a:solidFill>
+                  <a:schemeClr val="tx1"/>
+                </a:solidFill>
+                <a:latin typeface="微软雅黑" panose="020B0503020204020204" charset="-122"/>
+                <a:ea typeface="微软雅黑" panose="020B0503020204020204" charset="-122"/>
+              </a:rPr>
+              <a:t>前端小概念普及：</a:t>
+            </a:r>
+            <a:endParaRPr lang="ko-KR" altLang="en-US" sz="2000" b="1" strike="noStrike" cap="none" dirty="0" smtClean="0">
+              <a:solidFill>
+                <a:schemeClr val="tx1"/>
+              </a:solidFill>
+              <a:latin typeface="微软雅黑" panose="020B0503020204020204" charset="-122"/>
+              <a:ea typeface="微软雅黑" panose="020B0503020204020204" charset="-122"/>
+            </a:endParaRPr>
+          </a:p>
+          <a:p>
+            <a:pPr marL="0" indent="0" algn="l" defTabSz="914400" eaLnBrk="0" fontAlgn="auto">
+              <a:lnSpc>
+                <a:spcPct val="140000"/>
+              </a:lnSpc>
+              <a:spcBef>
+                <a:spcPts val="1000"/>
+              </a:spcBef>
+              <a:spcAft>
+                <a:spcPts val="0"/>
+              </a:spcAft>
+              <a:buFontTx/>
+              <a:buNone/>
+            </a:pPr>
+            <a:r>
+              <a:rPr lang="en-US" altLang="ko-KR" sz="2400" b="0" strike="noStrike" cap="none" dirty="0" smtClean="0">
+                <a:solidFill>
+                  <a:schemeClr val="tx1"/>
+                </a:solidFill>
+                <a:latin typeface="仿宋" charset="0"/>
+                <a:ea typeface="仿宋" charset="0"/>
+              </a:rPr>
+              <a:t>  </a:t>
+            </a:r>
+            <a:r>
+              <a:rPr lang="en-US" altLang="ko-KR" sz="2400" b="0" strike="noStrike" cap="none" dirty="0" smtClean="0">
+                <a:solidFill>
+                  <a:srgbClr val="000000"/>
+                </a:solidFill>
+                <a:latin typeface="仿宋" charset="0"/>
+                <a:ea typeface="仿宋" charset="0"/>
+              </a:rPr>
+              <a:t>网页: 通俗来讲一个HTML文件就是一个网页。 </a:t>
+            </a:r>
+            <a:br>
+              <a:rPr lang="en-US" altLang="ko-KR" sz="2400" b="0" strike="noStrike" cap="none" dirty="0" smtClean="0">
+                <a:solidFill>
+                  <a:srgbClr val="000000"/>
+                </a:solidFill>
+                <a:latin typeface="仿宋" charset="0"/>
+                <a:ea typeface="仿宋" charset="0"/>
+              </a:rPr>
+            </a:br>
+            <a:r>
+              <a:rPr lang="en-US" altLang="ko-KR" sz="2400" b="0" strike="noStrike" cap="none" dirty="0" smtClean="0">
+                <a:solidFill>
+                  <a:srgbClr val="000000"/>
+                </a:solidFill>
+                <a:latin typeface="仿宋" charset="0"/>
+                <a:ea typeface="仿宋" charset="0"/>
+              </a:rPr>
+              <a:t>  网站: 一个网站是由很多个网页组成。 </a:t>
+            </a:r>
+            <a:br>
+              <a:rPr lang="en-US" altLang="ko-KR" sz="2400" b="0" strike="noStrike" cap="none" dirty="0" smtClean="0">
+                <a:solidFill>
+                  <a:srgbClr val="000000"/>
+                </a:solidFill>
+                <a:latin typeface="仿宋" charset="0"/>
+                <a:ea typeface="仿宋" charset="0"/>
+              </a:rPr>
+            </a:br>
+            <a:r>
+              <a:rPr lang="en-US" altLang="ko-KR" sz="2400" b="0" strike="noStrike" cap="none" dirty="0" smtClean="0">
+                <a:solidFill>
+                  <a:srgbClr val="000000"/>
+                </a:solidFill>
+                <a:latin typeface="仿宋" charset="0"/>
+                <a:ea typeface="仿宋" charset="0"/>
+              </a:rPr>
+              <a:t>  </a:t>
+            </a:r>
+            <a:endParaRPr lang="ko-KR" altLang="en-US" sz="2400" b="0" strike="noStrike" cap="none" dirty="0" smtClean="0">
+              <a:solidFill>
+                <a:srgbClr val="000000"/>
+              </a:solidFill>
+              <a:latin typeface="仿宋" charset="0"/>
+              <a:ea typeface="仿宋" charset="0"/>
+            </a:endParaRPr>
+          </a:p>
+          <a:p>
+            <a:pPr marL="0" indent="0" algn="l" defTabSz="914400" eaLnBrk="0" fontAlgn="auto">
+              <a:lnSpc>
+                <a:spcPct val="140000"/>
+              </a:lnSpc>
+              <a:spcBef>
+                <a:spcPts val="1000"/>
+              </a:spcBef>
+              <a:spcAft>
+                <a:spcPts val="0"/>
+              </a:spcAft>
+              <a:buFontTx/>
+              <a:buNone/>
+            </a:pPr>
+            <a:endParaRPr lang="ko-KR" altLang="en-US" sz="2000" b="0" strike="noStrike" cap="none" dirty="0" smtClean="0">
+              <a:solidFill>
+                <a:srgbClr val="595959"/>
+              </a:solidFill>
+              <a:latin typeface="微软雅黑" panose="020B0503020204020204" charset="-122"/>
+              <a:ea typeface="微软雅黑" panose="020B0503020204020204" charset="-122"/>
+            </a:endParaRPr>
+          </a:p>
+        </p:txBody>
+      </p:sp>
+      <p:sp>
+        <p:nvSpPr>
+          <p:cNvPr id="2" name="文本框 1"/>
+          <p:cNvSpPr txBox="1"/>
+          <p:nvPr/>
+        </p:nvSpPr>
+        <p:spPr>
+          <a:xfrm>
+            <a:off x="3096260" y="145415"/>
+            <a:ext cx="7491730" cy="1477010"/>
+          </a:xfrm>
+          <a:prstGeom prst="rect">
+            <a:avLst/>
+          </a:prstGeom>
+          <a:noFill/>
+        </p:spPr>
+        <p:txBody>
+          <a:bodyPr vert="horz" wrap="square" lIns="91440" tIns="45720" rIns="91440" bIns="45720" anchor="t">
+            <a:spAutoFit/>
+          </a:bodyPr>
+          <a:lstStyle/>
+          <a:p>
+            <a:pPr marL="0" indent="0" algn="l" defTabSz="914400" eaLnBrk="0" fontAlgn="auto">
+              <a:lnSpc>
+                <a:spcPct val="100000"/>
+              </a:lnSpc>
+              <a:spcBef>
+                <a:spcPts val="0"/>
+              </a:spcBef>
+              <a:spcAft>
+                <a:spcPts val="0"/>
+              </a:spcAft>
+              <a:buFontTx/>
+              <a:buNone/>
+            </a:pPr>
+            <a:r>
+              <a:rPr lang="en-US" altLang="ko-KR" sz="3600" b="0" strike="noStrike" cap="none" dirty="0" smtClean="0">
+                <a:latin typeface="微软雅黑" panose="020B0503020204020204" charset="-122"/>
+                <a:ea typeface="微软雅黑" panose="020B0503020204020204" charset="-122"/>
+              </a:rPr>
+              <a:t>珠峰培训CSS从入门到精通</a:t>
+            </a:r>
+            <a:endParaRPr lang="ko-KR" altLang="en-US" sz="3600" b="0" strike="noStrike" cap="none" dirty="0" smtClean="0">
+              <a:latin typeface="微软雅黑" panose="020B0503020204020204" charset="-122"/>
+              <a:ea typeface="微软雅黑" panose="020B0503020204020204" charset="-122"/>
+            </a:endParaRPr>
+          </a:p>
+          <a:p>
+            <a:pPr marL="0" indent="0" algn="l" defTabSz="914400" eaLnBrk="0" fontAlgn="auto">
+              <a:lnSpc>
+                <a:spcPct val="100000"/>
+              </a:lnSpc>
+              <a:spcBef>
+                <a:spcPts val="0"/>
+              </a:spcBef>
+              <a:spcAft>
+                <a:spcPts val="0"/>
+              </a:spcAft>
+              <a:buFontTx/>
+              <a:buNone/>
+            </a:pPr>
+            <a:r>
+              <a:rPr lang="en-US" altLang="ko-KR" sz="3600" b="0" strike="noStrike" cap="none" dirty="0" smtClean="0">
+                <a:latin typeface="微软雅黑" panose="020B0503020204020204" charset="-122"/>
+                <a:ea typeface="微软雅黑" panose="020B0503020204020204" charset="-122"/>
+              </a:rPr>
+              <a:t>        </a:t>
+            </a:r>
+            <a:r>
+              <a:rPr lang="en-US" altLang="ko-KR" sz="2800" b="0" strike="noStrike" cap="none" dirty="0" smtClean="0">
+                <a:latin typeface="微软雅黑" panose="020B0503020204020204" charset="-122"/>
+                <a:ea typeface="微软雅黑" panose="020B0503020204020204" charset="-122"/>
+              </a:rPr>
+              <a:t>[九年专注、有口皆碑]</a:t>
+            </a:r>
+            <a:br>
+              <a:rPr lang="en-US" altLang="ko-KR" sz="1800" b="0" strike="noStrike" cap="none" dirty="0" smtClean="0">
+                <a:latin typeface="微软雅黑" panose="020B0503020204020204" charset="-122"/>
+                <a:ea typeface="微软雅黑" panose="020B0503020204020204" charset="-122"/>
+              </a:rPr>
+            </a:br>
+            <a:endParaRPr lang="ko-KR" altLang="en-US" sz="1800" b="0" strike="noStrike" cap="none" dirty="0" smtClean="0">
+              <a:latin typeface="微软雅黑" panose="020B0503020204020204" charset="-122"/>
+              <a:ea typeface="微软雅黑" panose="020B0503020204020204" charset="-122"/>
+            </a:endParaRPr>
+          </a:p>
+        </p:txBody>
+      </p:sp>
+    </p:spTree>
+  </p:cSld>
+  <p:clrMapOvr>
+    <a:masterClrMapping/>
+  </p:clrMapOvr>
+  <mc:AlternateContent xmlns:mc="http://schemas.openxmlformats.org/markup-compatibility/2006">
+    <mc:Choice xmlns:p14="http://schemas.microsoft.com/office/powerpoint/2010/main" Requires="p14">
+      <p:transition spd="slow" p14:dur="500">
+        <p:random/>
+      </p:transition>
+    </mc:Choice>
+    <mc:Fallback>
+      <p:transition spd="slow">
+        <p:random/>
+      </p:transition>
+    </mc:Fallback>
+  </mc:AlternateContent>
+  <p:timing>
+    <p:tnLst>
+      <p:par>
+        <p:cTn id="1" dur="indefinite" restart="never" nodeType="tmRoot"/>
+      </p:par>
+    </p:tnLst>
+  </p:timing>
+</p:sld>
+</file>
+
+<file path=ppt/slides/slide51.xml><?xml version="1.0" encoding="utf-8"?>
+<p:sld xmlns:a="http://schemas.openxmlformats.org/drawingml/2006/main" xmlns:r="http://schemas.openxmlformats.org/officeDocument/2006/relationships" xmlns:p="http://schemas.openxmlformats.org/presentationml/2006/main">
+  <p:cSld>
+    <p:spTree>
+      <p:nvGrpSpPr>
+        <p:cNvPr id="1" name=""/>
+        <p:cNvGrpSpPr/>
+        <p:nvPr/>
+      </p:nvGrpSpPr>
+      <p:grpSpPr>
+        <a:xfrm>
+          <a:off x="0" y="0"/>
+          <a:ext cx="0" cy="0"/>
+          <a:chOff x="0" y="0"/>
+          <a:chExt cx="0" cy="0"/>
+        </a:xfrm>
+      </p:grpSpPr>
+      <p:sp>
+        <p:nvSpPr>
+          <p:cNvPr id="4" name="内容占位符 3"/>
+          <p:cNvSpPr txBox="1"/>
+          <p:nvPr>
+            <p:ph/>
+          </p:nvPr>
+        </p:nvSpPr>
+        <p:spPr>
+          <a:xfrm>
+            <a:off x="1029335" y="1716405"/>
             <a:ext cx="9936480" cy="4733290"/>
           </a:xfrm>
           <a:prstGeom prst="rect">
@@ -20363,7 +20547,7 @@
 </file>
 
 <file path=ppt/slides/slide6.xml><?xml version="1.0" encoding="utf-8"?>
-<p:sld xmlns:a="http://schemas.openxmlformats.org/drawingml/2006/main" xmlns:r="http://schemas.openxmlformats.org/officeDocument/2006/relationships" xmlns:p="http://schemas.openxmlformats.org/presentationml/2006/main">
+<p:sld xmlns:a="http://schemas.openxmlformats.org/drawingml/2006/main" xmlns:r="http://schemas.openxmlformats.org/officeDocument/2006/relationships" xmlns:p="http://schemas.openxmlformats.org/presentationml/2006/main" xmlns:p14="http://schemas.microsoft.com/office/powerpoint/2010/main">
   <p:cSld>
     <p:spTree>
       <p:nvGrpSpPr>
@@ -20452,19 +20636,19 @@
         <p:spPr>
           <a:xfrm>
             <a:off x="443230" y="2065020"/>
-            <a:ext cx="11421110" cy="4044315"/>
+            <a:ext cx="11421745" cy="4044950"/>
           </a:xfrm>
           <a:prstGeom prst="rect">
             <a:avLst/>
           </a:prstGeom>
         </p:spPr>
         <p:txBody>
-          <a:bodyPr vert="horz" wrap="square" lIns="91440" tIns="45720" rIns="91440" bIns="45720" numCol="1" anchor="t">
+          <a:bodyPr wrap="square" lIns="91440" tIns="45720" rIns="91440" bIns="45720" numCol="1" vert="horz" anchor="t">
             <a:noAutofit/>
           </a:bodyPr>
           <a:lstStyle/>
           <a:p>
-            <a:pPr marL="228600" indent="-228600" algn="l" defTabSz="914400" fontAlgn="auto" latinLnBrk="0">
+            <a:pPr marL="228600" indent="-228600" algn="l" fontAlgn="auto" defTabSz="914400" latinLnBrk="0">
               <a:lnSpc>
                 <a:spcPct val="90000"/>
               </a:lnSpc>
@@ -20477,23 +20661,23 @@
               <a:buClr>
                 <a:srgbClr val="000000"/>
               </a:buClr>
-              <a:buFont typeface="Arial" panose="020B0604020202020204"/>
+              <a:buFont typeface="宋体"/>
               <a:buChar char="•"/>
             </a:pPr>
             <a:r>
-              <a:rPr lang="en-US" altLang="ko-KR" sz="2800" b="0" strike="noStrike" cap="none" dirty="0" smtClean="0">
+              <a:rPr lang="en-US" altLang="ko-KR" sz="2800" cap="none" dirty="0" smtClean="0" b="0" strike="noStrike">
                 <a:latin typeface="仿宋" charset="0"/>
                 <a:ea typeface="仿宋" charset="0"/>
               </a:rPr>
               <a:t>课程介绍：</a:t>
             </a:r>
-            <a:endParaRPr lang="ko-KR" altLang="en-US" sz="2800" b="0" strike="noStrike" cap="none" dirty="0" smtClean="0">
+            <a:endParaRPr lang="ko-KR" altLang="en-US" sz="2800" cap="none" dirty="0" smtClean="0" b="0" strike="noStrike">
               <a:latin typeface="仿宋" charset="0"/>
               <a:ea typeface="仿宋" charset="0"/>
             </a:endParaRPr>
           </a:p>
           <a:p>
-            <a:pPr marL="0" indent="0" algn="l" defTabSz="914400" fontAlgn="auto" latinLnBrk="0">
+            <a:pPr marL="0" indent="0" algn="l" fontAlgn="auto" defTabSz="914400" latinLnBrk="0">
               <a:lnSpc>
                 <a:spcPct val="130000"/>
               </a:lnSpc>
@@ -20507,14 +20691,14 @@
               <a:buNone/>
             </a:pPr>
             <a:r>
-              <a:rPr lang="en-US" altLang="ko-KR" sz="2400" b="0" strike="noStrike" cap="none" dirty="0" smtClean="0">
+              <a:rPr lang="en-US" altLang="ko-KR" sz="2400" cap="none" dirty="0" smtClean="0" b="0" strike="noStrike">
                 <a:latin typeface="Adobe 仿宋 Std R" charset="0"/>
                 <a:ea typeface="Adobe 仿宋 Std R" charset="0"/>
               </a:rPr>
               <a:t>  节奏和大部分同学保持一致，</a:t>
             </a:r>
             <a:r>
-              <a:rPr lang="en-US" altLang="ko-KR" sz="2400" b="0" strike="noStrike" cap="none" dirty="0" smtClean="0">
+              <a:rPr lang="en-US" altLang="ko-KR" sz="2400" cap="none" dirty="0" smtClean="0" b="0" strike="noStrike">
                 <a:solidFill>
                   <a:srgbClr val="FF0000"/>
                 </a:solidFill>
@@ -20524,14 +20708,14 @@
               <a:t>当天课堂上的课件</a:t>
             </a:r>
             <a:r>
-              <a:rPr lang="en-US" altLang="ko-KR" sz="2400" b="0" strike="noStrike" cap="none" dirty="0" smtClean="0">
+              <a:rPr lang="en-US" altLang="ko-KR" sz="2400" cap="none" dirty="0" smtClean="0" b="0" strike="noStrike">
                 <a:latin typeface="Adobe 仿宋 Std R" charset="0"/>
                 <a:ea typeface="Adobe 仿宋 Std R" charset="0"/>
               </a:rPr>
               <a:t>会在6点下课之后，全部发放到</a:t>
             </a:r>
             <a:r>
-              <a:rPr lang="en-US" altLang="ko-KR" sz="2400" b="0" strike="noStrike" cap="none" dirty="0" smtClean="0">
+              <a:rPr lang="en-US" altLang="ko-KR" sz="2400" cap="none" dirty="0" smtClean="0" b="0" strike="noStrike">
                 <a:solidFill>
                   <a:srgbClr val="FF0000"/>
                 </a:solidFill>
@@ -20541,14 +20725,14 @@
               <a:t>正式群，</a:t>
             </a:r>
             <a:r>
-              <a:rPr lang="en-US" altLang="ko-KR" sz="2400" b="0" strike="noStrike" cap="none" dirty="0" smtClean="0">
+              <a:rPr lang="en-US" altLang="ko-KR" sz="2400" cap="none" dirty="0" smtClean="0" b="0" strike="noStrike">
                 <a:latin typeface="Adobe 仿宋 Std R" charset="0"/>
                 <a:ea typeface="Adobe 仿宋 Std R" charset="0"/>
               </a:rPr>
               <a:t>供同学复习使用。每天</a:t>
             </a:r>
             <a:r>
-              <a:rPr lang="en-US" altLang="ko-KR" sz="2400" b="0" strike="noStrike" cap="none" dirty="0" smtClean="0">
+              <a:rPr lang="en-US" altLang="ko-KR" sz="2400" cap="none" dirty="0" smtClean="0" b="0" strike="noStrike">
                 <a:solidFill>
                   <a:srgbClr val="FF0000"/>
                 </a:solidFill>
@@ -20558,38 +20742,149 @@
               <a:t>提前发放预习大纲</a:t>
             </a:r>
             <a:r>
-              <a:rPr lang="en-US" altLang="ko-KR" sz="2400" b="0" strike="noStrike" cap="none" dirty="0" smtClean="0">
+              <a:rPr lang="en-US" altLang="ko-KR" sz="2400" cap="none" dirty="0" smtClean="0" b="0" strike="noStrike">
                 <a:latin typeface="Adobe 仿宋 Std R" charset="0"/>
                 <a:ea typeface="Adobe 仿宋 Std R" charset="0"/>
               </a:rPr>
-              <a:t>给同学，供预习使用。课堂中也会</a:t>
-            </a:r>
-            <a:r>
-              <a:rPr lang="en-US" altLang="ko-KR" sz="2400" b="0" strike="noStrike" cap="none" dirty="0" smtClean="0">
-                <a:solidFill>
-                  <a:srgbClr val="FF0000"/>
-                </a:solidFill>
+              <a:t>给同学，供预习使用。</a:t>
+            </a:r>
+            <a:endParaRPr lang="ko-KR" altLang="en-US" sz="2400" cap="none" dirty="0" smtClean="0" b="0" strike="noStrike">
+              <a:latin typeface="Adobe 仿宋 Std R" charset="0"/>
+              <a:ea typeface="Adobe 仿宋 Std R" charset="0"/>
+            </a:endParaRPr>
+          </a:p>
+          <a:p>
+            <a:pPr marL="0" indent="0" algn="l" fontAlgn="auto" defTabSz="914400" latinLnBrk="0">
+              <a:lnSpc>
+                <a:spcPct val="90000"/>
+              </a:lnSpc>
+              <a:spcBef>
+                <a:spcPts val="1000"/>
+              </a:spcBef>
+              <a:spcAft>
+                <a:spcPts val="0"/>
+              </a:spcAft>
+              <a:buFontTx/>
+              <a:buNone/>
+            </a:pPr>
+            <a:endParaRPr lang="ko-KR" altLang="en-US" sz="2400" cap="none" dirty="0" smtClean="0" b="0" strike="noStrike">
+              <a:latin typeface="Adobe 仿宋 Std R" charset="0"/>
+              <a:ea typeface="Adobe 仿宋 Std R" charset="0"/>
+            </a:endParaRPr>
+          </a:p>
+          <a:p>
+            <a:pPr marL="0" indent="0" algn="l" fontAlgn="auto" defTabSz="914400" latinLnBrk="0">
+              <a:lnSpc>
+                <a:spcPct val="130000"/>
+              </a:lnSpc>
+              <a:spcBef>
+                <a:spcPts val="1000"/>
+              </a:spcBef>
+              <a:spcAft>
+                <a:spcPts val="0"/>
+              </a:spcAft>
+              <a:buFontTx/>
+              <a:buNone/>
+            </a:pPr>
+            <a:endParaRPr lang="ko-KR" altLang="en-US" sz="2400" cap="none" dirty="0" smtClean="0" b="0" strike="noStrike">
+              <a:latin typeface="Adobe 仿宋 Std R" charset="0"/>
+              <a:ea typeface="Adobe 仿宋 Std R" charset="0"/>
+            </a:endParaRPr>
+          </a:p>
+          <a:p>
+            <a:pPr marL="0" indent="0" algn="l" fontAlgn="auto" defTabSz="914400" latinLnBrk="0">
+              <a:lnSpc>
+                <a:spcPct val="130000"/>
+              </a:lnSpc>
+              <a:spcBef>
+                <a:spcPts val="1000"/>
+              </a:spcBef>
+              <a:spcAft>
+                <a:spcPts val="0"/>
+              </a:spcAft>
+              <a:buFontTx/>
+              <a:buNone/>
+            </a:pPr>
+            <a:endParaRPr lang="ko-KR" altLang="en-US" sz="2400" cap="none" dirty="0" smtClean="0" b="0" strike="noStrike">
+              <a:latin typeface="Adobe 仿宋 Std R" charset="0"/>
+              <a:ea typeface="Adobe 仿宋 Std R" charset="0"/>
+            </a:endParaRPr>
+          </a:p>
+          <a:p>
+            <a:pPr marL="0" indent="0" algn="l" fontAlgn="auto" defTabSz="914400" latinLnBrk="0">
+              <a:lnSpc>
+                <a:spcPct val="130000"/>
+              </a:lnSpc>
+              <a:spcBef>
+                <a:spcPts val="1000"/>
+              </a:spcBef>
+              <a:spcAft>
+                <a:spcPts val="0"/>
+              </a:spcAft>
+              <a:buFontTx/>
+              <a:buNone/>
+            </a:pPr>
+            <a:endParaRPr lang="ko-KR" altLang="en-US" sz="2400" cap="none" dirty="0" smtClean="0" b="1" strike="noStrike">
+              <a:latin typeface="Adobe 仿宋 Std R" charset="0"/>
+              <a:ea typeface="Adobe 仿宋 Std R" charset="0"/>
+            </a:endParaRPr>
+          </a:p>
+          <a:p>
+            <a:pPr marL="0" indent="0" algn="l" fontAlgn="auto" defTabSz="914400" latinLnBrk="0">
+              <a:lnSpc>
+                <a:spcPct val="130000"/>
+              </a:lnSpc>
+              <a:spcBef>
+                <a:spcPts val="1000"/>
+              </a:spcBef>
+              <a:spcAft>
+                <a:spcPts val="0"/>
+              </a:spcAft>
+              <a:buFontTx/>
+              <a:buNone/>
+            </a:pPr>
+            <a:r>
+              <a:rPr lang="en-US" altLang="ko-KR" sz="2400" cap="none" dirty="0" smtClean="0" b="0" strike="noStrike">
                 <a:latin typeface="Adobe 仿宋 Std R" charset="0"/>
                 <a:ea typeface="Adobe 仿宋 Std R" charset="0"/>
               </a:rPr>
-              <a:t>随堂录制视频</a:t>
-            </a:r>
-            <a:r>
-              <a:rPr lang="en-US" altLang="ko-KR" sz="2400" b="0" strike="noStrike" cap="none" dirty="0" smtClean="0">
+              <a:t>   </a:t>
+            </a:r>
+            <a:endParaRPr lang="ko-KR" altLang="en-US" sz="2400" cap="none" dirty="0" smtClean="0" b="0" strike="noStrike">
+              <a:latin typeface="Adobe 仿宋 Std R" charset="0"/>
+              <a:ea typeface="Adobe 仿宋 Std R" charset="0"/>
+            </a:endParaRPr>
+          </a:p>
+          <a:p>
+            <a:pPr marL="0" indent="0" algn="l" fontAlgn="auto" defTabSz="914400" latinLnBrk="0">
+              <a:lnSpc>
+                <a:spcPct val="130000"/>
+              </a:lnSpc>
+              <a:spcBef>
+                <a:spcPts val="1000"/>
+              </a:spcBef>
+              <a:spcAft>
+                <a:spcPts val="0"/>
+              </a:spcAft>
+              <a:buFontTx/>
+              <a:buNone/>
+            </a:pPr>
+            <a:r>
+              <a:rPr lang="en-US" altLang="ko-KR" sz="2400" cap="none" dirty="0" smtClean="0" b="0" strike="noStrike">
                 <a:latin typeface="Adobe 仿宋 Std R" charset="0"/>
                 <a:ea typeface="Adobe 仿宋 Std R" charset="0"/>
               </a:rPr>
-              <a:t>。</a:t>
-            </a:r>
-            <a:endParaRPr lang="ko-KR" altLang="en-US" sz="2400" b="0" strike="noStrike" cap="none" dirty="0" smtClean="0">
+              <a:t> </a:t>
+            </a:r>
+            <a:endParaRPr lang="ko-KR" altLang="en-US" sz="2400" cap="none" dirty="0" smtClean="0" b="0" strike="noStrike">
               <a:latin typeface="Adobe 仿宋 Std R" charset="0"/>
               <a:ea typeface="Adobe 仿宋 Std R" charset="0"/>
             </a:endParaRPr>
           </a:p>
           <a:p>
-            <a:pPr marL="0" indent="0" algn="l" defTabSz="914400" fontAlgn="auto" latinLnBrk="0">
-              <a:lnSpc>
-                <a:spcPct val="90000"/>
+            <a:pPr marL="0" indent="0" algn="l" fontAlgn="auto" defTabSz="914400" latinLnBrk="0">
+              <a:lnSpc>
+                <a:spcPct val="130000"/>
               </a:lnSpc>
               <a:spcBef>
                 <a:spcPts val="1000"/>
@@ -20600,149 +20895,21 @@
               <a:buFontTx/>
               <a:buNone/>
             </a:pPr>
-            <a:endParaRPr lang="ko-KR" altLang="en-US" sz="2400" b="0" strike="noStrike" cap="none" dirty="0" smtClean="0">
-              <a:latin typeface="Adobe 仿宋 Std R" charset="0"/>
-              <a:ea typeface="Adobe 仿宋 Std R" charset="0"/>
-            </a:endParaRPr>
-          </a:p>
-          <a:p>
-            <a:pPr marL="0" indent="0" algn="l" defTabSz="914400" fontAlgn="auto" latinLnBrk="0">
-              <a:lnSpc>
-                <a:spcPct val="130000"/>
-              </a:lnSpc>
-              <a:spcBef>
-                <a:spcPts val="1000"/>
-              </a:spcBef>
-              <a:spcAft>
-                <a:spcPts val="0"/>
-              </a:spcAft>
-              <a:buFontTx/>
-              <a:buNone/>
-            </a:pPr>
-            <a:endParaRPr lang="ko-KR" altLang="en-US" sz="2400" b="0" strike="noStrike" cap="none" dirty="0" smtClean="0">
-              <a:latin typeface="Adobe 仿宋 Std R" charset="0"/>
-              <a:ea typeface="Adobe 仿宋 Std R" charset="0"/>
-            </a:endParaRPr>
-          </a:p>
-          <a:p>
-            <a:pPr marL="0" indent="0" algn="l" defTabSz="914400" fontAlgn="auto" latinLnBrk="0">
-              <a:lnSpc>
-                <a:spcPct val="130000"/>
-              </a:lnSpc>
-              <a:spcBef>
-                <a:spcPts val="1000"/>
-              </a:spcBef>
-              <a:spcAft>
-                <a:spcPts val="0"/>
-              </a:spcAft>
-              <a:buFontTx/>
-              <a:buNone/>
-            </a:pPr>
-            <a:endParaRPr lang="ko-KR" altLang="en-US" sz="2400" b="0" strike="noStrike" cap="none" dirty="0" smtClean="0">
-              <a:latin typeface="Adobe 仿宋 Std R" charset="0"/>
-              <a:ea typeface="Adobe 仿宋 Std R" charset="0"/>
-            </a:endParaRPr>
-          </a:p>
-          <a:p>
-            <a:pPr marL="0" indent="0" algn="l" defTabSz="914400" fontAlgn="auto" latinLnBrk="0">
-              <a:lnSpc>
-                <a:spcPct val="130000"/>
-              </a:lnSpc>
-              <a:spcBef>
-                <a:spcPts val="1000"/>
-              </a:spcBef>
-              <a:spcAft>
-                <a:spcPts val="0"/>
-              </a:spcAft>
-              <a:buFontTx/>
-              <a:buNone/>
-            </a:pPr>
-            <a:endParaRPr lang="ko-KR" altLang="en-US" sz="2400" b="1" strike="noStrike" cap="none" dirty="0" smtClean="0">
-              <a:latin typeface="Adobe 仿宋 Std R" charset="0"/>
-              <a:ea typeface="Adobe 仿宋 Std R" charset="0"/>
-            </a:endParaRPr>
-          </a:p>
-          <a:p>
-            <a:pPr marL="0" indent="0" algn="l" defTabSz="914400" fontAlgn="auto" latinLnBrk="0">
-              <a:lnSpc>
-                <a:spcPct val="130000"/>
-              </a:lnSpc>
-              <a:spcBef>
-                <a:spcPts val="1000"/>
-              </a:spcBef>
-              <a:spcAft>
-                <a:spcPts val="0"/>
-              </a:spcAft>
-              <a:buFontTx/>
-              <a:buNone/>
-            </a:pPr>
-            <a:r>
-              <a:rPr lang="en-US" altLang="ko-KR" sz="2400" b="0" strike="noStrike" cap="none" dirty="0" smtClean="0">
+            <a:r>
+              <a:rPr lang="en-US" altLang="ko-KR" sz="2800" cap="none" dirty="0" smtClean="0" b="0" strike="noStrike">
                 <a:latin typeface="Adobe 仿宋 Std R" charset="0"/>
                 <a:ea typeface="Adobe 仿宋 Std R" charset="0"/>
               </a:rPr>
               <a:t>   </a:t>
             </a:r>
-            <a:endParaRPr lang="ko-KR" altLang="en-US" sz="2400" b="0" strike="noStrike" cap="none" dirty="0" smtClean="0">
-              <a:latin typeface="Adobe 仿宋 Std R" charset="0"/>
-              <a:ea typeface="Adobe 仿宋 Std R" charset="0"/>
-            </a:endParaRPr>
-          </a:p>
-          <a:p>
-            <a:pPr marL="0" indent="0" algn="l" defTabSz="914400" fontAlgn="auto" latinLnBrk="0">
-              <a:lnSpc>
-                <a:spcPct val="130000"/>
-              </a:lnSpc>
-              <a:spcBef>
-                <a:spcPts val="1000"/>
-              </a:spcBef>
-              <a:spcAft>
-                <a:spcPts val="0"/>
-              </a:spcAft>
-              <a:buFontTx/>
-              <a:buNone/>
-            </a:pPr>
-            <a:r>
-              <a:rPr lang="en-US" altLang="ko-KR" sz="2400" b="0" strike="noStrike" cap="none" dirty="0" smtClean="0">
+            <a:r>
+              <a:rPr lang="en-US" altLang="ko-KR" sz="2400" cap="none" dirty="0" smtClean="0" b="0" strike="noStrike">
                 <a:latin typeface="Adobe 仿宋 Std R" charset="0"/>
                 <a:ea typeface="Adobe 仿宋 Std R" charset="0"/>
               </a:rPr>
-              <a:t> </a:t>
-            </a:r>
-            <a:endParaRPr lang="ko-KR" altLang="en-US" sz="2400" b="0" strike="noStrike" cap="none" dirty="0" smtClean="0">
-              <a:latin typeface="Adobe 仿宋 Std R" charset="0"/>
-              <a:ea typeface="Adobe 仿宋 Std R" charset="0"/>
-            </a:endParaRPr>
-          </a:p>
-          <a:p>
-            <a:pPr marL="0" indent="0" algn="l" defTabSz="914400" fontAlgn="auto" latinLnBrk="0">
-              <a:lnSpc>
-                <a:spcPct val="130000"/>
-              </a:lnSpc>
-              <a:spcBef>
-                <a:spcPts val="1000"/>
-              </a:spcBef>
-              <a:spcAft>
-                <a:spcPts val="0"/>
-              </a:spcAft>
-              <a:buFontTx/>
-              <a:buNone/>
-            </a:pPr>
-            <a:r>
-              <a:rPr lang="en-US" altLang="ko-KR" sz="2800" b="0" strike="noStrike" cap="none" dirty="0" smtClean="0">
-                <a:latin typeface="Adobe 仿宋 Std R" charset="0"/>
-                <a:ea typeface="Adobe 仿宋 Std R" charset="0"/>
-              </a:rPr>
-              <a:t>   </a:t>
-            </a:r>
-            <a:r>
-              <a:rPr lang="en-US" altLang="ko-KR" sz="2400" b="0" strike="noStrike" cap="none" dirty="0" smtClean="0">
-                <a:latin typeface="Adobe 仿宋 Std R" charset="0"/>
-                <a:ea typeface="Adobe 仿宋 Std R" charset="0"/>
-              </a:rPr>
               <a:t>  </a:t>
             </a:r>
-            <a:endParaRPr lang="ko-KR" altLang="en-US" sz="2400" b="0" strike="noStrike" cap="none" dirty="0" smtClean="0">
+            <a:endParaRPr lang="ko-KR" altLang="en-US" sz="2400" cap="none" dirty="0" smtClean="0" b="0" strike="noStrike">
               <a:latin typeface="Adobe 仿宋 Std R" charset="0"/>
               <a:ea typeface="Adobe 仿宋 Std R" charset="0"/>
             </a:endParaRPr>

--- a/day01/课件PPT模板.pptx
+++ b/day01/课件PPT模板.pptx
@@ -1,65 +1,65 @@
 
 <file path=ppt/presentation.xml><?xml version="1.0" encoding="utf-8"?>
-<p:presentation xmlns:a="http://schemas.openxmlformats.org/drawingml/2006/main" xmlns:r="http://schemas.openxmlformats.org/officeDocument/2006/relationships" xmlns:p="http://schemas.openxmlformats.org/presentationml/2006/main" xmlns:p14="http://schemas.microsoft.com/office/powerpoint/2010/main">
+<p:presentation xmlns:a="http://schemas.openxmlformats.org/drawingml/2006/main" xmlns:r="http://schemas.openxmlformats.org/officeDocument/2006/relationships" xmlns:p="http://schemas.openxmlformats.org/presentationml/2006/main">
   <p:sldMasterIdLst>
-    <p:sldMasterId id="2147483677" r:id="rId15"/>
-    <p:sldMasterId id="2147483678" r:id="rId17"/>
+    <p:sldMasterId id="2147483648" r:id="rId1"/>
+    <p:sldMasterId id="2147483659" r:id="rId3"/>
   </p:sldMasterIdLst>
   <p:notesMasterIdLst>
-    <p:notesMasterId r:id="rId19"/>
+    <p:notesMasterId r:id="rId6"/>
   </p:notesMasterIdLst>
   <p:sldIdLst>
-    <p:sldId id="256" r:id="rId21"/>
-    <p:sldId id="269" r:id="rId22"/>
-    <p:sldId id="353" r:id="rId23"/>
-    <p:sldId id="306" r:id="rId24"/>
-    <p:sldId id="307" r:id="rId26"/>
-    <p:sldId id="308" r:id="rId27"/>
-    <p:sldId id="309" r:id="rId28"/>
-    <p:sldId id="310" r:id="rId29"/>
-    <p:sldId id="270" r:id="rId30"/>
-    <p:sldId id="271" r:id="rId32"/>
-    <p:sldId id="272" r:id="rId34"/>
-    <p:sldId id="273" r:id="rId36"/>
-    <p:sldId id="274" r:id="rId38"/>
-    <p:sldId id="275" r:id="rId40"/>
-    <p:sldId id="276" r:id="rId42"/>
-    <p:sldId id="277" r:id="rId44"/>
-    <p:sldId id="278" r:id="rId46"/>
-    <p:sldId id="281" r:id="rId48"/>
-    <p:sldId id="280" r:id="rId50"/>
-    <p:sldId id="283" r:id="rId52"/>
-    <p:sldId id="284" r:id="rId54"/>
-    <p:sldId id="285" r:id="rId56"/>
-    <p:sldId id="286" r:id="rId58"/>
-    <p:sldId id="287" r:id="rId60"/>
-    <p:sldId id="288" r:id="rId62"/>
-    <p:sldId id="289" r:id="rId64"/>
-    <p:sldId id="354" r:id="rId66"/>
-    <p:sldId id="290" r:id="rId67"/>
-    <p:sldId id="291" r:id="rId69"/>
-    <p:sldId id="295" r:id="rId71"/>
-    <p:sldId id="296" r:id="rId72"/>
-    <p:sldId id="297" r:id="rId73"/>
-    <p:sldId id="298" r:id="rId74"/>
-    <p:sldId id="300" r:id="rId75"/>
-    <p:sldId id="301" r:id="rId76"/>
-    <p:sldId id="302" r:id="rId77"/>
-    <p:sldId id="303" r:id="rId78"/>
-    <p:sldId id="304" r:id="rId79"/>
-    <p:sldId id="321" r:id="rId80"/>
-    <p:sldId id="322" r:id="rId81"/>
-    <p:sldId id="323" r:id="rId82"/>
-    <p:sldId id="324" r:id="rId83"/>
-    <p:sldId id="325" r:id="rId84"/>
-    <p:sldId id="326" r:id="rId85"/>
-    <p:sldId id="279" r:id="rId86"/>
-    <p:sldId id="312" r:id="rId88"/>
-    <p:sldId id="313" r:id="rId89"/>
-    <p:sldId id="315" r:id="rId90"/>
-    <p:sldId id="319" r:id="rId91"/>
-    <p:sldId id="314" r:id="rId92"/>
-    <p:sldId id="320" r:id="rId93"/>
+    <p:sldId id="256" r:id="rId4"/>
+    <p:sldId id="269" r:id="rId5"/>
+    <p:sldId id="353" r:id="rId7"/>
+    <p:sldId id="306" r:id="rId8"/>
+    <p:sldId id="307" r:id="rId9"/>
+    <p:sldId id="308" r:id="rId10"/>
+    <p:sldId id="309" r:id="rId11"/>
+    <p:sldId id="310" r:id="rId12"/>
+    <p:sldId id="270" r:id="rId13"/>
+    <p:sldId id="271" r:id="rId14"/>
+    <p:sldId id="272" r:id="rId15"/>
+    <p:sldId id="273" r:id="rId16"/>
+    <p:sldId id="274" r:id="rId17"/>
+    <p:sldId id="275" r:id="rId18"/>
+    <p:sldId id="276" r:id="rId19"/>
+    <p:sldId id="277" r:id="rId20"/>
+    <p:sldId id="278" r:id="rId21"/>
+    <p:sldId id="281" r:id="rId22"/>
+    <p:sldId id="280" r:id="rId23"/>
+    <p:sldId id="283" r:id="rId24"/>
+    <p:sldId id="284" r:id="rId25"/>
+    <p:sldId id="285" r:id="rId26"/>
+    <p:sldId id="286" r:id="rId27"/>
+    <p:sldId id="287" r:id="rId28"/>
+    <p:sldId id="288" r:id="rId29"/>
+    <p:sldId id="289" r:id="rId30"/>
+    <p:sldId id="354" r:id="rId31"/>
+    <p:sldId id="290" r:id="rId32"/>
+    <p:sldId id="291" r:id="rId33"/>
+    <p:sldId id="295" r:id="rId34"/>
+    <p:sldId id="296" r:id="rId35"/>
+    <p:sldId id="297" r:id="rId36"/>
+    <p:sldId id="298" r:id="rId37"/>
+    <p:sldId id="300" r:id="rId38"/>
+    <p:sldId id="301" r:id="rId39"/>
+    <p:sldId id="302" r:id="rId40"/>
+    <p:sldId id="303" r:id="rId41"/>
+    <p:sldId id="304" r:id="rId42"/>
+    <p:sldId id="321" r:id="rId43"/>
+    <p:sldId id="322" r:id="rId44"/>
+    <p:sldId id="323" r:id="rId45"/>
+    <p:sldId id="324" r:id="rId46"/>
+    <p:sldId id="325" r:id="rId47"/>
+    <p:sldId id="326" r:id="rId48"/>
+    <p:sldId id="279" r:id="rId49"/>
+    <p:sldId id="312" r:id="rId50"/>
+    <p:sldId id="313" r:id="rId51"/>
+    <p:sldId id="315" r:id="rId52"/>
+    <p:sldId id="319" r:id="rId53"/>
+    <p:sldId id="314" r:id="rId54"/>
+    <p:sldId id="320" r:id="rId55"/>
   </p:sldIdLst>
   <p:sldSz cx="12192000" cy="6858000"/>
   <p:notesSz cx="7103745" cy="10234295"/>
@@ -508,6 +508,120 @@
 </p:notesMaster>
 </file>
 
+<file path=ppt/notesSlides/notesSlide1.xml><?xml version="1.0" encoding="utf-8"?>
+<p:notes xmlns:a="http://schemas.openxmlformats.org/drawingml/2006/main" xmlns:r="http://schemas.openxmlformats.org/officeDocument/2006/relationships" xmlns:p="http://schemas.openxmlformats.org/presentationml/2006/main">
+  <p:cSld>
+    <p:spTree>
+      <p:nvGrpSpPr>
+        <p:cNvPr id="1" name=""/>
+        <p:cNvGrpSpPr/>
+        <p:nvPr/>
+      </p:nvGrpSpPr>
+      <p:grpSpPr>
+        <a:xfrm>
+          <a:off x="0" y="0"/>
+          <a:ext cx="0" cy="0"/>
+          <a:chOff x="0" y="0"/>
+          <a:chExt cx="0" cy="0"/>
+        </a:xfrm>
+      </p:grpSpPr>
+      <p:sp>
+        <p:nvSpPr>
+          <p:cNvPr id="2" name="联机图片占位符 1"/>
+          <p:cNvSpPr>
+            <a:spLocks noChangeAspect="1"/>
+          </p:cNvSpPr>
+          <p:nvPr>
+            <p:ph type="sldImg"/>
+          </p:nvPr>
+        </p:nvSpPr>
+        <p:spPr>
+          <a:xfrm>
+            <a:off x="481330" y="1279525"/>
+            <a:ext cx="6141085" cy="3455035"/>
+          </a:xfrm>
+          <a:prstGeom prst="rect">
+            <a:avLst/>
+          </a:prstGeom>
+          <a:noFill/>
+          <a:ln w="12700" cap="flat" cmpd="sng">
+            <a:solidFill>
+              <a:srgbClr val="000000">
+                <a:alpha val="100000"/>
+              </a:srgbClr>
+            </a:solidFill>
+            <a:prstDash val="solid"/>
+          </a:ln>
+        </p:spPr>
+        <p:txBody>
+          <a:bodyPr vert="horz" wrap="square" lIns="0" tIns="0" rIns="0" bIns="0" anchor="t">
+            <a:noAutofit/>
+          </a:bodyPr>
+          <a:lstStyle/>
+          <a:p>
+            <a:pPr marL="0" indent="0" algn="just" defTabSz="508000" fontAlgn="auto">
+              <a:lnSpc>
+                <a:spcPct val="100000"/>
+              </a:lnSpc>
+              <a:spcBef>
+                <a:spcPts val="0"/>
+              </a:spcBef>
+              <a:spcAft>
+                <a:spcPts val="0"/>
+              </a:spcAft>
+              <a:buFontTx/>
+              <a:buNone/>
+            </a:pPr>
+          </a:p>
+        </p:txBody>
+      </p:sp>
+      <p:sp>
+        <p:nvSpPr>
+          <p:cNvPr id="3" name="文本占位符 2"/>
+          <p:cNvSpPr txBox="1"/>
+          <p:nvPr>
+            <p:ph type="body" idx="3"/>
+          </p:nvPr>
+        </p:nvSpPr>
+        <p:spPr>
+          <a:xfrm>
+            <a:off x="710565" y="4925060"/>
+            <a:ext cx="5683885" cy="4030345"/>
+          </a:xfrm>
+          <a:prstGeom prst="rect">
+            <a:avLst/>
+          </a:prstGeom>
+        </p:spPr>
+        <p:txBody>
+          <a:bodyPr vert="horz" wrap="square" lIns="91440" tIns="45720" rIns="91440" bIns="45720" numCol="1" anchor="t">
+            <a:noAutofit/>
+          </a:bodyPr>
+          <a:lstStyle/>
+          <a:p>
+            <a:pPr marL="0" indent="0" algn="l" defTabSz="914400" fontAlgn="auto" latinLnBrk="0">
+              <a:lnSpc>
+                <a:spcPct val="100000"/>
+              </a:lnSpc>
+              <a:spcBef>
+                <a:spcPts val="0"/>
+              </a:spcBef>
+              <a:spcAft>
+                <a:spcPts val="0"/>
+              </a:spcAft>
+              <a:buFontTx/>
+              <a:buNone/>
+            </a:pPr>
+          </a:p>
+        </p:txBody>
+      </p:sp>
+    </p:spTree>
+  </p:cSld>
+  <p:clrMapOvr>
+    <a:masterClrMapping/>
+  </p:clrMapOvr>
+</p:notes>
+</file>
+
 <file path=ppt/notesSlides/notesSlide10.xml><?xml version="1.0" encoding="utf-8"?>
 <p:notes xmlns:a="http://schemas.openxmlformats.org/drawingml/2006/main" xmlns:r="http://schemas.openxmlformats.org/officeDocument/2006/relationships" xmlns:p="http://schemas.openxmlformats.org/presentationml/2006/main">
   <p:cSld>
@@ -1222,7 +1336,7 @@
         <p:spPr>
           <a:xfrm>
             <a:off x="481330" y="1279525"/>
-            <a:ext cx="6141720" cy="3455670"/>
+            <a:ext cx="6141085" cy="3455035"/>
           </a:xfrm>
           <a:prstGeom prst="rect">
             <a:avLst/>
@@ -1238,12 +1352,12 @@
           </a:ln>
         </p:spPr>
         <p:txBody>
-          <a:bodyPr vert="horz" wrap="square" lIns="0" tIns="0" rIns="0" bIns="0" numCol="1" anchor="t">
+          <a:bodyPr vert="horz" wrap="square" lIns="0" tIns="0" rIns="0" bIns="0" anchor="t">
             <a:noAutofit/>
           </a:bodyPr>
           <a:lstStyle/>
           <a:p>
-            <a:pPr marL="0" indent="0" algn="just" defTabSz="508000" fontAlgn="auto" latinLnBrk="0">
+            <a:pPr marL="0" indent="0" algn="just" defTabSz="508000" fontAlgn="auto">
               <a:lnSpc>
                 <a:spcPct val="100000"/>
               </a:lnSpc>
@@ -1270,7 +1384,7 @@
         <p:spPr>
           <a:xfrm>
             <a:off x="710565" y="4925060"/>
-            <a:ext cx="5684520" cy="4030980"/>
+            <a:ext cx="5683885" cy="4030345"/>
           </a:xfrm>
           <a:prstGeom prst="rect">
             <a:avLst/>
@@ -1336,7 +1450,7 @@
         <p:spPr>
           <a:xfrm>
             <a:off x="481330" y="1279525"/>
-            <a:ext cx="6141720" cy="3455670"/>
+            <a:ext cx="6141085" cy="3455035"/>
           </a:xfrm>
           <a:prstGeom prst="rect">
             <a:avLst/>
@@ -1352,12 +1466,12 @@
           </a:ln>
         </p:spPr>
         <p:txBody>
-          <a:bodyPr vert="horz" wrap="square" lIns="0" tIns="0" rIns="0" bIns="0" numCol="1" anchor="t">
+          <a:bodyPr vert="horz" wrap="square" lIns="0" tIns="0" rIns="0" bIns="0" anchor="t">
             <a:noAutofit/>
           </a:bodyPr>
           <a:lstStyle/>
           <a:p>
-            <a:pPr marL="0" indent="0" algn="just" defTabSz="508000" fontAlgn="auto" latinLnBrk="0">
+            <a:pPr marL="0" indent="0" algn="just" defTabSz="508000" fontAlgn="auto">
               <a:lnSpc>
                 <a:spcPct val="100000"/>
               </a:lnSpc>
@@ -1384,7 +1498,7 @@
         <p:spPr>
           <a:xfrm>
             <a:off x="710565" y="4925060"/>
-            <a:ext cx="5684520" cy="4030980"/>
+            <a:ext cx="5683885" cy="4030345"/>
           </a:xfrm>
           <a:prstGeom prst="rect">
             <a:avLst/>
@@ -1450,7 +1564,7 @@
         <p:spPr>
           <a:xfrm>
             <a:off x="481330" y="1279525"/>
-            <a:ext cx="6141720" cy="3455670"/>
+            <a:ext cx="6141085" cy="3455035"/>
           </a:xfrm>
           <a:prstGeom prst="rect">
             <a:avLst/>
@@ -1466,12 +1580,12 @@
           </a:ln>
         </p:spPr>
         <p:txBody>
-          <a:bodyPr vert="horz" wrap="square" lIns="0" tIns="0" rIns="0" bIns="0" numCol="1" anchor="t">
+          <a:bodyPr vert="horz" wrap="square" lIns="0" tIns="0" rIns="0" bIns="0" anchor="t">
             <a:noAutofit/>
           </a:bodyPr>
           <a:lstStyle/>
           <a:p>
-            <a:pPr marL="0" indent="0" algn="just" defTabSz="508000" fontAlgn="auto" latinLnBrk="0">
+            <a:pPr marL="0" indent="0" algn="just" defTabSz="508000" fontAlgn="auto">
               <a:lnSpc>
                 <a:spcPct val="100000"/>
               </a:lnSpc>
@@ -1498,7 +1612,7 @@
         <p:spPr>
           <a:xfrm>
             <a:off x="710565" y="4925060"/>
-            <a:ext cx="5684520" cy="4030980"/>
+            <a:ext cx="5683885" cy="4030345"/>
           </a:xfrm>
           <a:prstGeom prst="rect">
             <a:avLst/>
@@ -1564,7 +1678,7 @@
         <p:spPr>
           <a:xfrm>
             <a:off x="481330" y="1279525"/>
-            <a:ext cx="6141720" cy="3455670"/>
+            <a:ext cx="6141085" cy="3455035"/>
           </a:xfrm>
           <a:prstGeom prst="rect">
             <a:avLst/>
@@ -1580,12 +1694,12 @@
           </a:ln>
         </p:spPr>
         <p:txBody>
-          <a:bodyPr vert="horz" wrap="square" lIns="0" tIns="0" rIns="0" bIns="0" numCol="1" anchor="t">
+          <a:bodyPr vert="horz" wrap="square" lIns="0" tIns="0" rIns="0" bIns="0" anchor="t">
             <a:noAutofit/>
           </a:bodyPr>
           <a:lstStyle/>
           <a:p>
-            <a:pPr marL="0" indent="0" algn="just" defTabSz="508000" fontAlgn="auto" latinLnBrk="0">
+            <a:pPr marL="0" indent="0" algn="just" defTabSz="508000" fontAlgn="auto">
               <a:lnSpc>
                 <a:spcPct val="100000"/>
               </a:lnSpc>
@@ -1612,7 +1726,7 @@
         <p:spPr>
           <a:xfrm>
             <a:off x="710565" y="4925060"/>
-            <a:ext cx="5684520" cy="4030980"/>
+            <a:ext cx="5683885" cy="4030345"/>
           </a:xfrm>
           <a:prstGeom prst="rect">
             <a:avLst/>
@@ -1678,7 +1792,7 @@
         <p:spPr>
           <a:xfrm>
             <a:off x="481330" y="1279525"/>
-            <a:ext cx="6141085" cy="3455035"/>
+            <a:ext cx="6141720" cy="3455670"/>
           </a:xfrm>
           <a:prstGeom prst="rect">
             <a:avLst/>
@@ -1694,12 +1808,12 @@
           </a:ln>
         </p:spPr>
         <p:txBody>
-          <a:bodyPr vert="horz" wrap="square" lIns="0" tIns="0" rIns="0" bIns="0" anchor="t">
+          <a:bodyPr vert="horz" wrap="square" lIns="0" tIns="0" rIns="0" bIns="0" numCol="1" anchor="t">
             <a:noAutofit/>
           </a:bodyPr>
           <a:lstStyle/>
           <a:p>
-            <a:pPr marL="0" indent="0" algn="just" defTabSz="508000" fontAlgn="auto">
+            <a:pPr marL="0" indent="0" algn="just" defTabSz="508000" fontAlgn="auto" latinLnBrk="0">
               <a:lnSpc>
                 <a:spcPct val="100000"/>
               </a:lnSpc>
@@ -1726,7 +1840,7 @@
         <p:spPr>
           <a:xfrm>
             <a:off x="710565" y="4925060"/>
-            <a:ext cx="5683885" cy="4030345"/>
+            <a:ext cx="5684520" cy="4030980"/>
           </a:xfrm>
           <a:prstGeom prst="rect">
             <a:avLst/>
@@ -2362,7 +2476,7 @@
         <p:spPr>
           <a:xfrm>
             <a:off x="481330" y="1279525"/>
-            <a:ext cx="6141085" cy="3455035"/>
+            <a:ext cx="6141720" cy="3455670"/>
           </a:xfrm>
           <a:prstGeom prst="rect">
             <a:avLst/>
@@ -2378,12 +2492,12 @@
           </a:ln>
         </p:spPr>
         <p:txBody>
-          <a:bodyPr vert="horz" wrap="square" lIns="0" tIns="0" rIns="0" bIns="0" anchor="t">
+          <a:bodyPr vert="horz" wrap="square" lIns="0" tIns="0" rIns="0" bIns="0" numCol="1" anchor="t">
             <a:noAutofit/>
           </a:bodyPr>
           <a:lstStyle/>
           <a:p>
-            <a:pPr marL="0" indent="0" algn="just" defTabSz="508000" fontAlgn="auto">
+            <a:pPr marL="0" indent="0" algn="just" defTabSz="508000" fontAlgn="auto" latinLnBrk="0">
               <a:lnSpc>
                 <a:spcPct val="100000"/>
               </a:lnSpc>
@@ -2410,7 +2524,7 @@
         <p:spPr>
           <a:xfrm>
             <a:off x="710565" y="4925060"/>
-            <a:ext cx="5683885" cy="4030345"/>
+            <a:ext cx="5684520" cy="4030980"/>
           </a:xfrm>
           <a:prstGeom prst="rect">
             <a:avLst/>
@@ -2446,7 +2560,7 @@
 </p:notes>
 </file>
 
-<file path=ppt/notesSlides/notesSlide26.xml><?xml version="1.0" encoding="utf-8"?>
+<file path=ppt/notesSlides/notesSlide3.xml><?xml version="1.0" encoding="utf-8"?>
 <p:notes xmlns:a="http://schemas.openxmlformats.org/drawingml/2006/main" xmlns:r="http://schemas.openxmlformats.org/officeDocument/2006/relationships" xmlns:p="http://schemas.openxmlformats.org/presentationml/2006/main">
   <p:cSld>
     <p:spTree>
@@ -2476,7 +2590,7 @@
         <p:spPr>
           <a:xfrm>
             <a:off x="481330" y="1279525"/>
-            <a:ext cx="6141085" cy="3455035"/>
+            <a:ext cx="6141720" cy="3455670"/>
           </a:xfrm>
           <a:prstGeom prst="rect">
             <a:avLst/>
@@ -2492,12 +2606,12 @@
           </a:ln>
         </p:spPr>
         <p:txBody>
-          <a:bodyPr vert="horz" wrap="square" lIns="0" tIns="0" rIns="0" bIns="0" anchor="t">
+          <a:bodyPr vert="horz" wrap="square" lIns="0" tIns="0" rIns="0" bIns="0" numCol="1" anchor="t">
             <a:noAutofit/>
           </a:bodyPr>
           <a:lstStyle/>
           <a:p>
-            <a:pPr marL="0" indent="0" algn="just" defTabSz="508000" fontAlgn="auto">
+            <a:pPr marL="0" indent="0" algn="just" defTabSz="508000" fontAlgn="auto" latinLnBrk="0">
               <a:lnSpc>
                 <a:spcPct val="100000"/>
               </a:lnSpc>
@@ -2524,235 +2638,7 @@
         <p:spPr>
           <a:xfrm>
             <a:off x="710565" y="4925060"/>
-            <a:ext cx="5683885" cy="4030345"/>
-          </a:xfrm>
-          <a:prstGeom prst="rect">
-            <a:avLst/>
-          </a:prstGeom>
-        </p:spPr>
-        <p:txBody>
-          <a:bodyPr vert="horz" wrap="square" lIns="91440" tIns="45720" rIns="91440" bIns="45720" numCol="1" anchor="t">
-            <a:noAutofit/>
-          </a:bodyPr>
-          <a:lstStyle/>
-          <a:p>
-            <a:pPr marL="0" indent="0" algn="l" defTabSz="914400" fontAlgn="auto" latinLnBrk="0">
-              <a:lnSpc>
-                <a:spcPct val="100000"/>
-              </a:lnSpc>
-              <a:spcBef>
-                <a:spcPts val="0"/>
-              </a:spcBef>
-              <a:spcAft>
-                <a:spcPts val="0"/>
-              </a:spcAft>
-              <a:buFontTx/>
-              <a:buNone/>
-            </a:pPr>
-          </a:p>
-        </p:txBody>
-      </p:sp>
-    </p:spTree>
-  </p:cSld>
-  <p:clrMapOvr>
-    <a:masterClrMapping/>
-  </p:clrMapOvr>
-</p:notes>
-</file>
-
-<file path=ppt/notesSlides/notesSlide28.xml><?xml version="1.0" encoding="utf-8"?>
-<p:notes xmlns:a="http://schemas.openxmlformats.org/drawingml/2006/main" xmlns:r="http://schemas.openxmlformats.org/officeDocument/2006/relationships" xmlns:p="http://schemas.openxmlformats.org/presentationml/2006/main">
-  <p:cSld>
-    <p:spTree>
-      <p:nvGrpSpPr>
-        <p:cNvPr id="1" name=""/>
-        <p:cNvGrpSpPr/>
-        <p:nvPr/>
-      </p:nvGrpSpPr>
-      <p:grpSpPr>
-        <a:xfrm>
-          <a:off x="0" y="0"/>
-          <a:ext cx="0" cy="0"/>
-          <a:chOff x="0" y="0"/>
-          <a:chExt cx="0" cy="0"/>
-        </a:xfrm>
-      </p:grpSpPr>
-      <p:sp>
-        <p:nvSpPr>
-          <p:cNvPr id="2" name="联机图片占位符 1"/>
-          <p:cNvSpPr>
-            <a:spLocks noChangeAspect="1"/>
-          </p:cNvSpPr>
-          <p:nvPr>
-            <p:ph type="sldImg"/>
-          </p:nvPr>
-        </p:nvSpPr>
-        <p:spPr>
-          <a:xfrm>
-            <a:off x="481330" y="1279525"/>
-            <a:ext cx="6141085" cy="3455035"/>
-          </a:xfrm>
-          <a:prstGeom prst="rect">
-            <a:avLst/>
-          </a:prstGeom>
-          <a:noFill/>
-          <a:ln w="12700" cap="flat" cmpd="sng">
-            <a:solidFill>
-              <a:srgbClr val="000000">
-                <a:alpha val="100000"/>
-              </a:srgbClr>
-            </a:solidFill>
-            <a:prstDash val="solid"/>
-          </a:ln>
-        </p:spPr>
-        <p:txBody>
-          <a:bodyPr vert="horz" wrap="square" lIns="0" tIns="0" rIns="0" bIns="0" anchor="t">
-            <a:noAutofit/>
-          </a:bodyPr>
-          <a:lstStyle/>
-          <a:p>
-            <a:pPr marL="0" indent="0" algn="just" defTabSz="508000" fontAlgn="auto">
-              <a:lnSpc>
-                <a:spcPct val="100000"/>
-              </a:lnSpc>
-              <a:spcBef>
-                <a:spcPts val="0"/>
-              </a:spcBef>
-              <a:spcAft>
-                <a:spcPts val="0"/>
-              </a:spcAft>
-              <a:buFontTx/>
-              <a:buNone/>
-            </a:pPr>
-          </a:p>
-        </p:txBody>
-      </p:sp>
-      <p:sp>
-        <p:nvSpPr>
-          <p:cNvPr id="3" name="文本占位符 2"/>
-          <p:cNvSpPr txBox="1"/>
-          <p:nvPr>
-            <p:ph type="body" idx="3"/>
-          </p:nvPr>
-        </p:nvSpPr>
-        <p:spPr>
-          <a:xfrm>
-            <a:off x="710565" y="4925060"/>
-            <a:ext cx="5683885" cy="4030345"/>
-          </a:xfrm>
-          <a:prstGeom prst="rect">
-            <a:avLst/>
-          </a:prstGeom>
-        </p:spPr>
-        <p:txBody>
-          <a:bodyPr vert="horz" wrap="square" lIns="91440" tIns="45720" rIns="91440" bIns="45720" numCol="1" anchor="t">
-            <a:noAutofit/>
-          </a:bodyPr>
-          <a:lstStyle/>
-          <a:p>
-            <a:pPr marL="0" indent="0" algn="l" defTabSz="914400" fontAlgn="auto" latinLnBrk="0">
-              <a:lnSpc>
-                <a:spcPct val="100000"/>
-              </a:lnSpc>
-              <a:spcBef>
-                <a:spcPts val="0"/>
-              </a:spcBef>
-              <a:spcAft>
-                <a:spcPts val="0"/>
-              </a:spcAft>
-              <a:buFontTx/>
-              <a:buNone/>
-            </a:pPr>
-          </a:p>
-        </p:txBody>
-      </p:sp>
-    </p:spTree>
-  </p:cSld>
-  <p:clrMapOvr>
-    <a:masterClrMapping/>
-  </p:clrMapOvr>
-</p:notes>
-</file>
-
-<file path=ppt/notesSlides/notesSlide29.xml><?xml version="1.0" encoding="utf-8"?>
-<p:notes xmlns:a="http://schemas.openxmlformats.org/drawingml/2006/main" xmlns:r="http://schemas.openxmlformats.org/officeDocument/2006/relationships" xmlns:p="http://schemas.openxmlformats.org/presentationml/2006/main">
-  <p:cSld>
-    <p:spTree>
-      <p:nvGrpSpPr>
-        <p:cNvPr id="1" name=""/>
-        <p:cNvGrpSpPr/>
-        <p:nvPr/>
-      </p:nvGrpSpPr>
-      <p:grpSpPr>
-        <a:xfrm>
-          <a:off x="0" y="0"/>
-          <a:ext cx="0" cy="0"/>
-          <a:chOff x="0" y="0"/>
-          <a:chExt cx="0" cy="0"/>
-        </a:xfrm>
-      </p:grpSpPr>
-      <p:sp>
-        <p:nvSpPr>
-          <p:cNvPr id="2" name="联机图片占位符 1"/>
-          <p:cNvSpPr>
-            <a:spLocks noChangeAspect="1"/>
-          </p:cNvSpPr>
-          <p:nvPr>
-            <p:ph type="sldImg"/>
-          </p:nvPr>
-        </p:nvSpPr>
-        <p:spPr>
-          <a:xfrm>
-            <a:off x="481330" y="1279525"/>
-            <a:ext cx="6141085" cy="3455035"/>
-          </a:xfrm>
-          <a:prstGeom prst="rect">
-            <a:avLst/>
-          </a:prstGeom>
-          <a:noFill/>
-          <a:ln w="12700" cap="flat" cmpd="sng">
-            <a:solidFill>
-              <a:srgbClr val="000000">
-                <a:alpha val="100000"/>
-              </a:srgbClr>
-            </a:solidFill>
-            <a:prstDash val="solid"/>
-          </a:ln>
-        </p:spPr>
-        <p:txBody>
-          <a:bodyPr vert="horz" wrap="square" lIns="0" tIns="0" rIns="0" bIns="0" anchor="t">
-            <a:noAutofit/>
-          </a:bodyPr>
-          <a:lstStyle/>
-          <a:p>
-            <a:pPr marL="0" indent="0" algn="just" defTabSz="508000" fontAlgn="auto">
-              <a:lnSpc>
-                <a:spcPct val="100000"/>
-              </a:lnSpc>
-              <a:spcBef>
-                <a:spcPts val="0"/>
-              </a:spcBef>
-              <a:spcAft>
-                <a:spcPts val="0"/>
-              </a:spcAft>
-              <a:buFontTx/>
-              <a:buNone/>
-            </a:pPr>
-          </a:p>
-        </p:txBody>
-      </p:sp>
-      <p:sp>
-        <p:nvSpPr>
-          <p:cNvPr id="3" name="文本占位符 2"/>
-          <p:cNvSpPr txBox="1"/>
-          <p:nvPr>
-            <p:ph type="body" idx="3"/>
-          </p:nvPr>
-        </p:nvSpPr>
-        <p:spPr>
-          <a:xfrm>
-            <a:off x="710565" y="4925060"/>
-            <a:ext cx="5683885" cy="4030345"/>
+            <a:ext cx="5684520" cy="4030980"/>
           </a:xfrm>
           <a:prstGeom prst="rect">
             <a:avLst/>
@@ -2902,120 +2788,6 @@
 </p:notes>
 </file>
 
-<file path=ppt/notesSlides/notesSlide45.xml><?xml version="1.0" encoding="utf-8"?>
-<p:notes xmlns:a="http://schemas.openxmlformats.org/drawingml/2006/main" xmlns:r="http://schemas.openxmlformats.org/officeDocument/2006/relationships" xmlns:p="http://schemas.openxmlformats.org/presentationml/2006/main">
-  <p:cSld>
-    <p:spTree>
-      <p:nvGrpSpPr>
-        <p:cNvPr id="1" name=""/>
-        <p:cNvGrpSpPr/>
-        <p:nvPr/>
-      </p:nvGrpSpPr>
-      <p:grpSpPr>
-        <a:xfrm>
-          <a:off x="0" y="0"/>
-          <a:ext cx="0" cy="0"/>
-          <a:chOff x="0" y="0"/>
-          <a:chExt cx="0" cy="0"/>
-        </a:xfrm>
-      </p:grpSpPr>
-      <p:sp>
-        <p:nvSpPr>
-          <p:cNvPr id="2" name="联机图片占位符 1"/>
-          <p:cNvSpPr>
-            <a:spLocks noChangeAspect="1"/>
-          </p:cNvSpPr>
-          <p:nvPr>
-            <p:ph type="sldImg"/>
-          </p:nvPr>
-        </p:nvSpPr>
-        <p:spPr>
-          <a:xfrm>
-            <a:off x="481330" y="1279525"/>
-            <a:ext cx="6141720" cy="3455670"/>
-          </a:xfrm>
-          <a:prstGeom prst="rect">
-            <a:avLst/>
-          </a:prstGeom>
-          <a:noFill/>
-          <a:ln w="12700" cap="flat" cmpd="sng">
-            <a:solidFill>
-              <a:srgbClr val="000000">
-                <a:alpha val="100000"/>
-              </a:srgbClr>
-            </a:solidFill>
-            <a:prstDash val="solid"/>
-          </a:ln>
-        </p:spPr>
-        <p:txBody>
-          <a:bodyPr vert="horz" wrap="square" lIns="0" tIns="0" rIns="0" bIns="0" numCol="1" anchor="t">
-            <a:noAutofit/>
-          </a:bodyPr>
-          <a:lstStyle/>
-          <a:p>
-            <a:pPr marL="0" indent="0" algn="just" defTabSz="508000" fontAlgn="auto" latinLnBrk="0">
-              <a:lnSpc>
-                <a:spcPct val="100000"/>
-              </a:lnSpc>
-              <a:spcBef>
-                <a:spcPts val="0"/>
-              </a:spcBef>
-              <a:spcAft>
-                <a:spcPts val="0"/>
-              </a:spcAft>
-              <a:buFontTx/>
-              <a:buNone/>
-            </a:pPr>
-          </a:p>
-        </p:txBody>
-      </p:sp>
-      <p:sp>
-        <p:nvSpPr>
-          <p:cNvPr id="3" name="文本占位符 2"/>
-          <p:cNvSpPr txBox="1"/>
-          <p:nvPr>
-            <p:ph type="body" idx="3"/>
-          </p:nvPr>
-        </p:nvSpPr>
-        <p:spPr>
-          <a:xfrm>
-            <a:off x="710565" y="4925060"/>
-            <a:ext cx="5684520" cy="4030980"/>
-          </a:xfrm>
-          <a:prstGeom prst="rect">
-            <a:avLst/>
-          </a:prstGeom>
-        </p:spPr>
-        <p:txBody>
-          <a:bodyPr vert="horz" wrap="square" lIns="91440" tIns="45720" rIns="91440" bIns="45720" numCol="1" anchor="t">
-            <a:noAutofit/>
-          </a:bodyPr>
-          <a:lstStyle/>
-          <a:p>
-            <a:pPr marL="0" indent="0" algn="l" defTabSz="914400" fontAlgn="auto" latinLnBrk="0">
-              <a:lnSpc>
-                <a:spcPct val="100000"/>
-              </a:lnSpc>
-              <a:spcBef>
-                <a:spcPts val="0"/>
-              </a:spcBef>
-              <a:spcAft>
-                <a:spcPts val="0"/>
-              </a:spcAft>
-              <a:buFontTx/>
-              <a:buNone/>
-            </a:pPr>
-          </a:p>
-        </p:txBody>
-      </p:sp>
-    </p:spTree>
-  </p:cSld>
-  <p:clrMapOvr>
-    <a:masterClrMapping/>
-  </p:clrMapOvr>
-</p:notes>
-</file>
-
 <file path=ppt/notesSlides/notesSlide5.xml><?xml version="1.0" encoding="utf-8"?>
 <p:notes xmlns:a="http://schemas.openxmlformats.org/drawingml/2006/main" xmlns:r="http://schemas.openxmlformats.org/officeDocument/2006/relationships" xmlns:p="http://schemas.openxmlformats.org/presentationml/2006/main">
   <p:cSld>
@@ -3131,6 +2903,234 @@
 </file>
 
 <file path=ppt/notesSlides/notesSlide6.xml><?xml version="1.0" encoding="utf-8"?>
+<p:notes xmlns:a="http://schemas.openxmlformats.org/drawingml/2006/main" xmlns:r="http://schemas.openxmlformats.org/officeDocument/2006/relationships" xmlns:p="http://schemas.openxmlformats.org/presentationml/2006/main">
+  <p:cSld>
+    <p:spTree>
+      <p:nvGrpSpPr>
+        <p:cNvPr id="1" name=""/>
+        <p:cNvGrpSpPr/>
+        <p:nvPr/>
+      </p:nvGrpSpPr>
+      <p:grpSpPr>
+        <a:xfrm>
+          <a:off x="0" y="0"/>
+          <a:ext cx="0" cy="0"/>
+          <a:chOff x="0" y="0"/>
+          <a:chExt cx="0" cy="0"/>
+        </a:xfrm>
+      </p:grpSpPr>
+      <p:sp>
+        <p:nvSpPr>
+          <p:cNvPr id="2" name="联机图片占位符 1"/>
+          <p:cNvSpPr>
+            <a:spLocks noChangeAspect="1"/>
+          </p:cNvSpPr>
+          <p:nvPr>
+            <p:ph type="sldImg"/>
+          </p:nvPr>
+        </p:nvSpPr>
+        <p:spPr>
+          <a:xfrm>
+            <a:off x="481330" y="1279525"/>
+            <a:ext cx="6141720" cy="3455670"/>
+          </a:xfrm>
+          <a:prstGeom prst="rect">
+            <a:avLst/>
+          </a:prstGeom>
+          <a:noFill/>
+          <a:ln w="12700" cap="flat" cmpd="sng">
+            <a:solidFill>
+              <a:srgbClr val="000000">
+                <a:alpha val="100000"/>
+              </a:srgbClr>
+            </a:solidFill>
+            <a:prstDash val="solid"/>
+          </a:ln>
+        </p:spPr>
+        <p:txBody>
+          <a:bodyPr vert="horz" wrap="square" lIns="0" tIns="0" rIns="0" bIns="0" numCol="1" anchor="t">
+            <a:noAutofit/>
+          </a:bodyPr>
+          <a:lstStyle/>
+          <a:p>
+            <a:pPr marL="0" indent="0" algn="just" defTabSz="508000" fontAlgn="auto" latinLnBrk="0">
+              <a:lnSpc>
+                <a:spcPct val="100000"/>
+              </a:lnSpc>
+              <a:spcBef>
+                <a:spcPts val="0"/>
+              </a:spcBef>
+              <a:spcAft>
+                <a:spcPts val="0"/>
+              </a:spcAft>
+              <a:buFontTx/>
+              <a:buNone/>
+            </a:pPr>
+          </a:p>
+        </p:txBody>
+      </p:sp>
+      <p:sp>
+        <p:nvSpPr>
+          <p:cNvPr id="3" name="文本占位符 2"/>
+          <p:cNvSpPr txBox="1"/>
+          <p:nvPr>
+            <p:ph type="body" idx="3"/>
+          </p:nvPr>
+        </p:nvSpPr>
+        <p:spPr>
+          <a:xfrm>
+            <a:off x="710565" y="4925060"/>
+            <a:ext cx="5684520" cy="4030980"/>
+          </a:xfrm>
+          <a:prstGeom prst="rect">
+            <a:avLst/>
+          </a:prstGeom>
+        </p:spPr>
+        <p:txBody>
+          <a:bodyPr vert="horz" wrap="square" lIns="91440" tIns="45720" rIns="91440" bIns="45720" numCol="1" anchor="t">
+            <a:noAutofit/>
+          </a:bodyPr>
+          <a:lstStyle/>
+          <a:p>
+            <a:pPr marL="0" indent="0" algn="l" defTabSz="914400" fontAlgn="auto" latinLnBrk="0">
+              <a:lnSpc>
+                <a:spcPct val="100000"/>
+              </a:lnSpc>
+              <a:spcBef>
+                <a:spcPts val="0"/>
+              </a:spcBef>
+              <a:spcAft>
+                <a:spcPts val="0"/>
+              </a:spcAft>
+              <a:buFontTx/>
+              <a:buNone/>
+            </a:pPr>
+          </a:p>
+        </p:txBody>
+      </p:sp>
+    </p:spTree>
+  </p:cSld>
+  <p:clrMapOvr>
+    <a:masterClrMapping/>
+  </p:clrMapOvr>
+</p:notes>
+</file>
+
+<file path=ppt/notesSlides/notesSlide7.xml><?xml version="1.0" encoding="utf-8"?>
+<p:notes xmlns:a="http://schemas.openxmlformats.org/drawingml/2006/main" xmlns:r="http://schemas.openxmlformats.org/officeDocument/2006/relationships" xmlns:p="http://schemas.openxmlformats.org/presentationml/2006/main">
+  <p:cSld>
+    <p:spTree>
+      <p:nvGrpSpPr>
+        <p:cNvPr id="1" name=""/>
+        <p:cNvGrpSpPr/>
+        <p:nvPr/>
+      </p:nvGrpSpPr>
+      <p:grpSpPr>
+        <a:xfrm>
+          <a:off x="0" y="0"/>
+          <a:ext cx="0" cy="0"/>
+          <a:chOff x="0" y="0"/>
+          <a:chExt cx="0" cy="0"/>
+        </a:xfrm>
+      </p:grpSpPr>
+      <p:sp>
+        <p:nvSpPr>
+          <p:cNvPr id="2" name="联机图片占位符 1"/>
+          <p:cNvSpPr>
+            <a:spLocks noChangeAspect="1"/>
+          </p:cNvSpPr>
+          <p:nvPr>
+            <p:ph type="sldImg"/>
+          </p:nvPr>
+        </p:nvSpPr>
+        <p:spPr>
+          <a:xfrm>
+            <a:off x="481330" y="1279525"/>
+            <a:ext cx="6141720" cy="3455670"/>
+          </a:xfrm>
+          <a:prstGeom prst="rect">
+            <a:avLst/>
+          </a:prstGeom>
+          <a:noFill/>
+          <a:ln w="12700" cap="flat" cmpd="sng">
+            <a:solidFill>
+              <a:srgbClr val="000000">
+                <a:alpha val="100000"/>
+              </a:srgbClr>
+            </a:solidFill>
+            <a:prstDash val="solid"/>
+          </a:ln>
+        </p:spPr>
+        <p:txBody>
+          <a:bodyPr vert="horz" wrap="square" lIns="0" tIns="0" rIns="0" bIns="0" numCol="1" anchor="t">
+            <a:noAutofit/>
+          </a:bodyPr>
+          <a:lstStyle/>
+          <a:p>
+            <a:pPr marL="0" indent="0" algn="just" defTabSz="508000" fontAlgn="auto" latinLnBrk="0">
+              <a:lnSpc>
+                <a:spcPct val="100000"/>
+              </a:lnSpc>
+              <a:spcBef>
+                <a:spcPts val="0"/>
+              </a:spcBef>
+              <a:spcAft>
+                <a:spcPts val="0"/>
+              </a:spcAft>
+              <a:buFontTx/>
+              <a:buNone/>
+            </a:pPr>
+          </a:p>
+        </p:txBody>
+      </p:sp>
+      <p:sp>
+        <p:nvSpPr>
+          <p:cNvPr id="3" name="文本占位符 2"/>
+          <p:cNvSpPr txBox="1"/>
+          <p:nvPr>
+            <p:ph type="body" idx="3"/>
+          </p:nvPr>
+        </p:nvSpPr>
+        <p:spPr>
+          <a:xfrm>
+            <a:off x="710565" y="4925060"/>
+            <a:ext cx="5684520" cy="4030980"/>
+          </a:xfrm>
+          <a:prstGeom prst="rect">
+            <a:avLst/>
+          </a:prstGeom>
+        </p:spPr>
+        <p:txBody>
+          <a:bodyPr vert="horz" wrap="square" lIns="91440" tIns="45720" rIns="91440" bIns="45720" numCol="1" anchor="t">
+            <a:noAutofit/>
+          </a:bodyPr>
+          <a:lstStyle/>
+          <a:p>
+            <a:pPr marL="0" indent="0" algn="l" defTabSz="914400" fontAlgn="auto" latinLnBrk="0">
+              <a:lnSpc>
+                <a:spcPct val="100000"/>
+              </a:lnSpc>
+              <a:spcBef>
+                <a:spcPts val="0"/>
+              </a:spcBef>
+              <a:spcAft>
+                <a:spcPts val="0"/>
+              </a:spcAft>
+              <a:buFontTx/>
+              <a:buNone/>
+            </a:pPr>
+          </a:p>
+        </p:txBody>
+      </p:sp>
+    </p:spTree>
+  </p:cSld>
+  <p:clrMapOvr>
+    <a:masterClrMapping/>
+  </p:clrMapOvr>
+</p:notes>
+</file>
+
+<file path=ppt/notesSlides/notesSlide8.xml><?xml version="1.0" encoding="utf-8"?>
 <p:notes xmlns:a="http://schemas.openxmlformats.org/drawingml/2006/main" xmlns:r="http://schemas.openxmlformats.org/officeDocument/2006/relationships" xmlns:p="http://schemas.openxmlformats.org/presentationml/2006/main">
   <p:cSld>
     <p:spTree>
@@ -8697,7 +8697,7 @@
         </p:nvSpPr>
         <p:spPr>
           <a:xfrm>
-            <a:off x="94615" y="943610"/>
+            <a:off x="79375" y="958850"/>
             <a:ext cx="11377930" cy="1855470"/>
           </a:xfrm>
           <a:prstGeom prst="rect">
@@ -10620,7 +10620,7 @@
 </file>
 
 <file path=ppt/slides/slide2.xml><?xml version="1.0" encoding="utf-8"?>
-<p:sld xmlns:a="http://schemas.openxmlformats.org/drawingml/2006/main" xmlns:r="http://schemas.openxmlformats.org/officeDocument/2006/relationships" xmlns:p="http://schemas.openxmlformats.org/presentationml/2006/main" xmlns:p14="http://schemas.microsoft.com/office/powerpoint/2010/main">
+<p:sld xmlns:a="http://schemas.openxmlformats.org/drawingml/2006/main" xmlns:r="http://schemas.openxmlformats.org/officeDocument/2006/relationships" xmlns:p="http://schemas.openxmlformats.org/presentationml/2006/main">
   <p:cSld>
     <p:spTree>
       <p:nvGrpSpPr>
@@ -10716,12 +10716,12 @@
           </a:prstGeom>
         </p:spPr>
         <p:txBody>
-          <a:bodyPr wrap="square" lIns="91440" tIns="45720" rIns="91440" bIns="45720" numCol="1" vert="horz" anchor="t">
+          <a:bodyPr vert="horz" wrap="square" lIns="91440" tIns="45720" rIns="91440" bIns="45720" numCol="1" anchor="t">
             <a:noAutofit/>
           </a:bodyPr>
           <a:lstStyle/>
           <a:p>
-            <a:pPr marL="228600" indent="-228600" algn="l" fontAlgn="auto" defTabSz="914400" latinLnBrk="0">
+            <a:pPr marL="228600" indent="-228600" algn="l" defTabSz="914400" fontAlgn="auto" latinLnBrk="0">
               <a:lnSpc>
                 <a:spcPct val="90000"/>
               </a:lnSpc>
@@ -10734,23 +10734,25 @@
               <a:buClr>
                 <a:srgbClr val="000000"/>
               </a:buClr>
-              <a:buFont typeface="Arial"/>
+              <a:buFont typeface="Arial" panose="020B0604020202020204"/>
               <a:buChar char="•"/>
             </a:pPr>
             <a:r>
-              <a:rPr lang="en-US" altLang="ko-KR" sz="3200" cap="none" dirty="0" smtClean="0" b="0" strike="noStrike">
-                <a:latin typeface="仿宋" charset="0"/>
-                <a:ea typeface="仿宋" charset="0"/>
+              <a:rPr lang="en-US" altLang="ko-KR" sz="3200" b="0" strike="noStrike" cap="none" dirty="0" smtClean="0">
+                <a:latin typeface="+mj-ea"/>
+                <a:ea typeface="+mj-ea"/>
+                <a:cs typeface="+mj-ea"/>
               </a:rPr>
               <a:t>自我介绍</a:t>
             </a:r>
-            <a:endParaRPr lang="ko-KR" altLang="en-US" sz="3200" cap="none" dirty="0" smtClean="0" b="0" strike="noStrike">
-              <a:latin typeface="仿宋" charset="0"/>
-              <a:ea typeface="仿宋" charset="0"/>
-            </a:endParaRPr>
-          </a:p>
-          <a:p>
-            <a:pPr marL="0" indent="0" algn="l" fontAlgn="auto" defTabSz="914400" latinLnBrk="0">
+            <a:endParaRPr lang="ko-KR" altLang="en-US" sz="3200" b="0" strike="noStrike" cap="none" dirty="0" smtClean="0">
+              <a:latin typeface="+mj-ea"/>
+              <a:ea typeface="+mj-ea"/>
+              <a:cs typeface="+mj-ea"/>
+            </a:endParaRPr>
+          </a:p>
+          <a:p>
+            <a:pPr marL="0" indent="0" algn="l" defTabSz="914400" fontAlgn="auto" latinLnBrk="0">
               <a:lnSpc>
                 <a:spcPct val="130000"/>
               </a:lnSpc>
@@ -10764,19 +10766,21 @@
               <a:buNone/>
             </a:pPr>
             <a:r>
-              <a:rPr lang="en-US" altLang="ko-KR" sz="2800" cap="none" dirty="0" smtClean="0" b="0" strike="noStrike">
-                <a:latin typeface="仿宋" charset="0"/>
-                <a:ea typeface="仿宋" charset="0"/>
+              <a:rPr lang="en-US" altLang="ko-KR" sz="2800" b="0" strike="noStrike" cap="none" dirty="0" smtClean="0">
+                <a:latin typeface="+mj-ea"/>
+                <a:ea typeface="+mj-ea"/>
+                <a:cs typeface="+mj-ea"/>
               </a:rPr>
               <a:t>   姓名：王小金</a:t>
             </a:r>
-            <a:endParaRPr lang="ko-KR" altLang="en-US" sz="2800" cap="none" dirty="0" smtClean="0" b="0" strike="noStrike">
-              <a:latin typeface="仿宋" charset="0"/>
-              <a:ea typeface="仿宋" charset="0"/>
-            </a:endParaRPr>
-          </a:p>
-          <a:p>
-            <a:pPr marL="0" indent="0" algn="l" fontAlgn="auto" defTabSz="914400" latinLnBrk="0">
+            <a:endParaRPr lang="ko-KR" altLang="en-US" sz="2800" b="0" strike="noStrike" cap="none" dirty="0" smtClean="0">
+              <a:latin typeface="+mj-ea"/>
+              <a:ea typeface="+mj-ea"/>
+              <a:cs typeface="+mj-ea"/>
+            </a:endParaRPr>
+          </a:p>
+          <a:p>
+            <a:pPr marL="0" indent="0" algn="l" defTabSz="914400" fontAlgn="auto" latinLnBrk="0">
               <a:lnSpc>
                 <a:spcPct val="130000"/>
               </a:lnSpc>
@@ -10790,26 +10794,21 @@
               <a:buNone/>
             </a:pPr>
             <a:r>
-              <a:rPr lang="en-US" altLang="ko-KR" sz="2800" cap="none" dirty="0" smtClean="0" b="0" strike="noStrike">
-                <a:latin typeface="仿宋" charset="0"/>
-                <a:ea typeface="仿宋" charset="0"/>
-              </a:rPr>
-              <a:t>   </a:t>
-            </a:r>
-            <a:r>
-              <a:rPr lang="en-US" altLang="ko-KR" sz="2800" cap="none" dirty="0" smtClean="0" b="0" strike="noStrike">
-                <a:latin typeface="仿宋" charset="0"/>
-                <a:ea typeface="仿宋" charset="0"/>
-              </a:rPr>
-              <a:t>职务：珠峰css讲师	</a:t>
-            </a:r>
-            <a:endParaRPr lang="ko-KR" altLang="en-US" sz="2800" cap="none" dirty="0" smtClean="0" b="0" strike="noStrike">
-              <a:latin typeface="仿宋" charset="0"/>
-              <a:ea typeface="仿宋" charset="0"/>
-            </a:endParaRPr>
-          </a:p>
-          <a:p>
-            <a:pPr marL="0" indent="0" algn="l" fontAlgn="auto" defTabSz="914400" latinLnBrk="0">
+              <a:rPr lang="en-US" altLang="ko-KR" sz="2800" b="0" strike="noStrike" cap="none" dirty="0" smtClean="0">
+                <a:latin typeface="+mj-ea"/>
+                <a:ea typeface="+mj-ea"/>
+                <a:cs typeface="+mj-ea"/>
+              </a:rPr>
+              <a:t>   职务：珠峰css讲师	</a:t>
+            </a:r>
+            <a:endParaRPr lang="ko-KR" altLang="en-US" sz="2800" b="0" strike="noStrike" cap="none" dirty="0" smtClean="0">
+              <a:latin typeface="+mj-ea"/>
+              <a:ea typeface="+mj-ea"/>
+              <a:cs typeface="+mj-ea"/>
+            </a:endParaRPr>
+          </a:p>
+          <a:p>
+            <a:pPr marL="0" indent="0" algn="l" defTabSz="914400" fontAlgn="auto" latinLnBrk="0">
               <a:lnSpc>
                 <a:spcPct val="130000"/>
               </a:lnSpc>
@@ -10823,19 +10822,21 @@
               <a:buNone/>
             </a:pPr>
             <a:r>
-              <a:rPr lang="en-US" altLang="ko-KR" sz="2800" cap="none" dirty="0" smtClean="0" b="0" strike="noStrike">
-                <a:latin typeface="仿宋" charset="0"/>
-                <a:ea typeface="仿宋" charset="0"/>
+              <a:rPr lang="en-US" altLang="ko-KR" sz="2800" b="0" strike="noStrike" cap="none" dirty="0" smtClean="0">
+                <a:latin typeface="+mj-ea"/>
+                <a:ea typeface="+mj-ea"/>
+                <a:cs typeface="+mj-ea"/>
               </a:rPr>
               <a:t>   联系方式：400-180-6960  </a:t>
             </a:r>
-            <a:endParaRPr lang="ko-KR" altLang="en-US" sz="2800" cap="none" dirty="0" smtClean="0" b="0" strike="noStrike">
-              <a:latin typeface="仿宋" charset="0"/>
-              <a:ea typeface="仿宋" charset="0"/>
-            </a:endParaRPr>
-          </a:p>
-          <a:p>
-            <a:pPr marL="0" indent="0" algn="l" fontAlgn="auto" defTabSz="914400" latinLnBrk="0">
+            <a:endParaRPr lang="ko-KR" altLang="en-US" sz="2800" b="0" strike="noStrike" cap="none" dirty="0" smtClean="0">
+              <a:latin typeface="+mj-ea"/>
+              <a:ea typeface="+mj-ea"/>
+              <a:cs typeface="+mj-ea"/>
+            </a:endParaRPr>
+          </a:p>
+          <a:p>
+            <a:pPr marL="0" indent="0" algn="l" defTabSz="914400" fontAlgn="auto" latinLnBrk="0">
               <a:lnSpc>
                 <a:spcPct val="130000"/>
               </a:lnSpc>
@@ -10849,19 +10850,21 @@
               <a:buNone/>
             </a:pPr>
             <a:r>
-              <a:rPr lang="en-US" altLang="ko-KR" sz="2800" cap="none" dirty="0" smtClean="0" b="0" strike="noStrike">
-                <a:latin typeface="仿宋" charset="0"/>
-                <a:ea typeface="仿宋" charset="0"/>
+              <a:rPr lang="en-US" altLang="ko-KR" sz="2800" b="0" strike="noStrike" cap="none" dirty="0" smtClean="0">
+                <a:latin typeface="+mj-ea"/>
+                <a:ea typeface="+mj-ea"/>
+                <a:cs typeface="+mj-ea"/>
               </a:rPr>
               <a:t>   微信：(扫描右侧二维码) </a:t>
             </a:r>
-            <a:endParaRPr lang="ko-KR" altLang="en-US" sz="2800" cap="none" dirty="0" smtClean="0" b="0" strike="noStrike">
-              <a:latin typeface="仿宋" charset="0"/>
-              <a:ea typeface="仿宋" charset="0"/>
-            </a:endParaRPr>
-          </a:p>
-          <a:p>
-            <a:pPr marL="228600" indent="-228600" algn="l" fontAlgn="auto" defTabSz="914400" latinLnBrk="0">
+            <a:endParaRPr lang="ko-KR" altLang="en-US" sz="2800" b="0" strike="noStrike" cap="none" dirty="0" smtClean="0">
+              <a:latin typeface="+mj-ea"/>
+              <a:ea typeface="+mj-ea"/>
+              <a:cs typeface="+mj-ea"/>
+            </a:endParaRPr>
+          </a:p>
+          <a:p>
+            <a:pPr marL="228600" indent="-228600" algn="l" defTabSz="914400" fontAlgn="auto" latinLnBrk="0">
               <a:lnSpc>
                 <a:spcPct val="90000"/>
               </a:lnSpc>
@@ -10874,30 +10877,32 @@
               <a:buClr>
                 <a:srgbClr val="000000"/>
               </a:buClr>
-              <a:buFont typeface="宋体"/>
+              <a:buFont typeface="宋体" panose="02010600030101010101" pitchFamily="2" charset="-122"/>
               <a:buChar char="•"/>
             </a:pPr>
             <a:r>
-              <a:rPr lang="en-US" altLang="ko-KR" sz="2800" cap="none" dirty="0" smtClean="0" b="0" strike="noStrike">
-                <a:latin typeface="仿宋" charset="0"/>
-                <a:ea typeface="仿宋" charset="0"/>
+              <a:rPr lang="en-US" altLang="ko-KR" sz="2800" b="0" strike="noStrike" cap="none" dirty="0" smtClean="0">
+                <a:latin typeface="+mj-ea"/>
+                <a:ea typeface="+mj-ea"/>
+                <a:cs typeface="+mj-ea"/>
               </a:rPr>
               <a:t>  16期QQ：</a:t>
             </a:r>
             <a:r>
-              <a:rPr lang="en-US" altLang="ko-KR" sz="3200" cap="none" dirty="0" smtClean="0" b="0" strike="noStrike">
-                <a:latin typeface="仿宋" charset="0"/>
-                <a:ea typeface="仿宋" charset="0"/>
+              <a:rPr lang="en-US" altLang="ko-KR" sz="3200" b="0" strike="noStrike" cap="none" dirty="0" smtClean="0">
+                <a:latin typeface="+mj-ea"/>
+                <a:ea typeface="+mj-ea"/>
+                <a:cs typeface="+mj-ea"/>
               </a:rPr>
               <a:t>609979250</a:t>
             </a:r>
-            <a:endParaRPr lang="ko-KR" altLang="en-US" sz="2800" cap="none" dirty="0" smtClean="0" b="0" strike="noStrike">
+            <a:endParaRPr lang="ko-KR" altLang="en-US" sz="2800" b="0" strike="noStrike" cap="none" dirty="0" smtClean="0">
               <a:latin typeface="仿宋" charset="0"/>
               <a:ea typeface="仿宋" charset="0"/>
             </a:endParaRPr>
           </a:p>
           <a:p>
-            <a:pPr marL="0" indent="0" algn="l" fontAlgn="auto" defTabSz="914400" latinLnBrk="0">
+            <a:pPr marL="0" indent="0" algn="l" defTabSz="914400" fontAlgn="auto" latinLnBrk="0">
               <a:lnSpc>
                 <a:spcPct val="130000"/>
               </a:lnSpc>
@@ -10910,13 +10915,13 @@
               <a:buFontTx/>
               <a:buNone/>
             </a:pPr>
-            <a:endParaRPr lang="ko-KR" altLang="en-US" sz="2400" cap="none" dirty="0" smtClean="0" b="0" strike="noStrike">
+            <a:endParaRPr lang="ko-KR" altLang="en-US" sz="2400" b="0" strike="noStrike" cap="none" dirty="0" smtClean="0">
               <a:latin typeface="Adobe 仿宋 Std R" charset="0"/>
               <a:ea typeface="Adobe 仿宋 Std R" charset="0"/>
             </a:endParaRPr>
           </a:p>
           <a:p>
-            <a:pPr marL="0" indent="0" algn="l" fontAlgn="auto" defTabSz="914400" latinLnBrk="0">
+            <a:pPr marL="0" indent="0" algn="l" defTabSz="914400" fontAlgn="auto" latinLnBrk="0">
               <a:lnSpc>
                 <a:spcPct val="130000"/>
               </a:lnSpc>
@@ -10930,20 +10935,20 @@
               <a:buNone/>
             </a:pPr>
             <a:r>
-              <a:rPr lang="en-US" altLang="ko-KR" sz="2800" cap="none" dirty="0" smtClean="0" b="0" strike="noStrike">
+              <a:rPr lang="en-US" altLang="ko-KR" sz="2800" b="0" strike="noStrike" cap="none" dirty="0" smtClean="0">
                 <a:latin typeface="Adobe 仿宋 Std R" charset="0"/>
                 <a:ea typeface="Adobe 仿宋 Std R" charset="0"/>
               </a:rPr>
               <a:t>   </a:t>
             </a:r>
             <a:r>
-              <a:rPr lang="en-US" altLang="ko-KR" sz="2400" cap="none" dirty="0" smtClean="0" b="0" strike="noStrike">
+              <a:rPr lang="en-US" altLang="ko-KR" sz="2400" b="0" strike="noStrike" cap="none" dirty="0" smtClean="0">
                 <a:latin typeface="Adobe 仿宋 Std R" charset="0"/>
                 <a:ea typeface="Adobe 仿宋 Std R" charset="0"/>
               </a:rPr>
               <a:t>  </a:t>
             </a:r>
-            <a:endParaRPr lang="ko-KR" altLang="en-US" sz="2400" cap="none" dirty="0" smtClean="0" b="0" strike="noStrike">
+            <a:endParaRPr lang="ko-KR" altLang="en-US" sz="2400" b="0" strike="noStrike" cap="none" dirty="0" smtClean="0">
               <a:latin typeface="Adobe 仿宋 Std R" charset="0"/>
               <a:ea typeface="Adobe 仿宋 Std R" charset="0"/>
             </a:endParaRPr>
@@ -13172,27 +13177,27 @@
       <p:sp>
         <p:nvSpPr>
           <p:cNvPr id="2" name="文本占位符 1"/>
-          <p:cNvSpPr txBox="1">
-            <a:spLocks/>
-          </p:cNvSpPr>
+          <p:cNvSpPr txBox="1"/>
           <p:nvPr>
             <p:ph type="title"/>
           </p:nvPr>
         </p:nvSpPr>
         <p:spPr>
-          <a:xfrm rot="0">
+          <a:xfrm>
             <a:off x="838200" y="365125"/>
             <a:ext cx="10516235" cy="1326515"/>
           </a:xfrm>
-          <a:prstGeom prst="rect"/>
-        </p:spPr>
-        <p:txBody>
-          <a:bodyPr wrap="square" lIns="91440" tIns="45720" rIns="91440" bIns="45720" numCol="1" vert="horz" anchor="t">
+          <a:prstGeom prst="rect">
+            <a:avLst/>
+          </a:prstGeom>
+        </p:spPr>
+        <p:txBody>
+          <a:bodyPr vert="horz" wrap="square" lIns="91440" tIns="45720" rIns="91440" bIns="45720" numCol="1" anchor="t">
             <a:noAutofit/>
           </a:bodyPr>
           <a:lstStyle/>
           <a:p>
-            <a:pPr marL="0" indent="0" algn="l" fontAlgn="auto" defTabSz="914400" latinLnBrk="0">
+            <a:pPr marL="0" indent="0" algn="l" defTabSz="914400" fontAlgn="auto" latinLnBrk="0">
               <a:lnSpc>
                 <a:spcPct val="90000"/>
               </a:lnSpc>
@@ -13205,9 +13210,9 @@
               <a:buFontTx/>
               <a:buNone/>
             </a:pPr>
-            <a:endParaRPr lang="ko-KR" altLang="en-US" sz="4400" cap="none" dirty="0" smtClean="0" b="0" strike="noStrike">
-              <a:latin typeface="宋体" charset="0"/>
-              <a:ea typeface="宋体" charset="0"/>
+            <a:endParaRPr lang="ko-KR" altLang="en-US" sz="4400" b="0" strike="noStrike" cap="none" dirty="0" smtClean="0">
+              <a:latin typeface="宋体" panose="02010600030101010101" pitchFamily="2" charset="-122"/>
+              <a:ea typeface="宋体" panose="02010600030101010101" pitchFamily="2" charset="-122"/>
             </a:endParaRPr>
           </a:p>
         </p:txBody>
@@ -13215,27 +13220,27 @@
       <p:sp>
         <p:nvSpPr>
           <p:cNvPr id="3" name="内容占位符 2"/>
-          <p:cNvSpPr txBox="1">
-            <a:spLocks/>
-          </p:cNvSpPr>
+          <p:cNvSpPr txBox="1"/>
           <p:nvPr>
-            <p:ph type="obj" idx="1"/>
+            <p:ph idx="1"/>
           </p:nvPr>
         </p:nvSpPr>
         <p:spPr>
-          <a:xfrm rot="0">
+          <a:xfrm>
             <a:off x="838200" y="1825625"/>
             <a:ext cx="10516235" cy="4352290"/>
           </a:xfrm>
-          <a:prstGeom prst="rect"/>
-        </p:spPr>
-        <p:txBody>
-          <a:bodyPr wrap="square" lIns="91440" tIns="45720" rIns="91440" bIns="45720" numCol="1" vert="horz" anchor="t">
+          <a:prstGeom prst="rect">
+            <a:avLst/>
+          </a:prstGeom>
+        </p:spPr>
+        <p:txBody>
+          <a:bodyPr vert="horz" wrap="square" lIns="91440" tIns="45720" rIns="91440" bIns="45720" numCol="1" anchor="t">
             <a:noAutofit/>
           </a:bodyPr>
           <a:lstStyle/>
           <a:p>
-            <a:pPr marL="228600" indent="-228600" algn="l" fontAlgn="auto" defTabSz="914400" latinLnBrk="0">
+            <a:pPr marL="228600" indent="-228600" algn="l" defTabSz="914400" fontAlgn="auto" latinLnBrk="0">
               <a:lnSpc>
                 <a:spcPct val="90000"/>
               </a:lnSpc>
@@ -13245,29 +13250,31 @@
               <a:spcAft>
                 <a:spcPts val="0"/>
               </a:spcAft>
-              <a:buFont typeface="宋体"/>
+              <a:buFont typeface="宋体" panose="02010600030101010101" pitchFamily="2" charset="-122"/>
               <a:buChar char="•"/>
             </a:pPr>
             <a:r>
-              <a:rPr lang="en-US" altLang="ko-KR" sz="2400" cap="none" dirty="0" smtClean="0" b="0" strike="noStrike">
+              <a:rPr lang="en-US" altLang="ko-KR" sz="2400" b="0" strike="noStrike" cap="none" dirty="0" smtClean="0">
                 <a:solidFill>
                   <a:srgbClr val="333333"/>
                 </a:solidFill>
-                <a:latin typeface="仿宋" charset="0"/>
-                <a:ea typeface="仿宋" charset="0"/>
+                <a:latin typeface="+mj-ea"/>
+                <a:ea typeface="+mj-ea"/>
+                <a:cs typeface="+mj-ea"/>
               </a:rPr>
               <a:t>0.0.0.0 account.jetbrains.com 复制到电脑的 C:\windows\System32\drivers\etc 下面的hots中最后的位置</a:t>
             </a:r>
-            <a:endParaRPr lang="ko-KR" altLang="en-US" sz="2400" cap="none" dirty="0" smtClean="0" b="0" strike="noStrike">
+            <a:endParaRPr lang="ko-KR" altLang="en-US" sz="2400" b="0" strike="noStrike" cap="none" dirty="0" smtClean="0">
               <a:solidFill>
                 <a:srgbClr val="333333"/>
               </a:solidFill>
-              <a:latin typeface="仿宋" charset="0"/>
-              <a:ea typeface="仿宋" charset="0"/>
-            </a:endParaRPr>
-          </a:p>
-          <a:p>
-            <a:pPr marL="228600" indent="-228600" algn="l" fontAlgn="auto" defTabSz="914400" latinLnBrk="0">
+              <a:latin typeface="+mj-ea"/>
+              <a:ea typeface="+mj-ea"/>
+              <a:cs typeface="+mj-ea"/>
+            </a:endParaRPr>
+          </a:p>
+          <a:p>
+            <a:pPr marL="228600" indent="-228600" algn="l" defTabSz="914400" fontAlgn="auto" latinLnBrk="0">
               <a:lnSpc>
                 <a:spcPct val="90000"/>
               </a:lnSpc>
@@ -13277,19 +13284,20 @@
               <a:spcAft>
                 <a:spcPts val="0"/>
               </a:spcAft>
-              <a:buFont typeface="宋体"/>
+              <a:buFont typeface="宋体" panose="02010600030101010101" pitchFamily="2" charset="-122"/>
               <a:buChar char="•"/>
             </a:pPr>
-            <a:endParaRPr lang="ko-KR" altLang="en-US" sz="2400" cap="none" dirty="0" smtClean="0" b="0" strike="noStrike">
+            <a:endParaRPr lang="ko-KR" altLang="en-US" sz="2400" b="0" strike="noStrike" cap="none" dirty="0" smtClean="0">
               <a:solidFill>
                 <a:srgbClr val="333333"/>
               </a:solidFill>
-              <a:latin typeface="仿宋" charset="0"/>
-              <a:ea typeface="仿宋" charset="0"/>
-            </a:endParaRPr>
-          </a:p>
-          <a:p>
-            <a:pPr marL="228600" indent="-228600" algn="l" fontAlgn="auto" defTabSz="914400" latinLnBrk="0">
+              <a:latin typeface="+mj-ea"/>
+              <a:ea typeface="+mj-ea"/>
+              <a:cs typeface="+mj-ea"/>
+            </a:endParaRPr>
+          </a:p>
+          <a:p>
+            <a:pPr marL="228600" indent="-228600" algn="l" defTabSz="914400" fontAlgn="auto" latinLnBrk="0">
               <a:lnSpc>
                 <a:spcPct val="90000"/>
               </a:lnSpc>
@@ -13299,29 +13307,31 @@
               <a:spcAft>
                 <a:spcPts val="0"/>
               </a:spcAft>
-              <a:buFont typeface="宋体"/>
+              <a:buFont typeface="宋体" panose="02010600030101010101" pitchFamily="2" charset="-122"/>
               <a:buChar char="•"/>
             </a:pPr>
             <a:r>
-              <a:rPr lang="en-US" altLang="ko-KR" sz="2400" cap="none" dirty="0" smtClean="0" b="0" strike="noStrike">
+              <a:rPr lang="en-US" altLang="ko-KR" sz="2400" b="0" strike="noStrike" cap="none" dirty="0" smtClean="0">
                 <a:solidFill>
                   <a:srgbClr val="333333"/>
                 </a:solidFill>
-                <a:latin typeface="仿宋" charset="0"/>
-                <a:ea typeface="仿宋" charset="0"/>
+                <a:latin typeface="+mj-ea"/>
+                <a:ea typeface="+mj-ea"/>
+                <a:cs typeface="+mj-ea"/>
               </a:rPr>
               <a:t>在http://idea.lanyus.com/ 这个网址中点击获取激活码</a:t>
             </a:r>
-            <a:endParaRPr lang="ko-KR" altLang="en-US" sz="2400" cap="none" dirty="0" smtClean="0" b="0" strike="noStrike">
+            <a:endParaRPr lang="ko-KR" altLang="en-US" sz="2400" b="0" strike="noStrike" cap="none" dirty="0" smtClean="0">
               <a:solidFill>
                 <a:srgbClr val="333333"/>
               </a:solidFill>
-              <a:latin typeface="仿宋" charset="0"/>
-              <a:ea typeface="仿宋" charset="0"/>
-            </a:endParaRPr>
-          </a:p>
-          <a:p>
-            <a:pPr marL="228600" indent="-228600" algn="l" fontAlgn="auto" defTabSz="914400" latinLnBrk="0">
+              <a:latin typeface="+mj-ea"/>
+              <a:ea typeface="+mj-ea"/>
+              <a:cs typeface="+mj-ea"/>
+            </a:endParaRPr>
+          </a:p>
+          <a:p>
+            <a:pPr marL="228600" indent="-228600" algn="l" defTabSz="914400" fontAlgn="auto" latinLnBrk="0">
               <a:lnSpc>
                 <a:spcPct val="90000"/>
               </a:lnSpc>
@@ -13331,22 +13341,24 @@
               <a:spcAft>
                 <a:spcPts val="0"/>
               </a:spcAft>
-              <a:buFont typeface="宋体"/>
+              <a:buFont typeface="宋体" panose="02010600030101010101" pitchFamily="2" charset="-122"/>
               <a:buChar char="•"/>
             </a:pPr>
             <a:r>
-              <a:rPr lang="en-US" altLang="ko-KR" sz="2400" cap="none" dirty="0" smtClean="0" b="0" strike="noStrike">
+              <a:rPr lang="en-US" altLang="ko-KR" sz="2400" b="0" strike="noStrike" cap="none" dirty="0" smtClean="0">
                 <a:solidFill>
                   <a:srgbClr val="333333"/>
                 </a:solidFill>
-                <a:latin typeface="仿宋" charset="0"/>
-                <a:ea typeface="仿宋" charset="0"/>
+                <a:latin typeface="+mj-ea"/>
+                <a:ea typeface="+mj-ea"/>
+                <a:cs typeface="+mj-ea"/>
               </a:rPr>
               <a:t>K71U8DBPNE-eyJsaWNlbnNlSWQiOiJLNzFVOERCUE5FIiwibGljZW5zZWVOYW1lIjoibGFuIHl1IiwiYXNzaWduZWVOYW1lIjoiIiwiYXNzaWduZWVFbWFpbCI6IiIsImxpY2Vuc2VSZXN0cmljdGlvbiI6IkZvciBlZHVjYXRpb25hbCB1c2Ugb25seSIsImNoZWNrQ29uY3VycmVudFVzZSI6ZmFsc2UsInByb2R1Y3RzIjpbeyJjb2RlIjoiSUkiLCJwYWlkVXBUbyI6IjIwMTktMDUtMDQifSx7ImNvZGUiOiJSUzAiLCJwYWlkVXBUbyI6IjIwMTktMDUtMDQifSx7ImNvZGUiOiJXUyIsInBhaWRVcFRvIjoiMjAxOS0wNS0wNCJ9LHsiY29kZSI6IlJEIiwicGFpZFVwVG8iOiIyMDE5LTA1LTA0In0seyJjb2RlIjoiUkMiLCJwYWlkVXBUbyI6IjIwMTktMDUtMDQifSx7ImNvZGUiOiJEQyIsInBhaWRVcFRvIjoiMjAxOS0wNS0wNCJ9LHsiY29kZSI6IkRCIiwicGFpZFVwVG8iOiIyMDE5LTA1LTA0In0seyJjb2RlIjoiUk0iLCJwYWlkVXBUbyI6IjIwMTktMDUtMDQifSx7ImNvZGUiOiJETSIsInBhaWRVcFRvIjoiMjAxOS0wNS0wNCJ9LHsiY29kZSI6IkFDIiwicGFpZFVwVG8iOiIyMDE5LTA1LTA0In0seyJjb2RlIjoiRFBOIiwicGFpZFVwVG8iOiIyMDE5LTA1LTA0In0seyJjb2RlIjoiR08iLCJwYWlkVXBUbyI6IjIwMTktMDUtMDQifSx7ImNvZGUiOiJQUyIsInBhaWRVcFRvIjoiMjAxOS0wNS0wNCJ9LHsiY29kZSI6IkNMIiwicGFpZFVwVG8iOiIyMDE5LTA1LTA0In0seyJjb2RlIjoiUEMiLCJwYWlkVXBUbyI6IjIwMTktMDUtMDQifSx7ImNvZGUiOiJSU1UiLCJwYWlkVXBUbyI6IjIwMTktMDUtMDQifV0sImhhc2giOiI4OTA4Mjg5LzAiLCJncmFjZVBlcmlvZERheXMiOjAsImF1dG9Qcm9sb25nYXRlZCI6ZmFsc2UsImlzQXV0b1Byb2xvbmdhdGVkIjpmYWxzZX0=-Owt3/+LdCpedvF0eQ8635yYt0+ZLtCfIHOKzSrx5hBtbKGYRPFDrdgQAK6lJjexl2emLBcUq729K1+ukY9Js0nx1NH09l9Rw4c7k9wUksLl6RWx7Hcdcma1AHolfSp79NynSMZzQQLFohNyjD+dXfXM5GYd2OTHya0zYjTNMmAJuuRsapJMP9F1z7UTpMpLMxS/JaCWdyX6qIs+funJdPF7bjzYAQBvtbz+6SANBgN36gG1B2xHhccTn6WE8vagwwSNuM70egpahcTktoHxI7uS1JGN9gKAr6nbp+8DbFz3a2wd+XoF3nSJb/d2f/6zJR8yJF8AOyb30kwg3zf5cWw==-MIIEPjCCAiagAwIBAgIBBTANBgkqhkiG9w0BAQsFADAYMRYwFAYDVQQDDA1KZXRQcm9maWxlIENBMB4XDTE1MTEwMjA4MjE0OFoXDTE4MTEwMTA4MjE0OFowETEPMA0GA1UEAwwGcHJvZDN5MIIBIjANBgkqhkiG9w0BAQEFAAOCAQ8AMIIBCgKCAQEAxcQkq+zdxlR2mmRYBPzGbUNdMN6OaXiXzxIWtMEkrJMO/5oUfQJbLLuMSMK0QHFmaI37WShyxZcfRCidwXjot4zmNBKnlyHodDij/78TmVqFl8nOeD5+07B8VEaIu7c3E1N+e1doC6wht4I4+IEmtsPAdoaj5WCQVQbrI8KeT8M9VcBIWX7fD0fhexfg3ZRt0xqwMcXGNp3DdJHiO0rCdU+Itv7EmtnSVq9jBG1usMSFvMowR25mju2JcPFp1+I4ZI+FqgR8gyG8oiNDyNEoAbsR3lOpI7grUYSvkB/xVy/VoklPCK2h0f0GJxFjnye8NT1PAywoyl7RmiAVRE/EKwIDAQABo4GZMIGWMAkGA1UdEwQCMAAwHQYDVR0OBBYEFGEpG9oZGcfLMGNBkY7SgHiMGgTcMEgGA1UdIwRBMD+AFKOetkhnQhI2Qb1t4Lm0oFKLl/GzoRykGjAYMRYwFAYDVQQDDA1KZXRQcm9maWxlIENBggkA0myxg7KDeeEwEwYDVR0lBAwwCgYIKwYBBQUHAwEwCwYDVR0PBAQDAgWgMA0GCSqGSIb3DQEBCwUAA4ICAQC9WZuYgQedSuOc5TOUSrRigMw4/+wuC5EtZBfvdl4HT/8vzMW/oUlIP4YCvA0XKyBaCJ2iX+ZCDKoPfiYXiaSiH+HxAPV6J79vvouxKrWg2XV6ShFtPLP+0gPdGq3x9R3+kJbmAm8w+FOdlWqAfJrLvpzMGNeDU14YGXiZ9bVzmIQbwrBA+c/F4tlK/DV07dsNExihqFoibnqDiVNTGombaU2dDup2gwKdL81ua8EIcGNExHe82kjF4zwfadHk3bQVvbfdAwxcDy4xBjs3L4raPLU3yenSzr/OEur1+jfOxnQSmEcMXKXgrAQ9U55gwjcOFKrgOxEdek/Sk1VfOjvS+nuM4eyEruFMfaZHzoQiuw4IqgGc45ohFH0UUyjYcuFxxDSU9lMCv8qdHKm+wnPRb0l9l5vXsCBDuhAGYD6ss+Ga+aDY6f/qXZuUCEUOH3QUNbbCUlviSz6+GiRnt1kA9N2Qachl+2yBfaqUqr8h7Z2gsx5LcIf5kYNsqJ0GavXTVyWh7PYiKX4bs354ZQLUwwa/cG++2+wNWP+HtBhVxMRNTdVhSm38AknZlD+PTAsWGu9GyLmhti2EnVwGybSD2Dxmhxk3IPCkhKAK+pl0eWYGZWG3tJ9mZ7SowcXLWDFAk0lRJnKGFMTggrWjV8GYpw5bq23VmIqqDLgkNzuoog==</a:t>
             </a:r>
-            <a:endParaRPr lang="ko-KR" altLang="en-US" sz="2400" cap="none" dirty="0" smtClean="0" b="0" strike="noStrike">
-              <a:latin typeface="仿宋" charset="0"/>
-              <a:ea typeface="仿宋" charset="0"/>
+            <a:endParaRPr lang="ko-KR" altLang="en-US" sz="2400" b="0" strike="noStrike" cap="none" dirty="0" smtClean="0">
+              <a:latin typeface="+mj-ea"/>
+              <a:ea typeface="+mj-ea"/>
+              <a:cs typeface="+mj-ea"/>
             </a:endParaRPr>
           </a:p>
         </p:txBody>
@@ -13960,7 +13972,7 @@
 </file>
 
 <file path=ppt/slides/slide3.xml><?xml version="1.0" encoding="utf-8"?>
-<p:sld xmlns:a="http://schemas.openxmlformats.org/drawingml/2006/main" xmlns:r="http://schemas.openxmlformats.org/officeDocument/2006/relationships" xmlns:p="http://schemas.openxmlformats.org/presentationml/2006/main" xmlns:p14="http://schemas.microsoft.com/office/powerpoint/2010/main">
+<p:sld xmlns:a="http://schemas.openxmlformats.org/drawingml/2006/main" xmlns:r="http://schemas.openxmlformats.org/officeDocument/2006/relationships" xmlns:p="http://schemas.openxmlformats.org/presentationml/2006/main">
   <p:cSld>
     <p:spTree>
       <p:nvGrpSpPr>
@@ -14009,12 +14021,12 @@
           </a:xfrm>
         </p:spPr>
         <p:txBody>
-          <a:bodyPr wrap="square" lIns="91440" tIns="45720" rIns="91440" bIns="45720" numCol="1" vert="horz" anchor="t">
+          <a:bodyPr vert="horz" wrap="square" lIns="91440" tIns="45720" rIns="91440" bIns="45720" numCol="1" anchor="t">
             <a:noAutofit/>
           </a:bodyPr>
           <a:lstStyle/>
           <a:p>
-            <a:pPr marL="0" indent="0" algn="l" fontAlgn="auto" defTabSz="914400" latinLnBrk="0">
+            <a:pPr marL="0" indent="0" algn="l" defTabSz="914400" fontAlgn="auto" latinLnBrk="0">
               <a:lnSpc>
                 <a:spcPct val="90000"/>
               </a:lnSpc>
@@ -14027,9 +14039,94 @@
               <a:buFontTx/>
               <a:buNone/>
             </a:pPr>
-            <a:endParaRPr lang="ko-KR" altLang="en-US" sz="2800" cap="none" dirty="0" smtClean="0" b="0" strike="noStrike">
-              <a:latin typeface="宋体" charset="0"/>
-              <a:ea typeface="宋体" charset="0"/>
+            <a:r>
+              <a:rPr lang="zh-CN" altLang="en-US" sz="2800" b="0" strike="noStrike" cap="none" dirty="0" smtClean="0">
+                <a:latin typeface="宋体" panose="02010600030101010101" pitchFamily="2" charset="-122"/>
+                <a:ea typeface="宋体" panose="02010600030101010101" pitchFamily="2" charset="-122"/>
+              </a:rPr>
+              <a:t>陈俊     物流         网上</a:t>
+            </a:r>
+            <a:endParaRPr lang="zh-CN" altLang="en-US" sz="2800" b="0" strike="noStrike" cap="none" dirty="0" smtClean="0">
+              <a:latin typeface="宋体" panose="02010600030101010101" pitchFamily="2" charset="-122"/>
+              <a:ea typeface="宋体" panose="02010600030101010101" pitchFamily="2" charset="-122"/>
+            </a:endParaRPr>
+          </a:p>
+          <a:p>
+            <a:pPr marL="0" indent="0" algn="l" defTabSz="914400" fontAlgn="auto" latinLnBrk="0">
+              <a:lnSpc>
+                <a:spcPct val="90000"/>
+              </a:lnSpc>
+              <a:spcBef>
+                <a:spcPts val="1000"/>
+              </a:spcBef>
+              <a:spcAft>
+                <a:spcPts val="0"/>
+              </a:spcAft>
+              <a:buFontTx/>
+              <a:buNone/>
+            </a:pPr>
+            <a:r>
+              <a:rPr lang="zh-CN" altLang="en-US" sz="2800" b="0" strike="noStrike" cap="none" dirty="0" smtClean="0">
+                <a:latin typeface="宋体" panose="02010600030101010101" pitchFamily="2" charset="-122"/>
+                <a:ea typeface="宋体" panose="02010600030101010101" pitchFamily="2" charset="-122"/>
+              </a:rPr>
+              <a:t>多亚宁                朋友推荐 </a:t>
+            </a:r>
+            <a:endParaRPr lang="zh-CN" altLang="en-US" sz="2800" b="0" strike="noStrike" cap="none" dirty="0" smtClean="0">
+              <a:latin typeface="宋体" panose="02010600030101010101" pitchFamily="2" charset="-122"/>
+              <a:ea typeface="宋体" panose="02010600030101010101" pitchFamily="2" charset="-122"/>
+            </a:endParaRPr>
+          </a:p>
+          <a:p>
+            <a:pPr marL="0" indent="0" algn="l" defTabSz="914400" fontAlgn="auto" latinLnBrk="0">
+              <a:lnSpc>
+                <a:spcPct val="90000"/>
+              </a:lnSpc>
+              <a:spcBef>
+                <a:spcPts val="1000"/>
+              </a:spcBef>
+              <a:spcAft>
+                <a:spcPts val="0"/>
+              </a:spcAft>
+              <a:buFontTx/>
+              <a:buNone/>
+            </a:pPr>
+            <a:r>
+              <a:rPr lang="zh-CN" altLang="en-US" sz="2800" b="0" strike="noStrike" cap="none" dirty="0" smtClean="0">
+                <a:latin typeface="宋体" panose="02010600030101010101" pitchFamily="2" charset="-122"/>
+                <a:ea typeface="宋体" panose="02010600030101010101" pitchFamily="2" charset="-122"/>
+              </a:rPr>
+              <a:t>高欢     贷款         朋友推荐   </a:t>
+            </a:r>
+            <a:endParaRPr lang="zh-CN" altLang="en-US" sz="2800" b="0" strike="noStrike" cap="none" dirty="0" smtClean="0">
+              <a:latin typeface="宋体" panose="02010600030101010101" pitchFamily="2" charset="-122"/>
+              <a:ea typeface="宋体" panose="02010600030101010101" pitchFamily="2" charset="-122"/>
+            </a:endParaRPr>
+          </a:p>
+          <a:p>
+            <a:pPr marL="0" indent="0" algn="l" defTabSz="914400" fontAlgn="auto" latinLnBrk="0">
+              <a:lnSpc>
+                <a:spcPct val="90000"/>
+              </a:lnSpc>
+              <a:spcBef>
+                <a:spcPts val="1000"/>
+              </a:spcBef>
+              <a:spcAft>
+                <a:spcPts val="0"/>
+              </a:spcAft>
+              <a:buFontTx/>
+              <a:buNone/>
+            </a:pPr>
+            <a:r>
+              <a:rPr lang="zh-CN" altLang="en-US" sz="2800" b="0" strike="noStrike" cap="none" dirty="0" smtClean="0">
+                <a:latin typeface="宋体" panose="02010600030101010101" pitchFamily="2" charset="-122"/>
+                <a:ea typeface="宋体" panose="02010600030101010101" pitchFamily="2" charset="-122"/>
+              </a:rPr>
+              <a:t>刘秀欢                朋友推荐</a:t>
+            </a:r>
+            <a:endParaRPr lang="zh-CN" altLang="en-US" sz="2800" b="0" strike="noStrike" cap="none" dirty="0" smtClean="0">
+              <a:latin typeface="宋体" panose="02010600030101010101" pitchFamily="2" charset="-122"/>
+              <a:ea typeface="宋体" panose="02010600030101010101" pitchFamily="2" charset="-122"/>
             </a:endParaRPr>
           </a:p>
         </p:txBody>
@@ -19413,7 +19510,7 @@
 </file>
 
 <file path=ppt/slides/slide5.xml><?xml version="1.0" encoding="utf-8"?>
-<p:sld xmlns:a="http://schemas.openxmlformats.org/drawingml/2006/main" xmlns:r="http://schemas.openxmlformats.org/officeDocument/2006/relationships" xmlns:p="http://schemas.openxmlformats.org/presentationml/2006/main" xmlns:p14="http://schemas.microsoft.com/office/powerpoint/2010/main">
+<p:sld xmlns:a="http://schemas.openxmlformats.org/drawingml/2006/main" xmlns:r="http://schemas.openxmlformats.org/officeDocument/2006/relationships" xmlns:p="http://schemas.openxmlformats.org/presentationml/2006/main">
   <p:cSld>
     <p:spTree>
       <p:nvGrpSpPr>
@@ -19509,12 +19606,12 @@
           </a:prstGeom>
         </p:spPr>
         <p:txBody>
-          <a:bodyPr wrap="square" lIns="91440" tIns="45720" rIns="91440" bIns="45720" numCol="1" vert="horz" anchor="t">
+          <a:bodyPr vert="horz" wrap="square" lIns="91440" tIns="45720" rIns="91440" bIns="45720" numCol="1" anchor="t">
             <a:noAutofit/>
           </a:bodyPr>
           <a:lstStyle/>
           <a:p>
-            <a:pPr marL="228600" indent="-228600" algn="l" fontAlgn="auto" defTabSz="914400" latinLnBrk="0">
+            <a:pPr marL="228600" indent="-228600" algn="l" defTabSz="914400" fontAlgn="auto" latinLnBrk="0">
               <a:lnSpc>
                 <a:spcPct val="90000"/>
               </a:lnSpc>
@@ -19527,23 +19624,23 @@
               <a:buClr>
                 <a:srgbClr val="000000"/>
               </a:buClr>
-              <a:buFont typeface="宋体"/>
+              <a:buFont typeface="宋体" panose="02010600030101010101" pitchFamily="2" charset="-122"/>
               <a:buChar char="•"/>
             </a:pPr>
             <a:r>
-              <a:rPr lang="en-US" altLang="ko-KR" sz="2800" cap="none" dirty="0" smtClean="0" b="0" strike="noStrike">
+              <a:rPr lang="en-US" altLang="ko-KR" sz="2800" b="0" strike="noStrike" cap="none" dirty="0" smtClean="0">
                 <a:latin typeface="仿宋" charset="0"/>
                 <a:ea typeface="仿宋" charset="0"/>
               </a:rPr>
               <a:t>课程介绍：</a:t>
             </a:r>
-            <a:endParaRPr lang="ko-KR" altLang="en-US" sz="2800" cap="none" dirty="0" smtClean="0" b="0" strike="noStrike">
+            <a:endParaRPr lang="ko-KR" altLang="en-US" sz="2800" b="0" strike="noStrike" cap="none" dirty="0" smtClean="0">
               <a:latin typeface="仿宋" charset="0"/>
               <a:ea typeface="仿宋" charset="0"/>
             </a:endParaRPr>
           </a:p>
           <a:p>
-            <a:pPr marL="0" indent="0" algn="l" fontAlgn="auto" defTabSz="914400" latinLnBrk="0">
+            <a:pPr marL="0" indent="0" algn="l" defTabSz="914400" fontAlgn="auto" latinLnBrk="0">
               <a:lnSpc>
                 <a:spcPct val="130000"/>
               </a:lnSpc>
@@ -19557,14 +19654,14 @@
               <a:buNone/>
             </a:pPr>
             <a:r>
-              <a:rPr lang="en-US" altLang="ko-KR" sz="2400" cap="none" dirty="0" smtClean="0" b="0" strike="noStrike">
+              <a:rPr lang="en-US" altLang="ko-KR" sz="2400" b="0" strike="noStrike" cap="none" dirty="0" smtClean="0">
                 <a:latin typeface="Adobe 仿宋 Std R" charset="0"/>
                 <a:ea typeface="Adobe 仿宋 Std R" charset="0"/>
               </a:rPr>
               <a:t>  学习流程：共计</a:t>
             </a:r>
             <a:r>
-              <a:rPr lang="en-US" altLang="ko-KR" sz="2400" cap="none" dirty="0" smtClean="0" b="0" strike="noStrike">
+              <a:rPr lang="en-US" altLang="ko-KR" sz="2400" b="0" strike="noStrike" cap="none" dirty="0" smtClean="0">
                 <a:solidFill>
                   <a:srgbClr val="FF0000"/>
                 </a:solidFill>
@@ -19574,14 +19671,14 @@
               <a:t>3周</a:t>
             </a:r>
             <a:r>
-              <a:rPr lang="en-US" altLang="ko-KR" sz="2400" cap="none" dirty="0" smtClean="0" b="0" strike="noStrike">
+              <a:rPr lang="en-US" altLang="ko-KR" sz="2400" b="0" strike="noStrike" cap="none" dirty="0" smtClean="0">
                 <a:latin typeface="Adobe 仿宋 Std R" charset="0"/>
                 <a:ea typeface="Adobe 仿宋 Std R" charset="0"/>
               </a:rPr>
               <a:t>的课程，</a:t>
             </a:r>
             <a:r>
-              <a:rPr lang="en-US" altLang="ko-KR" sz="2400" cap="none" dirty="0" smtClean="0" b="0" strike="noStrike">
+              <a:rPr lang="en-US" altLang="ko-KR" sz="2400" b="0" strike="noStrike" cap="none" dirty="0" smtClean="0">
                 <a:solidFill>
                   <a:srgbClr val="FF0000"/>
                 </a:solidFill>
@@ -19591,14 +19688,14 @@
               <a:t>第一天免费试听</a:t>
             </a:r>
             <a:r>
-              <a:rPr lang="en-US" altLang="ko-KR" sz="2400" cap="none" dirty="0" smtClean="0" b="0" strike="noStrike">
+              <a:rPr lang="en-US" altLang="ko-KR" sz="2400" b="0" strike="noStrike" cap="none" dirty="0" smtClean="0">
                 <a:latin typeface="Adobe 仿宋 Std R" charset="0"/>
                 <a:ea typeface="Adobe 仿宋 Std R" charset="0"/>
               </a:rPr>
               <a:t>，</a:t>
             </a:r>
             <a:r>
-              <a:rPr lang="en-US" altLang="ko-KR" sz="2400" cap="none" dirty="0" smtClean="0" b="0" strike="noStrike">
+              <a:rPr lang="en-US" altLang="ko-KR" sz="2400" b="0" strike="noStrike" cap="none" dirty="0" smtClean="0">
                 <a:solidFill>
                   <a:srgbClr val="FF0000"/>
                 </a:solidFill>
@@ -19607,7 +19704,7 @@
               </a:rPr>
               <a:t>一周之内如果觉得自己不适合，都可以申请全额退款。</a:t>
             </a:r>
-            <a:endParaRPr lang="ko-KR" altLang="en-US" sz="2400" cap="none" dirty="0" smtClean="0" b="0" strike="noStrike">
+            <a:endParaRPr lang="ko-KR" altLang="en-US" sz="2400" b="0" strike="noStrike" cap="none" dirty="0" smtClean="0">
               <a:solidFill>
                 <a:srgbClr val="FF0000"/>
               </a:solidFill>
@@ -19616,7 +19713,7 @@
             </a:endParaRPr>
           </a:p>
           <a:p>
-            <a:pPr marL="0" indent="0" algn="l" fontAlgn="auto" defTabSz="914400" latinLnBrk="0">
+            <a:pPr marL="0" indent="0" algn="l" defTabSz="914400" fontAlgn="auto" latinLnBrk="0">
               <a:lnSpc>
                 <a:spcPct val="130000"/>
               </a:lnSpc>
@@ -19630,19 +19727,19 @@
               <a:buNone/>
             </a:pPr>
             <a:r>
-              <a:rPr lang="en-US" altLang="ko-KR" sz="2400" cap="none" dirty="0" smtClean="0" b="0" strike="noStrike">
+              <a:rPr lang="en-US" altLang="ko-KR" sz="2400" b="0" strike="noStrike" cap="none" dirty="0" smtClean="0">
                 <a:latin typeface="Adobe 仿宋 Std R" charset="0"/>
                 <a:ea typeface="Adobe 仿宋 Std R" charset="0"/>
               </a:rPr>
               <a:t>  学习目标：三周课程结束，可以独立完成像京东、淘宝、好123首页等静态页面给你的后期打下坚实的基础。</a:t>
             </a:r>
-            <a:endParaRPr lang="ko-KR" altLang="en-US" sz="2400" cap="none" dirty="0" smtClean="0" b="0" strike="noStrike">
+            <a:endParaRPr lang="ko-KR" altLang="en-US" sz="2400" b="0" strike="noStrike" cap="none" dirty="0" smtClean="0">
               <a:latin typeface="Adobe 仿宋 Std R" charset="0"/>
               <a:ea typeface="Adobe 仿宋 Std R" charset="0"/>
             </a:endParaRPr>
           </a:p>
           <a:p>
-            <a:pPr marL="0" indent="0" algn="l" fontAlgn="auto" defTabSz="914400" latinLnBrk="0">
+            <a:pPr marL="0" indent="0" algn="l" defTabSz="914400" fontAlgn="auto" latinLnBrk="0">
               <a:lnSpc>
                 <a:spcPct val="130000"/>
               </a:lnSpc>
@@ -19656,14 +19753,14 @@
               <a:buNone/>
             </a:pPr>
             <a:r>
-              <a:rPr lang="en-US" altLang="ko-KR" sz="2400" cap="none" dirty="0" smtClean="0" b="0" strike="noStrike">
+              <a:rPr lang="en-US" altLang="ko-KR" sz="2400" b="0" strike="noStrike" cap="none" dirty="0" smtClean="0">
                 <a:latin typeface="Adobe 仿宋 Std R" charset="0"/>
                 <a:ea typeface="Adobe 仿宋 Std R" charset="0"/>
               </a:rPr>
               <a:t>  上课模式：课堂采用</a:t>
             </a:r>
             <a:r>
-              <a:rPr lang="en-US" altLang="ko-KR" sz="2400" cap="none" dirty="0" smtClean="0" b="0" strike="noStrike">
+              <a:rPr lang="en-US" altLang="ko-KR" sz="2400" b="0" strike="noStrike" cap="none" dirty="0" smtClean="0">
                 <a:solidFill>
                   <a:srgbClr val="FF0000"/>
                 </a:solidFill>
@@ -19673,14 +19770,14 @@
               <a:t>投影仪的课堂模式</a:t>
             </a:r>
             <a:r>
-              <a:rPr lang="en-US" altLang="ko-KR" sz="2400" cap="none" dirty="0" smtClean="0" b="0" strike="noStrike">
+              <a:rPr lang="en-US" altLang="ko-KR" sz="2400" b="0" strike="noStrike" cap="none" dirty="0" smtClean="0">
                 <a:latin typeface="Adobe 仿宋 Std R" charset="0"/>
                 <a:ea typeface="Adobe 仿宋 Std R" charset="0"/>
               </a:rPr>
               <a:t>，讲师讲课，学员跟着操作，有疑问的地方，可以随时打断老师，老师会给与解答。</a:t>
             </a:r>
             <a:r>
-              <a:rPr lang="en-US" altLang="ko-KR" sz="2400" cap="none" dirty="0" smtClean="0" b="0" strike="noStrike">
+              <a:rPr lang="en-US" altLang="ko-KR" sz="2400" b="0" strike="noStrike" cap="none" dirty="0" smtClean="0">
                 <a:solidFill>
                   <a:srgbClr val="FF0000"/>
                 </a:solidFill>
@@ -19690,14 +19787,14 @@
               <a:t>讲师全程陪同学生</a:t>
             </a:r>
             <a:r>
-              <a:rPr lang="en-US" altLang="ko-KR" sz="2400" cap="none" dirty="0" smtClean="0" b="0" strike="noStrike">
+              <a:rPr lang="en-US" altLang="ko-KR" sz="2400" b="0" strike="noStrike" cap="none" dirty="0" smtClean="0">
                 <a:latin typeface="Adobe 仿宋 Std R" charset="0"/>
                 <a:ea typeface="Adobe 仿宋 Std R" charset="0"/>
               </a:rPr>
               <a:t>，晚自习也是当天的</a:t>
             </a:r>
             <a:r>
-              <a:rPr lang="en-US" altLang="ko-KR" sz="2400" cap="none" dirty="0" smtClean="0" b="0" strike="noStrike">
+              <a:rPr lang="en-US" altLang="ko-KR" sz="2400" b="0" strike="noStrike" cap="none" dirty="0" smtClean="0">
                 <a:solidFill>
                   <a:srgbClr val="FF0000"/>
                 </a:solidFill>
@@ -19707,19 +19804,19 @@
               <a:t>讲师全程辅导</a:t>
             </a:r>
             <a:r>
-              <a:rPr lang="en-US" altLang="ko-KR" sz="2400" cap="none" dirty="0" smtClean="0" b="0" strike="noStrike">
+              <a:rPr lang="en-US" altLang="ko-KR" sz="2400" b="0" strike="noStrike" cap="none" dirty="0" smtClean="0">
                 <a:latin typeface="Adobe 仿宋 Std R" charset="0"/>
                 <a:ea typeface="Adobe 仿宋 Std R" charset="0"/>
               </a:rPr>
               <a:t>，对于接受慢，或者听不懂的同学，可以进行讲师单独补课。上课的</a:t>
             </a:r>
-            <a:endParaRPr lang="ko-KR" altLang="en-US" sz="2400" cap="none" dirty="0" smtClean="0" b="0" strike="noStrike">
+            <a:endParaRPr lang="ko-KR" altLang="en-US" sz="2400" b="0" strike="noStrike" cap="none" dirty="0" smtClean="0">
               <a:latin typeface="Adobe 仿宋 Std R" charset="0"/>
               <a:ea typeface="Adobe 仿宋 Std R" charset="0"/>
             </a:endParaRPr>
           </a:p>
           <a:p>
-            <a:pPr marL="0" indent="0" algn="l" fontAlgn="auto" defTabSz="914400" latinLnBrk="0">
+            <a:pPr marL="0" indent="0" algn="l" defTabSz="914400" fontAlgn="auto" latinLnBrk="0">
               <a:lnSpc>
                 <a:spcPct val="130000"/>
               </a:lnSpc>
@@ -19732,13 +19829,13 @@
               <a:buFontTx/>
               <a:buNone/>
             </a:pPr>
-            <a:endParaRPr lang="ko-KR" altLang="en-US" sz="2400" cap="none" dirty="0" smtClean="0" b="0" strike="noStrike">
+            <a:endParaRPr lang="ko-KR" altLang="en-US" sz="2400" b="0" strike="noStrike" cap="none" dirty="0" smtClean="0">
               <a:latin typeface="Adobe 仿宋 Std R" charset="0"/>
               <a:ea typeface="Adobe 仿宋 Std R" charset="0"/>
             </a:endParaRPr>
           </a:p>
           <a:p>
-            <a:pPr marL="0" indent="0" algn="l" fontAlgn="auto" defTabSz="914400" latinLnBrk="0">
+            <a:pPr marL="0" indent="0" algn="l" defTabSz="914400" fontAlgn="auto" latinLnBrk="0">
               <a:lnSpc>
                 <a:spcPct val="130000"/>
               </a:lnSpc>
@@ -19752,19 +19849,19 @@
               <a:buNone/>
             </a:pPr>
             <a:r>
-              <a:rPr lang="en-US" altLang="ko-KR" sz="2400" cap="none" dirty="0" smtClean="0" b="0" strike="noStrike">
+              <a:rPr lang="en-US" altLang="ko-KR" sz="2400" b="0" strike="noStrike" cap="none" dirty="0" smtClean="0">
                 <a:latin typeface="Adobe 仿宋 Std R" charset="0"/>
                 <a:ea typeface="Adobe 仿宋 Std R" charset="0"/>
               </a:rPr>
               <a:t>   </a:t>
             </a:r>
-            <a:endParaRPr lang="ko-KR" altLang="en-US" sz="2400" cap="none" dirty="0" smtClean="0" b="0" strike="noStrike">
+            <a:endParaRPr lang="ko-KR" altLang="en-US" sz="2400" b="0" strike="noStrike" cap="none" dirty="0" smtClean="0">
               <a:latin typeface="Adobe 仿宋 Std R" charset="0"/>
               <a:ea typeface="Adobe 仿宋 Std R" charset="0"/>
             </a:endParaRPr>
           </a:p>
           <a:p>
-            <a:pPr marL="0" indent="0" algn="l" fontAlgn="auto" defTabSz="914400" latinLnBrk="0">
+            <a:pPr marL="0" indent="0" algn="l" defTabSz="914400" fontAlgn="auto" latinLnBrk="0">
               <a:lnSpc>
                 <a:spcPct val="130000"/>
               </a:lnSpc>
@@ -19778,19 +19875,19 @@
               <a:buNone/>
             </a:pPr>
             <a:r>
-              <a:rPr lang="en-US" altLang="ko-KR" sz="2400" cap="none" dirty="0" smtClean="0" b="0" strike="noStrike">
+              <a:rPr lang="en-US" altLang="ko-KR" sz="2400" b="0" strike="noStrike" cap="none" dirty="0" smtClean="0">
                 <a:latin typeface="Adobe 仿宋 Std R" charset="0"/>
                 <a:ea typeface="Adobe 仿宋 Std R" charset="0"/>
               </a:rPr>
               <a:t> </a:t>
             </a:r>
-            <a:endParaRPr lang="ko-KR" altLang="en-US" sz="2400" cap="none" dirty="0" smtClean="0" b="0" strike="noStrike">
+            <a:endParaRPr lang="ko-KR" altLang="en-US" sz="2400" b="0" strike="noStrike" cap="none" dirty="0" smtClean="0">
               <a:latin typeface="Adobe 仿宋 Std R" charset="0"/>
               <a:ea typeface="Adobe 仿宋 Std R" charset="0"/>
             </a:endParaRPr>
           </a:p>
           <a:p>
-            <a:pPr marL="0" indent="0" algn="l" fontAlgn="auto" defTabSz="914400" latinLnBrk="0">
+            <a:pPr marL="0" indent="0" algn="l" defTabSz="914400" fontAlgn="auto" latinLnBrk="0">
               <a:lnSpc>
                 <a:spcPct val="130000"/>
               </a:lnSpc>
@@ -19804,20 +19901,20 @@
               <a:buNone/>
             </a:pPr>
             <a:r>
-              <a:rPr lang="en-US" altLang="ko-KR" sz="2800" cap="none" dirty="0" smtClean="0" b="0" strike="noStrike">
+              <a:rPr lang="en-US" altLang="ko-KR" sz="2800" b="0" strike="noStrike" cap="none" dirty="0" smtClean="0">
                 <a:latin typeface="Adobe 仿宋 Std R" charset="0"/>
                 <a:ea typeface="Adobe 仿宋 Std R" charset="0"/>
               </a:rPr>
               <a:t>   </a:t>
             </a:r>
             <a:r>
-              <a:rPr lang="en-US" altLang="ko-KR" sz="2400" cap="none" dirty="0" smtClean="0" b="0" strike="noStrike">
+              <a:rPr lang="en-US" altLang="ko-KR" sz="2400" b="0" strike="noStrike" cap="none" dirty="0" smtClean="0">
                 <a:latin typeface="Adobe 仿宋 Std R" charset="0"/>
                 <a:ea typeface="Adobe 仿宋 Std R" charset="0"/>
               </a:rPr>
               <a:t>  </a:t>
             </a:r>
-            <a:endParaRPr lang="ko-KR" altLang="en-US" sz="2400" cap="none" dirty="0" smtClean="0" b="0" strike="noStrike">
+            <a:endParaRPr lang="ko-KR" altLang="en-US" sz="2400" b="0" strike="noStrike" cap="none" dirty="0" smtClean="0">
               <a:latin typeface="Adobe 仿宋 Std R" charset="0"/>
               <a:ea typeface="Adobe 仿宋 Std R" charset="0"/>
             </a:endParaRPr>
@@ -20547,7 +20644,7 @@
 </file>
 
 <file path=ppt/slides/slide6.xml><?xml version="1.0" encoding="utf-8"?>
-<p:sld xmlns:a="http://schemas.openxmlformats.org/drawingml/2006/main" xmlns:r="http://schemas.openxmlformats.org/officeDocument/2006/relationships" xmlns:p="http://schemas.openxmlformats.org/presentationml/2006/main" xmlns:p14="http://schemas.microsoft.com/office/powerpoint/2010/main">
+<p:sld xmlns:a="http://schemas.openxmlformats.org/drawingml/2006/main" xmlns:r="http://schemas.openxmlformats.org/officeDocument/2006/relationships" xmlns:p="http://schemas.openxmlformats.org/presentationml/2006/main">
   <p:cSld>
     <p:spTree>
       <p:nvGrpSpPr>
@@ -20643,12 +20740,12 @@
           </a:prstGeom>
         </p:spPr>
         <p:txBody>
-          <a:bodyPr wrap="square" lIns="91440" tIns="45720" rIns="91440" bIns="45720" numCol="1" vert="horz" anchor="t">
+          <a:bodyPr vert="horz" wrap="square" lIns="91440" tIns="45720" rIns="91440" bIns="45720" numCol="1" anchor="t">
             <a:noAutofit/>
           </a:bodyPr>
           <a:lstStyle/>
           <a:p>
-            <a:pPr marL="228600" indent="-228600" algn="l" fontAlgn="auto" defTabSz="914400" latinLnBrk="0">
+            <a:pPr marL="228600" indent="-228600" algn="l" defTabSz="914400" fontAlgn="auto" latinLnBrk="0">
               <a:lnSpc>
                 <a:spcPct val="90000"/>
               </a:lnSpc>
@@ -20661,23 +20758,23 @@
               <a:buClr>
                 <a:srgbClr val="000000"/>
               </a:buClr>
-              <a:buFont typeface="宋体"/>
+              <a:buFont typeface="宋体" panose="02010600030101010101" pitchFamily="2" charset="-122"/>
               <a:buChar char="•"/>
             </a:pPr>
             <a:r>
-              <a:rPr lang="en-US" altLang="ko-KR" sz="2800" cap="none" dirty="0" smtClean="0" b="0" strike="noStrike">
+              <a:rPr lang="en-US" altLang="ko-KR" sz="2800" b="0" strike="noStrike" cap="none" dirty="0" smtClean="0">
                 <a:latin typeface="仿宋" charset="0"/>
                 <a:ea typeface="仿宋" charset="0"/>
               </a:rPr>
               <a:t>课程介绍：</a:t>
             </a:r>
-            <a:endParaRPr lang="ko-KR" altLang="en-US" sz="2800" cap="none" dirty="0" smtClean="0" b="0" strike="noStrike">
+            <a:endParaRPr lang="ko-KR" altLang="en-US" sz="2800" b="0" strike="noStrike" cap="none" dirty="0" smtClean="0">
               <a:latin typeface="仿宋" charset="0"/>
               <a:ea typeface="仿宋" charset="0"/>
             </a:endParaRPr>
           </a:p>
           <a:p>
-            <a:pPr marL="0" indent="0" algn="l" fontAlgn="auto" defTabSz="914400" latinLnBrk="0">
+            <a:pPr marL="0" indent="0" algn="l" defTabSz="914400" fontAlgn="auto" latinLnBrk="0">
               <a:lnSpc>
                 <a:spcPct val="130000"/>
               </a:lnSpc>
@@ -20691,14 +20788,14 @@
               <a:buNone/>
             </a:pPr>
             <a:r>
-              <a:rPr lang="en-US" altLang="ko-KR" sz="2400" cap="none" dirty="0" smtClean="0" b="0" strike="noStrike">
+              <a:rPr lang="en-US" altLang="ko-KR" sz="2400" b="0" strike="noStrike" cap="none" dirty="0" smtClean="0">
                 <a:latin typeface="Adobe 仿宋 Std R" charset="0"/>
                 <a:ea typeface="Adobe 仿宋 Std R" charset="0"/>
               </a:rPr>
               <a:t>  节奏和大部分同学保持一致，</a:t>
             </a:r>
             <a:r>
-              <a:rPr lang="en-US" altLang="ko-KR" sz="2400" cap="none" dirty="0" smtClean="0" b="0" strike="noStrike">
+              <a:rPr lang="en-US" altLang="ko-KR" sz="2400" b="0" strike="noStrike" cap="none" dirty="0" smtClean="0">
                 <a:solidFill>
                   <a:srgbClr val="FF0000"/>
                 </a:solidFill>
@@ -20708,14 +20805,14 @@
               <a:t>当天课堂上的课件</a:t>
             </a:r>
             <a:r>
-              <a:rPr lang="en-US" altLang="ko-KR" sz="2400" cap="none" dirty="0" smtClean="0" b="0" strike="noStrike">
+              <a:rPr lang="en-US" altLang="ko-KR" sz="2400" b="0" strike="noStrike" cap="none" dirty="0" smtClean="0">
                 <a:latin typeface="Adobe 仿宋 Std R" charset="0"/>
                 <a:ea typeface="Adobe 仿宋 Std R" charset="0"/>
               </a:rPr>
               <a:t>会在6点下课之后，全部发放到</a:t>
             </a:r>
             <a:r>
-              <a:rPr lang="en-US" altLang="ko-KR" sz="2400" cap="none" dirty="0" smtClean="0" b="0" strike="noStrike">
+              <a:rPr lang="en-US" altLang="ko-KR" sz="2400" b="0" strike="noStrike" cap="none" dirty="0" smtClean="0">
                 <a:solidFill>
                   <a:srgbClr val="FF0000"/>
                 </a:solidFill>
@@ -20725,14 +20822,14 @@
               <a:t>正式群，</a:t>
             </a:r>
             <a:r>
-              <a:rPr lang="en-US" altLang="ko-KR" sz="2400" cap="none" dirty="0" smtClean="0" b="0" strike="noStrike">
+              <a:rPr lang="en-US" altLang="ko-KR" sz="2400" b="0" strike="noStrike" cap="none" dirty="0" smtClean="0">
                 <a:latin typeface="Adobe 仿宋 Std R" charset="0"/>
                 <a:ea typeface="Adobe 仿宋 Std R" charset="0"/>
               </a:rPr>
               <a:t>供同学复习使用。每天</a:t>
             </a:r>
             <a:r>
-              <a:rPr lang="en-US" altLang="ko-KR" sz="2400" cap="none" dirty="0" smtClean="0" b="0" strike="noStrike">
+              <a:rPr lang="en-US" altLang="ko-KR" sz="2400" b="0" strike="noStrike" cap="none" dirty="0" smtClean="0">
                 <a:solidFill>
                   <a:srgbClr val="FF0000"/>
                 </a:solidFill>
@@ -20742,19 +20839,19 @@
               <a:t>提前发放预习大纲</a:t>
             </a:r>
             <a:r>
-              <a:rPr lang="en-US" altLang="ko-KR" sz="2400" cap="none" dirty="0" smtClean="0" b="0" strike="noStrike">
+              <a:rPr lang="en-US" altLang="ko-KR" sz="2400" b="0" strike="noStrike" cap="none" dirty="0" smtClean="0">
                 <a:latin typeface="Adobe 仿宋 Std R" charset="0"/>
                 <a:ea typeface="Adobe 仿宋 Std R" charset="0"/>
               </a:rPr>
               <a:t>给同学，供预习使用。</a:t>
             </a:r>
-            <a:endParaRPr lang="ko-KR" altLang="en-US" sz="2400" cap="none" dirty="0" smtClean="0" b="0" strike="noStrike">
+            <a:endParaRPr lang="ko-KR" altLang="en-US" sz="2400" b="0" strike="noStrike" cap="none" dirty="0" smtClean="0">
               <a:latin typeface="Adobe 仿宋 Std R" charset="0"/>
               <a:ea typeface="Adobe 仿宋 Std R" charset="0"/>
             </a:endParaRPr>
           </a:p>
           <a:p>
-            <a:pPr marL="0" indent="0" algn="l" fontAlgn="auto" defTabSz="914400" latinLnBrk="0">
+            <a:pPr marL="0" indent="0" algn="l" defTabSz="914400" fontAlgn="auto" latinLnBrk="0">
               <a:lnSpc>
                 <a:spcPct val="90000"/>
               </a:lnSpc>
@@ -20767,13 +20864,13 @@
               <a:buFontTx/>
               <a:buNone/>
             </a:pPr>
-            <a:endParaRPr lang="ko-KR" altLang="en-US" sz="2400" cap="none" dirty="0" smtClean="0" b="0" strike="noStrike">
+            <a:endParaRPr lang="ko-KR" altLang="en-US" sz="2400" b="0" strike="noStrike" cap="none" dirty="0" smtClean="0">
               <a:latin typeface="Adobe 仿宋 Std R" charset="0"/>
               <a:ea typeface="Adobe 仿宋 Std R" charset="0"/>
             </a:endParaRPr>
           </a:p>
           <a:p>
-            <a:pPr marL="0" indent="0" algn="l" fontAlgn="auto" defTabSz="914400" latinLnBrk="0">
+            <a:pPr marL="0" indent="0" algn="l" defTabSz="914400" fontAlgn="auto" latinLnBrk="0">
               <a:lnSpc>
                 <a:spcPct val="130000"/>
               </a:lnSpc>
@@ -20786,13 +20883,13 @@
               <a:buFontTx/>
               <a:buNone/>
             </a:pPr>
-            <a:endParaRPr lang="ko-KR" altLang="en-US" sz="2400" cap="none" dirty="0" smtClean="0" b="0" strike="noStrike">
+            <a:endParaRPr lang="ko-KR" altLang="en-US" sz="2400" b="0" strike="noStrike" cap="none" dirty="0" smtClean="0">
               <a:latin typeface="Adobe 仿宋 Std R" charset="0"/>
               <a:ea typeface="Adobe 仿宋 Std R" charset="0"/>
             </a:endParaRPr>
           </a:p>
           <a:p>
-            <a:pPr marL="0" indent="0" algn="l" fontAlgn="auto" defTabSz="914400" latinLnBrk="0">
+            <a:pPr marL="0" indent="0" algn="l" defTabSz="914400" fontAlgn="auto" latinLnBrk="0">
               <a:lnSpc>
                 <a:spcPct val="130000"/>
               </a:lnSpc>
@@ -20805,13 +20902,13 @@
               <a:buFontTx/>
               <a:buNone/>
             </a:pPr>
-            <a:endParaRPr lang="ko-KR" altLang="en-US" sz="2400" cap="none" dirty="0" smtClean="0" b="0" strike="noStrike">
+            <a:endParaRPr lang="ko-KR" altLang="en-US" sz="2400" b="0" strike="noStrike" cap="none" dirty="0" smtClean="0">
               <a:latin typeface="Adobe 仿宋 Std R" charset="0"/>
               <a:ea typeface="Adobe 仿宋 Std R" charset="0"/>
             </a:endParaRPr>
           </a:p>
           <a:p>
-            <a:pPr marL="0" indent="0" algn="l" fontAlgn="auto" defTabSz="914400" latinLnBrk="0">
+            <a:pPr marL="0" indent="0" algn="l" defTabSz="914400" fontAlgn="auto" latinLnBrk="0">
               <a:lnSpc>
                 <a:spcPct val="130000"/>
               </a:lnSpc>
@@ -20824,13 +20921,13 @@
               <a:buFontTx/>
               <a:buNone/>
             </a:pPr>
-            <a:endParaRPr lang="ko-KR" altLang="en-US" sz="2400" cap="none" dirty="0" smtClean="0" b="1" strike="noStrike">
+            <a:endParaRPr lang="ko-KR" altLang="en-US" sz="2400" b="1" strike="noStrike" cap="none" dirty="0" smtClean="0">
               <a:latin typeface="Adobe 仿宋 Std R" charset="0"/>
               <a:ea typeface="Adobe 仿宋 Std R" charset="0"/>
             </a:endParaRPr>
           </a:p>
           <a:p>
-            <a:pPr marL="0" indent="0" algn="l" fontAlgn="auto" defTabSz="914400" latinLnBrk="0">
+            <a:pPr marL="0" indent="0" algn="l" defTabSz="914400" fontAlgn="auto" latinLnBrk="0">
               <a:lnSpc>
                 <a:spcPct val="130000"/>
               </a:lnSpc>
@@ -20844,19 +20941,19 @@
               <a:buNone/>
             </a:pPr>
             <a:r>
-              <a:rPr lang="en-US" altLang="ko-KR" sz="2400" cap="none" dirty="0" smtClean="0" b="0" strike="noStrike">
+              <a:rPr lang="en-US" altLang="ko-KR" sz="2400" b="0" strike="noStrike" cap="none" dirty="0" smtClean="0">
                 <a:latin typeface="Adobe 仿宋 Std R" charset="0"/>
                 <a:ea typeface="Adobe 仿宋 Std R" charset="0"/>
               </a:rPr>
               <a:t>   </a:t>
             </a:r>
-            <a:endParaRPr lang="ko-KR" altLang="en-US" sz="2400" cap="none" dirty="0" smtClean="0" b="0" strike="noStrike">
+            <a:endParaRPr lang="ko-KR" altLang="en-US" sz="2400" b="0" strike="noStrike" cap="none" dirty="0" smtClean="0">
               <a:latin typeface="Adobe 仿宋 Std R" charset="0"/>
               <a:ea typeface="Adobe 仿宋 Std R" charset="0"/>
             </a:endParaRPr>
           </a:p>
           <a:p>
-            <a:pPr marL="0" indent="0" algn="l" fontAlgn="auto" defTabSz="914400" latinLnBrk="0">
+            <a:pPr marL="0" indent="0" algn="l" defTabSz="914400" fontAlgn="auto" latinLnBrk="0">
               <a:lnSpc>
                 <a:spcPct val="130000"/>
               </a:lnSpc>
@@ -20870,19 +20967,19 @@
               <a:buNone/>
             </a:pPr>
             <a:r>
-              <a:rPr lang="en-US" altLang="ko-KR" sz="2400" cap="none" dirty="0" smtClean="0" b="0" strike="noStrike">
+              <a:rPr lang="en-US" altLang="ko-KR" sz="2400" b="0" strike="noStrike" cap="none" dirty="0" smtClean="0">
                 <a:latin typeface="Adobe 仿宋 Std R" charset="0"/>
                 <a:ea typeface="Adobe 仿宋 Std R" charset="0"/>
               </a:rPr>
               <a:t> </a:t>
             </a:r>
-            <a:endParaRPr lang="ko-KR" altLang="en-US" sz="2400" cap="none" dirty="0" smtClean="0" b="0" strike="noStrike">
+            <a:endParaRPr lang="ko-KR" altLang="en-US" sz="2400" b="0" strike="noStrike" cap="none" dirty="0" smtClean="0">
               <a:latin typeface="Adobe 仿宋 Std R" charset="0"/>
               <a:ea typeface="Adobe 仿宋 Std R" charset="0"/>
             </a:endParaRPr>
           </a:p>
           <a:p>
-            <a:pPr marL="0" indent="0" algn="l" fontAlgn="auto" defTabSz="914400" latinLnBrk="0">
+            <a:pPr marL="0" indent="0" algn="l" defTabSz="914400" fontAlgn="auto" latinLnBrk="0">
               <a:lnSpc>
                 <a:spcPct val="130000"/>
               </a:lnSpc>
@@ -20896,20 +20993,20 @@
               <a:buNone/>
             </a:pPr>
             <a:r>
-              <a:rPr lang="en-US" altLang="ko-KR" sz="2800" cap="none" dirty="0" smtClean="0" b="0" strike="noStrike">
+              <a:rPr lang="en-US" altLang="ko-KR" sz="2800" b="0" strike="noStrike" cap="none" dirty="0" smtClean="0">
                 <a:latin typeface="Adobe 仿宋 Std R" charset="0"/>
                 <a:ea typeface="Adobe 仿宋 Std R" charset="0"/>
               </a:rPr>
               <a:t>   </a:t>
             </a:r>
             <a:r>
-              <a:rPr lang="en-US" altLang="ko-KR" sz="2400" cap="none" dirty="0" smtClean="0" b="0" strike="noStrike">
+              <a:rPr lang="en-US" altLang="ko-KR" sz="2400" b="0" strike="noStrike" cap="none" dirty="0" smtClean="0">
                 <a:latin typeface="Adobe 仿宋 Std R" charset="0"/>
                 <a:ea typeface="Adobe 仿宋 Std R" charset="0"/>
               </a:rPr>
               <a:t>  </a:t>
             </a:r>
-            <a:endParaRPr lang="ko-KR" altLang="en-US" sz="2400" cap="none" dirty="0" smtClean="0" b="0" strike="noStrike">
+            <a:endParaRPr lang="ko-KR" altLang="en-US" sz="2400" b="0" strike="noStrike" cap="none" dirty="0" smtClean="0">
               <a:latin typeface="Adobe 仿宋 Std R" charset="0"/>
               <a:ea typeface="Adobe 仿宋 Std R" charset="0"/>
             </a:endParaRPr>
